--- a/pysal/contrib/points/tests/img_making.pptx
+++ b/pysal/contrib/points/tests/img_making.pptx
@@ -7,7 +7,8 @@
   <p:sldIdLst>
     <p:sldId id="256" r:id="rId2"/>
     <p:sldId id="257" r:id="rId3"/>
-    <p:sldId id="258" r:id="rId4"/>
+    <p:sldId id="259" r:id="rId4"/>
+    <p:sldId id="258" r:id="rId5"/>
   </p:sldIdLst>
   <p:sldSz cx="12192000" cy="6858000"/>
   <p:notesSz cx="6858000" cy="9144000"/>
@@ -240,7 +241,7 @@
           <a:p>
             <a:fld id="{2C34BA10-CDF1-4854-A230-1AC6C81CA25B}" type="datetimeFigureOut">
               <a:rPr lang="en-US" smtClean="0"/>
-              <a:t>4/21/2016</a:t>
+              <a:t>4/21/16</a:t>
             </a:fld>
             <a:endParaRPr lang="en-US"/>
           </a:p>
@@ -410,7 +411,7 @@
           <a:p>
             <a:fld id="{2C34BA10-CDF1-4854-A230-1AC6C81CA25B}" type="datetimeFigureOut">
               <a:rPr lang="en-US" smtClean="0"/>
-              <a:t>4/21/2016</a:t>
+              <a:t>4/21/16</a:t>
             </a:fld>
             <a:endParaRPr lang="en-US"/>
           </a:p>
@@ -590,7 +591,7 @@
           <a:p>
             <a:fld id="{2C34BA10-CDF1-4854-A230-1AC6C81CA25B}" type="datetimeFigureOut">
               <a:rPr lang="en-US" smtClean="0"/>
-              <a:t>4/21/2016</a:t>
+              <a:t>4/21/16</a:t>
             </a:fld>
             <a:endParaRPr lang="en-US"/>
           </a:p>
@@ -760,7 +761,7 @@
           <a:p>
             <a:fld id="{2C34BA10-CDF1-4854-A230-1AC6C81CA25B}" type="datetimeFigureOut">
               <a:rPr lang="en-US" smtClean="0"/>
-              <a:t>4/21/2016</a:t>
+              <a:t>4/21/16</a:t>
             </a:fld>
             <a:endParaRPr lang="en-US"/>
           </a:p>
@@ -1006,7 +1007,7 @@
           <a:p>
             <a:fld id="{2C34BA10-CDF1-4854-A230-1AC6C81CA25B}" type="datetimeFigureOut">
               <a:rPr lang="en-US" smtClean="0"/>
-              <a:t>4/21/2016</a:t>
+              <a:t>4/21/16</a:t>
             </a:fld>
             <a:endParaRPr lang="en-US"/>
           </a:p>
@@ -1238,7 +1239,7 @@
           <a:p>
             <a:fld id="{2C34BA10-CDF1-4854-A230-1AC6C81CA25B}" type="datetimeFigureOut">
               <a:rPr lang="en-US" smtClean="0"/>
-              <a:t>4/21/2016</a:t>
+              <a:t>4/21/16</a:t>
             </a:fld>
             <a:endParaRPr lang="en-US"/>
           </a:p>
@@ -1605,7 +1606,7 @@
           <a:p>
             <a:fld id="{2C34BA10-CDF1-4854-A230-1AC6C81CA25B}" type="datetimeFigureOut">
               <a:rPr lang="en-US" smtClean="0"/>
-              <a:t>4/21/2016</a:t>
+              <a:t>4/21/16</a:t>
             </a:fld>
             <a:endParaRPr lang="en-US"/>
           </a:p>
@@ -1723,7 +1724,7 @@
           <a:p>
             <a:fld id="{2C34BA10-CDF1-4854-A230-1AC6C81CA25B}" type="datetimeFigureOut">
               <a:rPr lang="en-US" smtClean="0"/>
-              <a:t>4/21/2016</a:t>
+              <a:t>4/21/16</a:t>
             </a:fld>
             <a:endParaRPr lang="en-US"/>
           </a:p>
@@ -1818,7 +1819,7 @@
           <a:p>
             <a:fld id="{2C34BA10-CDF1-4854-A230-1AC6C81CA25B}" type="datetimeFigureOut">
               <a:rPr lang="en-US" smtClean="0"/>
-              <a:t>4/21/2016</a:t>
+              <a:t>4/21/16</a:t>
             </a:fld>
             <a:endParaRPr lang="en-US"/>
           </a:p>
@@ -2095,7 +2096,7 @@
           <a:p>
             <a:fld id="{2C34BA10-CDF1-4854-A230-1AC6C81CA25B}" type="datetimeFigureOut">
               <a:rPr lang="en-US" smtClean="0"/>
-              <a:t>4/21/2016</a:t>
+              <a:t>4/21/16</a:t>
             </a:fld>
             <a:endParaRPr lang="en-US"/>
           </a:p>
@@ -2348,7 +2349,7 @@
           <a:p>
             <a:fld id="{2C34BA10-CDF1-4854-A230-1AC6C81CA25B}" type="datetimeFigureOut">
               <a:rPr lang="en-US" smtClean="0"/>
-              <a:t>4/21/2016</a:t>
+              <a:t>4/21/16</a:t>
             </a:fld>
             <a:endParaRPr lang="en-US"/>
           </a:p>
@@ -2561,7 +2562,7 @@
           <a:p>
             <a:fld id="{2C34BA10-CDF1-4854-A230-1AC6C81CA25B}" type="datetimeFigureOut">
               <a:rPr lang="en-US" smtClean="0"/>
-              <a:t>4/21/2016</a:t>
+              <a:t>4/21/16</a:t>
             </a:fld>
             <a:endParaRPr lang="en-US"/>
           </a:p>
@@ -5207,10 +5208,775 @@
   <p:clrMapOvr>
     <a:masterClrMapping/>
   </p:clrMapOvr>
+  <p:timing>
+    <p:tnLst>
+      <p:par>
+        <p:cTn xmlns:p14="http://schemas.microsoft.com/office/powerpoint/2010/main" id="1" dur="indefinite" restart="never" nodeType="tmRoot"/>
+      </p:par>
+    </p:tnLst>
+  </p:timing>
 </p:sld>
 </file>
 
 <file path=ppt/slides/slide3.xml><?xml version="1.0" encoding="utf-8"?>
+<p:sld xmlns:a="http://schemas.openxmlformats.org/drawingml/2006/main" xmlns:r="http://schemas.openxmlformats.org/officeDocument/2006/relationships" xmlns:p="http://schemas.openxmlformats.org/presentationml/2006/main">
+  <p:cSld>
+    <p:spTree>
+      <p:nvGrpSpPr>
+        <p:cNvPr id="1" name=""/>
+        <p:cNvGrpSpPr/>
+        <p:nvPr/>
+      </p:nvGrpSpPr>
+      <p:grpSpPr>
+        <a:xfrm>
+          <a:off x="0" y="0"/>
+          <a:ext cx="0" cy="0"/>
+          <a:chOff x="0" y="0"/>
+          <a:chExt cx="0" cy="0"/>
+        </a:xfrm>
+      </p:grpSpPr>
+      <p:grpSp>
+        <p:nvGrpSpPr>
+          <p:cNvPr id="26" name="Group 25"/>
+          <p:cNvGrpSpPr/>
+          <p:nvPr/>
+        </p:nvGrpSpPr>
+        <p:grpSpPr>
+          <a:xfrm>
+            <a:off x="2661920" y="795872"/>
+            <a:ext cx="5957138" cy="2526641"/>
+            <a:chOff x="2661920" y="795872"/>
+            <a:chExt cx="5957138" cy="2526641"/>
+          </a:xfrm>
+        </p:grpSpPr>
+        <p:sp>
+          <p:nvSpPr>
+            <p:cNvPr id="2" name="Rectangle 1"/>
+            <p:cNvSpPr/>
+            <p:nvPr/>
+          </p:nvSpPr>
+          <p:spPr>
+            <a:xfrm>
+              <a:off x="2963333" y="1168400"/>
+              <a:ext cx="2543387" cy="1788160"/>
+            </a:xfrm>
+            <a:prstGeom prst="rect">
+              <a:avLst/>
+            </a:prstGeom>
+            <a:noFill/>
+            <a:ln>
+              <a:solidFill>
+                <a:srgbClr val="FF0000"/>
+              </a:solidFill>
+            </a:ln>
+          </p:spPr>
+          <p:style>
+            <a:lnRef idx="1">
+              <a:schemeClr val="accent1"/>
+            </a:lnRef>
+            <a:fillRef idx="3">
+              <a:schemeClr val="accent1"/>
+            </a:fillRef>
+            <a:effectRef idx="2">
+              <a:schemeClr val="accent1"/>
+            </a:effectRef>
+            <a:fontRef idx="minor">
+              <a:schemeClr val="lt1"/>
+            </a:fontRef>
+          </p:style>
+          <p:txBody>
+            <a:bodyPr rtlCol="0" anchor="ctr"/>
+            <a:lstStyle/>
+            <a:p>
+              <a:pPr algn="ctr"/>
+              <a:endParaRPr lang="en-US"/>
+            </a:p>
+          </p:txBody>
+        </p:sp>
+        <p:cxnSp>
+          <p:nvCxnSpPr>
+            <p:cNvPr id="4" name="Straight Connector 3"/>
+            <p:cNvCxnSpPr>
+              <a:stCxn id="2" idx="1"/>
+              <a:endCxn id="2" idx="3"/>
+            </p:cNvCxnSpPr>
+            <p:nvPr/>
+          </p:nvCxnSpPr>
+          <p:spPr>
+            <a:xfrm>
+              <a:off x="2963333" y="2062480"/>
+              <a:ext cx="2543387" cy="0"/>
+            </a:xfrm>
+            <a:prstGeom prst="line">
+              <a:avLst/>
+            </a:prstGeom>
+            <a:ln>
+              <a:solidFill>
+                <a:srgbClr val="008000"/>
+              </a:solidFill>
+              <a:prstDash val="dash"/>
+            </a:ln>
+          </p:spPr>
+          <p:style>
+            <a:lnRef idx="2">
+              <a:schemeClr val="accent1"/>
+            </a:lnRef>
+            <a:fillRef idx="0">
+              <a:schemeClr val="accent1"/>
+            </a:fillRef>
+            <a:effectRef idx="1">
+              <a:schemeClr val="accent1"/>
+            </a:effectRef>
+            <a:fontRef idx="minor">
+              <a:schemeClr val="tx1"/>
+            </a:fontRef>
+          </p:style>
+        </p:cxnSp>
+        <p:cxnSp>
+          <p:nvCxnSpPr>
+            <p:cNvPr id="6" name="Straight Connector 5"/>
+            <p:cNvCxnSpPr>
+              <a:stCxn id="2" idx="0"/>
+              <a:endCxn id="2" idx="2"/>
+            </p:cNvCxnSpPr>
+            <p:nvPr/>
+          </p:nvCxnSpPr>
+          <p:spPr>
+            <a:xfrm>
+              <a:off x="4235027" y="1168400"/>
+              <a:ext cx="0" cy="1788160"/>
+            </a:xfrm>
+            <a:prstGeom prst="line">
+              <a:avLst/>
+            </a:prstGeom>
+            <a:ln>
+              <a:solidFill>
+                <a:schemeClr val="accent5">
+                  <a:lumMod val="75000"/>
+                </a:schemeClr>
+              </a:solidFill>
+              <a:prstDash val="dash"/>
+            </a:ln>
+          </p:spPr>
+          <p:style>
+            <a:lnRef idx="2">
+              <a:schemeClr val="accent1"/>
+            </a:lnRef>
+            <a:fillRef idx="0">
+              <a:schemeClr val="accent1"/>
+            </a:fillRef>
+            <a:effectRef idx="1">
+              <a:schemeClr val="accent1"/>
+            </a:effectRef>
+            <a:fontRef idx="minor">
+              <a:schemeClr val="tx1"/>
+            </a:fontRef>
+          </p:style>
+        </p:cxnSp>
+        <p:sp>
+          <p:nvSpPr>
+            <p:cNvPr id="8" name="TextBox 7"/>
+            <p:cNvSpPr txBox="1"/>
+            <p:nvPr/>
+          </p:nvSpPr>
+          <p:spPr>
+            <a:xfrm>
+              <a:off x="2661920" y="2225040"/>
+              <a:ext cx="301660" cy="369332"/>
+            </a:xfrm>
+            <a:prstGeom prst="rect">
+              <a:avLst/>
+            </a:prstGeom>
+            <a:noFill/>
+          </p:spPr>
+          <p:txBody>
+            <a:bodyPr wrap="none" rtlCol="0">
+              <a:spAutoFit/>
+            </a:bodyPr>
+            <a:lstStyle/>
+            <a:p>
+              <a:r>
+                <a:rPr lang="en-US" dirty="0" smtClean="0"/>
+                <a:t>1</a:t>
+              </a:r>
+              <a:endParaRPr lang="en-US" dirty="0"/>
+            </a:p>
+          </p:txBody>
+        </p:sp>
+        <p:sp>
+          <p:nvSpPr>
+            <p:cNvPr id="9" name="TextBox 8"/>
+            <p:cNvSpPr txBox="1"/>
+            <p:nvPr/>
+          </p:nvSpPr>
+          <p:spPr>
+            <a:xfrm>
+              <a:off x="2661920" y="1419019"/>
+              <a:ext cx="301660" cy="369332"/>
+            </a:xfrm>
+            <a:prstGeom prst="rect">
+              <a:avLst/>
+            </a:prstGeom>
+            <a:noFill/>
+          </p:spPr>
+          <p:txBody>
+            <a:bodyPr wrap="none" rtlCol="0">
+              <a:spAutoFit/>
+            </a:bodyPr>
+            <a:lstStyle/>
+            <a:p>
+              <a:r>
+                <a:rPr lang="en-US" dirty="0" smtClean="0"/>
+                <a:t>2</a:t>
+              </a:r>
+              <a:endParaRPr lang="en-US" dirty="0"/>
+            </a:p>
+          </p:txBody>
+        </p:sp>
+        <p:sp>
+          <p:nvSpPr>
+            <p:cNvPr id="10" name="TextBox 9"/>
+            <p:cNvSpPr txBox="1"/>
+            <p:nvPr/>
+          </p:nvSpPr>
+          <p:spPr>
+            <a:xfrm>
+              <a:off x="3491653" y="795872"/>
+              <a:ext cx="301660" cy="369332"/>
+            </a:xfrm>
+            <a:prstGeom prst="rect">
+              <a:avLst/>
+            </a:prstGeom>
+            <a:noFill/>
+          </p:spPr>
+          <p:txBody>
+            <a:bodyPr wrap="none" rtlCol="0">
+              <a:spAutoFit/>
+            </a:bodyPr>
+            <a:lstStyle/>
+            <a:p>
+              <a:r>
+                <a:rPr lang="en-US" dirty="0"/>
+                <a:t>3</a:t>
+              </a:r>
+            </a:p>
+          </p:txBody>
+        </p:sp>
+        <p:sp>
+          <p:nvSpPr>
+            <p:cNvPr id="11" name="TextBox 10"/>
+            <p:cNvSpPr txBox="1"/>
+            <p:nvPr/>
+          </p:nvSpPr>
+          <p:spPr>
+            <a:xfrm>
+              <a:off x="4731175" y="795872"/>
+              <a:ext cx="301660" cy="369332"/>
+            </a:xfrm>
+            <a:prstGeom prst="rect">
+              <a:avLst/>
+            </a:prstGeom>
+            <a:noFill/>
+          </p:spPr>
+          <p:txBody>
+            <a:bodyPr wrap="none" rtlCol="0">
+              <a:spAutoFit/>
+            </a:bodyPr>
+            <a:lstStyle/>
+            <a:p>
+              <a:r>
+                <a:rPr lang="en-US" dirty="0"/>
+                <a:t>4</a:t>
+              </a:r>
+            </a:p>
+          </p:txBody>
+        </p:sp>
+        <p:sp>
+          <p:nvSpPr>
+            <p:cNvPr id="12" name="TextBox 11"/>
+            <p:cNvSpPr txBox="1"/>
+            <p:nvPr/>
+          </p:nvSpPr>
+          <p:spPr>
+            <a:xfrm>
+              <a:off x="5513494" y="1419018"/>
+              <a:ext cx="301660" cy="369332"/>
+            </a:xfrm>
+            <a:prstGeom prst="rect">
+              <a:avLst/>
+            </a:prstGeom>
+            <a:noFill/>
+          </p:spPr>
+          <p:txBody>
+            <a:bodyPr wrap="none" rtlCol="0">
+              <a:spAutoFit/>
+            </a:bodyPr>
+            <a:lstStyle/>
+            <a:p>
+              <a:r>
+                <a:rPr lang="en-US" dirty="0"/>
+                <a:t>5</a:t>
+              </a:r>
+            </a:p>
+          </p:txBody>
+        </p:sp>
+        <p:sp>
+          <p:nvSpPr>
+            <p:cNvPr id="13" name="TextBox 12"/>
+            <p:cNvSpPr txBox="1"/>
+            <p:nvPr/>
+          </p:nvSpPr>
+          <p:spPr>
+            <a:xfrm>
+              <a:off x="5513494" y="2225045"/>
+              <a:ext cx="301660" cy="369332"/>
+            </a:xfrm>
+            <a:prstGeom prst="rect">
+              <a:avLst/>
+            </a:prstGeom>
+            <a:noFill/>
+          </p:spPr>
+          <p:txBody>
+            <a:bodyPr wrap="none" rtlCol="0">
+              <a:spAutoFit/>
+            </a:bodyPr>
+            <a:lstStyle/>
+            <a:p>
+              <a:r>
+                <a:rPr lang="en-US" dirty="0" smtClean="0"/>
+                <a:t>6</a:t>
+              </a:r>
+              <a:endParaRPr lang="en-US" dirty="0"/>
+            </a:p>
+          </p:txBody>
+        </p:sp>
+        <p:sp>
+          <p:nvSpPr>
+            <p:cNvPr id="14" name="TextBox 13"/>
+            <p:cNvSpPr txBox="1"/>
+            <p:nvPr/>
+          </p:nvSpPr>
+          <p:spPr>
+            <a:xfrm>
+              <a:off x="4741334" y="2953181"/>
+              <a:ext cx="301660" cy="369332"/>
+            </a:xfrm>
+            <a:prstGeom prst="rect">
+              <a:avLst/>
+            </a:prstGeom>
+            <a:noFill/>
+          </p:spPr>
+          <p:txBody>
+            <a:bodyPr wrap="none" rtlCol="0">
+              <a:spAutoFit/>
+            </a:bodyPr>
+            <a:lstStyle/>
+            <a:p>
+              <a:r>
+                <a:rPr lang="en-US" dirty="0"/>
+                <a:t>7</a:t>
+              </a:r>
+            </a:p>
+          </p:txBody>
+        </p:sp>
+        <p:sp>
+          <p:nvSpPr>
+            <p:cNvPr id="15" name="TextBox 14"/>
+            <p:cNvSpPr txBox="1"/>
+            <p:nvPr/>
+          </p:nvSpPr>
+          <p:spPr>
+            <a:xfrm>
+              <a:off x="3491654" y="2953180"/>
+              <a:ext cx="301660" cy="369332"/>
+            </a:xfrm>
+            <a:prstGeom prst="rect">
+              <a:avLst/>
+            </a:prstGeom>
+            <a:noFill/>
+          </p:spPr>
+          <p:txBody>
+            <a:bodyPr wrap="none" rtlCol="0">
+              <a:spAutoFit/>
+            </a:bodyPr>
+            <a:lstStyle/>
+            <a:p>
+              <a:r>
+                <a:rPr lang="en-US" dirty="0" smtClean="0"/>
+                <a:t>8</a:t>
+              </a:r>
+              <a:endParaRPr lang="en-US" dirty="0"/>
+            </a:p>
+          </p:txBody>
+        </p:sp>
+        <p:sp>
+          <p:nvSpPr>
+            <p:cNvPr id="3" name="TextBox 2"/>
+            <p:cNvSpPr txBox="1"/>
+            <p:nvPr/>
+          </p:nvSpPr>
+          <p:spPr>
+            <a:xfrm>
+              <a:off x="3342640" y="2296160"/>
+              <a:ext cx="530915" cy="369332"/>
+            </a:xfrm>
+            <a:prstGeom prst="rect">
+              <a:avLst/>
+            </a:prstGeom>
+            <a:noFill/>
+          </p:spPr>
+          <p:txBody>
+            <a:bodyPr wrap="none" rtlCol="0">
+              <a:spAutoFit/>
+            </a:bodyPr>
+            <a:lstStyle/>
+            <a:p>
+              <a:r>
+                <a:rPr lang="en-US" dirty="0" smtClean="0">
+                  <a:solidFill>
+                    <a:srgbClr val="0000FF"/>
+                  </a:solidFill>
+                </a:rPr>
+                <a:t>L_B</a:t>
+              </a:r>
+            </a:p>
+          </p:txBody>
+        </p:sp>
+        <p:sp>
+          <p:nvSpPr>
+            <p:cNvPr id="16" name="TextBox 15"/>
+            <p:cNvSpPr txBox="1"/>
+            <p:nvPr/>
+          </p:nvSpPr>
+          <p:spPr>
+            <a:xfrm>
+              <a:off x="4622800" y="2296160"/>
+              <a:ext cx="556563" cy="369332"/>
+            </a:xfrm>
+            <a:prstGeom prst="rect">
+              <a:avLst/>
+            </a:prstGeom>
+            <a:noFill/>
+          </p:spPr>
+          <p:txBody>
+            <a:bodyPr wrap="none" rtlCol="0">
+              <a:spAutoFit/>
+            </a:bodyPr>
+            <a:lstStyle/>
+            <a:p>
+              <a:r>
+                <a:rPr lang="en-US" dirty="0">
+                  <a:solidFill>
+                    <a:srgbClr val="0000FF"/>
+                  </a:solidFill>
+                </a:rPr>
+                <a:t>R</a:t>
+              </a:r>
+              <a:r>
+                <a:rPr lang="en-US" dirty="0" smtClean="0">
+                  <a:solidFill>
+                    <a:srgbClr val="0000FF"/>
+                  </a:solidFill>
+                </a:rPr>
+                <a:t>_B</a:t>
+              </a:r>
+            </a:p>
+          </p:txBody>
+        </p:sp>
+        <p:sp>
+          <p:nvSpPr>
+            <p:cNvPr id="17" name="TextBox 16"/>
+            <p:cNvSpPr txBox="1"/>
+            <p:nvPr/>
+          </p:nvSpPr>
+          <p:spPr>
+            <a:xfrm>
+              <a:off x="3342640" y="1412240"/>
+              <a:ext cx="518091" cy="369332"/>
+            </a:xfrm>
+            <a:prstGeom prst="rect">
+              <a:avLst/>
+            </a:prstGeom>
+            <a:noFill/>
+          </p:spPr>
+          <p:txBody>
+            <a:bodyPr wrap="none" rtlCol="0">
+              <a:spAutoFit/>
+            </a:bodyPr>
+            <a:lstStyle/>
+            <a:p>
+              <a:r>
+                <a:rPr lang="en-US" dirty="0" smtClean="0">
+                  <a:solidFill>
+                    <a:srgbClr val="0000FF"/>
+                  </a:solidFill>
+                </a:rPr>
+                <a:t>L_T</a:t>
+              </a:r>
+            </a:p>
+          </p:txBody>
+        </p:sp>
+        <p:sp>
+          <p:nvSpPr>
+            <p:cNvPr id="18" name="TextBox 17"/>
+            <p:cNvSpPr txBox="1"/>
+            <p:nvPr/>
+          </p:nvSpPr>
+          <p:spPr>
+            <a:xfrm>
+              <a:off x="4622800" y="1412240"/>
+              <a:ext cx="543739" cy="369332"/>
+            </a:xfrm>
+            <a:prstGeom prst="rect">
+              <a:avLst/>
+            </a:prstGeom>
+            <a:noFill/>
+          </p:spPr>
+          <p:txBody>
+            <a:bodyPr wrap="none" rtlCol="0">
+              <a:spAutoFit/>
+            </a:bodyPr>
+            <a:lstStyle/>
+            <a:p>
+              <a:r>
+                <a:rPr lang="en-US" dirty="0" smtClean="0">
+                  <a:solidFill>
+                    <a:srgbClr val="0000FF"/>
+                  </a:solidFill>
+                </a:rPr>
+                <a:t>R_T</a:t>
+              </a:r>
+            </a:p>
+          </p:txBody>
+        </p:sp>
+        <p:sp>
+          <p:nvSpPr>
+            <p:cNvPr id="19" name="Rectangle 18"/>
+            <p:cNvSpPr/>
+            <p:nvPr/>
+          </p:nvSpPr>
+          <p:spPr>
+            <a:xfrm>
+              <a:off x="6112933" y="1107440"/>
+              <a:ext cx="501227" cy="213360"/>
+            </a:xfrm>
+            <a:prstGeom prst="rect">
+              <a:avLst/>
+            </a:prstGeom>
+            <a:noFill/>
+            <a:ln>
+              <a:solidFill>
+                <a:srgbClr val="FF0000"/>
+              </a:solidFill>
+            </a:ln>
+          </p:spPr>
+          <p:style>
+            <a:lnRef idx="1">
+              <a:schemeClr val="accent1"/>
+            </a:lnRef>
+            <a:fillRef idx="3">
+              <a:schemeClr val="accent1"/>
+            </a:fillRef>
+            <a:effectRef idx="2">
+              <a:schemeClr val="accent1"/>
+            </a:effectRef>
+            <a:fontRef idx="minor">
+              <a:schemeClr val="lt1"/>
+            </a:fontRef>
+          </p:style>
+          <p:txBody>
+            <a:bodyPr rtlCol="0" anchor="ctr"/>
+            <a:lstStyle/>
+            <a:p>
+              <a:pPr algn="ctr"/>
+              <a:endParaRPr lang="en-US"/>
+            </a:p>
+          </p:txBody>
+        </p:sp>
+        <p:sp>
+          <p:nvSpPr>
+            <p:cNvPr id="20" name="TextBox 19"/>
+            <p:cNvSpPr txBox="1"/>
+            <p:nvPr/>
+          </p:nvSpPr>
+          <p:spPr>
+            <a:xfrm>
+              <a:off x="6651414" y="1012618"/>
+              <a:ext cx="1967644" cy="369332"/>
+            </a:xfrm>
+            <a:prstGeom prst="rect">
+              <a:avLst/>
+            </a:prstGeom>
+            <a:noFill/>
+          </p:spPr>
+          <p:txBody>
+            <a:bodyPr wrap="none" rtlCol="0">
+              <a:spAutoFit/>
+            </a:bodyPr>
+            <a:lstStyle/>
+            <a:p>
+              <a:r>
+                <a:rPr lang="en-US" dirty="0" smtClean="0"/>
+                <a:t>Cell boundary lines</a:t>
+              </a:r>
+              <a:endParaRPr lang="en-US" dirty="0"/>
+            </a:p>
+          </p:txBody>
+        </p:sp>
+        <p:sp>
+          <p:nvSpPr>
+            <p:cNvPr id="5" name="Rectangle 4"/>
+            <p:cNvSpPr/>
+            <p:nvPr/>
+          </p:nvSpPr>
+          <p:spPr>
+            <a:xfrm>
+              <a:off x="6651414" y="1432516"/>
+              <a:ext cx="1272779" cy="369332"/>
+            </a:xfrm>
+            <a:prstGeom prst="rect">
+              <a:avLst/>
+            </a:prstGeom>
+          </p:spPr>
+          <p:txBody>
+            <a:bodyPr wrap="none">
+              <a:spAutoFit/>
+            </a:bodyPr>
+            <a:lstStyle/>
+            <a:p>
+              <a:r>
+                <a:rPr lang="en-US" dirty="0" err="1"/>
+                <a:t>split_line_h</a:t>
+              </a:r>
+              <a:endParaRPr lang="en-US" dirty="0"/>
+            </a:p>
+          </p:txBody>
+        </p:sp>
+        <p:sp>
+          <p:nvSpPr>
+            <p:cNvPr id="21" name="Rectangle 20"/>
+            <p:cNvSpPr/>
+            <p:nvPr/>
+          </p:nvSpPr>
+          <p:spPr>
+            <a:xfrm>
+              <a:off x="6651414" y="1852414"/>
+              <a:ext cx="1255760" cy="369332"/>
+            </a:xfrm>
+            <a:prstGeom prst="rect">
+              <a:avLst/>
+            </a:prstGeom>
+          </p:spPr>
+          <p:txBody>
+            <a:bodyPr wrap="none">
+              <a:spAutoFit/>
+            </a:bodyPr>
+            <a:lstStyle/>
+            <a:p>
+              <a:r>
+                <a:rPr lang="en-US" dirty="0" err="1" smtClean="0"/>
+                <a:t>split_line_v</a:t>
+              </a:r>
+              <a:endParaRPr lang="en-US" dirty="0"/>
+            </a:p>
+          </p:txBody>
+        </p:sp>
+        <p:cxnSp>
+          <p:nvCxnSpPr>
+            <p:cNvPr id="22" name="Straight Connector 21"/>
+            <p:cNvCxnSpPr/>
+            <p:nvPr/>
+          </p:nvCxnSpPr>
+          <p:spPr>
+            <a:xfrm>
+              <a:off x="6123093" y="1656080"/>
+              <a:ext cx="541867" cy="0"/>
+            </a:xfrm>
+            <a:prstGeom prst="line">
+              <a:avLst/>
+            </a:prstGeom>
+            <a:ln>
+              <a:solidFill>
+                <a:srgbClr val="008000"/>
+              </a:solidFill>
+              <a:prstDash val="dash"/>
+            </a:ln>
+          </p:spPr>
+          <p:style>
+            <a:lnRef idx="2">
+              <a:schemeClr val="accent1"/>
+            </a:lnRef>
+            <a:fillRef idx="0">
+              <a:schemeClr val="accent1"/>
+            </a:fillRef>
+            <a:effectRef idx="1">
+              <a:schemeClr val="accent1"/>
+            </a:effectRef>
+            <a:fontRef idx="minor">
+              <a:schemeClr val="tx1"/>
+            </a:fontRef>
+          </p:style>
+        </p:cxnSp>
+        <p:cxnSp>
+          <p:nvCxnSpPr>
+            <p:cNvPr id="24" name="Straight Connector 23"/>
+            <p:cNvCxnSpPr/>
+            <p:nvPr/>
+          </p:nvCxnSpPr>
+          <p:spPr>
+            <a:xfrm>
+              <a:off x="6358467" y="1859280"/>
+              <a:ext cx="0" cy="345440"/>
+            </a:xfrm>
+            <a:prstGeom prst="line">
+              <a:avLst/>
+            </a:prstGeom>
+            <a:ln>
+              <a:solidFill>
+                <a:schemeClr val="accent5">
+                  <a:lumMod val="75000"/>
+                </a:schemeClr>
+              </a:solidFill>
+              <a:prstDash val="dash"/>
+            </a:ln>
+          </p:spPr>
+          <p:style>
+            <a:lnRef idx="2">
+              <a:schemeClr val="accent1"/>
+            </a:lnRef>
+            <a:fillRef idx="0">
+              <a:schemeClr val="accent1"/>
+            </a:fillRef>
+            <a:effectRef idx="1">
+              <a:schemeClr val="accent1"/>
+            </a:effectRef>
+            <a:fontRef idx="minor">
+              <a:schemeClr val="tx1"/>
+            </a:fontRef>
+          </p:style>
+        </p:cxnSp>
+      </p:grpSp>
+    </p:spTree>
+    <p:extLst>
+      <p:ext uri="{BB962C8B-B14F-4D97-AF65-F5344CB8AC3E}">
+        <p14:creationId xmlns:p14="http://schemas.microsoft.com/office/powerpoint/2010/main" val="2002516722"/>
+      </p:ext>
+    </p:extLst>
+  </p:cSld>
+  <p:clrMapOvr>
+    <a:masterClrMapping/>
+  </p:clrMapOvr>
+  <p:timing>
+    <p:tnLst>
+      <p:par>
+        <p:cTn xmlns:p14="http://schemas.microsoft.com/office/powerpoint/2010/main" id="1" dur="indefinite" restart="never" nodeType="tmRoot"/>
+      </p:par>
+    </p:tnLst>
+  </p:timing>
+</p:sld>
+</file>
+
+<file path=ppt/slides/slide4.xml><?xml version="1.0" encoding="utf-8"?>
 <p:sld xmlns:a="http://schemas.openxmlformats.org/drawingml/2006/main" xmlns:r="http://schemas.openxmlformats.org/officeDocument/2006/relationships" xmlns:p="http://schemas.openxmlformats.org/presentationml/2006/main">
   <p:cSld>
     <p:spTree>
@@ -7396,6 +8162,13 @@
   <p:clrMapOvr>
     <a:masterClrMapping/>
   </p:clrMapOvr>
+  <p:timing>
+    <p:tnLst>
+      <p:par>
+        <p:cTn xmlns:p14="http://schemas.microsoft.com/office/powerpoint/2010/main" id="1" dur="indefinite" restart="never" nodeType="tmRoot"/>
+      </p:par>
+    </p:tnLst>
+  </p:timing>
 </p:sld>
 </file>
 
@@ -7442,7 +8215,7 @@
     </a:clrScheme>
     <a:fontScheme name="Office">
       <a:majorFont>
-        <a:latin typeface="Calibri Light" panose="020F0302020204030204"/>
+        <a:latin typeface="Calibri Light"/>
         <a:ea typeface=""/>
         <a:cs typeface=""/>
         <a:font script="Jpan" typeface="ＭＳ Ｐゴシック"/>
@@ -7477,7 +8250,7 @@
         <a:font script="Geor" typeface="Sylfaen"/>
       </a:majorFont>
       <a:minorFont>
-        <a:latin typeface="Calibri" panose="020F0502020204030204"/>
+        <a:latin typeface="Calibri"/>
         <a:ea typeface=""/>
         <a:cs typeface=""/>
         <a:font script="Jpan" typeface="ＭＳ Ｐゴシック"/>
@@ -7654,7 +8427,7 @@
   <a:extraClrSchemeLst/>
   <a:extLst>
     <a:ext uri="{05A4C25C-085E-4340-85A3-A5531E510DB2}">
-      <thm15:themeFamily xmlns:thm15="http://schemas.microsoft.com/office/thememl/2012/main" name="Office Theme" id="{62F939B6-93AF-4DB8-9C6B-D6C7DFDC589F}" vid="{4A3C46E8-61CC-4603-A589-7422A47A8E4A}"/>
+      <thm15:themeFamily xmlns="" xmlns:thm15="http://schemas.microsoft.com/office/thememl/2012/main" name="Office Theme" id="{62F939B6-93AF-4DB8-9C6B-D6C7DFDC589F}" vid="{4A3C46E8-61CC-4603-A589-7422A47A8E4A}"/>
     </a:ext>
   </a:extLst>
 </a:theme>

--- a/pysal/contrib/points/tests/img_making.pptx
+++ b/pysal/contrib/points/tests/img_making.pptx
@@ -8,7 +8,8 @@
     <p:sldId id="256" r:id="rId2"/>
     <p:sldId id="257" r:id="rId3"/>
     <p:sldId id="259" r:id="rId4"/>
-    <p:sldId id="258" r:id="rId5"/>
+    <p:sldId id="261" r:id="rId5"/>
+    <p:sldId id="258" r:id="rId6"/>
   </p:sldIdLst>
   <p:sldSz cx="12192000" cy="6858000"/>
   <p:notesSz cx="6858000" cy="9144000"/>
@@ -107,6 +108,22 @@
       </a:defRPr>
     </a:lvl9pPr>
   </p:defaultTextStyle>
+  <p:extLst>
+    <p:ext uri="{EFAFB233-063F-42B5-8137-9DF3F51BA10A}">
+      <p15:sldGuideLst xmlns:p15="http://schemas.microsoft.com/office/powerpoint/2012/main">
+        <p15:guide id="1" orient="horz" pos="2160">
+          <p15:clr>
+            <a:srgbClr val="A4A3A4"/>
+          </p15:clr>
+        </p15:guide>
+        <p15:guide id="2" pos="3840">
+          <p15:clr>
+            <a:srgbClr val="A4A3A4"/>
+          </p15:clr>
+        </p15:guide>
+      </p15:sldGuideLst>
+    </p:ext>
+  </p:extLst>
 </p:presentation>
 </file>
 
@@ -241,7 +258,7 @@
           <a:p>
             <a:fld id="{2C34BA10-CDF1-4854-A230-1AC6C81CA25B}" type="datetimeFigureOut">
               <a:rPr lang="en-US" smtClean="0"/>
-              <a:t>4/21/16</a:t>
+              <a:t>4/22/2016</a:t>
             </a:fld>
             <a:endParaRPr lang="en-US"/>
           </a:p>
@@ -411,7 +428,7 @@
           <a:p>
             <a:fld id="{2C34BA10-CDF1-4854-A230-1AC6C81CA25B}" type="datetimeFigureOut">
               <a:rPr lang="en-US" smtClean="0"/>
-              <a:t>4/21/16</a:t>
+              <a:t>4/22/2016</a:t>
             </a:fld>
             <a:endParaRPr lang="en-US"/>
           </a:p>
@@ -591,7 +608,7 @@
           <a:p>
             <a:fld id="{2C34BA10-CDF1-4854-A230-1AC6C81CA25B}" type="datetimeFigureOut">
               <a:rPr lang="en-US" smtClean="0"/>
-              <a:t>4/21/16</a:t>
+              <a:t>4/22/2016</a:t>
             </a:fld>
             <a:endParaRPr lang="en-US"/>
           </a:p>
@@ -761,7 +778,7 @@
           <a:p>
             <a:fld id="{2C34BA10-CDF1-4854-A230-1AC6C81CA25B}" type="datetimeFigureOut">
               <a:rPr lang="en-US" smtClean="0"/>
-              <a:t>4/21/16</a:t>
+              <a:t>4/22/2016</a:t>
             </a:fld>
             <a:endParaRPr lang="en-US"/>
           </a:p>
@@ -1007,7 +1024,7 @@
           <a:p>
             <a:fld id="{2C34BA10-CDF1-4854-A230-1AC6C81CA25B}" type="datetimeFigureOut">
               <a:rPr lang="en-US" smtClean="0"/>
-              <a:t>4/21/16</a:t>
+              <a:t>4/22/2016</a:t>
             </a:fld>
             <a:endParaRPr lang="en-US"/>
           </a:p>
@@ -1239,7 +1256,7 @@
           <a:p>
             <a:fld id="{2C34BA10-CDF1-4854-A230-1AC6C81CA25B}" type="datetimeFigureOut">
               <a:rPr lang="en-US" smtClean="0"/>
-              <a:t>4/21/16</a:t>
+              <a:t>4/22/2016</a:t>
             </a:fld>
             <a:endParaRPr lang="en-US"/>
           </a:p>
@@ -1606,7 +1623,7 @@
           <a:p>
             <a:fld id="{2C34BA10-CDF1-4854-A230-1AC6C81CA25B}" type="datetimeFigureOut">
               <a:rPr lang="en-US" smtClean="0"/>
-              <a:t>4/21/16</a:t>
+              <a:t>4/22/2016</a:t>
             </a:fld>
             <a:endParaRPr lang="en-US"/>
           </a:p>
@@ -1724,7 +1741,7 @@
           <a:p>
             <a:fld id="{2C34BA10-CDF1-4854-A230-1AC6C81CA25B}" type="datetimeFigureOut">
               <a:rPr lang="en-US" smtClean="0"/>
-              <a:t>4/21/16</a:t>
+              <a:t>4/22/2016</a:t>
             </a:fld>
             <a:endParaRPr lang="en-US"/>
           </a:p>
@@ -1819,7 +1836,7 @@
           <a:p>
             <a:fld id="{2C34BA10-CDF1-4854-A230-1AC6C81CA25B}" type="datetimeFigureOut">
               <a:rPr lang="en-US" smtClean="0"/>
-              <a:t>4/21/16</a:t>
+              <a:t>4/22/2016</a:t>
             </a:fld>
             <a:endParaRPr lang="en-US"/>
           </a:p>
@@ -2096,7 +2113,7 @@
           <a:p>
             <a:fld id="{2C34BA10-CDF1-4854-A230-1AC6C81CA25B}" type="datetimeFigureOut">
               <a:rPr lang="en-US" smtClean="0"/>
-              <a:t>4/21/16</a:t>
+              <a:t>4/22/2016</a:t>
             </a:fld>
             <a:endParaRPr lang="en-US"/>
           </a:p>
@@ -2349,7 +2366,7 @@
           <a:p>
             <a:fld id="{2C34BA10-CDF1-4854-A230-1AC6C81CA25B}" type="datetimeFigureOut">
               <a:rPr lang="en-US" smtClean="0"/>
-              <a:t>4/21/16</a:t>
+              <a:t>4/22/2016</a:t>
             </a:fld>
             <a:endParaRPr lang="en-US"/>
           </a:p>
@@ -2562,7 +2579,7 @@
           <a:p>
             <a:fld id="{2C34BA10-CDF1-4854-A230-1AC6C81CA25B}" type="datetimeFigureOut">
               <a:rPr lang="en-US" smtClean="0"/>
-              <a:t>4/21/16</a:t>
+              <a:t>4/22/2016</a:t>
             </a:fld>
             <a:endParaRPr lang="en-US"/>
           </a:p>
@@ -5211,7 +5228,7 @@
   <p:timing>
     <p:tnLst>
       <p:par>
-        <p:cTn xmlns:p14="http://schemas.microsoft.com/office/powerpoint/2010/main" id="1" dur="indefinite" restart="never" nodeType="tmRoot"/>
+        <p:cTn id="1" dur="indefinite" restart="never" nodeType="tmRoot"/>
       </p:par>
     </p:tnLst>
   </p:timing>
@@ -5235,727 +5252,844 @@
           <a:chExt cx="0" cy="0"/>
         </a:xfrm>
       </p:grpSpPr>
-      <p:grpSp>
-        <p:nvGrpSpPr>
-          <p:cNvPr id="26" name="Group 25"/>
-          <p:cNvGrpSpPr/>
+      <p:sp>
+        <p:nvSpPr>
+          <p:cNvPr id="2" name="Rectangle 1"/>
+          <p:cNvSpPr/>
           <p:nvPr/>
-        </p:nvGrpSpPr>
-        <p:grpSpPr>
+        </p:nvSpPr>
+        <p:spPr>
           <a:xfrm>
-            <a:off x="2661920" y="795872"/>
-            <a:ext cx="5957138" cy="2526641"/>
-            <a:chOff x="2661920" y="795872"/>
-            <a:chExt cx="5957138" cy="2526641"/>
+            <a:off x="2963333" y="1168400"/>
+            <a:ext cx="3591148" cy="2672080"/>
           </a:xfrm>
-        </p:grpSpPr>
-        <p:sp>
-          <p:nvSpPr>
-            <p:cNvPr id="2" name="Rectangle 1"/>
-            <p:cNvSpPr/>
-            <p:nvPr/>
-          </p:nvSpPr>
-          <p:spPr>
-            <a:xfrm>
-              <a:off x="2963333" y="1168400"/>
-              <a:ext cx="2543387" cy="1788160"/>
-            </a:xfrm>
-            <a:prstGeom prst="rect">
-              <a:avLst/>
-            </a:prstGeom>
-            <a:noFill/>
-            <a:ln>
-              <a:solidFill>
-                <a:srgbClr val="FF0000"/>
-              </a:solidFill>
-            </a:ln>
-          </p:spPr>
-          <p:style>
-            <a:lnRef idx="1">
-              <a:schemeClr val="accent1"/>
-            </a:lnRef>
-            <a:fillRef idx="3">
-              <a:schemeClr val="accent1"/>
-            </a:fillRef>
-            <a:effectRef idx="2">
-              <a:schemeClr val="accent1"/>
-            </a:effectRef>
-            <a:fontRef idx="minor">
-              <a:schemeClr val="lt1"/>
-            </a:fontRef>
-          </p:style>
-          <p:txBody>
-            <a:bodyPr rtlCol="0" anchor="ctr"/>
-            <a:lstStyle/>
-            <a:p>
-              <a:pPr algn="ctr"/>
-              <a:endParaRPr lang="en-US"/>
-            </a:p>
-          </p:txBody>
-        </p:sp>
-        <p:cxnSp>
-          <p:nvCxnSpPr>
-            <p:cNvPr id="4" name="Straight Connector 3"/>
-            <p:cNvCxnSpPr>
-              <a:stCxn id="2" idx="1"/>
-              <a:endCxn id="2" idx="3"/>
-            </p:cNvCxnSpPr>
-            <p:nvPr/>
-          </p:nvCxnSpPr>
-          <p:spPr>
-            <a:xfrm>
-              <a:off x="2963333" y="2062480"/>
-              <a:ext cx="2543387" cy="0"/>
-            </a:xfrm>
-            <a:prstGeom prst="line">
-              <a:avLst/>
-            </a:prstGeom>
-            <a:ln>
-              <a:solidFill>
-                <a:srgbClr val="008000"/>
-              </a:solidFill>
-              <a:prstDash val="dash"/>
-            </a:ln>
-          </p:spPr>
-          <p:style>
-            <a:lnRef idx="2">
-              <a:schemeClr val="accent1"/>
-            </a:lnRef>
-            <a:fillRef idx="0">
-              <a:schemeClr val="accent1"/>
-            </a:fillRef>
-            <a:effectRef idx="1">
-              <a:schemeClr val="accent1"/>
-            </a:effectRef>
-            <a:fontRef idx="minor">
-              <a:schemeClr val="tx1"/>
-            </a:fontRef>
-          </p:style>
-        </p:cxnSp>
-        <p:cxnSp>
-          <p:nvCxnSpPr>
-            <p:cNvPr id="6" name="Straight Connector 5"/>
-            <p:cNvCxnSpPr>
-              <a:stCxn id="2" idx="0"/>
-              <a:endCxn id="2" idx="2"/>
-            </p:cNvCxnSpPr>
-            <p:nvPr/>
-          </p:nvCxnSpPr>
-          <p:spPr>
-            <a:xfrm>
-              <a:off x="4235027" y="1168400"/>
-              <a:ext cx="0" cy="1788160"/>
-            </a:xfrm>
-            <a:prstGeom prst="line">
-              <a:avLst/>
-            </a:prstGeom>
-            <a:ln>
-              <a:solidFill>
-                <a:schemeClr val="accent5">
-                  <a:lumMod val="75000"/>
-                </a:schemeClr>
-              </a:solidFill>
-              <a:prstDash val="dash"/>
-            </a:ln>
-          </p:spPr>
-          <p:style>
-            <a:lnRef idx="2">
-              <a:schemeClr val="accent1"/>
-            </a:lnRef>
-            <a:fillRef idx="0">
-              <a:schemeClr val="accent1"/>
-            </a:fillRef>
-            <a:effectRef idx="1">
-              <a:schemeClr val="accent1"/>
-            </a:effectRef>
-            <a:fontRef idx="minor">
-              <a:schemeClr val="tx1"/>
-            </a:fontRef>
-          </p:style>
-        </p:cxnSp>
-        <p:sp>
-          <p:nvSpPr>
-            <p:cNvPr id="8" name="TextBox 7"/>
-            <p:cNvSpPr txBox="1"/>
-            <p:nvPr/>
-          </p:nvSpPr>
-          <p:spPr>
-            <a:xfrm>
-              <a:off x="2661920" y="2225040"/>
-              <a:ext cx="301660" cy="369332"/>
-            </a:xfrm>
-            <a:prstGeom prst="rect">
-              <a:avLst/>
-            </a:prstGeom>
-            <a:noFill/>
-          </p:spPr>
-          <p:txBody>
-            <a:bodyPr wrap="none" rtlCol="0">
-              <a:spAutoFit/>
-            </a:bodyPr>
-            <a:lstStyle/>
-            <a:p>
-              <a:r>
-                <a:rPr lang="en-US" dirty="0" smtClean="0"/>
-                <a:t>1</a:t>
-              </a:r>
-              <a:endParaRPr lang="en-US" dirty="0"/>
-            </a:p>
-          </p:txBody>
-        </p:sp>
-        <p:sp>
-          <p:nvSpPr>
-            <p:cNvPr id="9" name="TextBox 8"/>
-            <p:cNvSpPr txBox="1"/>
-            <p:nvPr/>
-          </p:nvSpPr>
-          <p:spPr>
-            <a:xfrm>
-              <a:off x="2661920" y="1419019"/>
-              <a:ext cx="301660" cy="369332"/>
-            </a:xfrm>
-            <a:prstGeom prst="rect">
-              <a:avLst/>
-            </a:prstGeom>
-            <a:noFill/>
-          </p:spPr>
-          <p:txBody>
-            <a:bodyPr wrap="none" rtlCol="0">
-              <a:spAutoFit/>
-            </a:bodyPr>
-            <a:lstStyle/>
-            <a:p>
-              <a:r>
-                <a:rPr lang="en-US" dirty="0" smtClean="0"/>
-                <a:t>2</a:t>
-              </a:r>
-              <a:endParaRPr lang="en-US" dirty="0"/>
-            </a:p>
-          </p:txBody>
-        </p:sp>
-        <p:sp>
-          <p:nvSpPr>
-            <p:cNvPr id="10" name="TextBox 9"/>
-            <p:cNvSpPr txBox="1"/>
-            <p:nvPr/>
-          </p:nvSpPr>
-          <p:spPr>
-            <a:xfrm>
-              <a:off x="3491653" y="795872"/>
-              <a:ext cx="301660" cy="369332"/>
-            </a:xfrm>
-            <a:prstGeom prst="rect">
-              <a:avLst/>
-            </a:prstGeom>
-            <a:noFill/>
-          </p:spPr>
-          <p:txBody>
-            <a:bodyPr wrap="none" rtlCol="0">
-              <a:spAutoFit/>
-            </a:bodyPr>
-            <a:lstStyle/>
-            <a:p>
-              <a:r>
-                <a:rPr lang="en-US" dirty="0"/>
-                <a:t>3</a:t>
-              </a:r>
-            </a:p>
-          </p:txBody>
-        </p:sp>
-        <p:sp>
-          <p:nvSpPr>
-            <p:cNvPr id="11" name="TextBox 10"/>
-            <p:cNvSpPr txBox="1"/>
-            <p:nvPr/>
-          </p:nvSpPr>
-          <p:spPr>
-            <a:xfrm>
-              <a:off x="4731175" y="795872"/>
-              <a:ext cx="301660" cy="369332"/>
-            </a:xfrm>
-            <a:prstGeom prst="rect">
-              <a:avLst/>
-            </a:prstGeom>
-            <a:noFill/>
-          </p:spPr>
-          <p:txBody>
-            <a:bodyPr wrap="none" rtlCol="0">
-              <a:spAutoFit/>
-            </a:bodyPr>
-            <a:lstStyle/>
-            <a:p>
-              <a:r>
-                <a:rPr lang="en-US" dirty="0"/>
-                <a:t>4</a:t>
-              </a:r>
-            </a:p>
-          </p:txBody>
-        </p:sp>
-        <p:sp>
-          <p:nvSpPr>
-            <p:cNvPr id="12" name="TextBox 11"/>
-            <p:cNvSpPr txBox="1"/>
-            <p:nvPr/>
-          </p:nvSpPr>
-          <p:spPr>
-            <a:xfrm>
-              <a:off x="5513494" y="1419018"/>
-              <a:ext cx="301660" cy="369332"/>
-            </a:xfrm>
-            <a:prstGeom prst="rect">
-              <a:avLst/>
-            </a:prstGeom>
-            <a:noFill/>
-          </p:spPr>
-          <p:txBody>
-            <a:bodyPr wrap="none" rtlCol="0">
-              <a:spAutoFit/>
-            </a:bodyPr>
-            <a:lstStyle/>
-            <a:p>
-              <a:r>
-                <a:rPr lang="en-US" dirty="0"/>
-                <a:t>5</a:t>
-              </a:r>
-            </a:p>
-          </p:txBody>
-        </p:sp>
-        <p:sp>
-          <p:nvSpPr>
-            <p:cNvPr id="13" name="TextBox 12"/>
-            <p:cNvSpPr txBox="1"/>
-            <p:nvPr/>
-          </p:nvSpPr>
-          <p:spPr>
-            <a:xfrm>
-              <a:off x="5513494" y="2225045"/>
-              <a:ext cx="301660" cy="369332"/>
-            </a:xfrm>
-            <a:prstGeom prst="rect">
-              <a:avLst/>
-            </a:prstGeom>
-            <a:noFill/>
-          </p:spPr>
-          <p:txBody>
-            <a:bodyPr wrap="none" rtlCol="0">
-              <a:spAutoFit/>
-            </a:bodyPr>
-            <a:lstStyle/>
-            <a:p>
-              <a:r>
-                <a:rPr lang="en-US" dirty="0" smtClean="0"/>
-                <a:t>6</a:t>
-              </a:r>
-              <a:endParaRPr lang="en-US" dirty="0"/>
-            </a:p>
-          </p:txBody>
-        </p:sp>
-        <p:sp>
-          <p:nvSpPr>
-            <p:cNvPr id="14" name="TextBox 13"/>
-            <p:cNvSpPr txBox="1"/>
-            <p:nvPr/>
-          </p:nvSpPr>
-          <p:spPr>
-            <a:xfrm>
-              <a:off x="4741334" y="2953181"/>
-              <a:ext cx="301660" cy="369332"/>
-            </a:xfrm>
-            <a:prstGeom prst="rect">
-              <a:avLst/>
-            </a:prstGeom>
-            <a:noFill/>
-          </p:spPr>
-          <p:txBody>
-            <a:bodyPr wrap="none" rtlCol="0">
-              <a:spAutoFit/>
-            </a:bodyPr>
-            <a:lstStyle/>
-            <a:p>
-              <a:r>
-                <a:rPr lang="en-US" dirty="0"/>
-                <a:t>7</a:t>
-              </a:r>
-            </a:p>
-          </p:txBody>
-        </p:sp>
-        <p:sp>
-          <p:nvSpPr>
-            <p:cNvPr id="15" name="TextBox 14"/>
-            <p:cNvSpPr txBox="1"/>
-            <p:nvPr/>
-          </p:nvSpPr>
-          <p:spPr>
-            <a:xfrm>
-              <a:off x="3491654" y="2953180"/>
-              <a:ext cx="301660" cy="369332"/>
-            </a:xfrm>
-            <a:prstGeom prst="rect">
-              <a:avLst/>
-            </a:prstGeom>
-            <a:noFill/>
-          </p:spPr>
-          <p:txBody>
-            <a:bodyPr wrap="none" rtlCol="0">
-              <a:spAutoFit/>
-            </a:bodyPr>
-            <a:lstStyle/>
-            <a:p>
-              <a:r>
-                <a:rPr lang="en-US" dirty="0" smtClean="0"/>
-                <a:t>8</a:t>
-              </a:r>
-              <a:endParaRPr lang="en-US" dirty="0"/>
-            </a:p>
-          </p:txBody>
-        </p:sp>
-        <p:sp>
-          <p:nvSpPr>
-            <p:cNvPr id="3" name="TextBox 2"/>
-            <p:cNvSpPr txBox="1"/>
-            <p:nvPr/>
-          </p:nvSpPr>
-          <p:spPr>
-            <a:xfrm>
-              <a:off x="3342640" y="2296160"/>
-              <a:ext cx="530915" cy="369332"/>
-            </a:xfrm>
-            <a:prstGeom prst="rect">
-              <a:avLst/>
-            </a:prstGeom>
-            <a:noFill/>
-          </p:spPr>
-          <p:txBody>
-            <a:bodyPr wrap="none" rtlCol="0">
-              <a:spAutoFit/>
-            </a:bodyPr>
-            <a:lstStyle/>
-            <a:p>
-              <a:r>
-                <a:rPr lang="en-US" dirty="0" smtClean="0">
-                  <a:solidFill>
-                    <a:srgbClr val="0000FF"/>
-                  </a:solidFill>
-                </a:rPr>
-                <a:t>L_B</a:t>
-              </a:r>
-            </a:p>
-          </p:txBody>
-        </p:sp>
-        <p:sp>
-          <p:nvSpPr>
-            <p:cNvPr id="16" name="TextBox 15"/>
-            <p:cNvSpPr txBox="1"/>
-            <p:nvPr/>
-          </p:nvSpPr>
-          <p:spPr>
-            <a:xfrm>
-              <a:off x="4622800" y="2296160"/>
-              <a:ext cx="556563" cy="369332"/>
-            </a:xfrm>
-            <a:prstGeom prst="rect">
-              <a:avLst/>
-            </a:prstGeom>
-            <a:noFill/>
-          </p:spPr>
-          <p:txBody>
-            <a:bodyPr wrap="none" rtlCol="0">
-              <a:spAutoFit/>
-            </a:bodyPr>
-            <a:lstStyle/>
-            <a:p>
-              <a:r>
-                <a:rPr lang="en-US" dirty="0">
-                  <a:solidFill>
-                    <a:srgbClr val="0000FF"/>
-                  </a:solidFill>
-                </a:rPr>
-                <a:t>R</a:t>
-              </a:r>
-              <a:r>
-                <a:rPr lang="en-US" dirty="0" smtClean="0">
-                  <a:solidFill>
-                    <a:srgbClr val="0000FF"/>
-                  </a:solidFill>
-                </a:rPr>
-                <a:t>_B</a:t>
-              </a:r>
-            </a:p>
-          </p:txBody>
-        </p:sp>
-        <p:sp>
-          <p:nvSpPr>
-            <p:cNvPr id="17" name="TextBox 16"/>
-            <p:cNvSpPr txBox="1"/>
-            <p:nvPr/>
-          </p:nvSpPr>
-          <p:spPr>
-            <a:xfrm>
-              <a:off x="3342640" y="1412240"/>
-              <a:ext cx="518091" cy="369332"/>
-            </a:xfrm>
-            <a:prstGeom prst="rect">
-              <a:avLst/>
-            </a:prstGeom>
-            <a:noFill/>
-          </p:spPr>
-          <p:txBody>
-            <a:bodyPr wrap="none" rtlCol="0">
-              <a:spAutoFit/>
-            </a:bodyPr>
-            <a:lstStyle/>
-            <a:p>
-              <a:r>
-                <a:rPr lang="en-US" dirty="0" smtClean="0">
-                  <a:solidFill>
-                    <a:srgbClr val="0000FF"/>
-                  </a:solidFill>
-                </a:rPr>
-                <a:t>L_T</a:t>
-              </a:r>
-            </a:p>
-          </p:txBody>
-        </p:sp>
-        <p:sp>
-          <p:nvSpPr>
-            <p:cNvPr id="18" name="TextBox 17"/>
-            <p:cNvSpPr txBox="1"/>
-            <p:nvPr/>
-          </p:nvSpPr>
-          <p:spPr>
-            <a:xfrm>
-              <a:off x="4622800" y="1412240"/>
-              <a:ext cx="543739" cy="369332"/>
-            </a:xfrm>
-            <a:prstGeom prst="rect">
-              <a:avLst/>
-            </a:prstGeom>
-            <a:noFill/>
-          </p:spPr>
-          <p:txBody>
-            <a:bodyPr wrap="none" rtlCol="0">
-              <a:spAutoFit/>
-            </a:bodyPr>
-            <a:lstStyle/>
-            <a:p>
-              <a:r>
-                <a:rPr lang="en-US" dirty="0" smtClean="0">
-                  <a:solidFill>
-                    <a:srgbClr val="0000FF"/>
-                  </a:solidFill>
-                </a:rPr>
-                <a:t>R_T</a:t>
-              </a:r>
-            </a:p>
-          </p:txBody>
-        </p:sp>
-        <p:sp>
-          <p:nvSpPr>
-            <p:cNvPr id="19" name="Rectangle 18"/>
-            <p:cNvSpPr/>
-            <p:nvPr/>
-          </p:nvSpPr>
-          <p:spPr>
-            <a:xfrm>
-              <a:off x="6112933" y="1107440"/>
-              <a:ext cx="501227" cy="213360"/>
-            </a:xfrm>
-            <a:prstGeom prst="rect">
-              <a:avLst/>
-            </a:prstGeom>
-            <a:noFill/>
-            <a:ln>
-              <a:solidFill>
-                <a:srgbClr val="FF0000"/>
-              </a:solidFill>
-            </a:ln>
-          </p:spPr>
-          <p:style>
-            <a:lnRef idx="1">
-              <a:schemeClr val="accent1"/>
-            </a:lnRef>
-            <a:fillRef idx="3">
-              <a:schemeClr val="accent1"/>
-            </a:fillRef>
-            <a:effectRef idx="2">
-              <a:schemeClr val="accent1"/>
-            </a:effectRef>
-            <a:fontRef idx="minor">
-              <a:schemeClr val="lt1"/>
-            </a:fontRef>
-          </p:style>
-          <p:txBody>
-            <a:bodyPr rtlCol="0" anchor="ctr"/>
-            <a:lstStyle/>
-            <a:p>
-              <a:pPr algn="ctr"/>
-              <a:endParaRPr lang="en-US"/>
-            </a:p>
-          </p:txBody>
-        </p:sp>
-        <p:sp>
-          <p:nvSpPr>
-            <p:cNvPr id="20" name="TextBox 19"/>
-            <p:cNvSpPr txBox="1"/>
-            <p:nvPr/>
-          </p:nvSpPr>
-          <p:spPr>
-            <a:xfrm>
-              <a:off x="6651414" y="1012618"/>
-              <a:ext cx="1967644" cy="369332"/>
-            </a:xfrm>
-            <a:prstGeom prst="rect">
-              <a:avLst/>
-            </a:prstGeom>
-            <a:noFill/>
-          </p:spPr>
-          <p:txBody>
-            <a:bodyPr wrap="none" rtlCol="0">
-              <a:spAutoFit/>
-            </a:bodyPr>
-            <a:lstStyle/>
-            <a:p>
-              <a:r>
-                <a:rPr lang="en-US" dirty="0" smtClean="0"/>
-                <a:t>Cell boundary lines</a:t>
-              </a:r>
-              <a:endParaRPr lang="en-US" dirty="0"/>
-            </a:p>
-          </p:txBody>
-        </p:sp>
-        <p:sp>
-          <p:nvSpPr>
-            <p:cNvPr id="5" name="Rectangle 4"/>
-            <p:cNvSpPr/>
-            <p:nvPr/>
-          </p:nvSpPr>
-          <p:spPr>
-            <a:xfrm>
-              <a:off x="6651414" y="1432516"/>
-              <a:ext cx="1272779" cy="369332"/>
-            </a:xfrm>
-            <a:prstGeom prst="rect">
-              <a:avLst/>
-            </a:prstGeom>
-          </p:spPr>
-          <p:txBody>
-            <a:bodyPr wrap="none">
-              <a:spAutoFit/>
-            </a:bodyPr>
-            <a:lstStyle/>
-            <a:p>
-              <a:r>
-                <a:rPr lang="en-US" dirty="0" err="1"/>
-                <a:t>split_line_h</a:t>
-              </a:r>
-              <a:endParaRPr lang="en-US" dirty="0"/>
-            </a:p>
-          </p:txBody>
-        </p:sp>
-        <p:sp>
-          <p:nvSpPr>
-            <p:cNvPr id="21" name="Rectangle 20"/>
-            <p:cNvSpPr/>
-            <p:nvPr/>
-          </p:nvSpPr>
-          <p:spPr>
-            <a:xfrm>
-              <a:off x="6651414" y="1852414"/>
-              <a:ext cx="1255760" cy="369332"/>
-            </a:xfrm>
-            <a:prstGeom prst="rect">
-              <a:avLst/>
-            </a:prstGeom>
-          </p:spPr>
-          <p:txBody>
-            <a:bodyPr wrap="none">
-              <a:spAutoFit/>
-            </a:bodyPr>
-            <a:lstStyle/>
-            <a:p>
-              <a:r>
-                <a:rPr lang="en-US" dirty="0" err="1" smtClean="0"/>
-                <a:t>split_line_v</a:t>
-              </a:r>
-              <a:endParaRPr lang="en-US" dirty="0"/>
-            </a:p>
-          </p:txBody>
-        </p:sp>
-        <p:cxnSp>
-          <p:nvCxnSpPr>
-            <p:cNvPr id="22" name="Straight Connector 21"/>
-            <p:cNvCxnSpPr/>
-            <p:nvPr/>
-          </p:nvCxnSpPr>
-          <p:spPr>
-            <a:xfrm>
-              <a:off x="6123093" y="1656080"/>
-              <a:ext cx="541867" cy="0"/>
-            </a:xfrm>
-            <a:prstGeom prst="line">
-              <a:avLst/>
-            </a:prstGeom>
-            <a:ln>
-              <a:solidFill>
-                <a:srgbClr val="008000"/>
-              </a:solidFill>
-              <a:prstDash val="dash"/>
-            </a:ln>
-          </p:spPr>
-          <p:style>
-            <a:lnRef idx="2">
-              <a:schemeClr val="accent1"/>
-            </a:lnRef>
-            <a:fillRef idx="0">
-              <a:schemeClr val="accent1"/>
-            </a:fillRef>
-            <a:effectRef idx="1">
-              <a:schemeClr val="accent1"/>
-            </a:effectRef>
-            <a:fontRef idx="minor">
-              <a:schemeClr val="tx1"/>
-            </a:fontRef>
-          </p:style>
-        </p:cxnSp>
-        <p:cxnSp>
-          <p:nvCxnSpPr>
-            <p:cNvPr id="24" name="Straight Connector 23"/>
-            <p:cNvCxnSpPr/>
-            <p:nvPr/>
-          </p:nvCxnSpPr>
-          <p:spPr>
-            <a:xfrm>
-              <a:off x="6358467" y="1859280"/>
-              <a:ext cx="0" cy="345440"/>
-            </a:xfrm>
-            <a:prstGeom prst="line">
-              <a:avLst/>
-            </a:prstGeom>
-            <a:ln>
-              <a:solidFill>
-                <a:schemeClr val="accent5">
-                  <a:lumMod val="75000"/>
-                </a:schemeClr>
-              </a:solidFill>
-              <a:prstDash val="dash"/>
-            </a:ln>
-          </p:spPr>
-          <p:style>
-            <a:lnRef idx="2">
-              <a:schemeClr val="accent1"/>
-            </a:lnRef>
-            <a:fillRef idx="0">
-              <a:schemeClr val="accent1"/>
-            </a:fillRef>
-            <a:effectRef idx="1">
-              <a:schemeClr val="accent1"/>
-            </a:effectRef>
-            <a:fontRef idx="minor">
-              <a:schemeClr val="tx1"/>
-            </a:fontRef>
-          </p:style>
-        </p:cxnSp>
-      </p:grpSp>
+          <a:prstGeom prst="rect">
+            <a:avLst/>
+          </a:prstGeom>
+          <a:noFill/>
+          <a:ln w="19050">
+            <a:solidFill>
+              <a:srgbClr val="FF0000"/>
+            </a:solidFill>
+          </a:ln>
+        </p:spPr>
+        <p:style>
+          <a:lnRef idx="1">
+            <a:schemeClr val="accent1"/>
+          </a:lnRef>
+          <a:fillRef idx="3">
+            <a:schemeClr val="accent1"/>
+          </a:fillRef>
+          <a:effectRef idx="2">
+            <a:schemeClr val="accent1"/>
+          </a:effectRef>
+          <a:fontRef idx="minor">
+            <a:schemeClr val="lt1"/>
+          </a:fontRef>
+        </p:style>
+        <p:txBody>
+          <a:bodyPr rtlCol="0" anchor="ctr"/>
+          <a:lstStyle/>
+          <a:p>
+            <a:pPr algn="ctr"/>
+            <a:endParaRPr lang="en-US"/>
+          </a:p>
+        </p:txBody>
+      </p:sp>
+      <p:cxnSp>
+        <p:nvCxnSpPr>
+          <p:cNvPr id="4" name="Straight Connector 3"/>
+          <p:cNvCxnSpPr>
+            <a:stCxn id="2" idx="1"/>
+            <a:endCxn id="2" idx="3"/>
+          </p:cNvCxnSpPr>
+          <p:nvPr/>
+        </p:nvCxnSpPr>
+        <p:spPr>
+          <a:xfrm>
+            <a:off x="2963333" y="2504440"/>
+            <a:ext cx="3591148" cy="0"/>
+          </a:xfrm>
+          <a:prstGeom prst="line">
+            <a:avLst/>
+          </a:prstGeom>
+          <a:ln w="19050">
+            <a:solidFill>
+              <a:srgbClr val="008000"/>
+            </a:solidFill>
+            <a:prstDash val="dash"/>
+          </a:ln>
+        </p:spPr>
+        <p:style>
+          <a:lnRef idx="2">
+            <a:schemeClr val="accent1"/>
+          </a:lnRef>
+          <a:fillRef idx="0">
+            <a:schemeClr val="accent1"/>
+          </a:fillRef>
+          <a:effectRef idx="1">
+            <a:schemeClr val="accent1"/>
+          </a:effectRef>
+          <a:fontRef idx="minor">
+            <a:schemeClr val="tx1"/>
+          </a:fontRef>
+        </p:style>
+      </p:cxnSp>
+      <p:cxnSp>
+        <p:nvCxnSpPr>
+          <p:cNvPr id="6" name="Straight Connector 5"/>
+          <p:cNvCxnSpPr>
+            <a:stCxn id="2" idx="0"/>
+            <a:endCxn id="2" idx="2"/>
+          </p:cNvCxnSpPr>
+          <p:nvPr/>
+        </p:nvCxnSpPr>
+        <p:spPr>
+          <a:xfrm>
+            <a:off x="4758907" y="1168400"/>
+            <a:ext cx="0" cy="2672080"/>
+          </a:xfrm>
+          <a:prstGeom prst="line">
+            <a:avLst/>
+          </a:prstGeom>
+          <a:ln w="19050">
+            <a:solidFill>
+              <a:schemeClr val="accent5">
+                <a:lumMod val="75000"/>
+              </a:schemeClr>
+            </a:solidFill>
+            <a:prstDash val="dash"/>
+          </a:ln>
+        </p:spPr>
+        <p:style>
+          <a:lnRef idx="2">
+            <a:schemeClr val="accent1"/>
+          </a:lnRef>
+          <a:fillRef idx="0">
+            <a:schemeClr val="accent1"/>
+          </a:fillRef>
+          <a:effectRef idx="1">
+            <a:schemeClr val="accent1"/>
+          </a:effectRef>
+          <a:fontRef idx="minor">
+            <a:schemeClr val="tx1"/>
+          </a:fontRef>
+        </p:style>
+      </p:cxnSp>
+      <p:sp>
+        <p:nvSpPr>
+          <p:cNvPr id="8" name="TextBox 7"/>
+          <p:cNvSpPr txBox="1"/>
+          <p:nvPr/>
+        </p:nvSpPr>
+        <p:spPr>
+          <a:xfrm>
+            <a:off x="2661920" y="2956561"/>
+            <a:ext cx="301660" cy="369332"/>
+          </a:xfrm>
+          <a:prstGeom prst="rect">
+            <a:avLst/>
+          </a:prstGeom>
+          <a:noFill/>
+        </p:spPr>
+        <p:txBody>
+          <a:bodyPr wrap="none" rtlCol="0">
+            <a:spAutoFit/>
+          </a:bodyPr>
+          <a:lstStyle/>
+          <a:p>
+            <a:r>
+              <a:rPr lang="en-US" dirty="0" smtClean="0"/>
+              <a:t>1</a:t>
+            </a:r>
+            <a:endParaRPr lang="en-US" dirty="0"/>
+          </a:p>
+        </p:txBody>
+      </p:sp>
+      <p:sp>
+        <p:nvSpPr>
+          <p:cNvPr id="9" name="TextBox 8"/>
+          <p:cNvSpPr txBox="1"/>
+          <p:nvPr/>
+        </p:nvSpPr>
+        <p:spPr>
+          <a:xfrm>
+            <a:off x="2661920" y="1688984"/>
+            <a:ext cx="301660" cy="369332"/>
+          </a:xfrm>
+          <a:prstGeom prst="rect">
+            <a:avLst/>
+          </a:prstGeom>
+          <a:noFill/>
+        </p:spPr>
+        <p:txBody>
+          <a:bodyPr wrap="none" rtlCol="0">
+            <a:spAutoFit/>
+          </a:bodyPr>
+          <a:lstStyle/>
+          <a:p>
+            <a:r>
+              <a:rPr lang="en-US" dirty="0" smtClean="0"/>
+              <a:t>2</a:t>
+            </a:r>
+            <a:endParaRPr lang="en-US" dirty="0"/>
+          </a:p>
+        </p:txBody>
+      </p:sp>
+      <p:sp>
+        <p:nvSpPr>
+          <p:cNvPr id="10" name="TextBox 9"/>
+          <p:cNvSpPr txBox="1"/>
+          <p:nvPr/>
+        </p:nvSpPr>
+        <p:spPr>
+          <a:xfrm>
+            <a:off x="3691954" y="795872"/>
+            <a:ext cx="301660" cy="369332"/>
+          </a:xfrm>
+          <a:prstGeom prst="rect">
+            <a:avLst/>
+          </a:prstGeom>
+          <a:noFill/>
+        </p:spPr>
+        <p:txBody>
+          <a:bodyPr wrap="none" rtlCol="0">
+            <a:spAutoFit/>
+          </a:bodyPr>
+          <a:lstStyle/>
+          <a:p>
+            <a:r>
+              <a:rPr lang="en-US" dirty="0"/>
+              <a:t>3</a:t>
+            </a:r>
+          </a:p>
+        </p:txBody>
+      </p:sp>
+      <p:sp>
+        <p:nvSpPr>
+          <p:cNvPr id="11" name="TextBox 10"/>
+          <p:cNvSpPr txBox="1"/>
+          <p:nvPr/>
+        </p:nvSpPr>
+        <p:spPr>
+          <a:xfrm>
+            <a:off x="5488819" y="795872"/>
+            <a:ext cx="301660" cy="369332"/>
+          </a:xfrm>
+          <a:prstGeom prst="rect">
+            <a:avLst/>
+          </a:prstGeom>
+          <a:noFill/>
+        </p:spPr>
+        <p:txBody>
+          <a:bodyPr wrap="none" rtlCol="0">
+            <a:spAutoFit/>
+          </a:bodyPr>
+          <a:lstStyle/>
+          <a:p>
+            <a:r>
+              <a:rPr lang="en-US" dirty="0"/>
+              <a:t>4</a:t>
+            </a:r>
+          </a:p>
+        </p:txBody>
+      </p:sp>
+      <p:sp>
+        <p:nvSpPr>
+          <p:cNvPr id="12" name="TextBox 11"/>
+          <p:cNvSpPr txBox="1"/>
+          <p:nvPr/>
+        </p:nvSpPr>
+        <p:spPr>
+          <a:xfrm>
+            <a:off x="6575939" y="1688983"/>
+            <a:ext cx="301660" cy="369332"/>
+          </a:xfrm>
+          <a:prstGeom prst="rect">
+            <a:avLst/>
+          </a:prstGeom>
+          <a:noFill/>
+        </p:spPr>
+        <p:txBody>
+          <a:bodyPr wrap="none" rtlCol="0">
+            <a:spAutoFit/>
+          </a:bodyPr>
+          <a:lstStyle/>
+          <a:p>
+            <a:r>
+              <a:rPr lang="en-US" dirty="0"/>
+              <a:t>5</a:t>
+            </a:r>
+          </a:p>
+        </p:txBody>
+      </p:sp>
+      <p:sp>
+        <p:nvSpPr>
+          <p:cNvPr id="13" name="TextBox 12"/>
+          <p:cNvSpPr txBox="1"/>
+          <p:nvPr/>
+        </p:nvSpPr>
+        <p:spPr>
+          <a:xfrm>
+            <a:off x="6575939" y="2956566"/>
+            <a:ext cx="301660" cy="369332"/>
+          </a:xfrm>
+          <a:prstGeom prst="rect">
+            <a:avLst/>
+          </a:prstGeom>
+          <a:noFill/>
+        </p:spPr>
+        <p:txBody>
+          <a:bodyPr wrap="none" rtlCol="0">
+            <a:spAutoFit/>
+          </a:bodyPr>
+          <a:lstStyle/>
+          <a:p>
+            <a:r>
+              <a:rPr lang="en-US" dirty="0" smtClean="0"/>
+              <a:t>6</a:t>
+            </a:r>
+            <a:endParaRPr lang="en-US" dirty="0"/>
+          </a:p>
+        </p:txBody>
+      </p:sp>
+      <p:sp>
+        <p:nvSpPr>
+          <p:cNvPr id="14" name="TextBox 13"/>
+          <p:cNvSpPr txBox="1"/>
+          <p:nvPr/>
+        </p:nvSpPr>
+        <p:spPr>
+          <a:xfrm>
+            <a:off x="5498978" y="3858873"/>
+            <a:ext cx="301660" cy="369332"/>
+          </a:xfrm>
+          <a:prstGeom prst="rect">
+            <a:avLst/>
+          </a:prstGeom>
+          <a:noFill/>
+        </p:spPr>
+        <p:txBody>
+          <a:bodyPr wrap="none" rtlCol="0">
+            <a:spAutoFit/>
+          </a:bodyPr>
+          <a:lstStyle/>
+          <a:p>
+            <a:r>
+              <a:rPr lang="en-US" dirty="0"/>
+              <a:t>7</a:t>
+            </a:r>
+          </a:p>
+        </p:txBody>
+      </p:sp>
+      <p:sp>
+        <p:nvSpPr>
+          <p:cNvPr id="15" name="TextBox 14"/>
+          <p:cNvSpPr txBox="1"/>
+          <p:nvPr/>
+        </p:nvSpPr>
+        <p:spPr>
+          <a:xfrm>
+            <a:off x="3691955" y="3858872"/>
+            <a:ext cx="301660" cy="369332"/>
+          </a:xfrm>
+          <a:prstGeom prst="rect">
+            <a:avLst/>
+          </a:prstGeom>
+          <a:noFill/>
+        </p:spPr>
+        <p:txBody>
+          <a:bodyPr wrap="none" rtlCol="0">
+            <a:spAutoFit/>
+          </a:bodyPr>
+          <a:lstStyle/>
+          <a:p>
+            <a:r>
+              <a:rPr lang="en-US" dirty="0" smtClean="0"/>
+              <a:t>8</a:t>
+            </a:r>
+            <a:endParaRPr lang="en-US" dirty="0"/>
+          </a:p>
+        </p:txBody>
+      </p:sp>
+      <p:sp>
+        <p:nvSpPr>
+          <p:cNvPr id="3" name="TextBox 2"/>
+          <p:cNvSpPr txBox="1"/>
+          <p:nvPr/>
+        </p:nvSpPr>
+        <p:spPr>
+          <a:xfrm>
+            <a:off x="3569064" y="2949299"/>
+            <a:ext cx="530915" cy="369332"/>
+          </a:xfrm>
+          <a:prstGeom prst="rect">
+            <a:avLst/>
+          </a:prstGeom>
+          <a:noFill/>
+        </p:spPr>
+        <p:txBody>
+          <a:bodyPr wrap="none" rtlCol="0">
+            <a:spAutoFit/>
+          </a:bodyPr>
+          <a:lstStyle/>
+          <a:p>
+            <a:r>
+              <a:rPr lang="en-US" dirty="0" smtClean="0">
+                <a:solidFill>
+                  <a:srgbClr val="0000FF"/>
+                </a:solidFill>
+              </a:rPr>
+              <a:t>L_B</a:t>
+            </a:r>
+          </a:p>
+        </p:txBody>
+      </p:sp>
+      <p:sp>
+        <p:nvSpPr>
+          <p:cNvPr id="16" name="TextBox 15"/>
+          <p:cNvSpPr txBox="1"/>
+          <p:nvPr/>
+        </p:nvSpPr>
+        <p:spPr>
+          <a:xfrm>
+            <a:off x="5380445" y="2949299"/>
+            <a:ext cx="556563" cy="369332"/>
+          </a:xfrm>
+          <a:prstGeom prst="rect">
+            <a:avLst/>
+          </a:prstGeom>
+          <a:noFill/>
+        </p:spPr>
+        <p:txBody>
+          <a:bodyPr wrap="none" rtlCol="0">
+            <a:spAutoFit/>
+          </a:bodyPr>
+          <a:lstStyle/>
+          <a:p>
+            <a:r>
+              <a:rPr lang="en-US" dirty="0">
+                <a:solidFill>
+                  <a:srgbClr val="0000FF"/>
+                </a:solidFill>
+              </a:rPr>
+              <a:t>R</a:t>
+            </a:r>
+            <a:r>
+              <a:rPr lang="en-US" dirty="0" smtClean="0">
+                <a:solidFill>
+                  <a:srgbClr val="0000FF"/>
+                </a:solidFill>
+              </a:rPr>
+              <a:t>_B</a:t>
+            </a:r>
+          </a:p>
+        </p:txBody>
+      </p:sp>
+      <p:sp>
+        <p:nvSpPr>
+          <p:cNvPr id="17" name="TextBox 16"/>
+          <p:cNvSpPr txBox="1"/>
+          <p:nvPr/>
+        </p:nvSpPr>
+        <p:spPr>
+          <a:xfrm>
+            <a:off x="3569064" y="1673502"/>
+            <a:ext cx="518091" cy="369332"/>
+          </a:xfrm>
+          <a:prstGeom prst="rect">
+            <a:avLst/>
+          </a:prstGeom>
+          <a:noFill/>
+        </p:spPr>
+        <p:txBody>
+          <a:bodyPr wrap="none" rtlCol="0">
+            <a:spAutoFit/>
+          </a:bodyPr>
+          <a:lstStyle/>
+          <a:p>
+            <a:r>
+              <a:rPr lang="en-US" dirty="0" smtClean="0">
+                <a:solidFill>
+                  <a:srgbClr val="0000FF"/>
+                </a:solidFill>
+              </a:rPr>
+              <a:t>L_T</a:t>
+            </a:r>
+          </a:p>
+        </p:txBody>
+      </p:sp>
+      <p:sp>
+        <p:nvSpPr>
+          <p:cNvPr id="18" name="TextBox 17"/>
+          <p:cNvSpPr txBox="1"/>
+          <p:nvPr/>
+        </p:nvSpPr>
+        <p:spPr>
+          <a:xfrm>
+            <a:off x="5380445" y="1673502"/>
+            <a:ext cx="543739" cy="369332"/>
+          </a:xfrm>
+          <a:prstGeom prst="rect">
+            <a:avLst/>
+          </a:prstGeom>
+          <a:noFill/>
+        </p:spPr>
+        <p:txBody>
+          <a:bodyPr wrap="none" rtlCol="0">
+            <a:spAutoFit/>
+          </a:bodyPr>
+          <a:lstStyle/>
+          <a:p>
+            <a:r>
+              <a:rPr lang="en-US" dirty="0" smtClean="0">
+                <a:solidFill>
+                  <a:srgbClr val="0000FF"/>
+                </a:solidFill>
+              </a:rPr>
+              <a:t>R_T</a:t>
+            </a:r>
+          </a:p>
+        </p:txBody>
+      </p:sp>
+      <p:sp>
+        <p:nvSpPr>
+          <p:cNvPr id="19" name="Rectangle 18"/>
+          <p:cNvSpPr/>
+          <p:nvPr/>
+        </p:nvSpPr>
+        <p:spPr>
+          <a:xfrm>
+            <a:off x="7218922" y="1883172"/>
+            <a:ext cx="501227" cy="213360"/>
+          </a:xfrm>
+          <a:prstGeom prst="rect">
+            <a:avLst/>
+          </a:prstGeom>
+          <a:noFill/>
+          <a:ln w="19050">
+            <a:solidFill>
+              <a:srgbClr val="FF0000"/>
+            </a:solidFill>
+          </a:ln>
+        </p:spPr>
+        <p:style>
+          <a:lnRef idx="1">
+            <a:schemeClr val="accent1"/>
+          </a:lnRef>
+          <a:fillRef idx="3">
+            <a:schemeClr val="accent1"/>
+          </a:fillRef>
+          <a:effectRef idx="2">
+            <a:schemeClr val="accent1"/>
+          </a:effectRef>
+          <a:fontRef idx="minor">
+            <a:schemeClr val="lt1"/>
+          </a:fontRef>
+        </p:style>
+        <p:txBody>
+          <a:bodyPr rtlCol="0" anchor="ctr"/>
+          <a:lstStyle/>
+          <a:p>
+            <a:pPr algn="ctr"/>
+            <a:endParaRPr lang="en-US"/>
+          </a:p>
+        </p:txBody>
+      </p:sp>
+      <p:sp>
+        <p:nvSpPr>
+          <p:cNvPr id="20" name="TextBox 19"/>
+          <p:cNvSpPr txBox="1"/>
+          <p:nvPr/>
+        </p:nvSpPr>
+        <p:spPr>
+          <a:xfrm>
+            <a:off x="7757403" y="1788350"/>
+            <a:ext cx="1967644" cy="369332"/>
+          </a:xfrm>
+          <a:prstGeom prst="rect">
+            <a:avLst/>
+          </a:prstGeom>
+          <a:noFill/>
+        </p:spPr>
+        <p:txBody>
+          <a:bodyPr wrap="none" rtlCol="0">
+            <a:spAutoFit/>
+          </a:bodyPr>
+          <a:lstStyle/>
+          <a:p>
+            <a:r>
+              <a:rPr lang="en-US" dirty="0" smtClean="0"/>
+              <a:t>Cell boundary lines</a:t>
+            </a:r>
+            <a:endParaRPr lang="en-US" dirty="0"/>
+          </a:p>
+        </p:txBody>
+      </p:sp>
+      <p:sp>
+        <p:nvSpPr>
+          <p:cNvPr id="5" name="Rectangle 4"/>
+          <p:cNvSpPr/>
+          <p:nvPr/>
+        </p:nvSpPr>
+        <p:spPr>
+          <a:xfrm>
+            <a:off x="7757403" y="2208248"/>
+            <a:ext cx="1272779" cy="369332"/>
+          </a:xfrm>
+          <a:prstGeom prst="rect">
+            <a:avLst/>
+          </a:prstGeom>
+        </p:spPr>
+        <p:txBody>
+          <a:bodyPr wrap="none">
+            <a:spAutoFit/>
+          </a:bodyPr>
+          <a:lstStyle/>
+          <a:p>
+            <a:r>
+              <a:rPr lang="en-US" dirty="0" err="1"/>
+              <a:t>split_line_h</a:t>
+            </a:r>
+            <a:endParaRPr lang="en-US" dirty="0"/>
+          </a:p>
+        </p:txBody>
+      </p:sp>
+      <p:sp>
+        <p:nvSpPr>
+          <p:cNvPr id="21" name="Rectangle 20"/>
+          <p:cNvSpPr/>
+          <p:nvPr/>
+        </p:nvSpPr>
+        <p:spPr>
+          <a:xfrm>
+            <a:off x="7757403" y="2628146"/>
+            <a:ext cx="1255760" cy="369332"/>
+          </a:xfrm>
+          <a:prstGeom prst="rect">
+            <a:avLst/>
+          </a:prstGeom>
+        </p:spPr>
+        <p:txBody>
+          <a:bodyPr wrap="none">
+            <a:spAutoFit/>
+          </a:bodyPr>
+          <a:lstStyle/>
+          <a:p>
+            <a:r>
+              <a:rPr lang="en-US" dirty="0" err="1" smtClean="0"/>
+              <a:t>split_line_v</a:t>
+            </a:r>
+            <a:endParaRPr lang="en-US" dirty="0"/>
+          </a:p>
+        </p:txBody>
+      </p:sp>
+      <p:cxnSp>
+        <p:nvCxnSpPr>
+          <p:cNvPr id="22" name="Straight Connector 21"/>
+          <p:cNvCxnSpPr/>
+          <p:nvPr/>
+        </p:nvCxnSpPr>
+        <p:spPr>
+          <a:xfrm>
+            <a:off x="7229082" y="2431812"/>
+            <a:ext cx="541867" cy="0"/>
+          </a:xfrm>
+          <a:prstGeom prst="line">
+            <a:avLst/>
+          </a:prstGeom>
+          <a:ln w="19050">
+            <a:solidFill>
+              <a:srgbClr val="008000"/>
+            </a:solidFill>
+            <a:prstDash val="dash"/>
+          </a:ln>
+        </p:spPr>
+        <p:style>
+          <a:lnRef idx="2">
+            <a:schemeClr val="accent1"/>
+          </a:lnRef>
+          <a:fillRef idx="0">
+            <a:schemeClr val="accent1"/>
+          </a:fillRef>
+          <a:effectRef idx="1">
+            <a:schemeClr val="accent1"/>
+          </a:effectRef>
+          <a:fontRef idx="minor">
+            <a:schemeClr val="tx1"/>
+          </a:fontRef>
+        </p:style>
+      </p:cxnSp>
+      <p:cxnSp>
+        <p:nvCxnSpPr>
+          <p:cNvPr id="24" name="Straight Connector 23"/>
+          <p:cNvCxnSpPr/>
+          <p:nvPr/>
+        </p:nvCxnSpPr>
+        <p:spPr>
+          <a:xfrm>
+            <a:off x="7464456" y="2635012"/>
+            <a:ext cx="0" cy="345440"/>
+          </a:xfrm>
+          <a:prstGeom prst="line">
+            <a:avLst/>
+          </a:prstGeom>
+          <a:ln w="19050">
+            <a:solidFill>
+              <a:schemeClr val="accent5">
+                <a:lumMod val="75000"/>
+              </a:schemeClr>
+            </a:solidFill>
+            <a:prstDash val="dash"/>
+          </a:ln>
+        </p:spPr>
+        <p:style>
+          <a:lnRef idx="2">
+            <a:schemeClr val="accent1"/>
+          </a:lnRef>
+          <a:fillRef idx="0">
+            <a:schemeClr val="accent1"/>
+          </a:fillRef>
+          <a:effectRef idx="1">
+            <a:schemeClr val="accent1"/>
+          </a:effectRef>
+          <a:fontRef idx="minor">
+            <a:schemeClr val="tx1"/>
+          </a:fontRef>
+        </p:style>
+      </p:cxnSp>
+      <p:sp>
+        <p:nvSpPr>
+          <p:cNvPr id="25" name="TextBox 24"/>
+          <p:cNvSpPr txBox="1"/>
+          <p:nvPr/>
+        </p:nvSpPr>
+        <p:spPr>
+          <a:xfrm>
+            <a:off x="3709983" y="2208248"/>
+            <a:ext cx="295274" cy="369332"/>
+          </a:xfrm>
+          <a:prstGeom prst="rect">
+            <a:avLst/>
+          </a:prstGeom>
+          <a:noFill/>
+        </p:spPr>
+        <p:txBody>
+          <a:bodyPr wrap="none" rtlCol="0">
+            <a:spAutoFit/>
+          </a:bodyPr>
+          <a:lstStyle/>
+          <a:p>
+            <a:r>
+              <a:rPr lang="en-US" dirty="0">
+                <a:solidFill>
+                  <a:srgbClr val="0070C0"/>
+                </a:solidFill>
+              </a:rPr>
+              <a:t>a</a:t>
+            </a:r>
+          </a:p>
+        </p:txBody>
+      </p:sp>
+      <p:sp>
+        <p:nvSpPr>
+          <p:cNvPr id="27" name="TextBox 26"/>
+          <p:cNvSpPr txBox="1"/>
+          <p:nvPr/>
+        </p:nvSpPr>
+        <p:spPr>
+          <a:xfrm>
+            <a:off x="5552312" y="2208248"/>
+            <a:ext cx="306494" cy="369332"/>
+          </a:xfrm>
+          <a:prstGeom prst="rect">
+            <a:avLst/>
+          </a:prstGeom>
+          <a:noFill/>
+        </p:spPr>
+        <p:txBody>
+          <a:bodyPr wrap="none" rtlCol="0">
+            <a:spAutoFit/>
+          </a:bodyPr>
+          <a:lstStyle/>
+          <a:p>
+            <a:r>
+              <a:rPr lang="en-US" dirty="0">
+                <a:solidFill>
+                  <a:srgbClr val="0070C0"/>
+                </a:solidFill>
+              </a:rPr>
+              <a:t>b</a:t>
+            </a:r>
+          </a:p>
+        </p:txBody>
+      </p:sp>
+      <p:sp>
+        <p:nvSpPr>
+          <p:cNvPr id="28" name="TextBox 27"/>
+          <p:cNvSpPr txBox="1"/>
+          <p:nvPr/>
+        </p:nvSpPr>
+        <p:spPr>
+          <a:xfrm>
+            <a:off x="4739999" y="1673502"/>
+            <a:ext cx="282450" cy="369332"/>
+          </a:xfrm>
+          <a:prstGeom prst="rect">
+            <a:avLst/>
+          </a:prstGeom>
+          <a:noFill/>
+        </p:spPr>
+        <p:txBody>
+          <a:bodyPr wrap="none" rtlCol="0">
+            <a:spAutoFit/>
+          </a:bodyPr>
+          <a:lstStyle/>
+          <a:p>
+            <a:r>
+              <a:rPr lang="en-US" dirty="0">
+                <a:solidFill>
+                  <a:srgbClr val="0070C0"/>
+                </a:solidFill>
+              </a:rPr>
+              <a:t>c</a:t>
+            </a:r>
+          </a:p>
+        </p:txBody>
+      </p:sp>
+      <p:sp>
+        <p:nvSpPr>
+          <p:cNvPr id="29" name="TextBox 28"/>
+          <p:cNvSpPr txBox="1"/>
+          <p:nvPr/>
+        </p:nvSpPr>
+        <p:spPr>
+          <a:xfrm>
+            <a:off x="4743836" y="2924200"/>
+            <a:ext cx="306494" cy="369332"/>
+          </a:xfrm>
+          <a:prstGeom prst="rect">
+            <a:avLst/>
+          </a:prstGeom>
+          <a:noFill/>
+        </p:spPr>
+        <p:txBody>
+          <a:bodyPr wrap="none" rtlCol="0">
+            <a:spAutoFit/>
+          </a:bodyPr>
+          <a:lstStyle/>
+          <a:p>
+            <a:r>
+              <a:rPr lang="en-US" dirty="0">
+                <a:solidFill>
+                  <a:srgbClr val="0070C0"/>
+                </a:solidFill>
+              </a:rPr>
+              <a:t>d</a:t>
+            </a:r>
+          </a:p>
+        </p:txBody>
+      </p:sp>
     </p:spTree>
     <p:extLst>
       <p:ext uri="{BB962C8B-B14F-4D97-AF65-F5344CB8AC3E}">
@@ -5969,7 +6103,7 @@
   <p:timing>
     <p:tnLst>
       <p:par>
-        <p:cTn xmlns:p14="http://schemas.microsoft.com/office/powerpoint/2010/main" id="1" dur="indefinite" restart="never" nodeType="tmRoot"/>
+        <p:cTn id="1" dur="indefinite" restart="never" nodeType="tmRoot"/>
       </p:par>
     </p:tnLst>
   </p:timing>
@@ -5977,6 +6111,1453 @@
 </file>
 
 <file path=ppt/slides/slide4.xml><?xml version="1.0" encoding="utf-8"?>
+<p:sld xmlns:a="http://schemas.openxmlformats.org/drawingml/2006/main" xmlns:r="http://schemas.openxmlformats.org/officeDocument/2006/relationships" xmlns:p="http://schemas.openxmlformats.org/presentationml/2006/main">
+  <p:cSld>
+    <p:spTree>
+      <p:nvGrpSpPr>
+        <p:cNvPr id="1" name=""/>
+        <p:cNvGrpSpPr/>
+        <p:nvPr/>
+      </p:nvGrpSpPr>
+      <p:grpSpPr>
+        <a:xfrm>
+          <a:off x="0" y="0"/>
+          <a:ext cx="0" cy="0"/>
+          <a:chOff x="0" y="0"/>
+          <a:chExt cx="0" cy="0"/>
+        </a:xfrm>
+      </p:grpSpPr>
+      <p:sp>
+        <p:nvSpPr>
+          <p:cNvPr id="2" name="Rectangle 1"/>
+          <p:cNvSpPr/>
+          <p:nvPr/>
+        </p:nvSpPr>
+        <p:spPr>
+          <a:xfrm>
+            <a:off x="1123406" y="3222534"/>
+            <a:ext cx="3587931" cy="2603863"/>
+          </a:xfrm>
+          <a:prstGeom prst="rect">
+            <a:avLst/>
+          </a:prstGeom>
+          <a:noFill/>
+          <a:ln>
+            <a:solidFill>
+              <a:schemeClr val="bg1">
+                <a:lumMod val="50000"/>
+              </a:schemeClr>
+            </a:solidFill>
+          </a:ln>
+        </p:spPr>
+        <p:style>
+          <a:lnRef idx="2">
+            <a:schemeClr val="accent1">
+              <a:shade val="50000"/>
+            </a:schemeClr>
+          </a:lnRef>
+          <a:fillRef idx="1">
+            <a:schemeClr val="accent1"/>
+          </a:fillRef>
+          <a:effectRef idx="0">
+            <a:schemeClr val="accent1"/>
+          </a:effectRef>
+          <a:fontRef idx="minor">
+            <a:schemeClr val="lt1"/>
+          </a:fontRef>
+        </p:style>
+        <p:txBody>
+          <a:bodyPr rtlCol="0" anchor="ctr"/>
+          <a:lstStyle/>
+          <a:p>
+            <a:pPr algn="ctr"/>
+            <a:endParaRPr lang="en-US"/>
+          </a:p>
+        </p:txBody>
+      </p:sp>
+      <p:sp>
+        <p:nvSpPr>
+          <p:cNvPr id="3" name="Rectangle 2"/>
+          <p:cNvSpPr/>
+          <p:nvPr/>
+        </p:nvSpPr>
+        <p:spPr>
+          <a:xfrm>
+            <a:off x="5847805" y="3222534"/>
+            <a:ext cx="3587931" cy="2603863"/>
+          </a:xfrm>
+          <a:prstGeom prst="rect">
+            <a:avLst/>
+          </a:prstGeom>
+          <a:noFill/>
+          <a:ln>
+            <a:solidFill>
+              <a:schemeClr val="bg1">
+                <a:lumMod val="50000"/>
+              </a:schemeClr>
+            </a:solidFill>
+          </a:ln>
+        </p:spPr>
+        <p:style>
+          <a:lnRef idx="2">
+            <a:schemeClr val="accent1">
+              <a:shade val="50000"/>
+            </a:schemeClr>
+          </a:lnRef>
+          <a:fillRef idx="1">
+            <a:schemeClr val="accent1"/>
+          </a:fillRef>
+          <a:effectRef idx="0">
+            <a:schemeClr val="accent1"/>
+          </a:effectRef>
+          <a:fontRef idx="minor">
+            <a:schemeClr val="lt1"/>
+          </a:fontRef>
+        </p:style>
+        <p:txBody>
+          <a:bodyPr rtlCol="0" anchor="ctr"/>
+          <a:lstStyle/>
+          <a:p>
+            <a:pPr algn="ctr"/>
+            <a:endParaRPr lang="en-US"/>
+          </a:p>
+        </p:txBody>
+      </p:sp>
+      <p:cxnSp>
+        <p:nvCxnSpPr>
+          <p:cNvPr id="5" name="Straight Arrow Connector 4"/>
+          <p:cNvCxnSpPr/>
+          <p:nvPr/>
+        </p:nvCxnSpPr>
+        <p:spPr>
+          <a:xfrm flipV="1">
+            <a:off x="1123406" y="3173548"/>
+            <a:ext cx="1274513" cy="1607822"/>
+          </a:xfrm>
+          <a:prstGeom prst="straightConnector1">
+            <a:avLst/>
+          </a:prstGeom>
+          <a:ln w="28575">
+            <a:solidFill>
+              <a:srgbClr val="FF0000"/>
+            </a:solidFill>
+            <a:tailEnd type="triangle"/>
+          </a:ln>
+        </p:spPr>
+        <p:style>
+          <a:lnRef idx="1">
+            <a:schemeClr val="accent1"/>
+          </a:lnRef>
+          <a:fillRef idx="0">
+            <a:schemeClr val="accent1"/>
+          </a:fillRef>
+          <a:effectRef idx="0">
+            <a:schemeClr val="accent1"/>
+          </a:effectRef>
+          <a:fontRef idx="minor">
+            <a:schemeClr val="tx1"/>
+          </a:fontRef>
+        </p:style>
+      </p:cxnSp>
+      <p:cxnSp>
+        <p:nvCxnSpPr>
+          <p:cNvPr id="6" name="Straight Arrow Connector 5"/>
+          <p:cNvCxnSpPr/>
+          <p:nvPr/>
+        </p:nvCxnSpPr>
+        <p:spPr>
+          <a:xfrm>
+            <a:off x="2368731" y="3222534"/>
+            <a:ext cx="2342606" cy="714104"/>
+          </a:xfrm>
+          <a:prstGeom prst="straightConnector1">
+            <a:avLst/>
+          </a:prstGeom>
+          <a:ln w="28575">
+            <a:solidFill>
+              <a:srgbClr val="FF0000"/>
+            </a:solidFill>
+            <a:tailEnd type="triangle"/>
+          </a:ln>
+        </p:spPr>
+        <p:style>
+          <a:lnRef idx="1">
+            <a:schemeClr val="accent1"/>
+          </a:lnRef>
+          <a:fillRef idx="0">
+            <a:schemeClr val="accent1"/>
+          </a:fillRef>
+          <a:effectRef idx="0">
+            <a:schemeClr val="accent1"/>
+          </a:effectRef>
+          <a:fontRef idx="minor">
+            <a:schemeClr val="tx1"/>
+          </a:fontRef>
+        </p:style>
+      </p:cxnSp>
+      <p:cxnSp>
+        <p:nvCxnSpPr>
+          <p:cNvPr id="9" name="Straight Arrow Connector 8"/>
+          <p:cNvCxnSpPr/>
+          <p:nvPr/>
+        </p:nvCxnSpPr>
+        <p:spPr>
+          <a:xfrm flipH="1">
+            <a:off x="2664823" y="4781369"/>
+            <a:ext cx="2046514" cy="1045028"/>
+          </a:xfrm>
+          <a:prstGeom prst="straightConnector1">
+            <a:avLst/>
+          </a:prstGeom>
+          <a:ln w="28575">
+            <a:solidFill>
+              <a:srgbClr val="FF0000"/>
+            </a:solidFill>
+            <a:tailEnd type="triangle"/>
+          </a:ln>
+        </p:spPr>
+        <p:style>
+          <a:lnRef idx="1">
+            <a:schemeClr val="accent1"/>
+          </a:lnRef>
+          <a:fillRef idx="0">
+            <a:schemeClr val="accent1"/>
+          </a:fillRef>
+          <a:effectRef idx="0">
+            <a:schemeClr val="accent1"/>
+          </a:effectRef>
+          <a:fontRef idx="minor">
+            <a:schemeClr val="tx1"/>
+          </a:fontRef>
+        </p:style>
+      </p:cxnSp>
+      <p:cxnSp>
+        <p:nvCxnSpPr>
+          <p:cNvPr id="12" name="Straight Arrow Connector 11"/>
+          <p:cNvCxnSpPr/>
+          <p:nvPr/>
+        </p:nvCxnSpPr>
+        <p:spPr>
+          <a:xfrm flipH="1" flipV="1">
+            <a:off x="5847805" y="4877163"/>
+            <a:ext cx="1319348" cy="949234"/>
+          </a:xfrm>
+          <a:prstGeom prst="straightConnector1">
+            <a:avLst/>
+          </a:prstGeom>
+          <a:ln w="28575">
+            <a:solidFill>
+              <a:srgbClr val="FF0000"/>
+            </a:solidFill>
+            <a:tailEnd type="triangle"/>
+          </a:ln>
+        </p:spPr>
+        <p:style>
+          <a:lnRef idx="1">
+            <a:schemeClr val="accent1"/>
+          </a:lnRef>
+          <a:fillRef idx="0">
+            <a:schemeClr val="accent1"/>
+          </a:fillRef>
+          <a:effectRef idx="0">
+            <a:schemeClr val="accent1"/>
+          </a:effectRef>
+          <a:fontRef idx="minor">
+            <a:schemeClr val="tx1"/>
+          </a:fontRef>
+        </p:style>
+      </p:cxnSp>
+      <p:sp>
+        <p:nvSpPr>
+          <p:cNvPr id="15" name="Oval 14"/>
+          <p:cNvSpPr/>
+          <p:nvPr/>
+        </p:nvSpPr>
+        <p:spPr>
+          <a:xfrm>
+            <a:off x="1049383" y="4694286"/>
+            <a:ext cx="148046" cy="148046"/>
+          </a:xfrm>
+          <a:prstGeom prst="ellipse">
+            <a:avLst/>
+          </a:prstGeom>
+          <a:noFill/>
+          <a:ln w="38100">
+            <a:solidFill>
+              <a:srgbClr val="00B050"/>
+            </a:solidFill>
+          </a:ln>
+        </p:spPr>
+        <p:style>
+          <a:lnRef idx="2">
+            <a:schemeClr val="accent1">
+              <a:shade val="50000"/>
+            </a:schemeClr>
+          </a:lnRef>
+          <a:fillRef idx="1">
+            <a:schemeClr val="accent1"/>
+          </a:fillRef>
+          <a:effectRef idx="0">
+            <a:schemeClr val="accent1"/>
+          </a:effectRef>
+          <a:fontRef idx="minor">
+            <a:schemeClr val="lt1"/>
+          </a:fontRef>
+        </p:style>
+        <p:txBody>
+          <a:bodyPr rtlCol="0" anchor="ctr"/>
+          <a:lstStyle/>
+          <a:p>
+            <a:pPr algn="ctr"/>
+            <a:endParaRPr lang="en-US">
+              <a:solidFill>
+                <a:srgbClr val="00B050"/>
+              </a:solidFill>
+            </a:endParaRPr>
+          </a:p>
+        </p:txBody>
+      </p:sp>
+      <p:sp>
+        <p:nvSpPr>
+          <p:cNvPr id="16" name="Oval 15"/>
+          <p:cNvSpPr/>
+          <p:nvPr/>
+        </p:nvSpPr>
+        <p:spPr>
+          <a:xfrm>
+            <a:off x="7084421" y="5748018"/>
+            <a:ext cx="148046" cy="148046"/>
+          </a:xfrm>
+          <a:prstGeom prst="ellipse">
+            <a:avLst/>
+          </a:prstGeom>
+          <a:noFill/>
+          <a:ln w="38100">
+            <a:solidFill>
+              <a:srgbClr val="00B050"/>
+            </a:solidFill>
+          </a:ln>
+        </p:spPr>
+        <p:style>
+          <a:lnRef idx="2">
+            <a:schemeClr val="accent1">
+              <a:shade val="50000"/>
+            </a:schemeClr>
+          </a:lnRef>
+          <a:fillRef idx="1">
+            <a:schemeClr val="accent1"/>
+          </a:fillRef>
+          <a:effectRef idx="0">
+            <a:schemeClr val="accent1"/>
+          </a:effectRef>
+          <a:fontRef idx="minor">
+            <a:schemeClr val="lt1"/>
+          </a:fontRef>
+        </p:style>
+        <p:txBody>
+          <a:bodyPr rtlCol="0" anchor="ctr"/>
+          <a:lstStyle/>
+          <a:p>
+            <a:pPr algn="ctr"/>
+            <a:endParaRPr lang="en-US">
+              <a:solidFill>
+                <a:srgbClr val="00B050"/>
+              </a:solidFill>
+            </a:endParaRPr>
+          </a:p>
+        </p:txBody>
+      </p:sp>
+      <p:sp>
+        <p:nvSpPr>
+          <p:cNvPr id="17" name="Oval 16"/>
+          <p:cNvSpPr/>
+          <p:nvPr/>
+        </p:nvSpPr>
+        <p:spPr>
+          <a:xfrm>
+            <a:off x="1053736" y="5743669"/>
+            <a:ext cx="148046" cy="148046"/>
+          </a:xfrm>
+          <a:prstGeom prst="ellipse">
+            <a:avLst/>
+          </a:prstGeom>
+          <a:noFill/>
+          <a:ln w="28575">
+            <a:solidFill>
+              <a:schemeClr val="bg1">
+                <a:lumMod val="65000"/>
+              </a:schemeClr>
+            </a:solidFill>
+          </a:ln>
+        </p:spPr>
+        <p:style>
+          <a:lnRef idx="2">
+            <a:schemeClr val="accent1">
+              <a:shade val="50000"/>
+            </a:schemeClr>
+          </a:lnRef>
+          <a:fillRef idx="1">
+            <a:schemeClr val="accent1"/>
+          </a:fillRef>
+          <a:effectRef idx="0">
+            <a:schemeClr val="accent1"/>
+          </a:effectRef>
+          <a:fontRef idx="minor">
+            <a:schemeClr val="lt1"/>
+          </a:fontRef>
+        </p:style>
+        <p:txBody>
+          <a:bodyPr rtlCol="0" anchor="ctr"/>
+          <a:lstStyle/>
+          <a:p>
+            <a:pPr algn="ctr"/>
+            <a:endParaRPr lang="en-US">
+              <a:solidFill>
+                <a:schemeClr val="bg1">
+                  <a:lumMod val="65000"/>
+                </a:schemeClr>
+              </a:solidFill>
+            </a:endParaRPr>
+          </a:p>
+        </p:txBody>
+      </p:sp>
+      <p:sp>
+        <p:nvSpPr>
+          <p:cNvPr id="18" name="Oval 17"/>
+          <p:cNvSpPr/>
+          <p:nvPr/>
+        </p:nvSpPr>
+        <p:spPr>
+          <a:xfrm>
+            <a:off x="5773782" y="5748023"/>
+            <a:ext cx="148046" cy="148046"/>
+          </a:xfrm>
+          <a:prstGeom prst="ellipse">
+            <a:avLst/>
+          </a:prstGeom>
+          <a:noFill/>
+          <a:ln w="28575">
+            <a:solidFill>
+              <a:schemeClr val="bg1">
+                <a:lumMod val="65000"/>
+              </a:schemeClr>
+            </a:solidFill>
+          </a:ln>
+        </p:spPr>
+        <p:style>
+          <a:lnRef idx="2">
+            <a:schemeClr val="accent1">
+              <a:shade val="50000"/>
+            </a:schemeClr>
+          </a:lnRef>
+          <a:fillRef idx="1">
+            <a:schemeClr val="accent1"/>
+          </a:fillRef>
+          <a:effectRef idx="0">
+            <a:schemeClr val="accent1"/>
+          </a:effectRef>
+          <a:fontRef idx="minor">
+            <a:schemeClr val="lt1"/>
+          </a:fontRef>
+        </p:style>
+        <p:txBody>
+          <a:bodyPr rtlCol="0" anchor="ctr"/>
+          <a:lstStyle/>
+          <a:p>
+            <a:pPr algn="ctr"/>
+            <a:endParaRPr lang="en-US">
+              <a:solidFill>
+                <a:schemeClr val="bg1">
+                  <a:lumMod val="65000"/>
+                </a:schemeClr>
+              </a:solidFill>
+            </a:endParaRPr>
+          </a:p>
+        </p:txBody>
+      </p:sp>
+      <p:cxnSp>
+        <p:nvCxnSpPr>
+          <p:cNvPr id="20" name="Straight Connector 19"/>
+          <p:cNvCxnSpPr/>
+          <p:nvPr/>
+        </p:nvCxnSpPr>
+        <p:spPr>
+          <a:xfrm>
+            <a:off x="5847805" y="3222534"/>
+            <a:ext cx="0" cy="1654629"/>
+          </a:xfrm>
+          <a:prstGeom prst="line">
+            <a:avLst/>
+          </a:prstGeom>
+          <a:ln w="28575">
+            <a:solidFill>
+              <a:srgbClr val="FF0000"/>
+            </a:solidFill>
+          </a:ln>
+        </p:spPr>
+        <p:style>
+          <a:lnRef idx="1">
+            <a:schemeClr val="accent1"/>
+          </a:lnRef>
+          <a:fillRef idx="0">
+            <a:schemeClr val="accent1"/>
+          </a:fillRef>
+          <a:effectRef idx="0">
+            <a:schemeClr val="accent1"/>
+          </a:effectRef>
+          <a:fontRef idx="minor">
+            <a:schemeClr val="tx1"/>
+          </a:fontRef>
+        </p:style>
+      </p:cxnSp>
+      <p:cxnSp>
+        <p:nvCxnSpPr>
+          <p:cNvPr id="21" name="Straight Connector 20"/>
+          <p:cNvCxnSpPr/>
+          <p:nvPr/>
+        </p:nvCxnSpPr>
+        <p:spPr>
+          <a:xfrm>
+            <a:off x="1123406" y="5826397"/>
+            <a:ext cx="1560263" cy="0"/>
+          </a:xfrm>
+          <a:prstGeom prst="line">
+            <a:avLst/>
+          </a:prstGeom>
+          <a:ln w="28575">
+            <a:solidFill>
+              <a:srgbClr val="FF0000"/>
+            </a:solidFill>
+          </a:ln>
+        </p:spPr>
+        <p:style>
+          <a:lnRef idx="1">
+            <a:schemeClr val="accent1"/>
+          </a:lnRef>
+          <a:fillRef idx="0">
+            <a:schemeClr val="accent1"/>
+          </a:fillRef>
+          <a:effectRef idx="0">
+            <a:schemeClr val="accent1"/>
+          </a:effectRef>
+          <a:fontRef idx="minor">
+            <a:schemeClr val="tx1"/>
+          </a:fontRef>
+        </p:style>
+      </p:cxnSp>
+      <p:cxnSp>
+        <p:nvCxnSpPr>
+          <p:cNvPr id="24" name="Straight Connector 23"/>
+          <p:cNvCxnSpPr/>
+          <p:nvPr/>
+        </p:nvCxnSpPr>
+        <p:spPr>
+          <a:xfrm>
+            <a:off x="4711337" y="3936638"/>
+            <a:ext cx="0" cy="844731"/>
+          </a:xfrm>
+          <a:prstGeom prst="line">
+            <a:avLst/>
+          </a:prstGeom>
+          <a:ln w="28575">
+            <a:solidFill>
+              <a:srgbClr val="FF0000"/>
+            </a:solidFill>
+          </a:ln>
+        </p:spPr>
+        <p:style>
+          <a:lnRef idx="1">
+            <a:schemeClr val="accent1"/>
+          </a:lnRef>
+          <a:fillRef idx="0">
+            <a:schemeClr val="accent1"/>
+          </a:fillRef>
+          <a:effectRef idx="0">
+            <a:schemeClr val="accent1"/>
+          </a:effectRef>
+          <a:fontRef idx="minor">
+            <a:schemeClr val="tx1"/>
+          </a:fontRef>
+        </p:style>
+      </p:cxnSp>
+      <p:cxnSp>
+        <p:nvCxnSpPr>
+          <p:cNvPr id="29" name="Straight Connector 28"/>
+          <p:cNvCxnSpPr/>
+          <p:nvPr/>
+        </p:nvCxnSpPr>
+        <p:spPr>
+          <a:xfrm>
+            <a:off x="1123406" y="4771163"/>
+            <a:ext cx="0" cy="1055234"/>
+          </a:xfrm>
+          <a:prstGeom prst="line">
+            <a:avLst/>
+          </a:prstGeom>
+          <a:ln w="28575">
+            <a:solidFill>
+              <a:srgbClr val="FF0000"/>
+            </a:solidFill>
+          </a:ln>
+        </p:spPr>
+        <p:style>
+          <a:lnRef idx="1">
+            <a:schemeClr val="accent1"/>
+          </a:lnRef>
+          <a:fillRef idx="0">
+            <a:schemeClr val="accent1"/>
+          </a:fillRef>
+          <a:effectRef idx="0">
+            <a:schemeClr val="accent1"/>
+          </a:effectRef>
+          <a:fontRef idx="minor">
+            <a:schemeClr val="tx1"/>
+          </a:fontRef>
+        </p:style>
+      </p:cxnSp>
+      <p:cxnSp>
+        <p:nvCxnSpPr>
+          <p:cNvPr id="32" name="Straight Connector 31"/>
+          <p:cNvCxnSpPr/>
+          <p:nvPr/>
+        </p:nvCxnSpPr>
+        <p:spPr>
+          <a:xfrm>
+            <a:off x="7167153" y="5826397"/>
+            <a:ext cx="2268583" cy="0"/>
+          </a:xfrm>
+          <a:prstGeom prst="line">
+            <a:avLst/>
+          </a:prstGeom>
+          <a:ln w="28575">
+            <a:solidFill>
+              <a:srgbClr val="FF0000"/>
+            </a:solidFill>
+          </a:ln>
+        </p:spPr>
+        <p:style>
+          <a:lnRef idx="1">
+            <a:schemeClr val="accent1"/>
+          </a:lnRef>
+          <a:fillRef idx="0">
+            <a:schemeClr val="accent1"/>
+          </a:fillRef>
+          <a:effectRef idx="0">
+            <a:schemeClr val="accent1"/>
+          </a:effectRef>
+          <a:fontRef idx="minor">
+            <a:schemeClr val="tx1"/>
+          </a:fontRef>
+        </p:style>
+      </p:cxnSp>
+      <p:cxnSp>
+        <p:nvCxnSpPr>
+          <p:cNvPr id="34" name="Straight Connector 33"/>
+          <p:cNvCxnSpPr/>
+          <p:nvPr/>
+        </p:nvCxnSpPr>
+        <p:spPr>
+          <a:xfrm>
+            <a:off x="5847805" y="3222534"/>
+            <a:ext cx="3587931" cy="0"/>
+          </a:xfrm>
+          <a:prstGeom prst="line">
+            <a:avLst/>
+          </a:prstGeom>
+          <a:ln w="28575">
+            <a:solidFill>
+              <a:srgbClr val="FF0000"/>
+            </a:solidFill>
+          </a:ln>
+        </p:spPr>
+        <p:style>
+          <a:lnRef idx="1">
+            <a:schemeClr val="accent1"/>
+          </a:lnRef>
+          <a:fillRef idx="0">
+            <a:schemeClr val="accent1"/>
+          </a:fillRef>
+          <a:effectRef idx="0">
+            <a:schemeClr val="accent1"/>
+          </a:effectRef>
+          <a:fontRef idx="minor">
+            <a:schemeClr val="tx1"/>
+          </a:fontRef>
+        </p:style>
+      </p:cxnSp>
+      <p:cxnSp>
+        <p:nvCxnSpPr>
+          <p:cNvPr id="37" name="Straight Connector 36"/>
+          <p:cNvCxnSpPr/>
+          <p:nvPr/>
+        </p:nvCxnSpPr>
+        <p:spPr>
+          <a:xfrm>
+            <a:off x="9435736" y="3222534"/>
+            <a:ext cx="0" cy="2603863"/>
+          </a:xfrm>
+          <a:prstGeom prst="line">
+            <a:avLst/>
+          </a:prstGeom>
+          <a:ln w="28575">
+            <a:solidFill>
+              <a:srgbClr val="FF0000"/>
+            </a:solidFill>
+          </a:ln>
+        </p:spPr>
+        <p:style>
+          <a:lnRef idx="1">
+            <a:schemeClr val="accent1"/>
+          </a:lnRef>
+          <a:fillRef idx="0">
+            <a:schemeClr val="accent1"/>
+          </a:fillRef>
+          <a:effectRef idx="0">
+            <a:schemeClr val="accent1"/>
+          </a:effectRef>
+          <a:fontRef idx="minor">
+            <a:schemeClr val="tx1"/>
+          </a:fontRef>
+        </p:style>
+      </p:cxnSp>
+      <p:sp>
+        <p:nvSpPr>
+          <p:cNvPr id="39" name="TextBox 38"/>
+          <p:cNvSpPr txBox="1"/>
+          <p:nvPr/>
+        </p:nvSpPr>
+        <p:spPr>
+          <a:xfrm>
+            <a:off x="1686019" y="3906973"/>
+            <a:ext cx="301686" cy="369332"/>
+          </a:xfrm>
+          <a:prstGeom prst="rect">
+            <a:avLst/>
+          </a:prstGeom>
+          <a:noFill/>
+        </p:spPr>
+        <p:txBody>
+          <a:bodyPr wrap="none" rtlCol="0">
+            <a:spAutoFit/>
+          </a:bodyPr>
+          <a:lstStyle/>
+          <a:p>
+            <a:r>
+              <a:rPr lang="en-US" dirty="0" smtClean="0"/>
+              <a:t>1</a:t>
+            </a:r>
+            <a:endParaRPr lang="en-US" dirty="0"/>
+          </a:p>
+        </p:txBody>
+      </p:sp>
+      <p:sp>
+        <p:nvSpPr>
+          <p:cNvPr id="40" name="TextBox 39"/>
+          <p:cNvSpPr txBox="1"/>
+          <p:nvPr/>
+        </p:nvSpPr>
+        <p:spPr>
+          <a:xfrm>
+            <a:off x="3390994" y="3516448"/>
+            <a:ext cx="301686" cy="369332"/>
+          </a:xfrm>
+          <a:prstGeom prst="rect">
+            <a:avLst/>
+          </a:prstGeom>
+          <a:noFill/>
+        </p:spPr>
+        <p:txBody>
+          <a:bodyPr wrap="none" rtlCol="0">
+            <a:spAutoFit/>
+          </a:bodyPr>
+          <a:lstStyle/>
+          <a:p>
+            <a:r>
+              <a:rPr lang="en-US" dirty="0"/>
+              <a:t>2</a:t>
+            </a:r>
+          </a:p>
+        </p:txBody>
+      </p:sp>
+      <p:sp>
+        <p:nvSpPr>
+          <p:cNvPr id="41" name="TextBox 40"/>
+          <p:cNvSpPr txBox="1"/>
+          <p:nvPr/>
+        </p:nvSpPr>
+        <p:spPr>
+          <a:xfrm>
+            <a:off x="4486369" y="4145098"/>
+            <a:ext cx="301686" cy="369332"/>
+          </a:xfrm>
+          <a:prstGeom prst="rect">
+            <a:avLst/>
+          </a:prstGeom>
+          <a:noFill/>
+        </p:spPr>
+        <p:txBody>
+          <a:bodyPr wrap="none" rtlCol="0">
+            <a:spAutoFit/>
+          </a:bodyPr>
+          <a:lstStyle/>
+          <a:p>
+            <a:r>
+              <a:rPr lang="en-US" dirty="0"/>
+              <a:t>3</a:t>
+            </a:r>
+          </a:p>
+        </p:txBody>
+      </p:sp>
+      <p:sp>
+        <p:nvSpPr>
+          <p:cNvPr id="42" name="TextBox 41"/>
+          <p:cNvSpPr txBox="1"/>
+          <p:nvPr/>
+        </p:nvSpPr>
+        <p:spPr>
+          <a:xfrm>
+            <a:off x="3495769" y="5030923"/>
+            <a:ext cx="301686" cy="369332"/>
+          </a:xfrm>
+          <a:prstGeom prst="rect">
+            <a:avLst/>
+          </a:prstGeom>
+          <a:noFill/>
+        </p:spPr>
+        <p:txBody>
+          <a:bodyPr wrap="none" rtlCol="0">
+            <a:spAutoFit/>
+          </a:bodyPr>
+          <a:lstStyle/>
+          <a:p>
+            <a:r>
+              <a:rPr lang="en-US" dirty="0"/>
+              <a:t>4</a:t>
+            </a:r>
+          </a:p>
+        </p:txBody>
+      </p:sp>
+      <p:sp>
+        <p:nvSpPr>
+          <p:cNvPr id="43" name="TextBox 42"/>
+          <p:cNvSpPr txBox="1"/>
+          <p:nvPr/>
+        </p:nvSpPr>
+        <p:spPr>
+          <a:xfrm>
+            <a:off x="1781269" y="5554798"/>
+            <a:ext cx="301686" cy="369332"/>
+          </a:xfrm>
+          <a:prstGeom prst="rect">
+            <a:avLst/>
+          </a:prstGeom>
+          <a:noFill/>
+        </p:spPr>
+        <p:txBody>
+          <a:bodyPr wrap="none" rtlCol="0">
+            <a:spAutoFit/>
+          </a:bodyPr>
+          <a:lstStyle/>
+          <a:p>
+            <a:r>
+              <a:rPr lang="en-US" dirty="0"/>
+              <a:t>5</a:t>
+            </a:r>
+          </a:p>
+        </p:txBody>
+      </p:sp>
+      <p:sp>
+        <p:nvSpPr>
+          <p:cNvPr id="44" name="TextBox 43"/>
+          <p:cNvSpPr txBox="1"/>
+          <p:nvPr/>
+        </p:nvSpPr>
+        <p:spPr>
+          <a:xfrm>
+            <a:off x="1057369" y="5126173"/>
+            <a:ext cx="301686" cy="369332"/>
+          </a:xfrm>
+          <a:prstGeom prst="rect">
+            <a:avLst/>
+          </a:prstGeom>
+          <a:noFill/>
+        </p:spPr>
+        <p:txBody>
+          <a:bodyPr wrap="none" rtlCol="0">
+            <a:spAutoFit/>
+          </a:bodyPr>
+          <a:lstStyle/>
+          <a:p>
+            <a:r>
+              <a:rPr lang="en-US" dirty="0"/>
+              <a:t>6</a:t>
+            </a:r>
+          </a:p>
+        </p:txBody>
+      </p:sp>
+      <p:sp>
+        <p:nvSpPr>
+          <p:cNvPr id="45" name="TextBox 44"/>
+          <p:cNvSpPr txBox="1"/>
+          <p:nvPr/>
+        </p:nvSpPr>
+        <p:spPr>
+          <a:xfrm>
+            <a:off x="6458044" y="5116648"/>
+            <a:ext cx="301686" cy="369332"/>
+          </a:xfrm>
+          <a:prstGeom prst="rect">
+            <a:avLst/>
+          </a:prstGeom>
+          <a:noFill/>
+        </p:spPr>
+        <p:txBody>
+          <a:bodyPr wrap="none" rtlCol="0">
+            <a:spAutoFit/>
+          </a:bodyPr>
+          <a:lstStyle/>
+          <a:p>
+            <a:r>
+              <a:rPr lang="en-US" dirty="0"/>
+              <a:t>1</a:t>
+            </a:r>
+          </a:p>
+        </p:txBody>
+      </p:sp>
+      <p:sp>
+        <p:nvSpPr>
+          <p:cNvPr id="46" name="TextBox 45"/>
+          <p:cNvSpPr txBox="1"/>
+          <p:nvPr/>
+        </p:nvSpPr>
+        <p:spPr>
+          <a:xfrm>
+            <a:off x="5791294" y="3992698"/>
+            <a:ext cx="301686" cy="369332"/>
+          </a:xfrm>
+          <a:prstGeom prst="rect">
+            <a:avLst/>
+          </a:prstGeom>
+          <a:noFill/>
+        </p:spPr>
+        <p:txBody>
+          <a:bodyPr wrap="none" rtlCol="0">
+            <a:spAutoFit/>
+          </a:bodyPr>
+          <a:lstStyle/>
+          <a:p>
+            <a:r>
+              <a:rPr lang="en-US" dirty="0"/>
+              <a:t>2</a:t>
+            </a:r>
+          </a:p>
+        </p:txBody>
+      </p:sp>
+      <p:sp>
+        <p:nvSpPr>
+          <p:cNvPr id="47" name="TextBox 46"/>
+          <p:cNvSpPr txBox="1"/>
+          <p:nvPr/>
+        </p:nvSpPr>
+        <p:spPr>
+          <a:xfrm>
+            <a:off x="7515319" y="3173548"/>
+            <a:ext cx="301686" cy="369332"/>
+          </a:xfrm>
+          <a:prstGeom prst="rect">
+            <a:avLst/>
+          </a:prstGeom>
+          <a:noFill/>
+        </p:spPr>
+        <p:txBody>
+          <a:bodyPr wrap="none" rtlCol="0">
+            <a:spAutoFit/>
+          </a:bodyPr>
+          <a:lstStyle/>
+          <a:p>
+            <a:r>
+              <a:rPr lang="en-US" dirty="0"/>
+              <a:t>3</a:t>
+            </a:r>
+          </a:p>
+        </p:txBody>
+      </p:sp>
+      <p:sp>
+        <p:nvSpPr>
+          <p:cNvPr id="48" name="TextBox 47"/>
+          <p:cNvSpPr txBox="1"/>
+          <p:nvPr/>
+        </p:nvSpPr>
+        <p:spPr>
+          <a:xfrm>
+            <a:off x="9201244" y="4307023"/>
+            <a:ext cx="301686" cy="369332"/>
+          </a:xfrm>
+          <a:prstGeom prst="rect">
+            <a:avLst/>
+          </a:prstGeom>
+          <a:noFill/>
+        </p:spPr>
+        <p:txBody>
+          <a:bodyPr wrap="none" rtlCol="0">
+            <a:spAutoFit/>
+          </a:bodyPr>
+          <a:lstStyle/>
+          <a:p>
+            <a:r>
+              <a:rPr lang="en-US" dirty="0"/>
+              <a:t>4</a:t>
+            </a:r>
+          </a:p>
+        </p:txBody>
+      </p:sp>
+      <p:sp>
+        <p:nvSpPr>
+          <p:cNvPr id="49" name="TextBox 48"/>
+          <p:cNvSpPr txBox="1"/>
+          <p:nvPr/>
+        </p:nvSpPr>
+        <p:spPr>
+          <a:xfrm>
+            <a:off x="8143969" y="5554798"/>
+            <a:ext cx="301686" cy="369332"/>
+          </a:xfrm>
+          <a:prstGeom prst="rect">
+            <a:avLst/>
+          </a:prstGeom>
+          <a:noFill/>
+        </p:spPr>
+        <p:txBody>
+          <a:bodyPr wrap="none" rtlCol="0">
+            <a:spAutoFit/>
+          </a:bodyPr>
+          <a:lstStyle/>
+          <a:p>
+            <a:r>
+              <a:rPr lang="en-US" dirty="0"/>
+              <a:t>5</a:t>
+            </a:r>
+          </a:p>
+        </p:txBody>
+      </p:sp>
+      <p:sp>
+        <p:nvSpPr>
+          <p:cNvPr id="50" name="Oval 49"/>
+          <p:cNvSpPr/>
+          <p:nvPr/>
+        </p:nvSpPr>
+        <p:spPr>
+          <a:xfrm>
+            <a:off x="1072786" y="6124669"/>
+            <a:ext cx="148046" cy="148046"/>
+          </a:xfrm>
+          <a:prstGeom prst="ellipse">
+            <a:avLst/>
+          </a:prstGeom>
+          <a:noFill/>
+          <a:ln w="28575">
+            <a:solidFill>
+              <a:schemeClr val="bg1">
+                <a:lumMod val="65000"/>
+              </a:schemeClr>
+            </a:solidFill>
+          </a:ln>
+        </p:spPr>
+        <p:style>
+          <a:lnRef idx="2">
+            <a:schemeClr val="accent1">
+              <a:shade val="50000"/>
+            </a:schemeClr>
+          </a:lnRef>
+          <a:fillRef idx="1">
+            <a:schemeClr val="accent1"/>
+          </a:fillRef>
+          <a:effectRef idx="0">
+            <a:schemeClr val="accent1"/>
+          </a:effectRef>
+          <a:fontRef idx="minor">
+            <a:schemeClr val="lt1"/>
+          </a:fontRef>
+        </p:style>
+        <p:txBody>
+          <a:bodyPr rtlCol="0" anchor="ctr"/>
+          <a:lstStyle/>
+          <a:p>
+            <a:pPr algn="ctr"/>
+            <a:endParaRPr lang="en-US">
+              <a:solidFill>
+                <a:schemeClr val="bg1">
+                  <a:lumMod val="65000"/>
+                </a:schemeClr>
+              </a:solidFill>
+            </a:endParaRPr>
+          </a:p>
+        </p:txBody>
+      </p:sp>
+      <p:sp>
+        <p:nvSpPr>
+          <p:cNvPr id="51" name="TextBox 50"/>
+          <p:cNvSpPr txBox="1"/>
+          <p:nvPr/>
+        </p:nvSpPr>
+        <p:spPr>
+          <a:xfrm>
+            <a:off x="1200244" y="6049163"/>
+            <a:ext cx="3671454" cy="307777"/>
+          </a:xfrm>
+          <a:prstGeom prst="rect">
+            <a:avLst/>
+          </a:prstGeom>
+          <a:noFill/>
+        </p:spPr>
+        <p:txBody>
+          <a:bodyPr wrap="none" rtlCol="0">
+            <a:spAutoFit/>
+          </a:bodyPr>
+          <a:lstStyle/>
+          <a:p>
+            <a:r>
+              <a:rPr lang="en-US" sz="1400" dirty="0" smtClean="0"/>
+              <a:t>Bottom-left point of the cell, search begins here</a:t>
+            </a:r>
+            <a:endParaRPr lang="en-US" sz="1400" dirty="0"/>
+          </a:p>
+        </p:txBody>
+      </p:sp>
+      <p:sp>
+        <p:nvSpPr>
+          <p:cNvPr id="52" name="Oval 51"/>
+          <p:cNvSpPr/>
+          <p:nvPr/>
+        </p:nvSpPr>
+        <p:spPr>
+          <a:xfrm>
+            <a:off x="1085291" y="6477913"/>
+            <a:ext cx="148046" cy="148046"/>
+          </a:xfrm>
+          <a:prstGeom prst="ellipse">
+            <a:avLst/>
+          </a:prstGeom>
+          <a:noFill/>
+          <a:ln w="38100">
+            <a:solidFill>
+              <a:srgbClr val="00B050"/>
+            </a:solidFill>
+          </a:ln>
+        </p:spPr>
+        <p:style>
+          <a:lnRef idx="2">
+            <a:schemeClr val="accent1">
+              <a:shade val="50000"/>
+            </a:schemeClr>
+          </a:lnRef>
+          <a:fillRef idx="1">
+            <a:schemeClr val="accent1"/>
+          </a:fillRef>
+          <a:effectRef idx="0">
+            <a:schemeClr val="accent1"/>
+          </a:effectRef>
+          <a:fontRef idx="minor">
+            <a:schemeClr val="lt1"/>
+          </a:fontRef>
+        </p:style>
+        <p:txBody>
+          <a:bodyPr rtlCol="0" anchor="ctr"/>
+          <a:lstStyle/>
+          <a:p>
+            <a:pPr algn="ctr"/>
+            <a:endParaRPr lang="en-US">
+              <a:solidFill>
+                <a:srgbClr val="00B050"/>
+              </a:solidFill>
+            </a:endParaRPr>
+          </a:p>
+        </p:txBody>
+      </p:sp>
+      <p:sp>
+        <p:nvSpPr>
+          <p:cNvPr id="53" name="TextBox 52"/>
+          <p:cNvSpPr txBox="1"/>
+          <p:nvPr/>
+        </p:nvSpPr>
+        <p:spPr>
+          <a:xfrm>
+            <a:off x="1200244" y="6401588"/>
+            <a:ext cx="6583341" cy="307777"/>
+          </a:xfrm>
+          <a:prstGeom prst="rect">
+            <a:avLst/>
+          </a:prstGeom>
+          <a:noFill/>
+        </p:spPr>
+        <p:txBody>
+          <a:bodyPr wrap="none" rtlCol="0">
+            <a:spAutoFit/>
+          </a:bodyPr>
+          <a:lstStyle/>
+          <a:p>
+            <a:r>
+              <a:rPr lang="en-US" sz="1400" dirty="0" smtClean="0"/>
+              <a:t>The first begin point of an arc on the border, actual segment sequence begins from here</a:t>
+            </a:r>
+            <a:endParaRPr lang="en-US" sz="1400" dirty="0"/>
+          </a:p>
+        </p:txBody>
+      </p:sp>
+      <p:sp>
+        <p:nvSpPr>
+          <p:cNvPr id="35" name="Rectangle 34"/>
+          <p:cNvSpPr/>
+          <p:nvPr/>
+        </p:nvSpPr>
+        <p:spPr>
+          <a:xfrm>
+            <a:off x="1085291" y="150194"/>
+            <a:ext cx="3587931" cy="2603863"/>
+          </a:xfrm>
+          <a:prstGeom prst="rect">
+            <a:avLst/>
+          </a:prstGeom>
+          <a:noFill/>
+          <a:ln>
+            <a:solidFill>
+              <a:schemeClr val="bg1">
+                <a:lumMod val="50000"/>
+              </a:schemeClr>
+            </a:solidFill>
+          </a:ln>
+        </p:spPr>
+        <p:style>
+          <a:lnRef idx="2">
+            <a:schemeClr val="accent1">
+              <a:shade val="50000"/>
+            </a:schemeClr>
+          </a:lnRef>
+          <a:fillRef idx="1">
+            <a:schemeClr val="accent1"/>
+          </a:fillRef>
+          <a:effectRef idx="0">
+            <a:schemeClr val="accent1"/>
+          </a:effectRef>
+          <a:fontRef idx="minor">
+            <a:schemeClr val="lt1"/>
+          </a:fontRef>
+        </p:style>
+        <p:txBody>
+          <a:bodyPr rtlCol="0" anchor="ctr"/>
+          <a:lstStyle/>
+          <a:p>
+            <a:pPr algn="ctr"/>
+            <a:endParaRPr lang="en-US"/>
+          </a:p>
+        </p:txBody>
+      </p:sp>
+      <p:sp>
+        <p:nvSpPr>
+          <p:cNvPr id="36" name="Rectangle 35"/>
+          <p:cNvSpPr/>
+          <p:nvPr/>
+        </p:nvSpPr>
+        <p:spPr>
+          <a:xfrm>
+            <a:off x="5809690" y="150194"/>
+            <a:ext cx="3587931" cy="2603863"/>
+          </a:xfrm>
+          <a:prstGeom prst="rect">
+            <a:avLst/>
+          </a:prstGeom>
+          <a:noFill/>
+          <a:ln>
+            <a:solidFill>
+              <a:schemeClr val="bg1">
+                <a:lumMod val="50000"/>
+              </a:schemeClr>
+            </a:solidFill>
+          </a:ln>
+        </p:spPr>
+        <p:style>
+          <a:lnRef idx="2">
+            <a:schemeClr val="accent1">
+              <a:shade val="50000"/>
+            </a:schemeClr>
+          </a:lnRef>
+          <a:fillRef idx="1">
+            <a:schemeClr val="accent1"/>
+          </a:fillRef>
+          <a:effectRef idx="0">
+            <a:schemeClr val="accent1"/>
+          </a:effectRef>
+          <a:fontRef idx="minor">
+            <a:schemeClr val="lt1"/>
+          </a:fontRef>
+        </p:style>
+        <p:txBody>
+          <a:bodyPr rtlCol="0" anchor="ctr"/>
+          <a:lstStyle/>
+          <a:p>
+            <a:pPr algn="ctr"/>
+            <a:endParaRPr lang="en-US"/>
+          </a:p>
+        </p:txBody>
+      </p:sp>
+      <p:cxnSp>
+        <p:nvCxnSpPr>
+          <p:cNvPr id="38" name="Straight Arrow Connector 37"/>
+          <p:cNvCxnSpPr/>
+          <p:nvPr/>
+        </p:nvCxnSpPr>
+        <p:spPr>
+          <a:xfrm flipV="1">
+            <a:off x="1085291" y="117475"/>
+            <a:ext cx="1283440" cy="1591555"/>
+          </a:xfrm>
+          <a:prstGeom prst="straightConnector1">
+            <a:avLst/>
+          </a:prstGeom>
+          <a:ln w="9525">
+            <a:solidFill>
+              <a:srgbClr val="00B0F0"/>
+            </a:solidFill>
+            <a:tailEnd type="triangle"/>
+          </a:ln>
+        </p:spPr>
+        <p:style>
+          <a:lnRef idx="1">
+            <a:schemeClr val="accent1"/>
+          </a:lnRef>
+          <a:fillRef idx="0">
+            <a:schemeClr val="accent1"/>
+          </a:fillRef>
+          <a:effectRef idx="0">
+            <a:schemeClr val="accent1"/>
+          </a:effectRef>
+          <a:fontRef idx="minor">
+            <a:schemeClr val="tx1"/>
+          </a:fontRef>
+        </p:style>
+      </p:cxnSp>
+      <p:cxnSp>
+        <p:nvCxnSpPr>
+          <p:cNvPr id="54" name="Straight Arrow Connector 53"/>
+          <p:cNvCxnSpPr/>
+          <p:nvPr/>
+        </p:nvCxnSpPr>
+        <p:spPr>
+          <a:xfrm>
+            <a:off x="2330616" y="150194"/>
+            <a:ext cx="2342606" cy="714104"/>
+          </a:xfrm>
+          <a:prstGeom prst="straightConnector1">
+            <a:avLst/>
+          </a:prstGeom>
+          <a:ln w="9525">
+            <a:solidFill>
+              <a:srgbClr val="00B0F0"/>
+            </a:solidFill>
+            <a:tailEnd type="triangle"/>
+          </a:ln>
+        </p:spPr>
+        <p:style>
+          <a:lnRef idx="1">
+            <a:schemeClr val="accent1"/>
+          </a:lnRef>
+          <a:fillRef idx="0">
+            <a:schemeClr val="accent1"/>
+          </a:fillRef>
+          <a:effectRef idx="0">
+            <a:schemeClr val="accent1"/>
+          </a:effectRef>
+          <a:fontRef idx="minor">
+            <a:schemeClr val="tx1"/>
+          </a:fontRef>
+        </p:style>
+      </p:cxnSp>
+      <p:cxnSp>
+        <p:nvCxnSpPr>
+          <p:cNvPr id="55" name="Straight Arrow Connector 54"/>
+          <p:cNvCxnSpPr/>
+          <p:nvPr/>
+        </p:nvCxnSpPr>
+        <p:spPr>
+          <a:xfrm flipH="1">
+            <a:off x="2626708" y="1709029"/>
+            <a:ext cx="2046514" cy="1045028"/>
+          </a:xfrm>
+          <a:prstGeom prst="straightConnector1">
+            <a:avLst/>
+          </a:prstGeom>
+          <a:ln w="9525">
+            <a:solidFill>
+              <a:srgbClr val="00B0F0"/>
+            </a:solidFill>
+            <a:tailEnd type="triangle"/>
+          </a:ln>
+        </p:spPr>
+        <p:style>
+          <a:lnRef idx="1">
+            <a:schemeClr val="accent1"/>
+          </a:lnRef>
+          <a:fillRef idx="0">
+            <a:schemeClr val="accent1"/>
+          </a:fillRef>
+          <a:effectRef idx="0">
+            <a:schemeClr val="accent1"/>
+          </a:effectRef>
+          <a:fontRef idx="minor">
+            <a:schemeClr val="tx1"/>
+          </a:fontRef>
+        </p:style>
+      </p:cxnSp>
+      <p:cxnSp>
+        <p:nvCxnSpPr>
+          <p:cNvPr id="56" name="Straight Arrow Connector 55"/>
+          <p:cNvCxnSpPr/>
+          <p:nvPr/>
+        </p:nvCxnSpPr>
+        <p:spPr>
+          <a:xfrm flipH="1" flipV="1">
+            <a:off x="5809690" y="1804823"/>
+            <a:ext cx="1319348" cy="949234"/>
+          </a:xfrm>
+          <a:prstGeom prst="straightConnector1">
+            <a:avLst/>
+          </a:prstGeom>
+          <a:ln w="9525">
+            <a:solidFill>
+              <a:srgbClr val="00B0F0"/>
+            </a:solidFill>
+            <a:tailEnd type="triangle"/>
+          </a:ln>
+        </p:spPr>
+        <p:style>
+          <a:lnRef idx="1">
+            <a:schemeClr val="accent1"/>
+          </a:lnRef>
+          <a:fillRef idx="0">
+            <a:schemeClr val="accent1"/>
+          </a:fillRef>
+          <a:effectRef idx="0">
+            <a:schemeClr val="accent1"/>
+          </a:effectRef>
+          <a:fontRef idx="minor">
+            <a:schemeClr val="tx1"/>
+          </a:fontRef>
+        </p:style>
+      </p:cxnSp>
+    </p:spTree>
+    <p:extLst>
+      <p:ext uri="{BB962C8B-B14F-4D97-AF65-F5344CB8AC3E}">
+        <p14:creationId xmlns:p14="http://schemas.microsoft.com/office/powerpoint/2010/main" val="2023136603"/>
+      </p:ext>
+    </p:extLst>
+  </p:cSld>
+  <p:clrMapOvr>
+    <a:masterClrMapping/>
+  </p:clrMapOvr>
+</p:sld>
+</file>
+
+<file path=ppt/slides/slide5.xml><?xml version="1.0" encoding="utf-8"?>
 <p:sld xmlns:a="http://schemas.openxmlformats.org/drawingml/2006/main" xmlns:r="http://schemas.openxmlformats.org/officeDocument/2006/relationships" xmlns:p="http://schemas.openxmlformats.org/presentationml/2006/main">
   <p:cSld>
     <p:spTree>
@@ -8165,7 +9746,7 @@
   <p:timing>
     <p:tnLst>
       <p:par>
-        <p:cTn xmlns:p14="http://schemas.microsoft.com/office/powerpoint/2010/main" id="1" dur="indefinite" restart="never" nodeType="tmRoot"/>
+        <p:cTn id="1" dur="indefinite" restart="never" nodeType="tmRoot"/>
       </p:par>
     </p:tnLst>
   </p:timing>
@@ -8427,7 +10008,7 @@
   <a:extraClrSchemeLst/>
   <a:extLst>
     <a:ext uri="{05A4C25C-085E-4340-85A3-A5531E510DB2}">
-      <thm15:themeFamily xmlns="" xmlns:thm15="http://schemas.microsoft.com/office/thememl/2012/main" name="Office Theme" id="{62F939B6-93AF-4DB8-9C6B-D6C7DFDC589F}" vid="{4A3C46E8-61CC-4603-A589-7422A47A8E4A}"/>
+      <thm15:themeFamily xmlns:thm15="http://schemas.microsoft.com/office/thememl/2012/main" name="Office Theme" id="{62F939B6-93AF-4DB8-9C6B-D6C7DFDC589F}" vid="{4A3C46E8-61CC-4603-A589-7422A47A8E4A}"/>
     </a:ext>
   </a:extLst>
 </a:theme>

--- a/pysal/contrib/points/tests/img_making.pptx
+++ b/pysal/contrib/points/tests/img_making.pptx
@@ -9,7 +9,9 @@
     <p:sldId id="257" r:id="rId3"/>
     <p:sldId id="259" r:id="rId4"/>
     <p:sldId id="261" r:id="rId5"/>
-    <p:sldId id="258" r:id="rId6"/>
+    <p:sldId id="262" r:id="rId6"/>
+    <p:sldId id="263" r:id="rId7"/>
+    <p:sldId id="258" r:id="rId8"/>
   </p:sldIdLst>
   <p:sldSz cx="12192000" cy="6858000"/>
   <p:notesSz cx="6858000" cy="9144000"/>
@@ -7558,6 +7560,972 @@
 </file>
 
 <file path=ppt/slides/slide5.xml><?xml version="1.0" encoding="utf-8"?>
+<p:sld xmlns:a="http://schemas.openxmlformats.org/drawingml/2006/main" xmlns:r="http://schemas.openxmlformats.org/officeDocument/2006/relationships" xmlns:p="http://schemas.openxmlformats.org/presentationml/2006/main">
+  <p:cSld>
+    <p:spTree>
+      <p:nvGrpSpPr>
+        <p:cNvPr id="1" name=""/>
+        <p:cNvGrpSpPr/>
+        <p:nvPr/>
+      </p:nvGrpSpPr>
+      <p:grpSpPr>
+        <a:xfrm>
+          <a:off x="0" y="0"/>
+          <a:ext cx="0" cy="0"/>
+          <a:chOff x="0" y="0"/>
+          <a:chExt cx="0" cy="0"/>
+        </a:xfrm>
+      </p:grpSpPr>
+      <p:sp>
+        <p:nvSpPr>
+          <p:cNvPr id="7" name="Rectangle 6"/>
+          <p:cNvSpPr/>
+          <p:nvPr/>
+        </p:nvSpPr>
+        <p:spPr>
+          <a:xfrm>
+            <a:off x="4431791" y="2318326"/>
+            <a:ext cx="1911928" cy="1394691"/>
+          </a:xfrm>
+          <a:prstGeom prst="rect">
+            <a:avLst/>
+          </a:prstGeom>
+          <a:noFill/>
+        </p:spPr>
+        <p:style>
+          <a:lnRef idx="2">
+            <a:schemeClr val="accent1">
+              <a:shade val="50000"/>
+            </a:schemeClr>
+          </a:lnRef>
+          <a:fillRef idx="1">
+            <a:schemeClr val="accent1"/>
+          </a:fillRef>
+          <a:effectRef idx="0">
+            <a:schemeClr val="accent1"/>
+          </a:effectRef>
+          <a:fontRef idx="minor">
+            <a:schemeClr val="lt1"/>
+          </a:fontRef>
+        </p:style>
+        <p:txBody>
+          <a:bodyPr rtlCol="0" anchor="ctr"/>
+          <a:lstStyle/>
+          <a:p>
+            <a:pPr algn="ctr"/>
+            <a:endParaRPr lang="en-US"/>
+          </a:p>
+        </p:txBody>
+      </p:sp>
+      <p:sp>
+        <p:nvSpPr>
+          <p:cNvPr id="2" name="Rectangle 1"/>
+          <p:cNvSpPr/>
+          <p:nvPr/>
+        </p:nvSpPr>
+        <p:spPr>
+          <a:xfrm>
+            <a:off x="1690254" y="2318327"/>
+            <a:ext cx="1911928" cy="1394691"/>
+          </a:xfrm>
+          <a:prstGeom prst="rect">
+            <a:avLst/>
+          </a:prstGeom>
+          <a:noFill/>
+        </p:spPr>
+        <p:style>
+          <a:lnRef idx="2">
+            <a:schemeClr val="accent1">
+              <a:shade val="50000"/>
+            </a:schemeClr>
+          </a:lnRef>
+          <a:fillRef idx="1">
+            <a:schemeClr val="accent1"/>
+          </a:fillRef>
+          <a:effectRef idx="0">
+            <a:schemeClr val="accent1"/>
+          </a:effectRef>
+          <a:fontRef idx="minor">
+            <a:schemeClr val="lt1"/>
+          </a:fontRef>
+        </p:style>
+        <p:txBody>
+          <a:bodyPr rtlCol="0" anchor="ctr"/>
+          <a:lstStyle/>
+          <a:p>
+            <a:pPr algn="ctr"/>
+            <a:endParaRPr lang="en-US"/>
+          </a:p>
+        </p:txBody>
+      </p:sp>
+      <p:sp>
+        <p:nvSpPr>
+          <p:cNvPr id="3" name="Oval 2"/>
+          <p:cNvSpPr/>
+          <p:nvPr/>
+        </p:nvSpPr>
+        <p:spPr>
+          <a:xfrm>
+            <a:off x="1639453" y="2877126"/>
+            <a:ext cx="120073" cy="120073"/>
+          </a:xfrm>
+          <a:prstGeom prst="ellipse">
+            <a:avLst/>
+          </a:prstGeom>
+          <a:solidFill>
+            <a:srgbClr val="FF0000"/>
+          </a:solidFill>
+          <a:ln>
+            <a:noFill/>
+          </a:ln>
+        </p:spPr>
+        <p:style>
+          <a:lnRef idx="2">
+            <a:schemeClr val="accent1">
+              <a:shade val="50000"/>
+            </a:schemeClr>
+          </a:lnRef>
+          <a:fillRef idx="1">
+            <a:schemeClr val="accent1"/>
+          </a:fillRef>
+          <a:effectRef idx="0">
+            <a:schemeClr val="accent1"/>
+          </a:effectRef>
+          <a:fontRef idx="minor">
+            <a:schemeClr val="lt1"/>
+          </a:fontRef>
+        </p:style>
+        <p:txBody>
+          <a:bodyPr rtlCol="0" anchor="ctr"/>
+          <a:lstStyle/>
+          <a:p>
+            <a:pPr algn="ctr"/>
+            <a:endParaRPr lang="en-US"/>
+          </a:p>
+        </p:txBody>
+      </p:sp>
+      <p:sp>
+        <p:nvSpPr>
+          <p:cNvPr id="5" name="Oval 4"/>
+          <p:cNvSpPr/>
+          <p:nvPr/>
+        </p:nvSpPr>
+        <p:spPr>
+          <a:xfrm>
+            <a:off x="2419234" y="3652980"/>
+            <a:ext cx="120073" cy="120073"/>
+          </a:xfrm>
+          <a:prstGeom prst="ellipse">
+            <a:avLst/>
+          </a:prstGeom>
+          <a:solidFill>
+            <a:srgbClr val="00B050"/>
+          </a:solidFill>
+          <a:ln>
+            <a:noFill/>
+          </a:ln>
+        </p:spPr>
+        <p:style>
+          <a:lnRef idx="2">
+            <a:schemeClr val="accent1">
+              <a:shade val="50000"/>
+            </a:schemeClr>
+          </a:lnRef>
+          <a:fillRef idx="1">
+            <a:schemeClr val="accent1"/>
+          </a:fillRef>
+          <a:effectRef idx="0">
+            <a:schemeClr val="accent1"/>
+          </a:effectRef>
+          <a:fontRef idx="minor">
+            <a:schemeClr val="lt1"/>
+          </a:fontRef>
+        </p:style>
+        <p:txBody>
+          <a:bodyPr rtlCol="0" anchor="ctr"/>
+          <a:lstStyle/>
+          <a:p>
+            <a:pPr algn="ctr"/>
+            <a:endParaRPr lang="en-US"/>
+          </a:p>
+        </p:txBody>
+      </p:sp>
+      <p:cxnSp>
+        <p:nvCxnSpPr>
+          <p:cNvPr id="11" name="Straight Arrow Connector 10"/>
+          <p:cNvCxnSpPr/>
+          <p:nvPr/>
+        </p:nvCxnSpPr>
+        <p:spPr>
+          <a:xfrm flipV="1">
+            <a:off x="1690254" y="2265680"/>
+            <a:ext cx="0" cy="611446"/>
+          </a:xfrm>
+          <a:prstGeom prst="straightConnector1">
+            <a:avLst/>
+          </a:prstGeom>
+          <a:ln w="28575">
+            <a:solidFill>
+              <a:srgbClr val="00B0F0"/>
+            </a:solidFill>
+            <a:tailEnd type="triangle"/>
+          </a:ln>
+        </p:spPr>
+        <p:style>
+          <a:lnRef idx="1">
+            <a:schemeClr val="accent1"/>
+          </a:lnRef>
+          <a:fillRef idx="0">
+            <a:schemeClr val="accent1"/>
+          </a:fillRef>
+          <a:effectRef idx="0">
+            <a:schemeClr val="accent1"/>
+          </a:effectRef>
+          <a:fontRef idx="minor">
+            <a:schemeClr val="tx1"/>
+          </a:fontRef>
+        </p:style>
+      </p:cxnSp>
+      <p:cxnSp>
+        <p:nvCxnSpPr>
+          <p:cNvPr id="14" name="Straight Arrow Connector 13"/>
+          <p:cNvCxnSpPr/>
+          <p:nvPr/>
+        </p:nvCxnSpPr>
+        <p:spPr>
+          <a:xfrm>
+            <a:off x="1690254" y="2321560"/>
+            <a:ext cx="1952106" cy="0"/>
+          </a:xfrm>
+          <a:prstGeom prst="straightConnector1">
+            <a:avLst/>
+          </a:prstGeom>
+          <a:ln w="28575">
+            <a:solidFill>
+              <a:srgbClr val="00B0F0"/>
+            </a:solidFill>
+            <a:tailEnd type="triangle"/>
+          </a:ln>
+        </p:spPr>
+        <p:style>
+          <a:lnRef idx="1">
+            <a:schemeClr val="accent1"/>
+          </a:lnRef>
+          <a:fillRef idx="0">
+            <a:schemeClr val="accent1"/>
+          </a:fillRef>
+          <a:effectRef idx="0">
+            <a:schemeClr val="accent1"/>
+          </a:effectRef>
+          <a:fontRef idx="minor">
+            <a:schemeClr val="tx1"/>
+          </a:fontRef>
+        </p:style>
+      </p:cxnSp>
+      <p:cxnSp>
+        <p:nvCxnSpPr>
+          <p:cNvPr id="18" name="Straight Arrow Connector 17"/>
+          <p:cNvCxnSpPr/>
+          <p:nvPr/>
+        </p:nvCxnSpPr>
+        <p:spPr>
+          <a:xfrm>
+            <a:off x="3602182" y="2318326"/>
+            <a:ext cx="0" cy="1463963"/>
+          </a:xfrm>
+          <a:prstGeom prst="straightConnector1">
+            <a:avLst/>
+          </a:prstGeom>
+          <a:ln w="28575">
+            <a:solidFill>
+              <a:srgbClr val="00B0F0"/>
+            </a:solidFill>
+            <a:tailEnd type="triangle"/>
+          </a:ln>
+        </p:spPr>
+        <p:style>
+          <a:lnRef idx="1">
+            <a:schemeClr val="accent1"/>
+          </a:lnRef>
+          <a:fillRef idx="0">
+            <a:schemeClr val="accent1"/>
+          </a:fillRef>
+          <a:effectRef idx="0">
+            <a:schemeClr val="accent1"/>
+          </a:effectRef>
+          <a:fontRef idx="minor">
+            <a:schemeClr val="tx1"/>
+          </a:fontRef>
+        </p:style>
+      </p:cxnSp>
+      <p:cxnSp>
+        <p:nvCxnSpPr>
+          <p:cNvPr id="22" name="Straight Arrow Connector 21"/>
+          <p:cNvCxnSpPr/>
+          <p:nvPr/>
+        </p:nvCxnSpPr>
+        <p:spPr>
+          <a:xfrm flipH="1">
+            <a:off x="2506980" y="3713017"/>
+            <a:ext cx="1095202" cy="0"/>
+          </a:xfrm>
+          <a:prstGeom prst="straightConnector1">
+            <a:avLst/>
+          </a:prstGeom>
+          <a:ln w="28575">
+            <a:solidFill>
+              <a:srgbClr val="00B0F0"/>
+            </a:solidFill>
+            <a:tailEnd type="triangle"/>
+          </a:ln>
+        </p:spPr>
+        <p:style>
+          <a:lnRef idx="1">
+            <a:schemeClr val="accent1"/>
+          </a:lnRef>
+          <a:fillRef idx="0">
+            <a:schemeClr val="accent1"/>
+          </a:fillRef>
+          <a:effectRef idx="0">
+            <a:schemeClr val="accent1"/>
+          </a:effectRef>
+          <a:fontRef idx="minor">
+            <a:schemeClr val="tx1"/>
+          </a:fontRef>
+        </p:style>
+      </p:cxnSp>
+      <p:cxnSp>
+        <p:nvCxnSpPr>
+          <p:cNvPr id="30" name="Straight Arrow Connector 29"/>
+          <p:cNvCxnSpPr/>
+          <p:nvPr/>
+        </p:nvCxnSpPr>
+        <p:spPr>
+          <a:xfrm>
+            <a:off x="6352492" y="2955634"/>
+            <a:ext cx="0" cy="817419"/>
+          </a:xfrm>
+          <a:prstGeom prst="straightConnector1">
+            <a:avLst/>
+          </a:prstGeom>
+          <a:ln w="28575">
+            <a:solidFill>
+              <a:srgbClr val="00B0F0"/>
+            </a:solidFill>
+            <a:tailEnd type="triangle"/>
+          </a:ln>
+        </p:spPr>
+        <p:style>
+          <a:lnRef idx="1">
+            <a:schemeClr val="accent1"/>
+          </a:lnRef>
+          <a:fillRef idx="0">
+            <a:schemeClr val="accent1"/>
+          </a:fillRef>
+          <a:effectRef idx="0">
+            <a:schemeClr val="accent1"/>
+          </a:effectRef>
+          <a:fontRef idx="minor">
+            <a:schemeClr val="tx1"/>
+          </a:fontRef>
+        </p:style>
+      </p:cxnSp>
+      <p:sp>
+        <p:nvSpPr>
+          <p:cNvPr id="4" name="Oval 3"/>
+          <p:cNvSpPr/>
+          <p:nvPr/>
+        </p:nvSpPr>
+        <p:spPr>
+          <a:xfrm>
+            <a:off x="6283682" y="2877125"/>
+            <a:ext cx="120073" cy="120073"/>
+          </a:xfrm>
+          <a:prstGeom prst="ellipse">
+            <a:avLst/>
+          </a:prstGeom>
+          <a:solidFill>
+            <a:srgbClr val="FF0000"/>
+          </a:solidFill>
+          <a:ln>
+            <a:noFill/>
+          </a:ln>
+        </p:spPr>
+        <p:style>
+          <a:lnRef idx="2">
+            <a:schemeClr val="accent1">
+              <a:shade val="50000"/>
+            </a:schemeClr>
+          </a:lnRef>
+          <a:fillRef idx="1">
+            <a:schemeClr val="accent1"/>
+          </a:fillRef>
+          <a:effectRef idx="0">
+            <a:schemeClr val="accent1"/>
+          </a:effectRef>
+          <a:fontRef idx="minor">
+            <a:schemeClr val="lt1"/>
+          </a:fontRef>
+        </p:style>
+        <p:txBody>
+          <a:bodyPr rtlCol="0" anchor="ctr"/>
+          <a:lstStyle/>
+          <a:p>
+            <a:pPr algn="ctr"/>
+            <a:endParaRPr lang="en-US"/>
+          </a:p>
+        </p:txBody>
+      </p:sp>
+      <p:cxnSp>
+        <p:nvCxnSpPr>
+          <p:cNvPr id="40" name="Straight Arrow Connector 39"/>
+          <p:cNvCxnSpPr/>
+          <p:nvPr/>
+        </p:nvCxnSpPr>
+        <p:spPr>
+          <a:xfrm flipH="1">
+            <a:off x="4376371" y="3713016"/>
+            <a:ext cx="1976121" cy="0"/>
+          </a:xfrm>
+          <a:prstGeom prst="straightConnector1">
+            <a:avLst/>
+          </a:prstGeom>
+          <a:ln w="28575">
+            <a:solidFill>
+              <a:srgbClr val="00B0F0"/>
+            </a:solidFill>
+            <a:tailEnd type="triangle"/>
+          </a:ln>
+        </p:spPr>
+        <p:style>
+          <a:lnRef idx="1">
+            <a:schemeClr val="accent1"/>
+          </a:lnRef>
+          <a:fillRef idx="0">
+            <a:schemeClr val="accent1"/>
+          </a:fillRef>
+          <a:effectRef idx="0">
+            <a:schemeClr val="accent1"/>
+          </a:effectRef>
+          <a:fontRef idx="minor">
+            <a:schemeClr val="tx1"/>
+          </a:fontRef>
+        </p:style>
+      </p:cxnSp>
+      <p:cxnSp>
+        <p:nvCxnSpPr>
+          <p:cNvPr id="43" name="Straight Arrow Connector 42"/>
+          <p:cNvCxnSpPr/>
+          <p:nvPr/>
+        </p:nvCxnSpPr>
+        <p:spPr>
+          <a:xfrm flipV="1">
+            <a:off x="4440564" y="2877125"/>
+            <a:ext cx="0" cy="835891"/>
+          </a:xfrm>
+          <a:prstGeom prst="straightConnector1">
+            <a:avLst/>
+          </a:prstGeom>
+          <a:ln w="28575">
+            <a:solidFill>
+              <a:srgbClr val="00B0F0"/>
+            </a:solidFill>
+            <a:tailEnd type="triangle"/>
+          </a:ln>
+        </p:spPr>
+        <p:style>
+          <a:lnRef idx="1">
+            <a:schemeClr val="accent1"/>
+          </a:lnRef>
+          <a:fillRef idx="0">
+            <a:schemeClr val="accent1"/>
+          </a:fillRef>
+          <a:effectRef idx="0">
+            <a:schemeClr val="accent1"/>
+          </a:effectRef>
+          <a:fontRef idx="minor">
+            <a:schemeClr val="tx1"/>
+          </a:fontRef>
+        </p:style>
+      </p:cxnSp>
+      <p:sp>
+        <p:nvSpPr>
+          <p:cNvPr id="6" name="Oval 5"/>
+          <p:cNvSpPr/>
+          <p:nvPr/>
+        </p:nvSpPr>
+        <p:spPr>
+          <a:xfrm>
+            <a:off x="4376371" y="2789010"/>
+            <a:ext cx="120073" cy="120073"/>
+          </a:xfrm>
+          <a:prstGeom prst="ellipse">
+            <a:avLst/>
+          </a:prstGeom>
+          <a:solidFill>
+            <a:srgbClr val="00B050"/>
+          </a:solidFill>
+          <a:ln>
+            <a:noFill/>
+          </a:ln>
+        </p:spPr>
+        <p:style>
+          <a:lnRef idx="2">
+            <a:schemeClr val="accent1">
+              <a:shade val="50000"/>
+            </a:schemeClr>
+          </a:lnRef>
+          <a:fillRef idx="1">
+            <a:schemeClr val="accent1"/>
+          </a:fillRef>
+          <a:effectRef idx="0">
+            <a:schemeClr val="accent1"/>
+          </a:effectRef>
+          <a:fontRef idx="minor">
+            <a:schemeClr val="lt1"/>
+          </a:fontRef>
+        </p:style>
+        <p:txBody>
+          <a:bodyPr rtlCol="0" anchor="ctr"/>
+          <a:lstStyle/>
+          <a:p>
+            <a:pPr algn="ctr"/>
+            <a:endParaRPr lang="en-US"/>
+          </a:p>
+        </p:txBody>
+      </p:sp>
+      <p:sp>
+        <p:nvSpPr>
+          <p:cNvPr id="47" name="TextBox 46"/>
+          <p:cNvSpPr txBox="1"/>
+          <p:nvPr/>
+        </p:nvSpPr>
+        <p:spPr>
+          <a:xfrm>
+            <a:off x="1335705" y="2801745"/>
+            <a:ext cx="276038" cy="307777"/>
+          </a:xfrm>
+          <a:prstGeom prst="rect">
+            <a:avLst/>
+          </a:prstGeom>
+          <a:noFill/>
+        </p:spPr>
+        <p:txBody>
+          <a:bodyPr wrap="none" rtlCol="0">
+            <a:spAutoFit/>
+          </a:bodyPr>
+          <a:lstStyle/>
+          <a:p>
+            <a:r>
+              <a:rPr lang="en-US" sz="1400" dirty="0" smtClean="0"/>
+              <a:t>1</a:t>
+            </a:r>
+            <a:endParaRPr lang="en-US" sz="1400" dirty="0"/>
+          </a:p>
+        </p:txBody>
+      </p:sp>
+      <p:sp>
+        <p:nvSpPr>
+          <p:cNvPr id="48" name="TextBox 47"/>
+          <p:cNvSpPr txBox="1"/>
+          <p:nvPr/>
+        </p:nvSpPr>
+        <p:spPr>
+          <a:xfrm>
+            <a:off x="3609940" y="2800818"/>
+            <a:ext cx="276038" cy="307777"/>
+          </a:xfrm>
+          <a:prstGeom prst="rect">
+            <a:avLst/>
+          </a:prstGeom>
+          <a:noFill/>
+        </p:spPr>
+        <p:txBody>
+          <a:bodyPr wrap="none" rtlCol="0">
+            <a:spAutoFit/>
+          </a:bodyPr>
+          <a:lstStyle/>
+          <a:p>
+            <a:r>
+              <a:rPr lang="en-US" sz="1400" dirty="0"/>
+              <a:t>2</a:t>
+            </a:r>
+          </a:p>
+        </p:txBody>
+      </p:sp>
+      <p:sp>
+        <p:nvSpPr>
+          <p:cNvPr id="49" name="TextBox 48"/>
+          <p:cNvSpPr txBox="1"/>
+          <p:nvPr/>
+        </p:nvSpPr>
+        <p:spPr>
+          <a:xfrm>
+            <a:off x="2529949" y="2014796"/>
+            <a:ext cx="276038" cy="307777"/>
+          </a:xfrm>
+          <a:prstGeom prst="rect">
+            <a:avLst/>
+          </a:prstGeom>
+          <a:noFill/>
+        </p:spPr>
+        <p:txBody>
+          <a:bodyPr wrap="none" rtlCol="0">
+            <a:spAutoFit/>
+          </a:bodyPr>
+          <a:lstStyle/>
+          <a:p>
+            <a:r>
+              <a:rPr lang="en-US" sz="1400" dirty="0"/>
+              <a:t>3</a:t>
+            </a:r>
+          </a:p>
+        </p:txBody>
+      </p:sp>
+      <p:sp>
+        <p:nvSpPr>
+          <p:cNvPr id="50" name="TextBox 49"/>
+          <p:cNvSpPr txBox="1"/>
+          <p:nvPr/>
+        </p:nvSpPr>
+        <p:spPr>
+          <a:xfrm>
+            <a:off x="2529949" y="3718459"/>
+            <a:ext cx="276038" cy="307777"/>
+          </a:xfrm>
+          <a:prstGeom prst="rect">
+            <a:avLst/>
+          </a:prstGeom>
+          <a:noFill/>
+        </p:spPr>
+        <p:txBody>
+          <a:bodyPr wrap="none" rtlCol="0">
+            <a:spAutoFit/>
+          </a:bodyPr>
+          <a:lstStyle/>
+          <a:p>
+            <a:r>
+              <a:rPr lang="en-US" sz="1400" dirty="0" smtClean="0"/>
+              <a:t>4</a:t>
+            </a:r>
+            <a:endParaRPr lang="en-US" sz="1400" dirty="0"/>
+          </a:p>
+        </p:txBody>
+      </p:sp>
+      <p:sp>
+        <p:nvSpPr>
+          <p:cNvPr id="51" name="TextBox 50"/>
+          <p:cNvSpPr txBox="1"/>
+          <p:nvPr/>
+        </p:nvSpPr>
+        <p:spPr>
+          <a:xfrm>
+            <a:off x="4093942" y="2802672"/>
+            <a:ext cx="276038" cy="307777"/>
+          </a:xfrm>
+          <a:prstGeom prst="rect">
+            <a:avLst/>
+          </a:prstGeom>
+          <a:noFill/>
+        </p:spPr>
+        <p:txBody>
+          <a:bodyPr wrap="none" rtlCol="0">
+            <a:spAutoFit/>
+          </a:bodyPr>
+          <a:lstStyle/>
+          <a:p>
+            <a:r>
+              <a:rPr lang="en-US" sz="1400" dirty="0" smtClean="0"/>
+              <a:t>1</a:t>
+            </a:r>
+            <a:endParaRPr lang="en-US" sz="1400" dirty="0"/>
+          </a:p>
+        </p:txBody>
+      </p:sp>
+      <p:sp>
+        <p:nvSpPr>
+          <p:cNvPr id="52" name="TextBox 51"/>
+          <p:cNvSpPr txBox="1"/>
+          <p:nvPr/>
+        </p:nvSpPr>
+        <p:spPr>
+          <a:xfrm>
+            <a:off x="6368177" y="2801745"/>
+            <a:ext cx="276038" cy="307777"/>
+          </a:xfrm>
+          <a:prstGeom prst="rect">
+            <a:avLst/>
+          </a:prstGeom>
+          <a:noFill/>
+        </p:spPr>
+        <p:txBody>
+          <a:bodyPr wrap="none" rtlCol="0">
+            <a:spAutoFit/>
+          </a:bodyPr>
+          <a:lstStyle/>
+          <a:p>
+            <a:r>
+              <a:rPr lang="en-US" sz="1400" dirty="0"/>
+              <a:t>2</a:t>
+            </a:r>
+          </a:p>
+        </p:txBody>
+      </p:sp>
+      <p:sp>
+        <p:nvSpPr>
+          <p:cNvPr id="53" name="TextBox 52"/>
+          <p:cNvSpPr txBox="1"/>
+          <p:nvPr/>
+        </p:nvSpPr>
+        <p:spPr>
+          <a:xfrm>
+            <a:off x="5288186" y="2015723"/>
+            <a:ext cx="276038" cy="307777"/>
+          </a:xfrm>
+          <a:prstGeom prst="rect">
+            <a:avLst/>
+          </a:prstGeom>
+          <a:noFill/>
+        </p:spPr>
+        <p:txBody>
+          <a:bodyPr wrap="none" rtlCol="0">
+            <a:spAutoFit/>
+          </a:bodyPr>
+          <a:lstStyle/>
+          <a:p>
+            <a:r>
+              <a:rPr lang="en-US" sz="1400" dirty="0"/>
+              <a:t>3</a:t>
+            </a:r>
+          </a:p>
+        </p:txBody>
+      </p:sp>
+      <p:sp>
+        <p:nvSpPr>
+          <p:cNvPr id="54" name="TextBox 53"/>
+          <p:cNvSpPr txBox="1"/>
+          <p:nvPr/>
+        </p:nvSpPr>
+        <p:spPr>
+          <a:xfrm>
+            <a:off x="5288186" y="3719386"/>
+            <a:ext cx="276038" cy="307777"/>
+          </a:xfrm>
+          <a:prstGeom prst="rect">
+            <a:avLst/>
+          </a:prstGeom>
+          <a:noFill/>
+        </p:spPr>
+        <p:txBody>
+          <a:bodyPr wrap="none" rtlCol="0">
+            <a:spAutoFit/>
+          </a:bodyPr>
+          <a:lstStyle/>
+          <a:p>
+            <a:r>
+              <a:rPr lang="en-US" sz="1400" dirty="0" smtClean="0"/>
+              <a:t>4</a:t>
+            </a:r>
+            <a:endParaRPr lang="en-US" sz="1400" dirty="0"/>
+          </a:p>
+        </p:txBody>
+      </p:sp>
+      <p:sp>
+        <p:nvSpPr>
+          <p:cNvPr id="55" name="Oval 54"/>
+          <p:cNvSpPr/>
+          <p:nvPr/>
+        </p:nvSpPr>
+        <p:spPr>
+          <a:xfrm>
+            <a:off x="1639453" y="4096326"/>
+            <a:ext cx="120073" cy="120073"/>
+          </a:xfrm>
+          <a:prstGeom prst="ellipse">
+            <a:avLst/>
+          </a:prstGeom>
+          <a:solidFill>
+            <a:srgbClr val="FF0000"/>
+          </a:solidFill>
+          <a:ln>
+            <a:noFill/>
+          </a:ln>
+        </p:spPr>
+        <p:style>
+          <a:lnRef idx="2">
+            <a:schemeClr val="accent1">
+              <a:shade val="50000"/>
+            </a:schemeClr>
+          </a:lnRef>
+          <a:fillRef idx="1">
+            <a:schemeClr val="accent1"/>
+          </a:fillRef>
+          <a:effectRef idx="0">
+            <a:schemeClr val="accent1"/>
+          </a:effectRef>
+          <a:fontRef idx="minor">
+            <a:schemeClr val="lt1"/>
+          </a:fontRef>
+        </p:style>
+        <p:txBody>
+          <a:bodyPr rtlCol="0" anchor="ctr"/>
+          <a:lstStyle/>
+          <a:p>
+            <a:pPr algn="ctr"/>
+            <a:endParaRPr lang="en-US"/>
+          </a:p>
+        </p:txBody>
+      </p:sp>
+      <p:sp>
+        <p:nvSpPr>
+          <p:cNvPr id="56" name="Oval 55"/>
+          <p:cNvSpPr/>
+          <p:nvPr/>
+        </p:nvSpPr>
+        <p:spPr>
+          <a:xfrm>
+            <a:off x="4008579" y="4100573"/>
+            <a:ext cx="120073" cy="120073"/>
+          </a:xfrm>
+          <a:prstGeom prst="ellipse">
+            <a:avLst/>
+          </a:prstGeom>
+          <a:solidFill>
+            <a:srgbClr val="00B050"/>
+          </a:solidFill>
+          <a:ln>
+            <a:noFill/>
+          </a:ln>
+        </p:spPr>
+        <p:style>
+          <a:lnRef idx="2">
+            <a:schemeClr val="accent1">
+              <a:shade val="50000"/>
+            </a:schemeClr>
+          </a:lnRef>
+          <a:fillRef idx="1">
+            <a:schemeClr val="accent1"/>
+          </a:fillRef>
+          <a:effectRef idx="0">
+            <a:schemeClr val="accent1"/>
+          </a:effectRef>
+          <a:fontRef idx="minor">
+            <a:schemeClr val="lt1"/>
+          </a:fontRef>
+        </p:style>
+        <p:txBody>
+          <a:bodyPr rtlCol="0" anchor="ctr"/>
+          <a:lstStyle/>
+          <a:p>
+            <a:pPr algn="ctr"/>
+            <a:endParaRPr lang="en-US"/>
+          </a:p>
+        </p:txBody>
+      </p:sp>
+      <p:sp>
+        <p:nvSpPr>
+          <p:cNvPr id="57" name="TextBox 56"/>
+          <p:cNvSpPr txBox="1"/>
+          <p:nvPr/>
+        </p:nvSpPr>
+        <p:spPr>
+          <a:xfrm>
+            <a:off x="1705167" y="4002473"/>
+            <a:ext cx="959878" cy="307777"/>
+          </a:xfrm>
+          <a:prstGeom prst="rect">
+            <a:avLst/>
+          </a:prstGeom>
+          <a:noFill/>
+        </p:spPr>
+        <p:txBody>
+          <a:bodyPr wrap="none" rtlCol="0">
+            <a:spAutoFit/>
+          </a:bodyPr>
+          <a:lstStyle/>
+          <a:p>
+            <a:r>
+              <a:rPr lang="en-US" sz="1400" dirty="0" smtClean="0"/>
+              <a:t>Start point</a:t>
+            </a:r>
+            <a:endParaRPr lang="en-US" sz="1400" dirty="0"/>
+          </a:p>
+        </p:txBody>
+      </p:sp>
+      <p:sp>
+        <p:nvSpPr>
+          <p:cNvPr id="58" name="TextBox 57"/>
+          <p:cNvSpPr txBox="1"/>
+          <p:nvPr/>
+        </p:nvSpPr>
+        <p:spPr>
+          <a:xfrm>
+            <a:off x="4063612" y="4002473"/>
+            <a:ext cx="886718" cy="307777"/>
+          </a:xfrm>
+          <a:prstGeom prst="rect">
+            <a:avLst/>
+          </a:prstGeom>
+          <a:noFill/>
+        </p:spPr>
+        <p:txBody>
+          <a:bodyPr wrap="none" rtlCol="0">
+            <a:spAutoFit/>
+          </a:bodyPr>
+          <a:lstStyle/>
+          <a:p>
+            <a:r>
+              <a:rPr lang="en-US" sz="1400" dirty="0" smtClean="0"/>
+              <a:t>End point</a:t>
+            </a:r>
+            <a:endParaRPr lang="en-US" sz="1400" dirty="0"/>
+          </a:p>
+        </p:txBody>
+      </p:sp>
+    </p:spTree>
+    <p:extLst>
+      <p:ext uri="{BB962C8B-B14F-4D97-AF65-F5344CB8AC3E}">
+        <p14:creationId xmlns:p14="http://schemas.microsoft.com/office/powerpoint/2010/main" val="1934828745"/>
+      </p:ext>
+    </p:extLst>
+  </p:cSld>
+  <p:clrMapOvr>
+    <a:masterClrMapping/>
+  </p:clrMapOvr>
+</p:sld>
+</file>
+
+<file path=ppt/slides/slide6.xml><?xml version="1.0" encoding="utf-8"?>
+<p:sld xmlns:a="http://schemas.openxmlformats.org/drawingml/2006/main" xmlns:r="http://schemas.openxmlformats.org/officeDocument/2006/relationships" xmlns:p="http://schemas.openxmlformats.org/presentationml/2006/main">
+  <p:cSld>
+    <p:spTree>
+      <p:nvGrpSpPr>
+        <p:cNvPr id="1" name=""/>
+        <p:cNvGrpSpPr/>
+        <p:nvPr/>
+      </p:nvGrpSpPr>
+      <p:grpSpPr>
+        <a:xfrm>
+          <a:off x="0" y="0"/>
+          <a:ext cx="0" cy="0"/>
+          <a:chOff x="0" y="0"/>
+          <a:chExt cx="0" cy="0"/>
+        </a:xfrm>
+      </p:grpSpPr>
+    </p:spTree>
+    <p:extLst>
+      <p:ext uri="{BB962C8B-B14F-4D97-AF65-F5344CB8AC3E}">
+        <p14:creationId xmlns:p14="http://schemas.microsoft.com/office/powerpoint/2010/main" val="2752254681"/>
+      </p:ext>
+    </p:extLst>
+  </p:cSld>
+  <p:clrMapOvr>
+    <a:masterClrMapping/>
+  </p:clrMapOvr>
+</p:sld>
+</file>
+
+<file path=ppt/slides/slide7.xml><?xml version="1.0" encoding="utf-8"?>
 <p:sld xmlns:a="http://schemas.openxmlformats.org/drawingml/2006/main" xmlns:r="http://schemas.openxmlformats.org/officeDocument/2006/relationships" xmlns:p="http://schemas.openxmlformats.org/presentationml/2006/main">
   <p:cSld>
     <p:spTree>

--- a/pysal/contrib/points/tests/img_making.pptx
+++ b/pysal/contrib/points/tests/img_making.pptx
@@ -112,7 +112,7 @@
   </p:defaultTextStyle>
   <p:extLst>
     <p:ext uri="{EFAFB233-063F-42B5-8137-9DF3F51BA10A}">
-      <p15:sldGuideLst xmlns:p15="http://schemas.microsoft.com/office/powerpoint/2012/main">
+      <p15:sldGuideLst xmlns:p15="http://schemas.microsoft.com/office/powerpoint/2012/main" xmlns="">
         <p15:guide id="1" orient="horz" pos="2160">
           <p15:clr>
             <a:srgbClr val="A4A3A4"/>
@@ -260,7 +260,7 @@
           <a:p>
             <a:fld id="{2C34BA10-CDF1-4854-A230-1AC6C81CA25B}" type="datetimeFigureOut">
               <a:rPr lang="en-US" smtClean="0"/>
-              <a:t>4/22/2016</a:t>
+              <a:t>4/22/16</a:t>
             </a:fld>
             <a:endParaRPr lang="en-US"/>
           </a:p>
@@ -430,7 +430,7 @@
           <a:p>
             <a:fld id="{2C34BA10-CDF1-4854-A230-1AC6C81CA25B}" type="datetimeFigureOut">
               <a:rPr lang="en-US" smtClean="0"/>
-              <a:t>4/22/2016</a:t>
+              <a:t>4/22/16</a:t>
             </a:fld>
             <a:endParaRPr lang="en-US"/>
           </a:p>
@@ -610,7 +610,7 @@
           <a:p>
             <a:fld id="{2C34BA10-CDF1-4854-A230-1AC6C81CA25B}" type="datetimeFigureOut">
               <a:rPr lang="en-US" smtClean="0"/>
-              <a:t>4/22/2016</a:t>
+              <a:t>4/22/16</a:t>
             </a:fld>
             <a:endParaRPr lang="en-US"/>
           </a:p>
@@ -780,7 +780,7 @@
           <a:p>
             <a:fld id="{2C34BA10-CDF1-4854-A230-1AC6C81CA25B}" type="datetimeFigureOut">
               <a:rPr lang="en-US" smtClean="0"/>
-              <a:t>4/22/2016</a:t>
+              <a:t>4/22/16</a:t>
             </a:fld>
             <a:endParaRPr lang="en-US"/>
           </a:p>
@@ -1026,7 +1026,7 @@
           <a:p>
             <a:fld id="{2C34BA10-CDF1-4854-A230-1AC6C81CA25B}" type="datetimeFigureOut">
               <a:rPr lang="en-US" smtClean="0"/>
-              <a:t>4/22/2016</a:t>
+              <a:t>4/22/16</a:t>
             </a:fld>
             <a:endParaRPr lang="en-US"/>
           </a:p>
@@ -1258,7 +1258,7 @@
           <a:p>
             <a:fld id="{2C34BA10-CDF1-4854-A230-1AC6C81CA25B}" type="datetimeFigureOut">
               <a:rPr lang="en-US" smtClean="0"/>
-              <a:t>4/22/2016</a:t>
+              <a:t>4/22/16</a:t>
             </a:fld>
             <a:endParaRPr lang="en-US"/>
           </a:p>
@@ -1625,7 +1625,7 @@
           <a:p>
             <a:fld id="{2C34BA10-CDF1-4854-A230-1AC6C81CA25B}" type="datetimeFigureOut">
               <a:rPr lang="en-US" smtClean="0"/>
-              <a:t>4/22/2016</a:t>
+              <a:t>4/22/16</a:t>
             </a:fld>
             <a:endParaRPr lang="en-US"/>
           </a:p>
@@ -1743,7 +1743,7 @@
           <a:p>
             <a:fld id="{2C34BA10-CDF1-4854-A230-1AC6C81CA25B}" type="datetimeFigureOut">
               <a:rPr lang="en-US" smtClean="0"/>
-              <a:t>4/22/2016</a:t>
+              <a:t>4/22/16</a:t>
             </a:fld>
             <a:endParaRPr lang="en-US"/>
           </a:p>
@@ -1838,7 +1838,7 @@
           <a:p>
             <a:fld id="{2C34BA10-CDF1-4854-A230-1AC6C81CA25B}" type="datetimeFigureOut">
               <a:rPr lang="en-US" smtClean="0"/>
-              <a:t>4/22/2016</a:t>
+              <a:t>4/22/16</a:t>
             </a:fld>
             <a:endParaRPr lang="en-US"/>
           </a:p>
@@ -2115,7 +2115,7 @@
           <a:p>
             <a:fld id="{2C34BA10-CDF1-4854-A230-1AC6C81CA25B}" type="datetimeFigureOut">
               <a:rPr lang="en-US" smtClean="0"/>
-              <a:t>4/22/2016</a:t>
+              <a:t>4/22/16</a:t>
             </a:fld>
             <a:endParaRPr lang="en-US"/>
           </a:p>
@@ -2368,7 +2368,7 @@
           <a:p>
             <a:fld id="{2C34BA10-CDF1-4854-A230-1AC6C81CA25B}" type="datetimeFigureOut">
               <a:rPr lang="en-US" smtClean="0"/>
-              <a:t>4/22/2016</a:t>
+              <a:t>4/22/16</a:t>
             </a:fld>
             <a:endParaRPr lang="en-US"/>
           </a:p>
@@ -2581,7 +2581,7 @@
           <a:p>
             <a:fld id="{2C34BA10-CDF1-4854-A230-1AC6C81CA25B}" type="datetimeFigureOut">
               <a:rPr lang="en-US" smtClean="0"/>
-              <a:t>4/22/2016</a:t>
+              <a:t>4/22/16</a:t>
             </a:fld>
             <a:endParaRPr lang="en-US"/>
           </a:p>
@@ -5230,7 +5230,7 @@
   <p:timing>
     <p:tnLst>
       <p:par>
-        <p:cTn id="1" dur="indefinite" restart="never" nodeType="tmRoot"/>
+        <p:cTn xmlns:p14="http://schemas.microsoft.com/office/powerpoint/2010/main" id="1" dur="indefinite" restart="never" nodeType="tmRoot"/>
       </p:par>
     </p:tnLst>
   </p:timing>
@@ -6105,7 +6105,7 @@
   <p:timing>
     <p:tnLst>
       <p:par>
-        <p:cTn id="1" dur="indefinite" restart="never" nodeType="tmRoot"/>
+        <p:cTn xmlns:p14="http://schemas.microsoft.com/office/powerpoint/2010/main" id="1" dur="indefinite" restart="never" nodeType="tmRoot"/>
       </p:par>
     </p:tnLst>
   </p:timing>
@@ -8103,7 +8103,7 @@
         <p:spPr>
           <a:xfrm>
             <a:off x="1335705" y="2801745"/>
-            <a:ext cx="276038" cy="307777"/>
+            <a:ext cx="275661" cy="307777"/>
           </a:xfrm>
           <a:prstGeom prst="rect">
             <a:avLst/>
@@ -8117,8 +8117,8 @@
           <a:lstStyle/>
           <a:p>
             <a:r>
-              <a:rPr lang="en-US" sz="1400" dirty="0" smtClean="0"/>
-              <a:t>1</a:t>
+              <a:rPr lang="en-US" sz="1400" dirty="0"/>
+              <a:t>0</a:t>
             </a:r>
             <a:endParaRPr lang="en-US" sz="1400" dirty="0"/>
           </a:p>
@@ -8162,7 +8162,7 @@
         <p:spPr>
           <a:xfrm>
             <a:off x="2529949" y="2014796"/>
-            <a:ext cx="276038" cy="307777"/>
+            <a:ext cx="275661" cy="307777"/>
           </a:xfrm>
           <a:prstGeom prst="rect">
             <a:avLst/>
@@ -8177,8 +8177,9 @@
           <a:p>
             <a:r>
               <a:rPr lang="en-US" sz="1400" dirty="0"/>
-              <a:t>3</a:t>
+              <a:t>1</a:t>
             </a:r>
+            <a:endParaRPr lang="en-US" sz="1400" dirty="0"/>
           </a:p>
         </p:txBody>
       </p:sp>
@@ -8191,7 +8192,7 @@
         <p:spPr>
           <a:xfrm>
             <a:off x="2529949" y="3718459"/>
-            <a:ext cx="276038" cy="307777"/>
+            <a:ext cx="275661" cy="307777"/>
           </a:xfrm>
           <a:prstGeom prst="rect">
             <a:avLst/>
@@ -8205,8 +8206,8 @@
           <a:lstStyle/>
           <a:p>
             <a:r>
-              <a:rPr lang="en-US" sz="1400" dirty="0" smtClean="0"/>
-              <a:t>4</a:t>
+              <a:rPr lang="en-US" sz="1400" dirty="0"/>
+              <a:t>3</a:t>
             </a:r>
             <a:endParaRPr lang="en-US" sz="1400" dirty="0"/>
           </a:p>
@@ -8221,7 +8222,7 @@
         <p:spPr>
           <a:xfrm>
             <a:off x="4093942" y="2802672"/>
-            <a:ext cx="276038" cy="307777"/>
+            <a:ext cx="275661" cy="307777"/>
           </a:xfrm>
           <a:prstGeom prst="rect">
             <a:avLst/>
@@ -8235,8 +8236,8 @@
           <a:lstStyle/>
           <a:p>
             <a:r>
-              <a:rPr lang="en-US" sz="1400" dirty="0" smtClean="0"/>
-              <a:t>1</a:t>
+              <a:rPr lang="en-US" sz="1400" dirty="0"/>
+              <a:t>0</a:t>
             </a:r>
             <a:endParaRPr lang="en-US" sz="1400" dirty="0"/>
           </a:p>
@@ -8280,7 +8281,7 @@
         <p:spPr>
           <a:xfrm>
             <a:off x="5288186" y="2015723"/>
-            <a:ext cx="276038" cy="307777"/>
+            <a:ext cx="275661" cy="307777"/>
           </a:xfrm>
           <a:prstGeom prst="rect">
             <a:avLst/>
@@ -8295,8 +8296,9 @@
           <a:p>
             <a:r>
               <a:rPr lang="en-US" sz="1400" dirty="0"/>
-              <a:t>3</a:t>
+              <a:t>1</a:t>
             </a:r>
+            <a:endParaRPr lang="en-US" sz="1400" dirty="0"/>
           </a:p>
         </p:txBody>
       </p:sp>
@@ -8309,7 +8311,7 @@
         <p:spPr>
           <a:xfrm>
             <a:off x="5288186" y="3719386"/>
-            <a:ext cx="276038" cy="307777"/>
+            <a:ext cx="275661" cy="307777"/>
           </a:xfrm>
           <a:prstGeom prst="rect">
             <a:avLst/>
@@ -8323,8 +8325,8 @@
           <a:lstStyle/>
           <a:p>
             <a:r>
-              <a:rPr lang="en-US" sz="1400" dirty="0" smtClean="0"/>
-              <a:t>4</a:t>
+              <a:rPr lang="en-US" sz="1400" dirty="0"/>
+              <a:t>3</a:t>
             </a:r>
             <a:endParaRPr lang="en-US" sz="1400" dirty="0"/>
           </a:p>
@@ -10714,7 +10716,7 @@
   <p:timing>
     <p:tnLst>
       <p:par>
-        <p:cTn id="1" dur="indefinite" restart="never" nodeType="tmRoot"/>
+        <p:cTn xmlns:p14="http://schemas.microsoft.com/office/powerpoint/2010/main" id="1" dur="indefinite" restart="never" nodeType="tmRoot"/>
       </p:par>
     </p:tnLst>
   </p:timing>
@@ -10976,7 +10978,7 @@
   <a:extraClrSchemeLst/>
   <a:extLst>
     <a:ext uri="{05A4C25C-085E-4340-85A3-A5531E510DB2}">
-      <thm15:themeFamily xmlns:thm15="http://schemas.microsoft.com/office/thememl/2012/main" name="Office Theme" id="{62F939B6-93AF-4DB8-9C6B-D6C7DFDC589F}" vid="{4A3C46E8-61CC-4603-A589-7422A47A8E4A}"/>
+      <thm15:themeFamily xmlns:thm15="http://schemas.microsoft.com/office/thememl/2012/main" xmlns="" name="Office Theme" id="{62F939B6-93AF-4DB8-9C6B-D6C7DFDC589F}" vid="{4A3C46E8-61CC-4603-A589-7422A47A8E4A}"/>
     </a:ext>
   </a:extLst>
 </a:theme>

--- a/pysal/contrib/points/tests/img_making.pptx
+++ b/pysal/contrib/points/tests/img_making.pptx
@@ -112,7 +112,7 @@
   </p:defaultTextStyle>
   <p:extLst>
     <p:ext uri="{EFAFB233-063F-42B5-8137-9DF3F51BA10A}">
-      <p15:sldGuideLst xmlns:p15="http://schemas.microsoft.com/office/powerpoint/2012/main" xmlns="">
+      <p15:sldGuideLst xmlns:p15="http://schemas.microsoft.com/office/powerpoint/2012/main">
         <p15:guide id="1" orient="horz" pos="2160">
           <p15:clr>
             <a:srgbClr val="A4A3A4"/>
@@ -260,7 +260,7 @@
           <a:p>
             <a:fld id="{2C34BA10-CDF1-4854-A230-1AC6C81CA25B}" type="datetimeFigureOut">
               <a:rPr lang="en-US" smtClean="0"/>
-              <a:t>4/22/16</a:t>
+              <a:t>4/22/2016</a:t>
             </a:fld>
             <a:endParaRPr lang="en-US"/>
           </a:p>
@@ -430,7 +430,7 @@
           <a:p>
             <a:fld id="{2C34BA10-CDF1-4854-A230-1AC6C81CA25B}" type="datetimeFigureOut">
               <a:rPr lang="en-US" smtClean="0"/>
-              <a:t>4/22/16</a:t>
+              <a:t>4/22/2016</a:t>
             </a:fld>
             <a:endParaRPr lang="en-US"/>
           </a:p>
@@ -610,7 +610,7 @@
           <a:p>
             <a:fld id="{2C34BA10-CDF1-4854-A230-1AC6C81CA25B}" type="datetimeFigureOut">
               <a:rPr lang="en-US" smtClean="0"/>
-              <a:t>4/22/16</a:t>
+              <a:t>4/22/2016</a:t>
             </a:fld>
             <a:endParaRPr lang="en-US"/>
           </a:p>
@@ -780,7 +780,7 @@
           <a:p>
             <a:fld id="{2C34BA10-CDF1-4854-A230-1AC6C81CA25B}" type="datetimeFigureOut">
               <a:rPr lang="en-US" smtClean="0"/>
-              <a:t>4/22/16</a:t>
+              <a:t>4/22/2016</a:t>
             </a:fld>
             <a:endParaRPr lang="en-US"/>
           </a:p>
@@ -1026,7 +1026,7 @@
           <a:p>
             <a:fld id="{2C34BA10-CDF1-4854-A230-1AC6C81CA25B}" type="datetimeFigureOut">
               <a:rPr lang="en-US" smtClean="0"/>
-              <a:t>4/22/16</a:t>
+              <a:t>4/22/2016</a:t>
             </a:fld>
             <a:endParaRPr lang="en-US"/>
           </a:p>
@@ -1258,7 +1258,7 @@
           <a:p>
             <a:fld id="{2C34BA10-CDF1-4854-A230-1AC6C81CA25B}" type="datetimeFigureOut">
               <a:rPr lang="en-US" smtClean="0"/>
-              <a:t>4/22/16</a:t>
+              <a:t>4/22/2016</a:t>
             </a:fld>
             <a:endParaRPr lang="en-US"/>
           </a:p>
@@ -1625,7 +1625,7 @@
           <a:p>
             <a:fld id="{2C34BA10-CDF1-4854-A230-1AC6C81CA25B}" type="datetimeFigureOut">
               <a:rPr lang="en-US" smtClean="0"/>
-              <a:t>4/22/16</a:t>
+              <a:t>4/22/2016</a:t>
             </a:fld>
             <a:endParaRPr lang="en-US"/>
           </a:p>
@@ -1743,7 +1743,7 @@
           <a:p>
             <a:fld id="{2C34BA10-CDF1-4854-A230-1AC6C81CA25B}" type="datetimeFigureOut">
               <a:rPr lang="en-US" smtClean="0"/>
-              <a:t>4/22/16</a:t>
+              <a:t>4/22/2016</a:t>
             </a:fld>
             <a:endParaRPr lang="en-US"/>
           </a:p>
@@ -1838,7 +1838,7 @@
           <a:p>
             <a:fld id="{2C34BA10-CDF1-4854-A230-1AC6C81CA25B}" type="datetimeFigureOut">
               <a:rPr lang="en-US" smtClean="0"/>
-              <a:t>4/22/16</a:t>
+              <a:t>4/22/2016</a:t>
             </a:fld>
             <a:endParaRPr lang="en-US"/>
           </a:p>
@@ -2115,7 +2115,7 @@
           <a:p>
             <a:fld id="{2C34BA10-CDF1-4854-A230-1AC6C81CA25B}" type="datetimeFigureOut">
               <a:rPr lang="en-US" smtClean="0"/>
-              <a:t>4/22/16</a:t>
+              <a:t>4/22/2016</a:t>
             </a:fld>
             <a:endParaRPr lang="en-US"/>
           </a:p>
@@ -2368,7 +2368,7 @@
           <a:p>
             <a:fld id="{2C34BA10-CDF1-4854-A230-1AC6C81CA25B}" type="datetimeFigureOut">
               <a:rPr lang="en-US" smtClean="0"/>
-              <a:t>4/22/16</a:t>
+              <a:t>4/22/2016</a:t>
             </a:fld>
             <a:endParaRPr lang="en-US"/>
           </a:p>
@@ -2581,7 +2581,7 @@
           <a:p>
             <a:fld id="{2C34BA10-CDF1-4854-A230-1AC6C81CA25B}" type="datetimeFigureOut">
               <a:rPr lang="en-US" smtClean="0"/>
-              <a:t>4/22/16</a:t>
+              <a:t>4/22/2016</a:t>
             </a:fld>
             <a:endParaRPr lang="en-US"/>
           </a:p>
@@ -5230,7 +5230,7 @@
   <p:timing>
     <p:tnLst>
       <p:par>
-        <p:cTn xmlns:p14="http://schemas.microsoft.com/office/powerpoint/2010/main" id="1" dur="indefinite" restart="never" nodeType="tmRoot"/>
+        <p:cTn id="1" dur="indefinite" restart="never" nodeType="tmRoot"/>
       </p:par>
     </p:tnLst>
   </p:timing>
@@ -6105,7 +6105,7 @@
   <p:timing>
     <p:tnLst>
       <p:par>
-        <p:cTn xmlns:p14="http://schemas.microsoft.com/office/powerpoint/2010/main" id="1" dur="indefinite" restart="never" nodeType="tmRoot"/>
+        <p:cTn id="1" dur="indefinite" restart="never" nodeType="tmRoot"/>
       </p:par>
     </p:tnLst>
   </p:timing>
@@ -6137,7 +6137,7 @@
         </p:nvSpPr>
         <p:spPr>
           <a:xfrm>
-            <a:off x="1123406" y="3222534"/>
+            <a:off x="259806" y="3222534"/>
             <a:ext cx="3587931" cy="2603863"/>
           </a:xfrm>
           <a:prstGeom prst="rect">
@@ -6185,7 +6185,7 @@
         </p:nvSpPr>
         <p:spPr>
           <a:xfrm>
-            <a:off x="5847805" y="3222534"/>
+            <a:off x="4185195" y="3222534"/>
             <a:ext cx="3587931" cy="2603863"/>
           </a:xfrm>
           <a:prstGeom prst="rect">
@@ -6233,7 +6233,7 @@
         </p:nvCxnSpPr>
         <p:spPr>
           <a:xfrm flipV="1">
-            <a:off x="1123406" y="3173548"/>
+            <a:off x="259806" y="3173548"/>
             <a:ext cx="1274513" cy="1607822"/>
           </a:xfrm>
           <a:prstGeom prst="straightConnector1">
@@ -6269,7 +6269,7 @@
         </p:nvCxnSpPr>
         <p:spPr>
           <a:xfrm>
-            <a:off x="2368731" y="3222534"/>
+            <a:off x="1505131" y="3222534"/>
             <a:ext cx="2342606" cy="714104"/>
           </a:xfrm>
           <a:prstGeom prst="straightConnector1">
@@ -6305,7 +6305,7 @@
         </p:nvCxnSpPr>
         <p:spPr>
           <a:xfrm flipH="1">
-            <a:off x="2664823" y="4781369"/>
+            <a:off x="1801223" y="4781369"/>
             <a:ext cx="2046514" cy="1045028"/>
           </a:xfrm>
           <a:prstGeom prst="straightConnector1">
@@ -6341,7 +6341,7 @@
         </p:nvCxnSpPr>
         <p:spPr>
           <a:xfrm flipH="1" flipV="1">
-            <a:off x="5847805" y="4877163"/>
+            <a:off x="4185195" y="4877163"/>
             <a:ext cx="1319348" cy="949234"/>
           </a:xfrm>
           <a:prstGeom prst="straightConnector1">
@@ -6377,7 +6377,7 @@
         </p:nvSpPr>
         <p:spPr>
           <a:xfrm>
-            <a:off x="1049383" y="4694286"/>
+            <a:off x="185783" y="4694286"/>
             <a:ext cx="148046" cy="148046"/>
           </a:xfrm>
           <a:prstGeom prst="ellipse">
@@ -6427,7 +6427,7 @@
         </p:nvSpPr>
         <p:spPr>
           <a:xfrm>
-            <a:off x="7084421" y="5748018"/>
+            <a:off x="5421811" y="5748018"/>
             <a:ext cx="148046" cy="148046"/>
           </a:xfrm>
           <a:prstGeom prst="ellipse">
@@ -6477,7 +6477,7 @@
         </p:nvSpPr>
         <p:spPr>
           <a:xfrm>
-            <a:off x="1053736" y="5743669"/>
+            <a:off x="190136" y="5743669"/>
             <a:ext cx="148046" cy="148046"/>
           </a:xfrm>
           <a:prstGeom prst="ellipse">
@@ -6531,7 +6531,7 @@
         </p:nvSpPr>
         <p:spPr>
           <a:xfrm>
-            <a:off x="5773782" y="5748023"/>
+            <a:off x="4111172" y="5748023"/>
             <a:ext cx="148046" cy="148046"/>
           </a:xfrm>
           <a:prstGeom prst="ellipse">
@@ -6585,7 +6585,7 @@
         </p:nvCxnSpPr>
         <p:spPr>
           <a:xfrm>
-            <a:off x="5847805" y="3222534"/>
+            <a:off x="4185195" y="3222534"/>
             <a:ext cx="0" cy="1654629"/>
           </a:xfrm>
           <a:prstGeom prst="line">
@@ -6620,7 +6620,7 @@
         </p:nvCxnSpPr>
         <p:spPr>
           <a:xfrm>
-            <a:off x="1123406" y="5826397"/>
+            <a:off x="259806" y="5826397"/>
             <a:ext cx="1560263" cy="0"/>
           </a:xfrm>
           <a:prstGeom prst="line">
@@ -6655,7 +6655,7 @@
         </p:nvCxnSpPr>
         <p:spPr>
           <a:xfrm>
-            <a:off x="4711337" y="3936638"/>
+            <a:off x="3847737" y="3936638"/>
             <a:ext cx="0" cy="844731"/>
           </a:xfrm>
           <a:prstGeom prst="line">
@@ -6690,7 +6690,7 @@
         </p:nvCxnSpPr>
         <p:spPr>
           <a:xfrm>
-            <a:off x="1123406" y="4771163"/>
+            <a:off x="259806" y="4771163"/>
             <a:ext cx="0" cy="1055234"/>
           </a:xfrm>
           <a:prstGeom prst="line">
@@ -6725,7 +6725,7 @@
         </p:nvCxnSpPr>
         <p:spPr>
           <a:xfrm>
-            <a:off x="7167153" y="5826397"/>
+            <a:off x="5504543" y="5826397"/>
             <a:ext cx="2268583" cy="0"/>
           </a:xfrm>
           <a:prstGeom prst="line">
@@ -6760,7 +6760,7 @@
         </p:nvCxnSpPr>
         <p:spPr>
           <a:xfrm>
-            <a:off x="5847805" y="3222534"/>
+            <a:off x="4185195" y="3222534"/>
             <a:ext cx="3587931" cy="0"/>
           </a:xfrm>
           <a:prstGeom prst="line">
@@ -6795,7 +6795,7 @@
         </p:nvCxnSpPr>
         <p:spPr>
           <a:xfrm>
-            <a:off x="9435736" y="3222534"/>
+            <a:off x="7773126" y="3222534"/>
             <a:ext cx="0" cy="2603863"/>
           </a:xfrm>
           <a:prstGeom prst="line">
@@ -6830,7 +6830,7 @@
         </p:nvSpPr>
         <p:spPr>
           <a:xfrm>
-            <a:off x="1686019" y="3906973"/>
+            <a:off x="822419" y="3906973"/>
             <a:ext cx="301686" cy="369332"/>
           </a:xfrm>
           <a:prstGeom prst="rect">
@@ -6860,7 +6860,7 @@
         </p:nvSpPr>
         <p:spPr>
           <a:xfrm>
-            <a:off x="3390994" y="3516448"/>
+            <a:off x="2527394" y="3516448"/>
             <a:ext cx="301686" cy="369332"/>
           </a:xfrm>
           <a:prstGeom prst="rect">
@@ -6889,7 +6889,7 @@
         </p:nvSpPr>
         <p:spPr>
           <a:xfrm>
-            <a:off x="4486369" y="4145098"/>
+            <a:off x="3622769" y="4145098"/>
             <a:ext cx="301686" cy="369332"/>
           </a:xfrm>
           <a:prstGeom prst="rect">
@@ -6918,7 +6918,7 @@
         </p:nvSpPr>
         <p:spPr>
           <a:xfrm>
-            <a:off x="3495769" y="5030923"/>
+            <a:off x="2632169" y="5030923"/>
             <a:ext cx="301686" cy="369332"/>
           </a:xfrm>
           <a:prstGeom prst="rect">
@@ -6947,7 +6947,7 @@
         </p:nvSpPr>
         <p:spPr>
           <a:xfrm>
-            <a:off x="1781269" y="5554798"/>
+            <a:off x="917669" y="5554798"/>
             <a:ext cx="301686" cy="369332"/>
           </a:xfrm>
           <a:prstGeom prst="rect">
@@ -6976,7 +6976,7 @@
         </p:nvSpPr>
         <p:spPr>
           <a:xfrm>
-            <a:off x="1057369" y="5126173"/>
+            <a:off x="193769" y="5126173"/>
             <a:ext cx="301686" cy="369332"/>
           </a:xfrm>
           <a:prstGeom prst="rect">
@@ -7005,7 +7005,7 @@
         </p:nvSpPr>
         <p:spPr>
           <a:xfrm>
-            <a:off x="6458044" y="5116648"/>
+            <a:off x="4795434" y="5116648"/>
             <a:ext cx="301686" cy="369332"/>
           </a:xfrm>
           <a:prstGeom prst="rect">
@@ -7034,7 +7034,7 @@
         </p:nvSpPr>
         <p:spPr>
           <a:xfrm>
-            <a:off x="5791294" y="3992698"/>
+            <a:off x="4128684" y="3992698"/>
             <a:ext cx="301686" cy="369332"/>
           </a:xfrm>
           <a:prstGeom prst="rect">
@@ -7063,7 +7063,7 @@
         </p:nvSpPr>
         <p:spPr>
           <a:xfrm>
-            <a:off x="7515319" y="3173548"/>
+            <a:off x="5852709" y="3173548"/>
             <a:ext cx="301686" cy="369332"/>
           </a:xfrm>
           <a:prstGeom prst="rect">
@@ -7092,7 +7092,7 @@
         </p:nvSpPr>
         <p:spPr>
           <a:xfrm>
-            <a:off x="9201244" y="4307023"/>
+            <a:off x="7538634" y="4307023"/>
             <a:ext cx="301686" cy="369332"/>
           </a:xfrm>
           <a:prstGeom prst="rect">
@@ -7121,7 +7121,7 @@
         </p:nvSpPr>
         <p:spPr>
           <a:xfrm>
-            <a:off x="8143969" y="5554798"/>
+            <a:off x="6481359" y="5554798"/>
             <a:ext cx="301686" cy="369332"/>
           </a:xfrm>
           <a:prstGeom prst="rect">
@@ -7150,7 +7150,7 @@
         </p:nvSpPr>
         <p:spPr>
           <a:xfrm>
-            <a:off x="1072786" y="6124669"/>
+            <a:off x="276314" y="6124669"/>
             <a:ext cx="148046" cy="148046"/>
           </a:xfrm>
           <a:prstGeom prst="ellipse">
@@ -7204,8 +7204,8 @@
         </p:nvSpPr>
         <p:spPr>
           <a:xfrm>
-            <a:off x="1200244" y="6049163"/>
-            <a:ext cx="3671454" cy="307777"/>
+            <a:off x="374744" y="6005621"/>
+            <a:ext cx="4669805" cy="369332"/>
           </a:xfrm>
           <a:prstGeom prst="rect">
             <a:avLst/>
@@ -7219,10 +7219,10 @@
           <a:lstStyle/>
           <a:p>
             <a:r>
-              <a:rPr lang="en-US" sz="1400" dirty="0" smtClean="0"/>
+              <a:rPr lang="en-US" dirty="0" smtClean="0"/>
               <a:t>Bottom-left point of the cell, search begins here</a:t>
             </a:r>
-            <a:endParaRPr lang="en-US" sz="1400" dirty="0"/>
+            <a:endParaRPr lang="en-US" dirty="0"/>
           </a:p>
         </p:txBody>
       </p:sp>
@@ -7234,7 +7234,7 @@
         </p:nvSpPr>
         <p:spPr>
           <a:xfrm>
-            <a:off x="1085291" y="6477913"/>
+            <a:off x="259791" y="6477913"/>
             <a:ext cx="148046" cy="148046"/>
           </a:xfrm>
           <a:prstGeom prst="ellipse">
@@ -7284,8 +7284,8 @@
         </p:nvSpPr>
         <p:spPr>
           <a:xfrm>
-            <a:off x="1200244" y="6401588"/>
-            <a:ext cx="6583341" cy="307777"/>
+            <a:off x="374744" y="6372560"/>
+            <a:ext cx="8423524" cy="369332"/>
           </a:xfrm>
           <a:prstGeom prst="rect">
             <a:avLst/>
@@ -7299,10 +7299,10 @@
           <a:lstStyle/>
           <a:p>
             <a:r>
-              <a:rPr lang="en-US" sz="1400" dirty="0" smtClean="0"/>
+              <a:rPr lang="en-US" dirty="0" smtClean="0"/>
               <a:t>The first begin point of an arc on the border, actual segment sequence begins from here</a:t>
             </a:r>
-            <a:endParaRPr lang="en-US" sz="1400" dirty="0"/>
+            <a:endParaRPr lang="en-US" dirty="0"/>
           </a:p>
         </p:txBody>
       </p:sp>
@@ -7314,7 +7314,7 @@
         </p:nvSpPr>
         <p:spPr>
           <a:xfrm>
-            <a:off x="1085291" y="150194"/>
+            <a:off x="259791" y="150194"/>
             <a:ext cx="3587931" cy="2603863"/>
           </a:xfrm>
           <a:prstGeom prst="rect">
@@ -7362,7 +7362,7 @@
         </p:nvSpPr>
         <p:spPr>
           <a:xfrm>
-            <a:off x="5809690" y="150194"/>
+            <a:off x="4200420" y="150194"/>
             <a:ext cx="3587931" cy="2603863"/>
           </a:xfrm>
           <a:prstGeom prst="rect">
@@ -7410,7 +7410,7 @@
         </p:nvCxnSpPr>
         <p:spPr>
           <a:xfrm flipV="1">
-            <a:off x="1085291" y="117475"/>
+            <a:off x="259791" y="117475"/>
             <a:ext cx="1283440" cy="1591555"/>
           </a:xfrm>
           <a:prstGeom prst="straightConnector1">
@@ -7446,7 +7446,7 @@
         </p:nvCxnSpPr>
         <p:spPr>
           <a:xfrm>
-            <a:off x="2330616" y="150194"/>
+            <a:off x="1505116" y="150194"/>
             <a:ext cx="2342606" cy="714104"/>
           </a:xfrm>
           <a:prstGeom prst="straightConnector1">
@@ -7482,7 +7482,7 @@
         </p:nvCxnSpPr>
         <p:spPr>
           <a:xfrm flipH="1">
-            <a:off x="2626708" y="1709029"/>
+            <a:off x="1801208" y="1709029"/>
             <a:ext cx="2046514" cy="1045028"/>
           </a:xfrm>
           <a:prstGeom prst="straightConnector1">
@@ -7518,7 +7518,7 @@
         </p:nvCxnSpPr>
         <p:spPr>
           <a:xfrm flipH="1" flipV="1">
-            <a:off x="5809690" y="1804823"/>
+            <a:off x="4200420" y="1804823"/>
             <a:ext cx="1319348" cy="949234"/>
           </a:xfrm>
           <a:prstGeom prst="straightConnector1">
@@ -7529,6 +7529,952 @@
               <a:srgbClr val="00B0F0"/>
             </a:solidFill>
             <a:tailEnd type="triangle"/>
+          </a:ln>
+        </p:spPr>
+        <p:style>
+          <a:lnRef idx="1">
+            <a:schemeClr val="accent1"/>
+          </a:lnRef>
+          <a:fillRef idx="0">
+            <a:schemeClr val="accent1"/>
+          </a:fillRef>
+          <a:effectRef idx="0">
+            <a:schemeClr val="accent1"/>
+          </a:effectRef>
+          <a:fontRef idx="minor">
+            <a:schemeClr val="tx1"/>
+          </a:fontRef>
+        </p:style>
+      </p:cxnSp>
+      <p:sp>
+        <p:nvSpPr>
+          <p:cNvPr id="57" name="Rectangle 56"/>
+          <p:cNvSpPr/>
+          <p:nvPr/>
+        </p:nvSpPr>
+        <p:spPr>
+          <a:xfrm>
+            <a:off x="8133788" y="150194"/>
+            <a:ext cx="3587931" cy="2603863"/>
+          </a:xfrm>
+          <a:prstGeom prst="rect">
+            <a:avLst/>
+          </a:prstGeom>
+          <a:noFill/>
+          <a:ln>
+            <a:solidFill>
+              <a:schemeClr val="bg1">
+                <a:lumMod val="50000"/>
+              </a:schemeClr>
+            </a:solidFill>
+          </a:ln>
+        </p:spPr>
+        <p:style>
+          <a:lnRef idx="2">
+            <a:schemeClr val="accent1">
+              <a:shade val="50000"/>
+            </a:schemeClr>
+          </a:lnRef>
+          <a:fillRef idx="1">
+            <a:schemeClr val="accent1"/>
+          </a:fillRef>
+          <a:effectRef idx="0">
+            <a:schemeClr val="accent1"/>
+          </a:effectRef>
+          <a:fontRef idx="minor">
+            <a:schemeClr val="lt1"/>
+          </a:fontRef>
+        </p:style>
+        <p:txBody>
+          <a:bodyPr rtlCol="0" anchor="ctr"/>
+          <a:lstStyle/>
+          <a:p>
+            <a:pPr algn="ctr"/>
+            <a:endParaRPr lang="en-US"/>
+          </a:p>
+        </p:txBody>
+      </p:sp>
+      <p:cxnSp>
+        <p:nvCxnSpPr>
+          <p:cNvPr id="58" name="Straight Arrow Connector 57"/>
+          <p:cNvCxnSpPr/>
+          <p:nvPr/>
+        </p:nvCxnSpPr>
+        <p:spPr>
+          <a:xfrm flipH="1">
+            <a:off x="8141049" y="150194"/>
+            <a:ext cx="1253776" cy="1116631"/>
+          </a:xfrm>
+          <a:prstGeom prst="straightConnector1">
+            <a:avLst/>
+          </a:prstGeom>
+          <a:ln w="9525">
+            <a:solidFill>
+              <a:srgbClr val="00B0F0"/>
+            </a:solidFill>
+            <a:tailEnd type="triangle"/>
+          </a:ln>
+        </p:spPr>
+        <p:style>
+          <a:lnRef idx="1">
+            <a:schemeClr val="accent1"/>
+          </a:lnRef>
+          <a:fillRef idx="0">
+            <a:schemeClr val="accent1"/>
+          </a:fillRef>
+          <a:effectRef idx="0">
+            <a:schemeClr val="accent1"/>
+          </a:effectRef>
+          <a:fontRef idx="minor">
+            <a:schemeClr val="tx1"/>
+          </a:fontRef>
+        </p:style>
+      </p:cxnSp>
+      <p:cxnSp>
+        <p:nvCxnSpPr>
+          <p:cNvPr id="59" name="Straight Arrow Connector 58"/>
+          <p:cNvCxnSpPr/>
+          <p:nvPr/>
+        </p:nvCxnSpPr>
+        <p:spPr>
+          <a:xfrm flipV="1">
+            <a:off x="8141049" y="150194"/>
+            <a:ext cx="2557413" cy="2288207"/>
+          </a:xfrm>
+          <a:prstGeom prst="straightConnector1">
+            <a:avLst/>
+          </a:prstGeom>
+          <a:ln w="9525">
+            <a:solidFill>
+              <a:srgbClr val="00B0F0"/>
+            </a:solidFill>
+            <a:tailEnd type="triangle"/>
+          </a:ln>
+        </p:spPr>
+        <p:style>
+          <a:lnRef idx="1">
+            <a:schemeClr val="accent1"/>
+          </a:lnRef>
+          <a:fillRef idx="0">
+            <a:schemeClr val="accent1"/>
+          </a:fillRef>
+          <a:effectRef idx="0">
+            <a:schemeClr val="accent1"/>
+          </a:effectRef>
+          <a:fontRef idx="minor">
+            <a:schemeClr val="tx1"/>
+          </a:fontRef>
+        </p:style>
+      </p:cxnSp>
+      <p:cxnSp>
+        <p:nvCxnSpPr>
+          <p:cNvPr id="60" name="Straight Arrow Connector 59"/>
+          <p:cNvCxnSpPr/>
+          <p:nvPr/>
+        </p:nvCxnSpPr>
+        <p:spPr>
+          <a:xfrm flipH="1">
+            <a:off x="9675205" y="1709029"/>
+            <a:ext cx="2046514" cy="1045028"/>
+          </a:xfrm>
+          <a:prstGeom prst="straightConnector1">
+            <a:avLst/>
+          </a:prstGeom>
+          <a:ln w="9525">
+            <a:solidFill>
+              <a:srgbClr val="00B0F0"/>
+            </a:solidFill>
+            <a:tailEnd type="triangle"/>
+          </a:ln>
+        </p:spPr>
+        <p:style>
+          <a:lnRef idx="1">
+            <a:schemeClr val="accent1"/>
+          </a:lnRef>
+          <a:fillRef idx="0">
+            <a:schemeClr val="accent1"/>
+          </a:fillRef>
+          <a:effectRef idx="0">
+            <a:schemeClr val="accent1"/>
+          </a:effectRef>
+          <a:fontRef idx="minor">
+            <a:schemeClr val="tx1"/>
+          </a:fontRef>
+        </p:style>
+      </p:cxnSp>
+      <p:sp>
+        <p:nvSpPr>
+          <p:cNvPr id="61" name="Rectangle 60"/>
+          <p:cNvSpPr/>
+          <p:nvPr/>
+        </p:nvSpPr>
+        <p:spPr>
+          <a:xfrm>
+            <a:off x="8133788" y="3222534"/>
+            <a:ext cx="3587931" cy="2603863"/>
+          </a:xfrm>
+          <a:prstGeom prst="rect">
+            <a:avLst/>
+          </a:prstGeom>
+          <a:noFill/>
+          <a:ln>
+            <a:solidFill>
+              <a:schemeClr val="bg1">
+                <a:lumMod val="50000"/>
+              </a:schemeClr>
+            </a:solidFill>
+          </a:ln>
+        </p:spPr>
+        <p:style>
+          <a:lnRef idx="2">
+            <a:schemeClr val="accent1">
+              <a:shade val="50000"/>
+            </a:schemeClr>
+          </a:lnRef>
+          <a:fillRef idx="1">
+            <a:schemeClr val="accent1"/>
+          </a:fillRef>
+          <a:effectRef idx="0">
+            <a:schemeClr val="accent1"/>
+          </a:effectRef>
+          <a:fontRef idx="minor">
+            <a:schemeClr val="lt1"/>
+          </a:fontRef>
+        </p:style>
+        <p:txBody>
+          <a:bodyPr rtlCol="0" anchor="ctr"/>
+          <a:lstStyle/>
+          <a:p>
+            <a:pPr algn="ctr"/>
+            <a:endParaRPr lang="en-US"/>
+          </a:p>
+        </p:txBody>
+      </p:sp>
+      <p:cxnSp>
+        <p:nvCxnSpPr>
+          <p:cNvPr id="62" name="Straight Arrow Connector 61"/>
+          <p:cNvCxnSpPr/>
+          <p:nvPr/>
+        </p:nvCxnSpPr>
+        <p:spPr>
+          <a:xfrm flipH="1">
+            <a:off x="8141049" y="3222534"/>
+            <a:ext cx="1253776" cy="1116631"/>
+          </a:xfrm>
+          <a:prstGeom prst="straightConnector1">
+            <a:avLst/>
+          </a:prstGeom>
+          <a:ln w="28575">
+            <a:solidFill>
+              <a:srgbClr val="FF0000"/>
+            </a:solidFill>
+            <a:tailEnd type="triangle"/>
+          </a:ln>
+        </p:spPr>
+        <p:style>
+          <a:lnRef idx="1">
+            <a:schemeClr val="accent1"/>
+          </a:lnRef>
+          <a:fillRef idx="0">
+            <a:schemeClr val="accent1"/>
+          </a:fillRef>
+          <a:effectRef idx="0">
+            <a:schemeClr val="accent1"/>
+          </a:effectRef>
+          <a:fontRef idx="minor">
+            <a:schemeClr val="tx1"/>
+          </a:fontRef>
+        </p:style>
+      </p:cxnSp>
+      <p:cxnSp>
+        <p:nvCxnSpPr>
+          <p:cNvPr id="63" name="Straight Arrow Connector 62"/>
+          <p:cNvCxnSpPr/>
+          <p:nvPr/>
+        </p:nvCxnSpPr>
+        <p:spPr>
+          <a:xfrm flipV="1">
+            <a:off x="8141049" y="3222534"/>
+            <a:ext cx="2557413" cy="2288207"/>
+          </a:xfrm>
+          <a:prstGeom prst="straightConnector1">
+            <a:avLst/>
+          </a:prstGeom>
+          <a:ln w="28575">
+            <a:solidFill>
+              <a:srgbClr val="FF0000"/>
+            </a:solidFill>
+            <a:tailEnd type="triangle"/>
+          </a:ln>
+        </p:spPr>
+        <p:style>
+          <a:lnRef idx="1">
+            <a:schemeClr val="accent1"/>
+          </a:lnRef>
+          <a:fillRef idx="0">
+            <a:schemeClr val="accent1"/>
+          </a:fillRef>
+          <a:effectRef idx="0">
+            <a:schemeClr val="accent1"/>
+          </a:effectRef>
+          <a:fontRef idx="minor">
+            <a:schemeClr val="tx1"/>
+          </a:fontRef>
+        </p:style>
+      </p:cxnSp>
+      <p:cxnSp>
+        <p:nvCxnSpPr>
+          <p:cNvPr id="64" name="Straight Arrow Connector 63"/>
+          <p:cNvCxnSpPr/>
+          <p:nvPr/>
+        </p:nvCxnSpPr>
+        <p:spPr>
+          <a:xfrm flipH="1">
+            <a:off x="9675205" y="4781369"/>
+            <a:ext cx="2046514" cy="1045028"/>
+          </a:xfrm>
+          <a:prstGeom prst="straightConnector1">
+            <a:avLst/>
+          </a:prstGeom>
+          <a:ln w="28575">
+            <a:solidFill>
+              <a:srgbClr val="FF0000"/>
+            </a:solidFill>
+            <a:tailEnd type="triangle"/>
+          </a:ln>
+        </p:spPr>
+        <p:style>
+          <a:lnRef idx="1">
+            <a:schemeClr val="accent1"/>
+          </a:lnRef>
+          <a:fillRef idx="0">
+            <a:schemeClr val="accent1"/>
+          </a:fillRef>
+          <a:effectRef idx="0">
+            <a:schemeClr val="accent1"/>
+          </a:effectRef>
+          <a:fontRef idx="minor">
+            <a:schemeClr val="tx1"/>
+          </a:fontRef>
+        </p:style>
+      </p:cxnSp>
+      <p:cxnSp>
+        <p:nvCxnSpPr>
+          <p:cNvPr id="65" name="Straight Connector 64"/>
+          <p:cNvCxnSpPr/>
+          <p:nvPr/>
+        </p:nvCxnSpPr>
+        <p:spPr>
+          <a:xfrm>
+            <a:off x="10690842" y="3222534"/>
+            <a:ext cx="1030877" cy="0"/>
+          </a:xfrm>
+          <a:prstGeom prst="line">
+            <a:avLst/>
+          </a:prstGeom>
+          <a:ln w="28575">
+            <a:solidFill>
+              <a:srgbClr val="FF0000"/>
+            </a:solidFill>
+          </a:ln>
+        </p:spPr>
+        <p:style>
+          <a:lnRef idx="1">
+            <a:schemeClr val="accent1"/>
+          </a:lnRef>
+          <a:fillRef idx="0">
+            <a:schemeClr val="accent1"/>
+          </a:fillRef>
+          <a:effectRef idx="0">
+            <a:schemeClr val="accent1"/>
+          </a:effectRef>
+          <a:fontRef idx="minor">
+            <a:schemeClr val="tx1"/>
+          </a:fontRef>
+        </p:style>
+      </p:cxnSp>
+      <p:cxnSp>
+        <p:nvCxnSpPr>
+          <p:cNvPr id="66" name="Straight Connector 65"/>
+          <p:cNvCxnSpPr/>
+          <p:nvPr/>
+        </p:nvCxnSpPr>
+        <p:spPr>
+          <a:xfrm>
+            <a:off x="11721719" y="3222534"/>
+            <a:ext cx="0" cy="1558835"/>
+          </a:xfrm>
+          <a:prstGeom prst="line">
+            <a:avLst/>
+          </a:prstGeom>
+          <a:ln w="28575">
+            <a:solidFill>
+              <a:srgbClr val="FF0000"/>
+            </a:solidFill>
+          </a:ln>
+        </p:spPr>
+        <p:style>
+          <a:lnRef idx="1">
+            <a:schemeClr val="accent1"/>
+          </a:lnRef>
+          <a:fillRef idx="0">
+            <a:schemeClr val="accent1"/>
+          </a:fillRef>
+          <a:effectRef idx="0">
+            <a:schemeClr val="accent1"/>
+          </a:effectRef>
+          <a:fontRef idx="minor">
+            <a:schemeClr val="tx1"/>
+          </a:fontRef>
+        </p:style>
+      </p:cxnSp>
+      <p:cxnSp>
+        <p:nvCxnSpPr>
+          <p:cNvPr id="67" name="Straight Connector 66"/>
+          <p:cNvCxnSpPr/>
+          <p:nvPr/>
+        </p:nvCxnSpPr>
+        <p:spPr>
+          <a:xfrm>
+            <a:off x="8133788" y="5826397"/>
+            <a:ext cx="1549037" cy="0"/>
+          </a:xfrm>
+          <a:prstGeom prst="line">
+            <a:avLst/>
+          </a:prstGeom>
+          <a:ln w="28575">
+            <a:solidFill>
+              <a:srgbClr val="FF0000"/>
+            </a:solidFill>
+          </a:ln>
+        </p:spPr>
+        <p:style>
+          <a:lnRef idx="1">
+            <a:schemeClr val="accent1"/>
+          </a:lnRef>
+          <a:fillRef idx="0">
+            <a:schemeClr val="accent1"/>
+          </a:fillRef>
+          <a:effectRef idx="0">
+            <a:schemeClr val="accent1"/>
+          </a:effectRef>
+          <a:fontRef idx="minor">
+            <a:schemeClr val="tx1"/>
+          </a:fontRef>
+        </p:style>
+      </p:cxnSp>
+      <p:cxnSp>
+        <p:nvCxnSpPr>
+          <p:cNvPr id="70" name="Straight Connector 69"/>
+          <p:cNvCxnSpPr/>
+          <p:nvPr/>
+        </p:nvCxnSpPr>
+        <p:spPr>
+          <a:xfrm>
+            <a:off x="8133788" y="3222534"/>
+            <a:ext cx="0" cy="1116631"/>
+          </a:xfrm>
+          <a:prstGeom prst="line">
+            <a:avLst/>
+          </a:prstGeom>
+          <a:ln w="28575">
+            <a:solidFill>
+              <a:srgbClr val="FF0000"/>
+            </a:solidFill>
+          </a:ln>
+        </p:spPr>
+        <p:style>
+          <a:lnRef idx="1">
+            <a:schemeClr val="accent1"/>
+          </a:lnRef>
+          <a:fillRef idx="0">
+            <a:schemeClr val="accent1"/>
+          </a:fillRef>
+          <a:effectRef idx="0">
+            <a:schemeClr val="accent1"/>
+          </a:effectRef>
+          <a:fontRef idx="minor">
+            <a:schemeClr val="tx1"/>
+          </a:fontRef>
+        </p:style>
+      </p:cxnSp>
+      <p:sp>
+        <p:nvSpPr>
+          <p:cNvPr id="71" name="Oval 70"/>
+          <p:cNvSpPr/>
+          <p:nvPr/>
+        </p:nvSpPr>
+        <p:spPr>
+          <a:xfrm>
+            <a:off x="8067026" y="5754536"/>
+            <a:ext cx="148046" cy="148046"/>
+          </a:xfrm>
+          <a:prstGeom prst="ellipse">
+            <a:avLst/>
+          </a:prstGeom>
+          <a:noFill/>
+          <a:ln w="28575">
+            <a:solidFill>
+              <a:schemeClr val="bg1">
+                <a:lumMod val="65000"/>
+              </a:schemeClr>
+            </a:solidFill>
+          </a:ln>
+        </p:spPr>
+        <p:style>
+          <a:lnRef idx="2">
+            <a:schemeClr val="accent1">
+              <a:shade val="50000"/>
+            </a:schemeClr>
+          </a:lnRef>
+          <a:fillRef idx="1">
+            <a:schemeClr val="accent1"/>
+          </a:fillRef>
+          <a:effectRef idx="0">
+            <a:schemeClr val="accent1"/>
+          </a:effectRef>
+          <a:fontRef idx="minor">
+            <a:schemeClr val="lt1"/>
+          </a:fontRef>
+        </p:style>
+        <p:txBody>
+          <a:bodyPr rtlCol="0" anchor="ctr"/>
+          <a:lstStyle/>
+          <a:p>
+            <a:pPr algn="ctr"/>
+            <a:endParaRPr lang="en-US">
+              <a:solidFill>
+                <a:schemeClr val="bg1">
+                  <a:lumMod val="65000"/>
+                </a:schemeClr>
+              </a:solidFill>
+            </a:endParaRPr>
+          </a:p>
+        </p:txBody>
+      </p:sp>
+      <p:sp>
+        <p:nvSpPr>
+          <p:cNvPr id="72" name="Oval 71"/>
+          <p:cNvSpPr/>
+          <p:nvPr/>
+        </p:nvSpPr>
+        <p:spPr>
+          <a:xfrm>
+            <a:off x="8064652" y="5422823"/>
+            <a:ext cx="148046" cy="148046"/>
+          </a:xfrm>
+          <a:prstGeom prst="ellipse">
+            <a:avLst/>
+          </a:prstGeom>
+          <a:noFill/>
+          <a:ln w="38100">
+            <a:solidFill>
+              <a:srgbClr val="00B050"/>
+            </a:solidFill>
+          </a:ln>
+        </p:spPr>
+        <p:style>
+          <a:lnRef idx="2">
+            <a:schemeClr val="accent1">
+              <a:shade val="50000"/>
+            </a:schemeClr>
+          </a:lnRef>
+          <a:fillRef idx="1">
+            <a:schemeClr val="accent1"/>
+          </a:fillRef>
+          <a:effectRef idx="0">
+            <a:schemeClr val="accent1"/>
+          </a:effectRef>
+          <a:fontRef idx="minor">
+            <a:schemeClr val="lt1"/>
+          </a:fontRef>
+        </p:style>
+        <p:txBody>
+          <a:bodyPr rtlCol="0" anchor="ctr"/>
+          <a:lstStyle/>
+          <a:p>
+            <a:pPr algn="ctr"/>
+            <a:endParaRPr lang="en-US">
+              <a:solidFill>
+                <a:srgbClr val="00B050"/>
+              </a:solidFill>
+            </a:endParaRPr>
+          </a:p>
+        </p:txBody>
+      </p:sp>
+      <p:cxnSp>
+        <p:nvCxnSpPr>
+          <p:cNvPr id="68" name="Straight Connector 67"/>
+          <p:cNvCxnSpPr/>
+          <p:nvPr/>
+        </p:nvCxnSpPr>
+        <p:spPr>
+          <a:xfrm>
+            <a:off x="8141049" y="5485980"/>
+            <a:ext cx="0" cy="324360"/>
+          </a:xfrm>
+          <a:prstGeom prst="line">
+            <a:avLst/>
+          </a:prstGeom>
+          <a:ln w="28575">
+            <a:solidFill>
+              <a:srgbClr val="FF0000"/>
+            </a:solidFill>
+          </a:ln>
+        </p:spPr>
+        <p:style>
+          <a:lnRef idx="1">
+            <a:schemeClr val="accent1"/>
+          </a:lnRef>
+          <a:fillRef idx="0">
+            <a:schemeClr val="accent1"/>
+          </a:fillRef>
+          <a:effectRef idx="0">
+            <a:schemeClr val="accent1"/>
+          </a:effectRef>
+          <a:fontRef idx="minor">
+            <a:schemeClr val="tx1"/>
+          </a:fontRef>
+        </p:style>
+      </p:cxnSp>
+      <p:sp>
+        <p:nvSpPr>
+          <p:cNvPr id="73" name="TextBox 72"/>
+          <p:cNvSpPr txBox="1"/>
+          <p:nvPr/>
+        </p:nvSpPr>
+        <p:spPr>
+          <a:xfrm>
+            <a:off x="9298070" y="4287925"/>
+            <a:ext cx="301686" cy="369332"/>
+          </a:xfrm>
+          <a:prstGeom prst="rect">
+            <a:avLst/>
+          </a:prstGeom>
+          <a:noFill/>
+        </p:spPr>
+        <p:txBody>
+          <a:bodyPr wrap="none" rtlCol="0">
+            <a:spAutoFit/>
+          </a:bodyPr>
+          <a:lstStyle/>
+          <a:p>
+            <a:r>
+              <a:rPr lang="en-US" dirty="0"/>
+              <a:t>1</a:t>
+            </a:r>
+            <a:endParaRPr lang="en-US" dirty="0"/>
+          </a:p>
+        </p:txBody>
+      </p:sp>
+      <p:sp>
+        <p:nvSpPr>
+          <p:cNvPr id="74" name="TextBox 73"/>
+          <p:cNvSpPr txBox="1"/>
+          <p:nvPr/>
+        </p:nvSpPr>
+        <p:spPr>
+          <a:xfrm>
+            <a:off x="11055437" y="3156914"/>
+            <a:ext cx="301686" cy="369332"/>
+          </a:xfrm>
+          <a:prstGeom prst="rect">
+            <a:avLst/>
+          </a:prstGeom>
+          <a:noFill/>
+        </p:spPr>
+        <p:txBody>
+          <a:bodyPr wrap="none" rtlCol="0">
+            <a:spAutoFit/>
+          </a:bodyPr>
+          <a:lstStyle/>
+          <a:p>
+            <a:r>
+              <a:rPr lang="en-US" dirty="0"/>
+              <a:t>2</a:t>
+            </a:r>
+            <a:endParaRPr lang="en-US" dirty="0"/>
+          </a:p>
+        </p:txBody>
+      </p:sp>
+      <p:sp>
+        <p:nvSpPr>
+          <p:cNvPr id="75" name="TextBox 74"/>
+          <p:cNvSpPr txBox="1"/>
+          <p:nvPr/>
+        </p:nvSpPr>
+        <p:spPr>
+          <a:xfrm>
+            <a:off x="11486795" y="3865182"/>
+            <a:ext cx="301686" cy="369332"/>
+          </a:xfrm>
+          <a:prstGeom prst="rect">
+            <a:avLst/>
+          </a:prstGeom>
+          <a:noFill/>
+        </p:spPr>
+        <p:txBody>
+          <a:bodyPr wrap="none" rtlCol="0">
+            <a:spAutoFit/>
+          </a:bodyPr>
+          <a:lstStyle/>
+          <a:p>
+            <a:r>
+              <a:rPr lang="en-US" dirty="0"/>
+              <a:t>3</a:t>
+            </a:r>
+            <a:endParaRPr lang="en-US" dirty="0"/>
+          </a:p>
+        </p:txBody>
+      </p:sp>
+      <p:sp>
+        <p:nvSpPr>
+          <p:cNvPr id="76" name="TextBox 75"/>
+          <p:cNvSpPr txBox="1"/>
+          <p:nvPr/>
+        </p:nvSpPr>
+        <p:spPr>
+          <a:xfrm>
+            <a:off x="10614381" y="4951968"/>
+            <a:ext cx="301686" cy="369332"/>
+          </a:xfrm>
+          <a:prstGeom prst="rect">
+            <a:avLst/>
+          </a:prstGeom>
+          <a:noFill/>
+        </p:spPr>
+        <p:txBody>
+          <a:bodyPr wrap="none" rtlCol="0">
+            <a:spAutoFit/>
+          </a:bodyPr>
+          <a:lstStyle/>
+          <a:p>
+            <a:r>
+              <a:rPr lang="en-US" dirty="0" smtClean="0"/>
+              <a:t>4</a:t>
+            </a:r>
+            <a:endParaRPr lang="en-US" dirty="0"/>
+          </a:p>
+        </p:txBody>
+      </p:sp>
+      <p:sp>
+        <p:nvSpPr>
+          <p:cNvPr id="77" name="TextBox 76"/>
+          <p:cNvSpPr txBox="1"/>
+          <p:nvPr/>
+        </p:nvSpPr>
+        <p:spPr>
+          <a:xfrm>
+            <a:off x="8809962" y="5544498"/>
+            <a:ext cx="301686" cy="369332"/>
+          </a:xfrm>
+          <a:prstGeom prst="rect">
+            <a:avLst/>
+          </a:prstGeom>
+          <a:noFill/>
+        </p:spPr>
+        <p:txBody>
+          <a:bodyPr wrap="none" rtlCol="0">
+            <a:spAutoFit/>
+          </a:bodyPr>
+          <a:lstStyle/>
+          <a:p>
+            <a:r>
+              <a:rPr lang="en-US" dirty="0"/>
+              <a:t>5</a:t>
+            </a:r>
+            <a:endParaRPr lang="en-US" dirty="0"/>
+          </a:p>
+        </p:txBody>
+      </p:sp>
+      <p:sp>
+        <p:nvSpPr>
+          <p:cNvPr id="78" name="TextBox 77"/>
+          <p:cNvSpPr txBox="1"/>
+          <p:nvPr/>
+        </p:nvSpPr>
+        <p:spPr>
+          <a:xfrm>
+            <a:off x="8072588" y="5475160"/>
+            <a:ext cx="301686" cy="369332"/>
+          </a:xfrm>
+          <a:prstGeom prst="rect">
+            <a:avLst/>
+          </a:prstGeom>
+          <a:noFill/>
+        </p:spPr>
+        <p:txBody>
+          <a:bodyPr wrap="none" rtlCol="0">
+            <a:spAutoFit/>
+          </a:bodyPr>
+          <a:lstStyle/>
+          <a:p>
+            <a:r>
+              <a:rPr lang="en-US" dirty="0" smtClean="0"/>
+              <a:t>6</a:t>
+            </a:r>
+          </a:p>
+        </p:txBody>
+      </p:sp>
+      <p:sp>
+        <p:nvSpPr>
+          <p:cNvPr id="79" name="TextBox 78"/>
+          <p:cNvSpPr txBox="1"/>
+          <p:nvPr/>
+        </p:nvSpPr>
+        <p:spPr>
+          <a:xfrm>
+            <a:off x="8665917" y="3650685"/>
+            <a:ext cx="612668" cy="369332"/>
+          </a:xfrm>
+          <a:prstGeom prst="rect">
+            <a:avLst/>
+          </a:prstGeom>
+          <a:noFill/>
+        </p:spPr>
+        <p:txBody>
+          <a:bodyPr wrap="none" rtlCol="0">
+            <a:spAutoFit/>
+          </a:bodyPr>
+          <a:lstStyle/>
+          <a:p>
+            <a:r>
+              <a:rPr lang="en-US" dirty="0" smtClean="0"/>
+              <a:t>1 (7)</a:t>
+            </a:r>
+          </a:p>
+        </p:txBody>
+      </p:sp>
+      <p:sp>
+        <p:nvSpPr>
+          <p:cNvPr id="80" name="TextBox 79"/>
+          <p:cNvSpPr txBox="1"/>
+          <p:nvPr/>
+        </p:nvSpPr>
+        <p:spPr>
+          <a:xfrm>
+            <a:off x="8072588" y="3495824"/>
+            <a:ext cx="612668" cy="369332"/>
+          </a:xfrm>
+          <a:prstGeom prst="rect">
+            <a:avLst/>
+          </a:prstGeom>
+          <a:noFill/>
+        </p:spPr>
+        <p:txBody>
+          <a:bodyPr wrap="none" rtlCol="0">
+            <a:spAutoFit/>
+          </a:bodyPr>
+          <a:lstStyle/>
+          <a:p>
+            <a:r>
+              <a:rPr lang="en-US" dirty="0"/>
+              <a:t>2</a:t>
+            </a:r>
+            <a:r>
+              <a:rPr lang="en-US" dirty="0" smtClean="0"/>
+              <a:t> (8)</a:t>
+            </a:r>
+          </a:p>
+        </p:txBody>
+      </p:sp>
+      <p:sp>
+        <p:nvSpPr>
+          <p:cNvPr id="81" name="TextBox 80"/>
+          <p:cNvSpPr txBox="1"/>
+          <p:nvPr/>
+        </p:nvSpPr>
+        <p:spPr>
+          <a:xfrm>
+            <a:off x="8346908" y="2924324"/>
+            <a:ext cx="612668" cy="369332"/>
+          </a:xfrm>
+          <a:prstGeom prst="rect">
+            <a:avLst/>
+          </a:prstGeom>
+          <a:noFill/>
+        </p:spPr>
+        <p:txBody>
+          <a:bodyPr wrap="none" rtlCol="0">
+            <a:spAutoFit/>
+          </a:bodyPr>
+          <a:lstStyle/>
+          <a:p>
+            <a:r>
+              <a:rPr lang="en-US" dirty="0" smtClean="0"/>
+              <a:t>3 (9)</a:t>
+            </a:r>
+          </a:p>
+        </p:txBody>
+      </p:sp>
+      <p:sp>
+        <p:nvSpPr>
+          <p:cNvPr id="82" name="Oval 81"/>
+          <p:cNvSpPr/>
+          <p:nvPr/>
+        </p:nvSpPr>
+        <p:spPr>
+          <a:xfrm>
+            <a:off x="9304418" y="3144310"/>
+            <a:ext cx="148046" cy="148046"/>
+          </a:xfrm>
+          <a:prstGeom prst="ellipse">
+            <a:avLst/>
+          </a:prstGeom>
+          <a:noFill/>
+          <a:ln w="38100">
+            <a:solidFill>
+              <a:srgbClr val="00B050"/>
+            </a:solidFill>
+          </a:ln>
+        </p:spPr>
+        <p:style>
+          <a:lnRef idx="2">
+            <a:schemeClr val="accent1">
+              <a:shade val="50000"/>
+            </a:schemeClr>
+          </a:lnRef>
+          <a:fillRef idx="1">
+            <a:schemeClr val="accent1"/>
+          </a:fillRef>
+          <a:effectRef idx="0">
+            <a:schemeClr val="accent1"/>
+          </a:effectRef>
+          <a:fontRef idx="minor">
+            <a:schemeClr val="lt1"/>
+          </a:fontRef>
+        </p:style>
+        <p:txBody>
+          <a:bodyPr rtlCol="0" anchor="ctr"/>
+          <a:lstStyle/>
+          <a:p>
+            <a:pPr algn="ctr"/>
+            <a:endParaRPr lang="en-US">
+              <a:solidFill>
+                <a:srgbClr val="00B050"/>
+              </a:solidFill>
+            </a:endParaRPr>
+          </a:p>
+        </p:txBody>
+      </p:sp>
+      <p:cxnSp>
+        <p:nvCxnSpPr>
+          <p:cNvPr id="69" name="Straight Connector 68"/>
+          <p:cNvCxnSpPr/>
+          <p:nvPr/>
+        </p:nvCxnSpPr>
+        <p:spPr>
+          <a:xfrm>
+            <a:off x="8125809" y="3222534"/>
+            <a:ext cx="1269016" cy="0"/>
+          </a:xfrm>
+          <a:prstGeom prst="line">
+            <a:avLst/>
+          </a:prstGeom>
+          <a:ln w="28575">
+            <a:solidFill>
+              <a:srgbClr val="FF0000"/>
+            </a:solidFill>
           </a:ln>
         </p:spPr>
         <p:style>
@@ -8120,7 +9066,6 @@
               <a:rPr lang="en-US" sz="1400" dirty="0"/>
               <a:t>0</a:t>
             </a:r>
-            <a:endParaRPr lang="en-US" sz="1400" dirty="0"/>
           </a:p>
         </p:txBody>
       </p:sp>
@@ -8179,7 +9124,6 @@
               <a:rPr lang="en-US" sz="1400" dirty="0"/>
               <a:t>1</a:t>
             </a:r>
-            <a:endParaRPr lang="en-US" sz="1400" dirty="0"/>
           </a:p>
         </p:txBody>
       </p:sp>
@@ -8209,7 +9153,6 @@
               <a:rPr lang="en-US" sz="1400" dirty="0"/>
               <a:t>3</a:t>
             </a:r>
-            <a:endParaRPr lang="en-US" sz="1400" dirty="0"/>
           </a:p>
         </p:txBody>
       </p:sp>
@@ -8239,7 +9182,6 @@
               <a:rPr lang="en-US" sz="1400" dirty="0"/>
               <a:t>0</a:t>
             </a:r>
-            <a:endParaRPr lang="en-US" sz="1400" dirty="0"/>
           </a:p>
         </p:txBody>
       </p:sp>
@@ -8298,7 +9240,6 @@
               <a:rPr lang="en-US" sz="1400" dirty="0"/>
               <a:t>1</a:t>
             </a:r>
-            <a:endParaRPr lang="en-US" sz="1400" dirty="0"/>
           </a:p>
         </p:txBody>
       </p:sp>
@@ -8328,7 +9269,6 @@
               <a:rPr lang="en-US" sz="1400" dirty="0"/>
               <a:t>3</a:t>
             </a:r>
-            <a:endParaRPr lang="en-US" sz="1400" dirty="0"/>
           </a:p>
         </p:txBody>
       </p:sp>
@@ -10716,7 +11656,7 @@
   <p:timing>
     <p:tnLst>
       <p:par>
-        <p:cTn xmlns:p14="http://schemas.microsoft.com/office/powerpoint/2010/main" id="1" dur="indefinite" restart="never" nodeType="tmRoot"/>
+        <p:cTn id="1" dur="indefinite" restart="never" nodeType="tmRoot"/>
       </p:par>
     </p:tnLst>
   </p:timing>
@@ -10978,7 +11918,7 @@
   <a:extraClrSchemeLst/>
   <a:extLst>
     <a:ext uri="{05A4C25C-085E-4340-85A3-A5531E510DB2}">
-      <thm15:themeFamily xmlns:thm15="http://schemas.microsoft.com/office/thememl/2012/main" xmlns="" name="Office Theme" id="{62F939B6-93AF-4DB8-9C6B-D6C7DFDC589F}" vid="{4A3C46E8-61CC-4603-A589-7422A47A8E4A}"/>
+      <thm15:themeFamily xmlns:thm15="http://schemas.microsoft.com/office/thememl/2012/main" name="Office Theme" id="{62F939B6-93AF-4DB8-9C6B-D6C7DFDC589F}" vid="{4A3C46E8-61CC-4603-A589-7422A47A8E4A}"/>
     </a:ext>
   </a:extLst>
 </a:theme>

--- a/pysal/contrib/points/tests/img_making.pptx
+++ b/pysal/contrib/points/tests/img_making.pptx
@@ -11,7 +11,8 @@
     <p:sldId id="261" r:id="rId5"/>
     <p:sldId id="262" r:id="rId6"/>
     <p:sldId id="263" r:id="rId7"/>
-    <p:sldId id="258" r:id="rId8"/>
+    <p:sldId id="264" r:id="rId8"/>
+    <p:sldId id="258" r:id="rId9"/>
   </p:sldIdLst>
   <p:sldSz cx="12192000" cy="6858000"/>
   <p:notesSz cx="6858000" cy="9144000"/>
@@ -260,7 +261,7 @@
           <a:p>
             <a:fld id="{2C34BA10-CDF1-4854-A230-1AC6C81CA25B}" type="datetimeFigureOut">
               <a:rPr lang="en-US" smtClean="0"/>
-              <a:t>4/22/2016</a:t>
+              <a:t>4/23/2016</a:t>
             </a:fld>
             <a:endParaRPr lang="en-US"/>
           </a:p>
@@ -430,7 +431,7 @@
           <a:p>
             <a:fld id="{2C34BA10-CDF1-4854-A230-1AC6C81CA25B}" type="datetimeFigureOut">
               <a:rPr lang="en-US" smtClean="0"/>
-              <a:t>4/22/2016</a:t>
+              <a:t>4/23/2016</a:t>
             </a:fld>
             <a:endParaRPr lang="en-US"/>
           </a:p>
@@ -610,7 +611,7 @@
           <a:p>
             <a:fld id="{2C34BA10-CDF1-4854-A230-1AC6C81CA25B}" type="datetimeFigureOut">
               <a:rPr lang="en-US" smtClean="0"/>
-              <a:t>4/22/2016</a:t>
+              <a:t>4/23/2016</a:t>
             </a:fld>
             <a:endParaRPr lang="en-US"/>
           </a:p>
@@ -780,7 +781,7 @@
           <a:p>
             <a:fld id="{2C34BA10-CDF1-4854-A230-1AC6C81CA25B}" type="datetimeFigureOut">
               <a:rPr lang="en-US" smtClean="0"/>
-              <a:t>4/22/2016</a:t>
+              <a:t>4/23/2016</a:t>
             </a:fld>
             <a:endParaRPr lang="en-US"/>
           </a:p>
@@ -1026,7 +1027,7 @@
           <a:p>
             <a:fld id="{2C34BA10-CDF1-4854-A230-1AC6C81CA25B}" type="datetimeFigureOut">
               <a:rPr lang="en-US" smtClean="0"/>
-              <a:t>4/22/2016</a:t>
+              <a:t>4/23/2016</a:t>
             </a:fld>
             <a:endParaRPr lang="en-US"/>
           </a:p>
@@ -1258,7 +1259,7 @@
           <a:p>
             <a:fld id="{2C34BA10-CDF1-4854-A230-1AC6C81CA25B}" type="datetimeFigureOut">
               <a:rPr lang="en-US" smtClean="0"/>
-              <a:t>4/22/2016</a:t>
+              <a:t>4/23/2016</a:t>
             </a:fld>
             <a:endParaRPr lang="en-US"/>
           </a:p>
@@ -1625,7 +1626,7 @@
           <a:p>
             <a:fld id="{2C34BA10-CDF1-4854-A230-1AC6C81CA25B}" type="datetimeFigureOut">
               <a:rPr lang="en-US" smtClean="0"/>
-              <a:t>4/22/2016</a:t>
+              <a:t>4/23/2016</a:t>
             </a:fld>
             <a:endParaRPr lang="en-US"/>
           </a:p>
@@ -1743,7 +1744,7 @@
           <a:p>
             <a:fld id="{2C34BA10-CDF1-4854-A230-1AC6C81CA25B}" type="datetimeFigureOut">
               <a:rPr lang="en-US" smtClean="0"/>
-              <a:t>4/22/2016</a:t>
+              <a:t>4/23/2016</a:t>
             </a:fld>
             <a:endParaRPr lang="en-US"/>
           </a:p>
@@ -1838,7 +1839,7 @@
           <a:p>
             <a:fld id="{2C34BA10-CDF1-4854-A230-1AC6C81CA25B}" type="datetimeFigureOut">
               <a:rPr lang="en-US" smtClean="0"/>
-              <a:t>4/22/2016</a:t>
+              <a:t>4/23/2016</a:t>
             </a:fld>
             <a:endParaRPr lang="en-US"/>
           </a:p>
@@ -2115,7 +2116,7 @@
           <a:p>
             <a:fld id="{2C34BA10-CDF1-4854-A230-1AC6C81CA25B}" type="datetimeFigureOut">
               <a:rPr lang="en-US" smtClean="0"/>
-              <a:t>4/22/2016</a:t>
+              <a:t>4/23/2016</a:t>
             </a:fld>
             <a:endParaRPr lang="en-US"/>
           </a:p>
@@ -2368,7 +2369,7 @@
           <a:p>
             <a:fld id="{2C34BA10-CDF1-4854-A230-1AC6C81CA25B}" type="datetimeFigureOut">
               <a:rPr lang="en-US" smtClean="0"/>
-              <a:t>4/22/2016</a:t>
+              <a:t>4/23/2016</a:t>
             </a:fld>
             <a:endParaRPr lang="en-US"/>
           </a:p>
@@ -2581,7 +2582,7 @@
           <a:p>
             <a:fld id="{2C34BA10-CDF1-4854-A230-1AC6C81CA25B}" type="datetimeFigureOut">
               <a:rPr lang="en-US" smtClean="0"/>
-              <a:t>4/22/2016</a:t>
+              <a:t>4/23/2016</a:t>
             </a:fld>
             <a:endParaRPr lang="en-US"/>
           </a:p>
@@ -8163,7 +8164,6 @@
               <a:rPr lang="en-US" dirty="0"/>
               <a:t>1</a:t>
             </a:r>
-            <a:endParaRPr lang="en-US" dirty="0"/>
           </a:p>
         </p:txBody>
       </p:sp>
@@ -8193,7 +8193,6 @@
               <a:rPr lang="en-US" dirty="0"/>
               <a:t>2</a:t>
             </a:r>
-            <a:endParaRPr lang="en-US" dirty="0"/>
           </a:p>
         </p:txBody>
       </p:sp>
@@ -8223,7 +8222,6 @@
               <a:rPr lang="en-US" dirty="0"/>
               <a:t>3</a:t>
             </a:r>
-            <a:endParaRPr lang="en-US" dirty="0"/>
           </a:p>
         </p:txBody>
       </p:sp>
@@ -8283,7 +8281,6 @@
               <a:rPr lang="en-US" dirty="0"/>
               <a:t>5</a:t>
             </a:r>
-            <a:endParaRPr lang="en-US" dirty="0"/>
           </a:p>
         </p:txBody>
       </p:sp>
@@ -9454,6 +9451,478 @@
           <a:chExt cx="0" cy="0"/>
         </a:xfrm>
       </p:grpSpPr>
+      <p:sp>
+        <p:nvSpPr>
+          <p:cNvPr id="2" name="Rectangle 1"/>
+          <p:cNvSpPr/>
+          <p:nvPr/>
+        </p:nvSpPr>
+        <p:spPr>
+          <a:xfrm>
+            <a:off x="1724297" y="1524000"/>
+            <a:ext cx="6888480" cy="3901440"/>
+          </a:xfrm>
+          <a:prstGeom prst="rect">
+            <a:avLst/>
+          </a:prstGeom>
+          <a:noFill/>
+          <a:ln>
+            <a:solidFill>
+              <a:srgbClr val="C00000"/>
+            </a:solidFill>
+          </a:ln>
+        </p:spPr>
+        <p:style>
+          <a:lnRef idx="2">
+            <a:schemeClr val="accent1">
+              <a:shade val="50000"/>
+            </a:schemeClr>
+          </a:lnRef>
+          <a:fillRef idx="1">
+            <a:schemeClr val="accent1"/>
+          </a:fillRef>
+          <a:effectRef idx="0">
+            <a:schemeClr val="accent1"/>
+          </a:effectRef>
+          <a:fontRef idx="minor">
+            <a:schemeClr val="lt1"/>
+          </a:fontRef>
+        </p:style>
+        <p:txBody>
+          <a:bodyPr rtlCol="0" anchor="ctr"/>
+          <a:lstStyle/>
+          <a:p>
+            <a:pPr algn="ctr"/>
+            <a:endParaRPr lang="en-US"/>
+          </a:p>
+        </p:txBody>
+      </p:sp>
+      <p:cxnSp>
+        <p:nvCxnSpPr>
+          <p:cNvPr id="4" name="Straight Connector 3"/>
+          <p:cNvCxnSpPr>
+            <a:stCxn id="2" idx="1"/>
+            <a:endCxn id="2" idx="3"/>
+          </p:cNvCxnSpPr>
+          <p:nvPr/>
+        </p:nvCxnSpPr>
+        <p:spPr>
+          <a:xfrm>
+            <a:off x="1724297" y="3474720"/>
+            <a:ext cx="6888480" cy="0"/>
+          </a:xfrm>
+          <a:prstGeom prst="line">
+            <a:avLst/>
+          </a:prstGeom>
+          <a:ln>
+            <a:solidFill>
+              <a:srgbClr val="C00000"/>
+            </a:solidFill>
+          </a:ln>
+        </p:spPr>
+        <p:style>
+          <a:lnRef idx="1">
+            <a:schemeClr val="accent1"/>
+          </a:lnRef>
+          <a:fillRef idx="0">
+            <a:schemeClr val="accent1"/>
+          </a:fillRef>
+          <a:effectRef idx="0">
+            <a:schemeClr val="accent1"/>
+          </a:effectRef>
+          <a:fontRef idx="minor">
+            <a:schemeClr val="tx1"/>
+          </a:fontRef>
+        </p:style>
+      </p:cxnSp>
+      <p:cxnSp>
+        <p:nvCxnSpPr>
+          <p:cNvPr id="7" name="Straight Connector 6"/>
+          <p:cNvCxnSpPr>
+            <a:stCxn id="2" idx="0"/>
+            <a:endCxn id="2" idx="2"/>
+          </p:cNvCxnSpPr>
+          <p:nvPr/>
+        </p:nvCxnSpPr>
+        <p:spPr>
+          <a:xfrm>
+            <a:off x="5168537" y="1524000"/>
+            <a:ext cx="0" cy="3901440"/>
+          </a:xfrm>
+          <a:prstGeom prst="line">
+            <a:avLst/>
+          </a:prstGeom>
+          <a:ln>
+            <a:solidFill>
+              <a:srgbClr val="C00000"/>
+            </a:solidFill>
+          </a:ln>
+        </p:spPr>
+        <p:style>
+          <a:lnRef idx="1">
+            <a:schemeClr val="accent1"/>
+          </a:lnRef>
+          <a:fillRef idx="0">
+            <a:schemeClr val="accent1"/>
+          </a:fillRef>
+          <a:effectRef idx="0">
+            <a:schemeClr val="accent1"/>
+          </a:effectRef>
+          <a:fontRef idx="minor">
+            <a:schemeClr val="tx1"/>
+          </a:fontRef>
+        </p:style>
+      </p:cxnSp>
+      <p:cxnSp>
+        <p:nvCxnSpPr>
+          <p:cNvPr id="9" name="Straight Connector 8"/>
+          <p:cNvCxnSpPr/>
+          <p:nvPr/>
+        </p:nvCxnSpPr>
+        <p:spPr>
+          <a:xfrm flipV="1">
+            <a:off x="2211977" y="4554583"/>
+            <a:ext cx="574766" cy="870857"/>
+          </a:xfrm>
+          <a:prstGeom prst="line">
+            <a:avLst/>
+          </a:prstGeom>
+        </p:spPr>
+        <p:style>
+          <a:lnRef idx="1">
+            <a:schemeClr val="accent1"/>
+          </a:lnRef>
+          <a:fillRef idx="0">
+            <a:schemeClr val="accent1"/>
+          </a:fillRef>
+          <a:effectRef idx="0">
+            <a:schemeClr val="accent1"/>
+          </a:effectRef>
+          <a:fontRef idx="minor">
+            <a:schemeClr val="tx1"/>
+          </a:fontRef>
+        </p:style>
+      </p:cxnSp>
+      <p:cxnSp>
+        <p:nvCxnSpPr>
+          <p:cNvPr id="10" name="Straight Connector 9"/>
+          <p:cNvCxnSpPr/>
+          <p:nvPr/>
+        </p:nvCxnSpPr>
+        <p:spPr>
+          <a:xfrm flipV="1">
+            <a:off x="2786743" y="4554583"/>
+            <a:ext cx="1759131" cy="1"/>
+          </a:xfrm>
+          <a:prstGeom prst="line">
+            <a:avLst/>
+          </a:prstGeom>
+        </p:spPr>
+        <p:style>
+          <a:lnRef idx="1">
+            <a:schemeClr val="accent1"/>
+          </a:lnRef>
+          <a:fillRef idx="0">
+            <a:schemeClr val="accent1"/>
+          </a:fillRef>
+          <a:effectRef idx="0">
+            <a:schemeClr val="accent1"/>
+          </a:effectRef>
+          <a:fontRef idx="minor">
+            <a:schemeClr val="tx1"/>
+          </a:fontRef>
+        </p:style>
+      </p:cxnSp>
+      <p:cxnSp>
+        <p:nvCxnSpPr>
+          <p:cNvPr id="13" name="Straight Connector 12"/>
+          <p:cNvCxnSpPr/>
+          <p:nvPr/>
+        </p:nvCxnSpPr>
+        <p:spPr>
+          <a:xfrm flipV="1">
+            <a:off x="4545874" y="2769327"/>
+            <a:ext cx="1785257" cy="1785256"/>
+          </a:xfrm>
+          <a:prstGeom prst="line">
+            <a:avLst/>
+          </a:prstGeom>
+        </p:spPr>
+        <p:style>
+          <a:lnRef idx="1">
+            <a:schemeClr val="accent1"/>
+          </a:lnRef>
+          <a:fillRef idx="0">
+            <a:schemeClr val="accent1"/>
+          </a:fillRef>
+          <a:effectRef idx="0">
+            <a:schemeClr val="accent1"/>
+          </a:effectRef>
+          <a:fontRef idx="minor">
+            <a:schemeClr val="tx1"/>
+          </a:fontRef>
+        </p:style>
+      </p:cxnSp>
+      <p:cxnSp>
+        <p:nvCxnSpPr>
+          <p:cNvPr id="16" name="Straight Connector 15"/>
+          <p:cNvCxnSpPr/>
+          <p:nvPr/>
+        </p:nvCxnSpPr>
+        <p:spPr>
+          <a:xfrm flipH="1">
+            <a:off x="6331131" y="2508070"/>
+            <a:ext cx="2281646" cy="261256"/>
+          </a:xfrm>
+          <a:prstGeom prst="line">
+            <a:avLst/>
+          </a:prstGeom>
+        </p:spPr>
+        <p:style>
+          <a:lnRef idx="1">
+            <a:schemeClr val="accent1"/>
+          </a:lnRef>
+          <a:fillRef idx="0">
+            <a:schemeClr val="accent1"/>
+          </a:fillRef>
+          <a:effectRef idx="0">
+            <a:schemeClr val="accent1"/>
+          </a:effectRef>
+          <a:fontRef idx="minor">
+            <a:schemeClr val="tx1"/>
+          </a:fontRef>
+        </p:style>
+      </p:cxnSp>
+      <p:sp>
+        <p:nvSpPr>
+          <p:cNvPr id="24" name="Oval 23"/>
+          <p:cNvSpPr/>
+          <p:nvPr/>
+        </p:nvSpPr>
+        <p:spPr>
+          <a:xfrm>
+            <a:off x="2158637" y="5363391"/>
+            <a:ext cx="124097" cy="124097"/>
+          </a:xfrm>
+          <a:prstGeom prst="ellipse">
+            <a:avLst/>
+          </a:prstGeom>
+          <a:noFill/>
+          <a:ln w="28575">
+            <a:solidFill>
+              <a:srgbClr val="00B050"/>
+            </a:solidFill>
+          </a:ln>
+        </p:spPr>
+        <p:style>
+          <a:lnRef idx="2">
+            <a:schemeClr val="accent1">
+              <a:shade val="50000"/>
+            </a:schemeClr>
+          </a:lnRef>
+          <a:fillRef idx="1">
+            <a:schemeClr val="accent1"/>
+          </a:fillRef>
+          <a:effectRef idx="0">
+            <a:schemeClr val="accent1"/>
+          </a:effectRef>
+          <a:fontRef idx="minor">
+            <a:schemeClr val="lt1"/>
+          </a:fontRef>
+        </p:style>
+        <p:txBody>
+          <a:bodyPr rtlCol="0" anchor="ctr"/>
+          <a:lstStyle/>
+          <a:p>
+            <a:pPr algn="ctr"/>
+            <a:endParaRPr lang="en-US"/>
+          </a:p>
+        </p:txBody>
+      </p:sp>
+      <p:sp>
+        <p:nvSpPr>
+          <p:cNvPr id="25" name="Oval 24"/>
+          <p:cNvSpPr/>
+          <p:nvPr/>
+        </p:nvSpPr>
+        <p:spPr>
+          <a:xfrm>
+            <a:off x="2724694" y="4494710"/>
+            <a:ext cx="124097" cy="124097"/>
+          </a:xfrm>
+          <a:prstGeom prst="ellipse">
+            <a:avLst/>
+          </a:prstGeom>
+          <a:noFill/>
+          <a:ln w="28575">
+            <a:solidFill>
+              <a:srgbClr val="00B050"/>
+            </a:solidFill>
+          </a:ln>
+        </p:spPr>
+        <p:style>
+          <a:lnRef idx="2">
+            <a:schemeClr val="accent1">
+              <a:shade val="50000"/>
+            </a:schemeClr>
+          </a:lnRef>
+          <a:fillRef idx="1">
+            <a:schemeClr val="accent1"/>
+          </a:fillRef>
+          <a:effectRef idx="0">
+            <a:schemeClr val="accent1"/>
+          </a:effectRef>
+          <a:fontRef idx="minor">
+            <a:schemeClr val="lt1"/>
+          </a:fontRef>
+        </p:style>
+        <p:txBody>
+          <a:bodyPr rtlCol="0" anchor="ctr"/>
+          <a:lstStyle/>
+          <a:p>
+            <a:pPr algn="ctr"/>
+            <a:endParaRPr lang="en-US"/>
+          </a:p>
+        </p:txBody>
+      </p:sp>
+      <p:sp>
+        <p:nvSpPr>
+          <p:cNvPr id="26" name="Oval 25"/>
+          <p:cNvSpPr/>
+          <p:nvPr/>
+        </p:nvSpPr>
+        <p:spPr>
+          <a:xfrm>
+            <a:off x="4486002" y="4492534"/>
+            <a:ext cx="124097" cy="124097"/>
+          </a:xfrm>
+          <a:prstGeom prst="ellipse">
+            <a:avLst/>
+          </a:prstGeom>
+          <a:noFill/>
+          <a:ln w="28575">
+            <a:solidFill>
+              <a:srgbClr val="00B050"/>
+            </a:solidFill>
+          </a:ln>
+        </p:spPr>
+        <p:style>
+          <a:lnRef idx="2">
+            <a:schemeClr val="accent1">
+              <a:shade val="50000"/>
+            </a:schemeClr>
+          </a:lnRef>
+          <a:fillRef idx="1">
+            <a:schemeClr val="accent1"/>
+          </a:fillRef>
+          <a:effectRef idx="0">
+            <a:schemeClr val="accent1"/>
+          </a:effectRef>
+          <a:fontRef idx="minor">
+            <a:schemeClr val="lt1"/>
+          </a:fontRef>
+        </p:style>
+        <p:txBody>
+          <a:bodyPr rtlCol="0" anchor="ctr"/>
+          <a:lstStyle/>
+          <a:p>
+            <a:pPr algn="ctr"/>
+            <a:endParaRPr lang="en-US"/>
+          </a:p>
+        </p:txBody>
+      </p:sp>
+      <p:sp>
+        <p:nvSpPr>
+          <p:cNvPr id="27" name="Oval 26"/>
+          <p:cNvSpPr/>
+          <p:nvPr/>
+        </p:nvSpPr>
+        <p:spPr>
+          <a:xfrm>
+            <a:off x="6269082" y="2707277"/>
+            <a:ext cx="124097" cy="124097"/>
+          </a:xfrm>
+          <a:prstGeom prst="ellipse">
+            <a:avLst/>
+          </a:prstGeom>
+          <a:noFill/>
+          <a:ln w="28575">
+            <a:solidFill>
+              <a:srgbClr val="00B050"/>
+            </a:solidFill>
+          </a:ln>
+        </p:spPr>
+        <p:style>
+          <a:lnRef idx="2">
+            <a:schemeClr val="accent1">
+              <a:shade val="50000"/>
+            </a:schemeClr>
+          </a:lnRef>
+          <a:fillRef idx="1">
+            <a:schemeClr val="accent1"/>
+          </a:fillRef>
+          <a:effectRef idx="0">
+            <a:schemeClr val="accent1"/>
+          </a:effectRef>
+          <a:fontRef idx="minor">
+            <a:schemeClr val="lt1"/>
+          </a:fontRef>
+        </p:style>
+        <p:txBody>
+          <a:bodyPr rtlCol="0" anchor="ctr"/>
+          <a:lstStyle/>
+          <a:p>
+            <a:pPr algn="ctr"/>
+            <a:endParaRPr lang="en-US"/>
+          </a:p>
+        </p:txBody>
+      </p:sp>
+      <p:sp>
+        <p:nvSpPr>
+          <p:cNvPr id="28" name="Oval 27"/>
+          <p:cNvSpPr/>
+          <p:nvPr/>
+        </p:nvSpPr>
+        <p:spPr>
+          <a:xfrm>
+            <a:off x="8550728" y="2437312"/>
+            <a:ext cx="124097" cy="124097"/>
+          </a:xfrm>
+          <a:prstGeom prst="ellipse">
+            <a:avLst/>
+          </a:prstGeom>
+          <a:noFill/>
+          <a:ln w="28575">
+            <a:solidFill>
+              <a:srgbClr val="00B050"/>
+            </a:solidFill>
+          </a:ln>
+        </p:spPr>
+        <p:style>
+          <a:lnRef idx="2">
+            <a:schemeClr val="accent1">
+              <a:shade val="50000"/>
+            </a:schemeClr>
+          </a:lnRef>
+          <a:fillRef idx="1">
+            <a:schemeClr val="accent1"/>
+          </a:fillRef>
+          <a:effectRef idx="0">
+            <a:schemeClr val="accent1"/>
+          </a:effectRef>
+          <a:fontRef idx="minor">
+            <a:schemeClr val="lt1"/>
+          </a:fontRef>
+        </p:style>
+        <p:txBody>
+          <a:bodyPr rtlCol="0" anchor="ctr"/>
+          <a:lstStyle/>
+          <a:p>
+            <a:pPr algn="ctr"/>
+            <a:endParaRPr lang="en-US"/>
+          </a:p>
+        </p:txBody>
+      </p:sp>
     </p:spTree>
     <p:extLst>
       <p:ext uri="{BB962C8B-B14F-4D97-AF65-F5344CB8AC3E}">
@@ -9468,6 +9937,36 @@
 </file>
 
 <file path=ppt/slides/slide7.xml><?xml version="1.0" encoding="utf-8"?>
+<p:sld xmlns:a="http://schemas.openxmlformats.org/drawingml/2006/main" xmlns:r="http://schemas.openxmlformats.org/officeDocument/2006/relationships" xmlns:p="http://schemas.openxmlformats.org/presentationml/2006/main">
+  <p:cSld>
+    <p:spTree>
+      <p:nvGrpSpPr>
+        <p:cNvPr id="1" name=""/>
+        <p:cNvGrpSpPr/>
+        <p:nvPr/>
+      </p:nvGrpSpPr>
+      <p:grpSpPr>
+        <a:xfrm>
+          <a:off x="0" y="0"/>
+          <a:ext cx="0" cy="0"/>
+          <a:chOff x="0" y="0"/>
+          <a:chExt cx="0" cy="0"/>
+        </a:xfrm>
+      </p:grpSpPr>
+    </p:spTree>
+    <p:extLst>
+      <p:ext uri="{BB962C8B-B14F-4D97-AF65-F5344CB8AC3E}">
+        <p14:creationId xmlns:p14="http://schemas.microsoft.com/office/powerpoint/2010/main" val="94626221"/>
+      </p:ext>
+    </p:extLst>
+  </p:cSld>
+  <p:clrMapOvr>
+    <a:masterClrMapping/>
+  </p:clrMapOvr>
+</p:sld>
+</file>
+
+<file path=ppt/slides/slide8.xml><?xml version="1.0" encoding="utf-8"?>
 <p:sld xmlns:a="http://schemas.openxmlformats.org/drawingml/2006/main" xmlns:r="http://schemas.openxmlformats.org/officeDocument/2006/relationships" xmlns:p="http://schemas.openxmlformats.org/presentationml/2006/main">
   <p:cSld>
     <p:spTree>

--- a/pysal/contrib/points/tests/img_making.pptx
+++ b/pysal/contrib/points/tests/img_making.pptx
@@ -7,12 +7,13 @@
   <p:sldIdLst>
     <p:sldId id="256" r:id="rId2"/>
     <p:sldId id="257" r:id="rId3"/>
-    <p:sldId id="259" r:id="rId4"/>
-    <p:sldId id="261" r:id="rId5"/>
-    <p:sldId id="262" r:id="rId6"/>
-    <p:sldId id="263" r:id="rId7"/>
-    <p:sldId id="264" r:id="rId8"/>
-    <p:sldId id="258" r:id="rId9"/>
+    <p:sldId id="265" r:id="rId4"/>
+    <p:sldId id="259" r:id="rId5"/>
+    <p:sldId id="261" r:id="rId6"/>
+    <p:sldId id="262" r:id="rId7"/>
+    <p:sldId id="263" r:id="rId8"/>
+    <p:sldId id="264" r:id="rId9"/>
+    <p:sldId id="258" r:id="rId10"/>
   </p:sldIdLst>
   <p:sldSz cx="12192000" cy="6858000"/>
   <p:notesSz cx="6858000" cy="9144000"/>
@@ -113,7 +114,7 @@
   </p:defaultTextStyle>
   <p:extLst>
     <p:ext uri="{EFAFB233-063F-42B5-8137-9DF3F51BA10A}">
-      <p15:sldGuideLst xmlns:p15="http://schemas.microsoft.com/office/powerpoint/2012/main">
+      <p15:sldGuideLst xmlns:p15="http://schemas.microsoft.com/office/powerpoint/2012/main" xmlns="">
         <p15:guide id="1" orient="horz" pos="2160">
           <p15:clr>
             <a:srgbClr val="A4A3A4"/>
@@ -261,7 +262,7 @@
           <a:p>
             <a:fld id="{2C34BA10-CDF1-4854-A230-1AC6C81CA25B}" type="datetimeFigureOut">
               <a:rPr lang="en-US" smtClean="0"/>
-              <a:t>4/23/2016</a:t>
+              <a:t>4/25/16</a:t>
             </a:fld>
             <a:endParaRPr lang="en-US"/>
           </a:p>
@@ -431,7 +432,7 @@
           <a:p>
             <a:fld id="{2C34BA10-CDF1-4854-A230-1AC6C81CA25B}" type="datetimeFigureOut">
               <a:rPr lang="en-US" smtClean="0"/>
-              <a:t>4/23/2016</a:t>
+              <a:t>4/25/16</a:t>
             </a:fld>
             <a:endParaRPr lang="en-US"/>
           </a:p>
@@ -611,7 +612,7 @@
           <a:p>
             <a:fld id="{2C34BA10-CDF1-4854-A230-1AC6C81CA25B}" type="datetimeFigureOut">
               <a:rPr lang="en-US" smtClean="0"/>
-              <a:t>4/23/2016</a:t>
+              <a:t>4/25/16</a:t>
             </a:fld>
             <a:endParaRPr lang="en-US"/>
           </a:p>
@@ -781,7 +782,7 @@
           <a:p>
             <a:fld id="{2C34BA10-CDF1-4854-A230-1AC6C81CA25B}" type="datetimeFigureOut">
               <a:rPr lang="en-US" smtClean="0"/>
-              <a:t>4/23/2016</a:t>
+              <a:t>4/25/16</a:t>
             </a:fld>
             <a:endParaRPr lang="en-US"/>
           </a:p>
@@ -1027,7 +1028,7 @@
           <a:p>
             <a:fld id="{2C34BA10-CDF1-4854-A230-1AC6C81CA25B}" type="datetimeFigureOut">
               <a:rPr lang="en-US" smtClean="0"/>
-              <a:t>4/23/2016</a:t>
+              <a:t>4/25/16</a:t>
             </a:fld>
             <a:endParaRPr lang="en-US"/>
           </a:p>
@@ -1259,7 +1260,7 @@
           <a:p>
             <a:fld id="{2C34BA10-CDF1-4854-A230-1AC6C81CA25B}" type="datetimeFigureOut">
               <a:rPr lang="en-US" smtClean="0"/>
-              <a:t>4/23/2016</a:t>
+              <a:t>4/25/16</a:t>
             </a:fld>
             <a:endParaRPr lang="en-US"/>
           </a:p>
@@ -1626,7 +1627,7 @@
           <a:p>
             <a:fld id="{2C34BA10-CDF1-4854-A230-1AC6C81CA25B}" type="datetimeFigureOut">
               <a:rPr lang="en-US" smtClean="0"/>
-              <a:t>4/23/2016</a:t>
+              <a:t>4/25/16</a:t>
             </a:fld>
             <a:endParaRPr lang="en-US"/>
           </a:p>
@@ -1744,7 +1745,7 @@
           <a:p>
             <a:fld id="{2C34BA10-CDF1-4854-A230-1AC6C81CA25B}" type="datetimeFigureOut">
               <a:rPr lang="en-US" smtClean="0"/>
-              <a:t>4/23/2016</a:t>
+              <a:t>4/25/16</a:t>
             </a:fld>
             <a:endParaRPr lang="en-US"/>
           </a:p>
@@ -1839,7 +1840,7 @@
           <a:p>
             <a:fld id="{2C34BA10-CDF1-4854-A230-1AC6C81CA25B}" type="datetimeFigureOut">
               <a:rPr lang="en-US" smtClean="0"/>
-              <a:t>4/23/2016</a:t>
+              <a:t>4/25/16</a:t>
             </a:fld>
             <a:endParaRPr lang="en-US"/>
           </a:p>
@@ -2116,7 +2117,7 @@
           <a:p>
             <a:fld id="{2C34BA10-CDF1-4854-A230-1AC6C81CA25B}" type="datetimeFigureOut">
               <a:rPr lang="en-US" smtClean="0"/>
-              <a:t>4/23/2016</a:t>
+              <a:t>4/25/16</a:t>
             </a:fld>
             <a:endParaRPr lang="en-US"/>
           </a:p>
@@ -2369,7 +2370,7 @@
           <a:p>
             <a:fld id="{2C34BA10-CDF1-4854-A230-1AC6C81CA25B}" type="datetimeFigureOut">
               <a:rPr lang="en-US" smtClean="0"/>
-              <a:t>4/23/2016</a:t>
+              <a:t>4/25/16</a:t>
             </a:fld>
             <a:endParaRPr lang="en-US"/>
           </a:p>
@@ -2582,7 +2583,7 @@
           <a:p>
             <a:fld id="{2C34BA10-CDF1-4854-A230-1AC6C81CA25B}" type="datetimeFigureOut">
               <a:rPr lang="en-US" smtClean="0"/>
-              <a:t>4/23/2016</a:t>
+              <a:t>4/25/16</a:t>
             </a:fld>
             <a:endParaRPr lang="en-US"/>
           </a:p>
@@ -3043,6 +3044,1874 @@
 </file>
 
 <file path=ppt/slides/slide2.xml><?xml version="1.0" encoding="utf-8"?>
+<p:sld xmlns:a="http://schemas.openxmlformats.org/drawingml/2006/main" xmlns:r="http://schemas.openxmlformats.org/officeDocument/2006/relationships" xmlns:p="http://schemas.openxmlformats.org/presentationml/2006/main">
+  <p:cSld>
+    <p:spTree>
+      <p:nvGrpSpPr>
+        <p:cNvPr id="1" name=""/>
+        <p:cNvGrpSpPr/>
+        <p:nvPr/>
+      </p:nvGrpSpPr>
+      <p:grpSpPr>
+        <a:xfrm>
+          <a:off x="0" y="0"/>
+          <a:ext cx="0" cy="0"/>
+          <a:chOff x="0" y="0"/>
+          <a:chExt cx="0" cy="0"/>
+        </a:xfrm>
+      </p:grpSpPr>
+      <p:grpSp>
+        <p:nvGrpSpPr>
+          <p:cNvPr id="18" name="Group 17"/>
+          <p:cNvGrpSpPr/>
+          <p:nvPr/>
+        </p:nvGrpSpPr>
+        <p:grpSpPr>
+          <a:xfrm>
+            <a:off x="3439886" y="957943"/>
+            <a:ext cx="4023360" cy="3866606"/>
+            <a:chOff x="3439886" y="957943"/>
+            <a:chExt cx="4023360" cy="3866606"/>
+          </a:xfrm>
+        </p:grpSpPr>
+        <p:sp>
+          <p:nvSpPr>
+            <p:cNvPr id="4" name="Freeform 3"/>
+            <p:cNvSpPr/>
+            <p:nvPr/>
+          </p:nvSpPr>
+          <p:spPr>
+            <a:xfrm>
+              <a:off x="3448594" y="957943"/>
+              <a:ext cx="4008213" cy="3866606"/>
+            </a:xfrm>
+            <a:custGeom>
+              <a:avLst/>
+              <a:gdLst>
+                <a:gd name="connsiteX0" fmla="*/ 1288869 w 4008213"/>
+                <a:gd name="connsiteY0" fmla="*/ 3866606 h 3866606"/>
+                <a:gd name="connsiteX1" fmla="*/ 1288869 w 4008213"/>
+                <a:gd name="connsiteY1" fmla="*/ 3866606 h 3866606"/>
+                <a:gd name="connsiteX2" fmla="*/ 618309 w 4008213"/>
+                <a:gd name="connsiteY2" fmla="*/ 3857897 h 3866606"/>
+                <a:gd name="connsiteX3" fmla="*/ 513806 w 4008213"/>
+                <a:gd name="connsiteY3" fmla="*/ 3831771 h 3866606"/>
+                <a:gd name="connsiteX4" fmla="*/ 478972 w 4008213"/>
+                <a:gd name="connsiteY4" fmla="*/ 3814354 h 3866606"/>
+                <a:gd name="connsiteX5" fmla="*/ 444137 w 4008213"/>
+                <a:gd name="connsiteY5" fmla="*/ 3805646 h 3866606"/>
+                <a:gd name="connsiteX6" fmla="*/ 418012 w 4008213"/>
+                <a:gd name="connsiteY6" fmla="*/ 3779520 h 3866606"/>
+                <a:gd name="connsiteX7" fmla="*/ 365760 w 4008213"/>
+                <a:gd name="connsiteY7" fmla="*/ 3753394 h 3866606"/>
+                <a:gd name="connsiteX8" fmla="*/ 287383 w 4008213"/>
+                <a:gd name="connsiteY8" fmla="*/ 3675017 h 3866606"/>
+                <a:gd name="connsiteX9" fmla="*/ 252549 w 4008213"/>
+                <a:gd name="connsiteY9" fmla="*/ 3640183 h 3866606"/>
+                <a:gd name="connsiteX10" fmla="*/ 217715 w 4008213"/>
+                <a:gd name="connsiteY10" fmla="*/ 3587931 h 3866606"/>
+                <a:gd name="connsiteX11" fmla="*/ 209006 w 4008213"/>
+                <a:gd name="connsiteY11" fmla="*/ 3553097 h 3866606"/>
+                <a:gd name="connsiteX12" fmla="*/ 191589 w 4008213"/>
+                <a:gd name="connsiteY12" fmla="*/ 3526971 h 3866606"/>
+                <a:gd name="connsiteX13" fmla="*/ 174172 w 4008213"/>
+                <a:gd name="connsiteY13" fmla="*/ 3492137 h 3866606"/>
+                <a:gd name="connsiteX14" fmla="*/ 148046 w 4008213"/>
+                <a:gd name="connsiteY14" fmla="*/ 3422468 h 3866606"/>
+                <a:gd name="connsiteX15" fmla="*/ 104503 w 4008213"/>
+                <a:gd name="connsiteY15" fmla="*/ 3326674 h 3866606"/>
+                <a:gd name="connsiteX16" fmla="*/ 95795 w 4008213"/>
+                <a:gd name="connsiteY16" fmla="*/ 3265714 h 3866606"/>
+                <a:gd name="connsiteX17" fmla="*/ 69669 w 4008213"/>
+                <a:gd name="connsiteY17" fmla="*/ 3204754 h 3866606"/>
+                <a:gd name="connsiteX18" fmla="*/ 60960 w 4008213"/>
+                <a:gd name="connsiteY18" fmla="*/ 3143794 h 3866606"/>
+                <a:gd name="connsiteX19" fmla="*/ 34835 w 4008213"/>
+                <a:gd name="connsiteY19" fmla="*/ 3065417 h 3866606"/>
+                <a:gd name="connsiteX20" fmla="*/ 17417 w 4008213"/>
+                <a:gd name="connsiteY20" fmla="*/ 2987040 h 3866606"/>
+                <a:gd name="connsiteX21" fmla="*/ 8709 w 4008213"/>
+                <a:gd name="connsiteY21" fmla="*/ 2873828 h 3866606"/>
+                <a:gd name="connsiteX22" fmla="*/ 0 w 4008213"/>
+                <a:gd name="connsiteY22" fmla="*/ 2812868 h 3866606"/>
+                <a:gd name="connsiteX23" fmla="*/ 8709 w 4008213"/>
+                <a:gd name="connsiteY23" fmla="*/ 2429691 h 3866606"/>
+                <a:gd name="connsiteX24" fmla="*/ 17417 w 4008213"/>
+                <a:gd name="connsiteY24" fmla="*/ 2386148 h 3866606"/>
+                <a:gd name="connsiteX25" fmla="*/ 43543 w 4008213"/>
+                <a:gd name="connsiteY25" fmla="*/ 2307771 h 3866606"/>
+                <a:gd name="connsiteX26" fmla="*/ 60960 w 4008213"/>
+                <a:gd name="connsiteY26" fmla="*/ 2220686 h 3866606"/>
+                <a:gd name="connsiteX27" fmla="*/ 69669 w 4008213"/>
+                <a:gd name="connsiteY27" fmla="*/ 2194560 h 3866606"/>
+                <a:gd name="connsiteX28" fmla="*/ 95795 w 4008213"/>
+                <a:gd name="connsiteY28" fmla="*/ 2098766 h 3866606"/>
+                <a:gd name="connsiteX29" fmla="*/ 113212 w 4008213"/>
+                <a:gd name="connsiteY29" fmla="*/ 2063931 h 3866606"/>
+                <a:gd name="connsiteX30" fmla="*/ 139337 w 4008213"/>
+                <a:gd name="connsiteY30" fmla="*/ 1994263 h 3866606"/>
+                <a:gd name="connsiteX31" fmla="*/ 156755 w 4008213"/>
+                <a:gd name="connsiteY31" fmla="*/ 1968137 h 3866606"/>
+                <a:gd name="connsiteX32" fmla="*/ 174172 w 4008213"/>
+                <a:gd name="connsiteY32" fmla="*/ 1898468 h 3866606"/>
+                <a:gd name="connsiteX33" fmla="*/ 191589 w 4008213"/>
+                <a:gd name="connsiteY33" fmla="*/ 1854926 h 3866606"/>
+                <a:gd name="connsiteX34" fmla="*/ 200297 w 4008213"/>
+                <a:gd name="connsiteY34" fmla="*/ 1802674 h 3866606"/>
+                <a:gd name="connsiteX35" fmla="*/ 243840 w 4008213"/>
+                <a:gd name="connsiteY35" fmla="*/ 1741714 h 3866606"/>
+                <a:gd name="connsiteX36" fmla="*/ 261257 w 4008213"/>
+                <a:gd name="connsiteY36" fmla="*/ 1698171 h 3866606"/>
+                <a:gd name="connsiteX37" fmla="*/ 287383 w 4008213"/>
+                <a:gd name="connsiteY37" fmla="*/ 1654628 h 3866606"/>
+                <a:gd name="connsiteX38" fmla="*/ 313509 w 4008213"/>
+                <a:gd name="connsiteY38" fmla="*/ 1584960 h 3866606"/>
+                <a:gd name="connsiteX39" fmla="*/ 322217 w 4008213"/>
+                <a:gd name="connsiteY39" fmla="*/ 1558834 h 3866606"/>
+                <a:gd name="connsiteX40" fmla="*/ 357052 w 4008213"/>
+                <a:gd name="connsiteY40" fmla="*/ 1489166 h 3866606"/>
+                <a:gd name="connsiteX41" fmla="*/ 400595 w 4008213"/>
+                <a:gd name="connsiteY41" fmla="*/ 1410788 h 3866606"/>
+                <a:gd name="connsiteX42" fmla="*/ 435429 w 4008213"/>
+                <a:gd name="connsiteY42" fmla="*/ 1332411 h 3866606"/>
+                <a:gd name="connsiteX43" fmla="*/ 470263 w 4008213"/>
+                <a:gd name="connsiteY43" fmla="*/ 1271451 h 3866606"/>
+                <a:gd name="connsiteX44" fmla="*/ 478972 w 4008213"/>
+                <a:gd name="connsiteY44" fmla="*/ 1245326 h 3866606"/>
+                <a:gd name="connsiteX45" fmla="*/ 522515 w 4008213"/>
+                <a:gd name="connsiteY45" fmla="*/ 1184366 h 3866606"/>
+                <a:gd name="connsiteX46" fmla="*/ 583475 w 4008213"/>
+                <a:gd name="connsiteY46" fmla="*/ 1088571 h 3866606"/>
+                <a:gd name="connsiteX47" fmla="*/ 609600 w 4008213"/>
+                <a:gd name="connsiteY47" fmla="*/ 1062446 h 3866606"/>
+                <a:gd name="connsiteX48" fmla="*/ 635726 w 4008213"/>
+                <a:gd name="connsiteY48" fmla="*/ 1053737 h 3866606"/>
+                <a:gd name="connsiteX49" fmla="*/ 653143 w 4008213"/>
+                <a:gd name="connsiteY49" fmla="*/ 1027611 h 3866606"/>
+                <a:gd name="connsiteX50" fmla="*/ 696686 w 4008213"/>
+                <a:gd name="connsiteY50" fmla="*/ 949234 h 3866606"/>
+                <a:gd name="connsiteX51" fmla="*/ 731520 w 4008213"/>
+                <a:gd name="connsiteY51" fmla="*/ 931817 h 3866606"/>
+                <a:gd name="connsiteX52" fmla="*/ 748937 w 4008213"/>
+                <a:gd name="connsiteY52" fmla="*/ 905691 h 3866606"/>
+                <a:gd name="connsiteX53" fmla="*/ 853440 w 4008213"/>
+                <a:gd name="connsiteY53" fmla="*/ 844731 h 3866606"/>
+                <a:gd name="connsiteX54" fmla="*/ 923109 w 4008213"/>
+                <a:gd name="connsiteY54" fmla="*/ 818606 h 3866606"/>
+                <a:gd name="connsiteX55" fmla="*/ 975360 w 4008213"/>
+                <a:gd name="connsiteY55" fmla="*/ 783771 h 3866606"/>
+                <a:gd name="connsiteX56" fmla="*/ 1079863 w 4008213"/>
+                <a:gd name="connsiteY56" fmla="*/ 722811 h 3866606"/>
+                <a:gd name="connsiteX57" fmla="*/ 1140823 w 4008213"/>
+                <a:gd name="connsiteY57" fmla="*/ 687977 h 3866606"/>
+                <a:gd name="connsiteX58" fmla="*/ 1158240 w 4008213"/>
+                <a:gd name="connsiteY58" fmla="*/ 661851 h 3866606"/>
+                <a:gd name="connsiteX59" fmla="*/ 1219200 w 4008213"/>
+                <a:gd name="connsiteY59" fmla="*/ 635726 h 3866606"/>
+                <a:gd name="connsiteX60" fmla="*/ 1254035 w 4008213"/>
+                <a:gd name="connsiteY60" fmla="*/ 627017 h 3866606"/>
+                <a:gd name="connsiteX61" fmla="*/ 1288869 w 4008213"/>
+                <a:gd name="connsiteY61" fmla="*/ 609600 h 3866606"/>
+                <a:gd name="connsiteX62" fmla="*/ 1358537 w 4008213"/>
+                <a:gd name="connsiteY62" fmla="*/ 592183 h 3866606"/>
+                <a:gd name="connsiteX63" fmla="*/ 1384663 w 4008213"/>
+                <a:gd name="connsiteY63" fmla="*/ 574766 h 3866606"/>
+                <a:gd name="connsiteX64" fmla="*/ 1410789 w 4008213"/>
+                <a:gd name="connsiteY64" fmla="*/ 566057 h 3866606"/>
+                <a:gd name="connsiteX65" fmla="*/ 1454332 w 4008213"/>
+                <a:gd name="connsiteY65" fmla="*/ 548640 h 3866606"/>
+                <a:gd name="connsiteX66" fmla="*/ 1506583 w 4008213"/>
+                <a:gd name="connsiteY66" fmla="*/ 522514 h 3866606"/>
+                <a:gd name="connsiteX67" fmla="*/ 1576252 w 4008213"/>
+                <a:gd name="connsiteY67" fmla="*/ 505097 h 3866606"/>
+                <a:gd name="connsiteX68" fmla="*/ 1602377 w 4008213"/>
+                <a:gd name="connsiteY68" fmla="*/ 496388 h 3866606"/>
+                <a:gd name="connsiteX69" fmla="*/ 1715589 w 4008213"/>
+                <a:gd name="connsiteY69" fmla="*/ 444137 h 3866606"/>
+                <a:gd name="connsiteX70" fmla="*/ 1793966 w 4008213"/>
+                <a:gd name="connsiteY70" fmla="*/ 409303 h 3866606"/>
+                <a:gd name="connsiteX71" fmla="*/ 1863635 w 4008213"/>
+                <a:gd name="connsiteY71" fmla="*/ 391886 h 3866606"/>
+                <a:gd name="connsiteX72" fmla="*/ 1889760 w 4008213"/>
+                <a:gd name="connsiteY72" fmla="*/ 374468 h 3866606"/>
+                <a:gd name="connsiteX73" fmla="*/ 2011680 w 4008213"/>
+                <a:gd name="connsiteY73" fmla="*/ 339634 h 3866606"/>
+                <a:gd name="connsiteX74" fmla="*/ 2046515 w 4008213"/>
+                <a:gd name="connsiteY74" fmla="*/ 330926 h 3866606"/>
+                <a:gd name="connsiteX75" fmla="*/ 2090057 w 4008213"/>
+                <a:gd name="connsiteY75" fmla="*/ 313508 h 3866606"/>
+                <a:gd name="connsiteX76" fmla="*/ 2194560 w 4008213"/>
+                <a:gd name="connsiteY76" fmla="*/ 287383 h 3866606"/>
+                <a:gd name="connsiteX77" fmla="*/ 2220686 w 4008213"/>
+                <a:gd name="connsiteY77" fmla="*/ 278674 h 3866606"/>
+                <a:gd name="connsiteX78" fmla="*/ 2281646 w 4008213"/>
+                <a:gd name="connsiteY78" fmla="*/ 252548 h 3866606"/>
+                <a:gd name="connsiteX79" fmla="*/ 2368732 w 4008213"/>
+                <a:gd name="connsiteY79" fmla="*/ 235131 h 3866606"/>
+                <a:gd name="connsiteX80" fmla="*/ 2481943 w 4008213"/>
+                <a:gd name="connsiteY80" fmla="*/ 182880 h 3866606"/>
+                <a:gd name="connsiteX81" fmla="*/ 2560320 w 4008213"/>
+                <a:gd name="connsiteY81" fmla="*/ 165463 h 3866606"/>
+                <a:gd name="connsiteX82" fmla="*/ 2708366 w 4008213"/>
+                <a:gd name="connsiteY82" fmla="*/ 95794 h 3866606"/>
+                <a:gd name="connsiteX83" fmla="*/ 2769326 w 4008213"/>
+                <a:gd name="connsiteY83" fmla="*/ 52251 h 3866606"/>
+                <a:gd name="connsiteX84" fmla="*/ 2830286 w 4008213"/>
+                <a:gd name="connsiteY84" fmla="*/ 34834 h 3866606"/>
+                <a:gd name="connsiteX85" fmla="*/ 2969623 w 4008213"/>
+                <a:gd name="connsiteY85" fmla="*/ 0 h 3866606"/>
+                <a:gd name="connsiteX86" fmla="*/ 3317966 w 4008213"/>
+                <a:gd name="connsiteY86" fmla="*/ 17417 h 3866606"/>
+                <a:gd name="connsiteX87" fmla="*/ 3405052 w 4008213"/>
+                <a:gd name="connsiteY87" fmla="*/ 34834 h 3866606"/>
+                <a:gd name="connsiteX88" fmla="*/ 3492137 w 4008213"/>
+                <a:gd name="connsiteY88" fmla="*/ 43543 h 3866606"/>
+                <a:gd name="connsiteX89" fmla="*/ 3640183 w 4008213"/>
+                <a:gd name="connsiteY89" fmla="*/ 78377 h 3866606"/>
+                <a:gd name="connsiteX90" fmla="*/ 3683726 w 4008213"/>
+                <a:gd name="connsiteY90" fmla="*/ 87086 h 3866606"/>
+                <a:gd name="connsiteX91" fmla="*/ 3770812 w 4008213"/>
+                <a:gd name="connsiteY91" fmla="*/ 113211 h 3866606"/>
+                <a:gd name="connsiteX92" fmla="*/ 3814355 w 4008213"/>
+                <a:gd name="connsiteY92" fmla="*/ 148046 h 3866606"/>
+                <a:gd name="connsiteX93" fmla="*/ 3857897 w 4008213"/>
+                <a:gd name="connsiteY93" fmla="*/ 174171 h 3866606"/>
+                <a:gd name="connsiteX94" fmla="*/ 3884023 w 4008213"/>
+                <a:gd name="connsiteY94" fmla="*/ 200297 h 3866606"/>
+                <a:gd name="connsiteX95" fmla="*/ 3910149 w 4008213"/>
+                <a:gd name="connsiteY95" fmla="*/ 217714 h 3866606"/>
+                <a:gd name="connsiteX96" fmla="*/ 3979817 w 4008213"/>
+                <a:gd name="connsiteY96" fmla="*/ 278674 h 3866606"/>
+                <a:gd name="connsiteX97" fmla="*/ 3988526 w 4008213"/>
+                <a:gd name="connsiteY97" fmla="*/ 566057 h 3866606"/>
+                <a:gd name="connsiteX98" fmla="*/ 3962400 w 4008213"/>
+                <a:gd name="connsiteY98" fmla="*/ 609600 h 3866606"/>
+                <a:gd name="connsiteX99" fmla="*/ 3927566 w 4008213"/>
+                <a:gd name="connsiteY99" fmla="*/ 635726 h 3866606"/>
+                <a:gd name="connsiteX100" fmla="*/ 3901440 w 4008213"/>
+                <a:gd name="connsiteY100" fmla="*/ 722811 h 3866606"/>
+                <a:gd name="connsiteX101" fmla="*/ 3884023 w 4008213"/>
+                <a:gd name="connsiteY101" fmla="*/ 748937 h 3866606"/>
+                <a:gd name="connsiteX102" fmla="*/ 3857897 w 4008213"/>
+                <a:gd name="connsiteY102" fmla="*/ 766354 h 3866606"/>
+                <a:gd name="connsiteX103" fmla="*/ 3796937 w 4008213"/>
+                <a:gd name="connsiteY103" fmla="*/ 836023 h 3866606"/>
+                <a:gd name="connsiteX104" fmla="*/ 3735977 w 4008213"/>
+                <a:gd name="connsiteY104" fmla="*/ 879566 h 3866606"/>
+                <a:gd name="connsiteX105" fmla="*/ 3666309 w 4008213"/>
+                <a:gd name="connsiteY105" fmla="*/ 940526 h 3866606"/>
+                <a:gd name="connsiteX106" fmla="*/ 3605349 w 4008213"/>
+                <a:gd name="connsiteY106" fmla="*/ 975360 h 3866606"/>
+                <a:gd name="connsiteX107" fmla="*/ 3587932 w 4008213"/>
+                <a:gd name="connsiteY107" fmla="*/ 1010194 h 3866606"/>
+                <a:gd name="connsiteX108" fmla="*/ 3561806 w 4008213"/>
+                <a:gd name="connsiteY108" fmla="*/ 1027611 h 3866606"/>
+                <a:gd name="connsiteX109" fmla="*/ 3526972 w 4008213"/>
+                <a:gd name="connsiteY109" fmla="*/ 1053737 h 3866606"/>
+                <a:gd name="connsiteX110" fmla="*/ 3448595 w 4008213"/>
+                <a:gd name="connsiteY110" fmla="*/ 1088571 h 3866606"/>
+                <a:gd name="connsiteX111" fmla="*/ 3413760 w 4008213"/>
+                <a:gd name="connsiteY111" fmla="*/ 1105988 h 3866606"/>
+                <a:gd name="connsiteX112" fmla="*/ 3387635 w 4008213"/>
+                <a:gd name="connsiteY112" fmla="*/ 1114697 h 3866606"/>
+                <a:gd name="connsiteX113" fmla="*/ 3274423 w 4008213"/>
+                <a:gd name="connsiteY113" fmla="*/ 1166948 h 3866606"/>
+                <a:gd name="connsiteX114" fmla="*/ 3257006 w 4008213"/>
+                <a:gd name="connsiteY114" fmla="*/ 1184366 h 3866606"/>
+                <a:gd name="connsiteX115" fmla="*/ 3213463 w 4008213"/>
+                <a:gd name="connsiteY115" fmla="*/ 1193074 h 3866606"/>
+                <a:gd name="connsiteX116" fmla="*/ 3143795 w 4008213"/>
+                <a:gd name="connsiteY116" fmla="*/ 1210491 h 3866606"/>
+                <a:gd name="connsiteX117" fmla="*/ 3074126 w 4008213"/>
+                <a:gd name="connsiteY117" fmla="*/ 1254034 h 3866606"/>
+                <a:gd name="connsiteX118" fmla="*/ 3048000 w 4008213"/>
+                <a:gd name="connsiteY118" fmla="*/ 1271451 h 3866606"/>
+                <a:gd name="connsiteX119" fmla="*/ 2987040 w 4008213"/>
+                <a:gd name="connsiteY119" fmla="*/ 1306286 h 3866606"/>
+                <a:gd name="connsiteX120" fmla="*/ 2934789 w 4008213"/>
+                <a:gd name="connsiteY120" fmla="*/ 1358537 h 3866606"/>
+                <a:gd name="connsiteX121" fmla="*/ 2865120 w 4008213"/>
+                <a:gd name="connsiteY121" fmla="*/ 1419497 h 3866606"/>
+                <a:gd name="connsiteX122" fmla="*/ 2830286 w 4008213"/>
+                <a:gd name="connsiteY122" fmla="*/ 1436914 h 3866606"/>
+                <a:gd name="connsiteX123" fmla="*/ 2804160 w 4008213"/>
+                <a:gd name="connsiteY123" fmla="*/ 1480457 h 3866606"/>
+                <a:gd name="connsiteX124" fmla="*/ 2769326 w 4008213"/>
+                <a:gd name="connsiteY124" fmla="*/ 1506583 h 3866606"/>
+                <a:gd name="connsiteX125" fmla="*/ 2751909 w 4008213"/>
+                <a:gd name="connsiteY125" fmla="*/ 1550126 h 3866606"/>
+                <a:gd name="connsiteX126" fmla="*/ 2743200 w 4008213"/>
+                <a:gd name="connsiteY126" fmla="*/ 1576251 h 3866606"/>
+                <a:gd name="connsiteX127" fmla="*/ 2734492 w 4008213"/>
+                <a:gd name="connsiteY127" fmla="*/ 1611086 h 3866606"/>
+                <a:gd name="connsiteX128" fmla="*/ 2699657 w 4008213"/>
+                <a:gd name="connsiteY128" fmla="*/ 1698171 h 3866606"/>
+                <a:gd name="connsiteX129" fmla="*/ 2673532 w 4008213"/>
+                <a:gd name="connsiteY129" fmla="*/ 1881051 h 3866606"/>
+                <a:gd name="connsiteX130" fmla="*/ 2664823 w 4008213"/>
+                <a:gd name="connsiteY130" fmla="*/ 1915886 h 3866606"/>
+                <a:gd name="connsiteX131" fmla="*/ 2647406 w 4008213"/>
+                <a:gd name="connsiteY131" fmla="*/ 2656114 h 3866606"/>
+                <a:gd name="connsiteX132" fmla="*/ 2629989 w 4008213"/>
+                <a:gd name="connsiteY132" fmla="*/ 2717074 h 3866606"/>
+                <a:gd name="connsiteX133" fmla="*/ 2621280 w 4008213"/>
+                <a:gd name="connsiteY133" fmla="*/ 2778034 h 3866606"/>
+                <a:gd name="connsiteX134" fmla="*/ 2586446 w 4008213"/>
+                <a:gd name="connsiteY134" fmla="*/ 2908663 h 3866606"/>
+                <a:gd name="connsiteX135" fmla="*/ 2560320 w 4008213"/>
+                <a:gd name="connsiteY135" fmla="*/ 2987040 h 3866606"/>
+                <a:gd name="connsiteX136" fmla="*/ 2542903 w 4008213"/>
+                <a:gd name="connsiteY136" fmla="*/ 3013166 h 3866606"/>
+                <a:gd name="connsiteX137" fmla="*/ 2516777 w 4008213"/>
+                <a:gd name="connsiteY137" fmla="*/ 3056708 h 3866606"/>
+                <a:gd name="connsiteX138" fmla="*/ 2490652 w 4008213"/>
+                <a:gd name="connsiteY138" fmla="*/ 3108960 h 3866606"/>
+                <a:gd name="connsiteX139" fmla="*/ 2473235 w 4008213"/>
+                <a:gd name="connsiteY139" fmla="*/ 3143794 h 3866606"/>
+                <a:gd name="connsiteX140" fmla="*/ 2447109 w 4008213"/>
+                <a:gd name="connsiteY140" fmla="*/ 3196046 h 3866606"/>
+                <a:gd name="connsiteX141" fmla="*/ 2420983 w 4008213"/>
+                <a:gd name="connsiteY141" fmla="*/ 3204754 h 3866606"/>
+                <a:gd name="connsiteX142" fmla="*/ 2412275 w 4008213"/>
+                <a:gd name="connsiteY142" fmla="*/ 3230880 h 3866606"/>
+                <a:gd name="connsiteX143" fmla="*/ 2360023 w 4008213"/>
+                <a:gd name="connsiteY143" fmla="*/ 3291840 h 3866606"/>
+                <a:gd name="connsiteX144" fmla="*/ 2316480 w 4008213"/>
+                <a:gd name="connsiteY144" fmla="*/ 3317966 h 3866606"/>
+                <a:gd name="connsiteX145" fmla="*/ 2229395 w 4008213"/>
+                <a:gd name="connsiteY145" fmla="*/ 3370217 h 3866606"/>
+                <a:gd name="connsiteX146" fmla="*/ 2177143 w 4008213"/>
+                <a:gd name="connsiteY146" fmla="*/ 3413760 h 3866606"/>
+                <a:gd name="connsiteX147" fmla="*/ 2151017 w 4008213"/>
+                <a:gd name="connsiteY147" fmla="*/ 3431177 h 3866606"/>
+                <a:gd name="connsiteX148" fmla="*/ 2116183 w 4008213"/>
+                <a:gd name="connsiteY148" fmla="*/ 3466011 h 3866606"/>
+                <a:gd name="connsiteX149" fmla="*/ 2046515 w 4008213"/>
+                <a:gd name="connsiteY149" fmla="*/ 3509554 h 3866606"/>
+                <a:gd name="connsiteX150" fmla="*/ 1950720 w 4008213"/>
+                <a:gd name="connsiteY150" fmla="*/ 3579223 h 3866606"/>
+                <a:gd name="connsiteX151" fmla="*/ 1924595 w 4008213"/>
+                <a:gd name="connsiteY151" fmla="*/ 3596640 h 3866606"/>
+                <a:gd name="connsiteX152" fmla="*/ 1907177 w 4008213"/>
+                <a:gd name="connsiteY152" fmla="*/ 3622766 h 3866606"/>
+                <a:gd name="connsiteX153" fmla="*/ 1854926 w 4008213"/>
+                <a:gd name="connsiteY153" fmla="*/ 3648891 h 3866606"/>
+                <a:gd name="connsiteX154" fmla="*/ 1820092 w 4008213"/>
+                <a:gd name="connsiteY154" fmla="*/ 3666308 h 3866606"/>
+                <a:gd name="connsiteX155" fmla="*/ 1802675 w 4008213"/>
+                <a:gd name="connsiteY155" fmla="*/ 3683726 h 3866606"/>
+                <a:gd name="connsiteX156" fmla="*/ 1776549 w 4008213"/>
+                <a:gd name="connsiteY156" fmla="*/ 3692434 h 3866606"/>
+                <a:gd name="connsiteX157" fmla="*/ 1724297 w 4008213"/>
+                <a:gd name="connsiteY157" fmla="*/ 3744686 h 3866606"/>
+                <a:gd name="connsiteX158" fmla="*/ 1698172 w 4008213"/>
+                <a:gd name="connsiteY158" fmla="*/ 3770811 h 3866606"/>
+                <a:gd name="connsiteX159" fmla="*/ 1645920 w 4008213"/>
+                <a:gd name="connsiteY159" fmla="*/ 3788228 h 3866606"/>
+                <a:gd name="connsiteX160" fmla="*/ 1593669 w 4008213"/>
+                <a:gd name="connsiteY160" fmla="*/ 3805646 h 3866606"/>
+                <a:gd name="connsiteX161" fmla="*/ 1567543 w 4008213"/>
+                <a:gd name="connsiteY161" fmla="*/ 3814354 h 3866606"/>
+                <a:gd name="connsiteX162" fmla="*/ 1541417 w 4008213"/>
+                <a:gd name="connsiteY162" fmla="*/ 3831771 h 3866606"/>
+                <a:gd name="connsiteX163" fmla="*/ 1402080 w 4008213"/>
+                <a:gd name="connsiteY163" fmla="*/ 3840480 h 3866606"/>
+                <a:gd name="connsiteX164" fmla="*/ 1288869 w 4008213"/>
+                <a:gd name="connsiteY164" fmla="*/ 3866606 h 3866606"/>
+              </a:gdLst>
+              <a:ahLst/>
+              <a:cxnLst>
+                <a:cxn ang="0">
+                  <a:pos x="connsiteX0" y="connsiteY0"/>
+                </a:cxn>
+                <a:cxn ang="0">
+                  <a:pos x="connsiteX1" y="connsiteY1"/>
+                </a:cxn>
+                <a:cxn ang="0">
+                  <a:pos x="connsiteX2" y="connsiteY2"/>
+                </a:cxn>
+                <a:cxn ang="0">
+                  <a:pos x="connsiteX3" y="connsiteY3"/>
+                </a:cxn>
+                <a:cxn ang="0">
+                  <a:pos x="connsiteX4" y="connsiteY4"/>
+                </a:cxn>
+                <a:cxn ang="0">
+                  <a:pos x="connsiteX5" y="connsiteY5"/>
+                </a:cxn>
+                <a:cxn ang="0">
+                  <a:pos x="connsiteX6" y="connsiteY6"/>
+                </a:cxn>
+                <a:cxn ang="0">
+                  <a:pos x="connsiteX7" y="connsiteY7"/>
+                </a:cxn>
+                <a:cxn ang="0">
+                  <a:pos x="connsiteX8" y="connsiteY8"/>
+                </a:cxn>
+                <a:cxn ang="0">
+                  <a:pos x="connsiteX9" y="connsiteY9"/>
+                </a:cxn>
+                <a:cxn ang="0">
+                  <a:pos x="connsiteX10" y="connsiteY10"/>
+                </a:cxn>
+                <a:cxn ang="0">
+                  <a:pos x="connsiteX11" y="connsiteY11"/>
+                </a:cxn>
+                <a:cxn ang="0">
+                  <a:pos x="connsiteX12" y="connsiteY12"/>
+                </a:cxn>
+                <a:cxn ang="0">
+                  <a:pos x="connsiteX13" y="connsiteY13"/>
+                </a:cxn>
+                <a:cxn ang="0">
+                  <a:pos x="connsiteX14" y="connsiteY14"/>
+                </a:cxn>
+                <a:cxn ang="0">
+                  <a:pos x="connsiteX15" y="connsiteY15"/>
+                </a:cxn>
+                <a:cxn ang="0">
+                  <a:pos x="connsiteX16" y="connsiteY16"/>
+                </a:cxn>
+                <a:cxn ang="0">
+                  <a:pos x="connsiteX17" y="connsiteY17"/>
+                </a:cxn>
+                <a:cxn ang="0">
+                  <a:pos x="connsiteX18" y="connsiteY18"/>
+                </a:cxn>
+                <a:cxn ang="0">
+                  <a:pos x="connsiteX19" y="connsiteY19"/>
+                </a:cxn>
+                <a:cxn ang="0">
+                  <a:pos x="connsiteX20" y="connsiteY20"/>
+                </a:cxn>
+                <a:cxn ang="0">
+                  <a:pos x="connsiteX21" y="connsiteY21"/>
+                </a:cxn>
+                <a:cxn ang="0">
+                  <a:pos x="connsiteX22" y="connsiteY22"/>
+                </a:cxn>
+                <a:cxn ang="0">
+                  <a:pos x="connsiteX23" y="connsiteY23"/>
+                </a:cxn>
+                <a:cxn ang="0">
+                  <a:pos x="connsiteX24" y="connsiteY24"/>
+                </a:cxn>
+                <a:cxn ang="0">
+                  <a:pos x="connsiteX25" y="connsiteY25"/>
+                </a:cxn>
+                <a:cxn ang="0">
+                  <a:pos x="connsiteX26" y="connsiteY26"/>
+                </a:cxn>
+                <a:cxn ang="0">
+                  <a:pos x="connsiteX27" y="connsiteY27"/>
+                </a:cxn>
+                <a:cxn ang="0">
+                  <a:pos x="connsiteX28" y="connsiteY28"/>
+                </a:cxn>
+                <a:cxn ang="0">
+                  <a:pos x="connsiteX29" y="connsiteY29"/>
+                </a:cxn>
+                <a:cxn ang="0">
+                  <a:pos x="connsiteX30" y="connsiteY30"/>
+                </a:cxn>
+                <a:cxn ang="0">
+                  <a:pos x="connsiteX31" y="connsiteY31"/>
+                </a:cxn>
+                <a:cxn ang="0">
+                  <a:pos x="connsiteX32" y="connsiteY32"/>
+                </a:cxn>
+                <a:cxn ang="0">
+                  <a:pos x="connsiteX33" y="connsiteY33"/>
+                </a:cxn>
+                <a:cxn ang="0">
+                  <a:pos x="connsiteX34" y="connsiteY34"/>
+                </a:cxn>
+                <a:cxn ang="0">
+                  <a:pos x="connsiteX35" y="connsiteY35"/>
+                </a:cxn>
+                <a:cxn ang="0">
+                  <a:pos x="connsiteX36" y="connsiteY36"/>
+                </a:cxn>
+                <a:cxn ang="0">
+                  <a:pos x="connsiteX37" y="connsiteY37"/>
+                </a:cxn>
+                <a:cxn ang="0">
+                  <a:pos x="connsiteX38" y="connsiteY38"/>
+                </a:cxn>
+                <a:cxn ang="0">
+                  <a:pos x="connsiteX39" y="connsiteY39"/>
+                </a:cxn>
+                <a:cxn ang="0">
+                  <a:pos x="connsiteX40" y="connsiteY40"/>
+                </a:cxn>
+                <a:cxn ang="0">
+                  <a:pos x="connsiteX41" y="connsiteY41"/>
+                </a:cxn>
+                <a:cxn ang="0">
+                  <a:pos x="connsiteX42" y="connsiteY42"/>
+                </a:cxn>
+                <a:cxn ang="0">
+                  <a:pos x="connsiteX43" y="connsiteY43"/>
+                </a:cxn>
+                <a:cxn ang="0">
+                  <a:pos x="connsiteX44" y="connsiteY44"/>
+                </a:cxn>
+                <a:cxn ang="0">
+                  <a:pos x="connsiteX45" y="connsiteY45"/>
+                </a:cxn>
+                <a:cxn ang="0">
+                  <a:pos x="connsiteX46" y="connsiteY46"/>
+                </a:cxn>
+                <a:cxn ang="0">
+                  <a:pos x="connsiteX47" y="connsiteY47"/>
+                </a:cxn>
+                <a:cxn ang="0">
+                  <a:pos x="connsiteX48" y="connsiteY48"/>
+                </a:cxn>
+                <a:cxn ang="0">
+                  <a:pos x="connsiteX49" y="connsiteY49"/>
+                </a:cxn>
+                <a:cxn ang="0">
+                  <a:pos x="connsiteX50" y="connsiteY50"/>
+                </a:cxn>
+                <a:cxn ang="0">
+                  <a:pos x="connsiteX51" y="connsiteY51"/>
+                </a:cxn>
+                <a:cxn ang="0">
+                  <a:pos x="connsiteX52" y="connsiteY52"/>
+                </a:cxn>
+                <a:cxn ang="0">
+                  <a:pos x="connsiteX53" y="connsiteY53"/>
+                </a:cxn>
+                <a:cxn ang="0">
+                  <a:pos x="connsiteX54" y="connsiteY54"/>
+                </a:cxn>
+                <a:cxn ang="0">
+                  <a:pos x="connsiteX55" y="connsiteY55"/>
+                </a:cxn>
+                <a:cxn ang="0">
+                  <a:pos x="connsiteX56" y="connsiteY56"/>
+                </a:cxn>
+                <a:cxn ang="0">
+                  <a:pos x="connsiteX57" y="connsiteY57"/>
+                </a:cxn>
+                <a:cxn ang="0">
+                  <a:pos x="connsiteX58" y="connsiteY58"/>
+                </a:cxn>
+                <a:cxn ang="0">
+                  <a:pos x="connsiteX59" y="connsiteY59"/>
+                </a:cxn>
+                <a:cxn ang="0">
+                  <a:pos x="connsiteX60" y="connsiteY60"/>
+                </a:cxn>
+                <a:cxn ang="0">
+                  <a:pos x="connsiteX61" y="connsiteY61"/>
+                </a:cxn>
+                <a:cxn ang="0">
+                  <a:pos x="connsiteX62" y="connsiteY62"/>
+                </a:cxn>
+                <a:cxn ang="0">
+                  <a:pos x="connsiteX63" y="connsiteY63"/>
+                </a:cxn>
+                <a:cxn ang="0">
+                  <a:pos x="connsiteX64" y="connsiteY64"/>
+                </a:cxn>
+                <a:cxn ang="0">
+                  <a:pos x="connsiteX65" y="connsiteY65"/>
+                </a:cxn>
+                <a:cxn ang="0">
+                  <a:pos x="connsiteX66" y="connsiteY66"/>
+                </a:cxn>
+                <a:cxn ang="0">
+                  <a:pos x="connsiteX67" y="connsiteY67"/>
+                </a:cxn>
+                <a:cxn ang="0">
+                  <a:pos x="connsiteX68" y="connsiteY68"/>
+                </a:cxn>
+                <a:cxn ang="0">
+                  <a:pos x="connsiteX69" y="connsiteY69"/>
+                </a:cxn>
+                <a:cxn ang="0">
+                  <a:pos x="connsiteX70" y="connsiteY70"/>
+                </a:cxn>
+                <a:cxn ang="0">
+                  <a:pos x="connsiteX71" y="connsiteY71"/>
+                </a:cxn>
+                <a:cxn ang="0">
+                  <a:pos x="connsiteX72" y="connsiteY72"/>
+                </a:cxn>
+                <a:cxn ang="0">
+                  <a:pos x="connsiteX73" y="connsiteY73"/>
+                </a:cxn>
+                <a:cxn ang="0">
+                  <a:pos x="connsiteX74" y="connsiteY74"/>
+                </a:cxn>
+                <a:cxn ang="0">
+                  <a:pos x="connsiteX75" y="connsiteY75"/>
+                </a:cxn>
+                <a:cxn ang="0">
+                  <a:pos x="connsiteX76" y="connsiteY76"/>
+                </a:cxn>
+                <a:cxn ang="0">
+                  <a:pos x="connsiteX77" y="connsiteY77"/>
+                </a:cxn>
+                <a:cxn ang="0">
+                  <a:pos x="connsiteX78" y="connsiteY78"/>
+                </a:cxn>
+                <a:cxn ang="0">
+                  <a:pos x="connsiteX79" y="connsiteY79"/>
+                </a:cxn>
+                <a:cxn ang="0">
+                  <a:pos x="connsiteX80" y="connsiteY80"/>
+                </a:cxn>
+                <a:cxn ang="0">
+                  <a:pos x="connsiteX81" y="connsiteY81"/>
+                </a:cxn>
+                <a:cxn ang="0">
+                  <a:pos x="connsiteX82" y="connsiteY82"/>
+                </a:cxn>
+                <a:cxn ang="0">
+                  <a:pos x="connsiteX83" y="connsiteY83"/>
+                </a:cxn>
+                <a:cxn ang="0">
+                  <a:pos x="connsiteX84" y="connsiteY84"/>
+                </a:cxn>
+                <a:cxn ang="0">
+                  <a:pos x="connsiteX85" y="connsiteY85"/>
+                </a:cxn>
+                <a:cxn ang="0">
+                  <a:pos x="connsiteX86" y="connsiteY86"/>
+                </a:cxn>
+                <a:cxn ang="0">
+                  <a:pos x="connsiteX87" y="connsiteY87"/>
+                </a:cxn>
+                <a:cxn ang="0">
+                  <a:pos x="connsiteX88" y="connsiteY88"/>
+                </a:cxn>
+                <a:cxn ang="0">
+                  <a:pos x="connsiteX89" y="connsiteY89"/>
+                </a:cxn>
+                <a:cxn ang="0">
+                  <a:pos x="connsiteX90" y="connsiteY90"/>
+                </a:cxn>
+                <a:cxn ang="0">
+                  <a:pos x="connsiteX91" y="connsiteY91"/>
+                </a:cxn>
+                <a:cxn ang="0">
+                  <a:pos x="connsiteX92" y="connsiteY92"/>
+                </a:cxn>
+                <a:cxn ang="0">
+                  <a:pos x="connsiteX93" y="connsiteY93"/>
+                </a:cxn>
+                <a:cxn ang="0">
+                  <a:pos x="connsiteX94" y="connsiteY94"/>
+                </a:cxn>
+                <a:cxn ang="0">
+                  <a:pos x="connsiteX95" y="connsiteY95"/>
+                </a:cxn>
+                <a:cxn ang="0">
+                  <a:pos x="connsiteX96" y="connsiteY96"/>
+                </a:cxn>
+                <a:cxn ang="0">
+                  <a:pos x="connsiteX97" y="connsiteY97"/>
+                </a:cxn>
+                <a:cxn ang="0">
+                  <a:pos x="connsiteX98" y="connsiteY98"/>
+                </a:cxn>
+                <a:cxn ang="0">
+                  <a:pos x="connsiteX99" y="connsiteY99"/>
+                </a:cxn>
+                <a:cxn ang="0">
+                  <a:pos x="connsiteX100" y="connsiteY100"/>
+                </a:cxn>
+                <a:cxn ang="0">
+                  <a:pos x="connsiteX101" y="connsiteY101"/>
+                </a:cxn>
+                <a:cxn ang="0">
+                  <a:pos x="connsiteX102" y="connsiteY102"/>
+                </a:cxn>
+                <a:cxn ang="0">
+                  <a:pos x="connsiteX103" y="connsiteY103"/>
+                </a:cxn>
+                <a:cxn ang="0">
+                  <a:pos x="connsiteX104" y="connsiteY104"/>
+                </a:cxn>
+                <a:cxn ang="0">
+                  <a:pos x="connsiteX105" y="connsiteY105"/>
+                </a:cxn>
+                <a:cxn ang="0">
+                  <a:pos x="connsiteX106" y="connsiteY106"/>
+                </a:cxn>
+                <a:cxn ang="0">
+                  <a:pos x="connsiteX107" y="connsiteY107"/>
+                </a:cxn>
+                <a:cxn ang="0">
+                  <a:pos x="connsiteX108" y="connsiteY108"/>
+                </a:cxn>
+                <a:cxn ang="0">
+                  <a:pos x="connsiteX109" y="connsiteY109"/>
+                </a:cxn>
+                <a:cxn ang="0">
+                  <a:pos x="connsiteX110" y="connsiteY110"/>
+                </a:cxn>
+                <a:cxn ang="0">
+                  <a:pos x="connsiteX111" y="connsiteY111"/>
+                </a:cxn>
+                <a:cxn ang="0">
+                  <a:pos x="connsiteX112" y="connsiteY112"/>
+                </a:cxn>
+                <a:cxn ang="0">
+                  <a:pos x="connsiteX113" y="connsiteY113"/>
+                </a:cxn>
+                <a:cxn ang="0">
+                  <a:pos x="connsiteX114" y="connsiteY114"/>
+                </a:cxn>
+                <a:cxn ang="0">
+                  <a:pos x="connsiteX115" y="connsiteY115"/>
+                </a:cxn>
+                <a:cxn ang="0">
+                  <a:pos x="connsiteX116" y="connsiteY116"/>
+                </a:cxn>
+                <a:cxn ang="0">
+                  <a:pos x="connsiteX117" y="connsiteY117"/>
+                </a:cxn>
+                <a:cxn ang="0">
+                  <a:pos x="connsiteX118" y="connsiteY118"/>
+                </a:cxn>
+                <a:cxn ang="0">
+                  <a:pos x="connsiteX119" y="connsiteY119"/>
+                </a:cxn>
+                <a:cxn ang="0">
+                  <a:pos x="connsiteX120" y="connsiteY120"/>
+                </a:cxn>
+                <a:cxn ang="0">
+                  <a:pos x="connsiteX121" y="connsiteY121"/>
+                </a:cxn>
+                <a:cxn ang="0">
+                  <a:pos x="connsiteX122" y="connsiteY122"/>
+                </a:cxn>
+                <a:cxn ang="0">
+                  <a:pos x="connsiteX123" y="connsiteY123"/>
+                </a:cxn>
+                <a:cxn ang="0">
+                  <a:pos x="connsiteX124" y="connsiteY124"/>
+                </a:cxn>
+                <a:cxn ang="0">
+                  <a:pos x="connsiteX125" y="connsiteY125"/>
+                </a:cxn>
+                <a:cxn ang="0">
+                  <a:pos x="connsiteX126" y="connsiteY126"/>
+                </a:cxn>
+                <a:cxn ang="0">
+                  <a:pos x="connsiteX127" y="connsiteY127"/>
+                </a:cxn>
+                <a:cxn ang="0">
+                  <a:pos x="connsiteX128" y="connsiteY128"/>
+                </a:cxn>
+                <a:cxn ang="0">
+                  <a:pos x="connsiteX129" y="connsiteY129"/>
+                </a:cxn>
+                <a:cxn ang="0">
+                  <a:pos x="connsiteX130" y="connsiteY130"/>
+                </a:cxn>
+                <a:cxn ang="0">
+                  <a:pos x="connsiteX131" y="connsiteY131"/>
+                </a:cxn>
+                <a:cxn ang="0">
+                  <a:pos x="connsiteX132" y="connsiteY132"/>
+                </a:cxn>
+                <a:cxn ang="0">
+                  <a:pos x="connsiteX133" y="connsiteY133"/>
+                </a:cxn>
+                <a:cxn ang="0">
+                  <a:pos x="connsiteX134" y="connsiteY134"/>
+                </a:cxn>
+                <a:cxn ang="0">
+                  <a:pos x="connsiteX135" y="connsiteY135"/>
+                </a:cxn>
+                <a:cxn ang="0">
+                  <a:pos x="connsiteX136" y="connsiteY136"/>
+                </a:cxn>
+                <a:cxn ang="0">
+                  <a:pos x="connsiteX137" y="connsiteY137"/>
+                </a:cxn>
+                <a:cxn ang="0">
+                  <a:pos x="connsiteX138" y="connsiteY138"/>
+                </a:cxn>
+                <a:cxn ang="0">
+                  <a:pos x="connsiteX139" y="connsiteY139"/>
+                </a:cxn>
+                <a:cxn ang="0">
+                  <a:pos x="connsiteX140" y="connsiteY140"/>
+                </a:cxn>
+                <a:cxn ang="0">
+                  <a:pos x="connsiteX141" y="connsiteY141"/>
+                </a:cxn>
+                <a:cxn ang="0">
+                  <a:pos x="connsiteX142" y="connsiteY142"/>
+                </a:cxn>
+                <a:cxn ang="0">
+                  <a:pos x="connsiteX143" y="connsiteY143"/>
+                </a:cxn>
+                <a:cxn ang="0">
+                  <a:pos x="connsiteX144" y="connsiteY144"/>
+                </a:cxn>
+                <a:cxn ang="0">
+                  <a:pos x="connsiteX145" y="connsiteY145"/>
+                </a:cxn>
+                <a:cxn ang="0">
+                  <a:pos x="connsiteX146" y="connsiteY146"/>
+                </a:cxn>
+                <a:cxn ang="0">
+                  <a:pos x="connsiteX147" y="connsiteY147"/>
+                </a:cxn>
+                <a:cxn ang="0">
+                  <a:pos x="connsiteX148" y="connsiteY148"/>
+                </a:cxn>
+                <a:cxn ang="0">
+                  <a:pos x="connsiteX149" y="connsiteY149"/>
+                </a:cxn>
+                <a:cxn ang="0">
+                  <a:pos x="connsiteX150" y="connsiteY150"/>
+                </a:cxn>
+                <a:cxn ang="0">
+                  <a:pos x="connsiteX151" y="connsiteY151"/>
+                </a:cxn>
+                <a:cxn ang="0">
+                  <a:pos x="connsiteX152" y="connsiteY152"/>
+                </a:cxn>
+                <a:cxn ang="0">
+                  <a:pos x="connsiteX153" y="connsiteY153"/>
+                </a:cxn>
+                <a:cxn ang="0">
+                  <a:pos x="connsiteX154" y="connsiteY154"/>
+                </a:cxn>
+                <a:cxn ang="0">
+                  <a:pos x="connsiteX155" y="connsiteY155"/>
+                </a:cxn>
+                <a:cxn ang="0">
+                  <a:pos x="connsiteX156" y="connsiteY156"/>
+                </a:cxn>
+                <a:cxn ang="0">
+                  <a:pos x="connsiteX157" y="connsiteY157"/>
+                </a:cxn>
+                <a:cxn ang="0">
+                  <a:pos x="connsiteX158" y="connsiteY158"/>
+                </a:cxn>
+                <a:cxn ang="0">
+                  <a:pos x="connsiteX159" y="connsiteY159"/>
+                </a:cxn>
+                <a:cxn ang="0">
+                  <a:pos x="connsiteX160" y="connsiteY160"/>
+                </a:cxn>
+                <a:cxn ang="0">
+                  <a:pos x="connsiteX161" y="connsiteY161"/>
+                </a:cxn>
+                <a:cxn ang="0">
+                  <a:pos x="connsiteX162" y="connsiteY162"/>
+                </a:cxn>
+                <a:cxn ang="0">
+                  <a:pos x="connsiteX163" y="connsiteY163"/>
+                </a:cxn>
+                <a:cxn ang="0">
+                  <a:pos x="connsiteX164" y="connsiteY164"/>
+                </a:cxn>
+              </a:cxnLst>
+              <a:rect l="l" t="t" r="r" b="b"/>
+              <a:pathLst>
+                <a:path w="4008213" h="3866606">
+                  <a:moveTo>
+                    <a:pt x="1288869" y="3866606"/>
+                  </a:moveTo>
+                  <a:lnTo>
+                    <a:pt x="1288869" y="3866606"/>
+                  </a:lnTo>
+                  <a:lnTo>
+                    <a:pt x="618309" y="3857897"/>
+                  </a:lnTo>
+                  <a:cubicBezTo>
+                    <a:pt x="592269" y="3857270"/>
+                    <a:pt x="536726" y="3843231"/>
+                    <a:pt x="513806" y="3831771"/>
+                  </a:cubicBezTo>
+                  <a:cubicBezTo>
+                    <a:pt x="502195" y="3825965"/>
+                    <a:pt x="491127" y="3818912"/>
+                    <a:pt x="478972" y="3814354"/>
+                  </a:cubicBezTo>
+                  <a:cubicBezTo>
+                    <a:pt x="467765" y="3810152"/>
+                    <a:pt x="455749" y="3808549"/>
+                    <a:pt x="444137" y="3805646"/>
+                  </a:cubicBezTo>
+                  <a:cubicBezTo>
+                    <a:pt x="435429" y="3796937"/>
+                    <a:pt x="428259" y="3786352"/>
+                    <a:pt x="418012" y="3779520"/>
+                  </a:cubicBezTo>
+                  <a:cubicBezTo>
+                    <a:pt x="357484" y="3739167"/>
+                    <a:pt x="427427" y="3808208"/>
+                    <a:pt x="365760" y="3753394"/>
+                  </a:cubicBezTo>
+                  <a:lnTo>
+                    <a:pt x="287383" y="3675017"/>
+                  </a:lnTo>
+                  <a:cubicBezTo>
+                    <a:pt x="275772" y="3663406"/>
+                    <a:pt x="261658" y="3653846"/>
+                    <a:pt x="252549" y="3640183"/>
+                  </a:cubicBezTo>
+                  <a:lnTo>
+                    <a:pt x="217715" y="3587931"/>
+                  </a:lnTo>
+                  <a:cubicBezTo>
+                    <a:pt x="214812" y="3576320"/>
+                    <a:pt x="213721" y="3564098"/>
+                    <a:pt x="209006" y="3553097"/>
+                  </a:cubicBezTo>
+                  <a:cubicBezTo>
+                    <a:pt x="204883" y="3543477"/>
+                    <a:pt x="196782" y="3536058"/>
+                    <a:pt x="191589" y="3526971"/>
+                  </a:cubicBezTo>
+                  <a:cubicBezTo>
+                    <a:pt x="185148" y="3515700"/>
+                    <a:pt x="179286" y="3504069"/>
+                    <a:pt x="174172" y="3492137"/>
+                  </a:cubicBezTo>
+                  <a:cubicBezTo>
+                    <a:pt x="151564" y="3439387"/>
+                    <a:pt x="184122" y="3494619"/>
+                    <a:pt x="148046" y="3422468"/>
+                  </a:cubicBezTo>
+                  <a:cubicBezTo>
+                    <a:pt x="100617" y="3327610"/>
+                    <a:pt x="140134" y="3433569"/>
+                    <a:pt x="104503" y="3326674"/>
+                  </a:cubicBezTo>
+                  <a:cubicBezTo>
+                    <a:pt x="101600" y="3306354"/>
+                    <a:pt x="99820" y="3285842"/>
+                    <a:pt x="95795" y="3265714"/>
+                  </a:cubicBezTo>
+                  <a:cubicBezTo>
+                    <a:pt x="91524" y="3244359"/>
+                    <a:pt x="79109" y="3223635"/>
+                    <a:pt x="69669" y="3204754"/>
+                  </a:cubicBezTo>
+                  <a:cubicBezTo>
+                    <a:pt x="66766" y="3184434"/>
+                    <a:pt x="65938" y="3163707"/>
+                    <a:pt x="60960" y="3143794"/>
+                  </a:cubicBezTo>
+                  <a:cubicBezTo>
+                    <a:pt x="54281" y="3117077"/>
+                    <a:pt x="42206" y="3091951"/>
+                    <a:pt x="34835" y="3065417"/>
+                  </a:cubicBezTo>
+                  <a:cubicBezTo>
+                    <a:pt x="27672" y="3039630"/>
+                    <a:pt x="23223" y="3013166"/>
+                    <a:pt x="17417" y="2987040"/>
+                  </a:cubicBezTo>
+                  <a:cubicBezTo>
+                    <a:pt x="14514" y="2949303"/>
+                    <a:pt x="12475" y="2911489"/>
+                    <a:pt x="8709" y="2873828"/>
+                  </a:cubicBezTo>
+                  <a:cubicBezTo>
+                    <a:pt x="6667" y="2853404"/>
+                    <a:pt x="0" y="2833394"/>
+                    <a:pt x="0" y="2812868"/>
+                  </a:cubicBezTo>
+                  <a:cubicBezTo>
+                    <a:pt x="0" y="2685109"/>
+                    <a:pt x="3499" y="2557343"/>
+                    <a:pt x="8709" y="2429691"/>
+                  </a:cubicBezTo>
+                  <a:cubicBezTo>
+                    <a:pt x="9313" y="2414902"/>
+                    <a:pt x="14769" y="2400711"/>
+                    <a:pt x="17417" y="2386148"/>
+                  </a:cubicBezTo>
+                  <a:cubicBezTo>
+                    <a:pt x="29150" y="2321619"/>
+                    <a:pt x="15559" y="2349747"/>
+                    <a:pt x="43543" y="2307771"/>
+                  </a:cubicBezTo>
+                  <a:cubicBezTo>
+                    <a:pt x="49349" y="2278743"/>
+                    <a:pt x="51598" y="2248770"/>
+                    <a:pt x="60960" y="2220686"/>
+                  </a:cubicBezTo>
+                  <a:cubicBezTo>
+                    <a:pt x="63863" y="2211977"/>
+                    <a:pt x="67147" y="2203387"/>
+                    <a:pt x="69669" y="2194560"/>
+                  </a:cubicBezTo>
+                  <a:cubicBezTo>
+                    <a:pt x="81004" y="2154888"/>
+                    <a:pt x="79501" y="2143575"/>
+                    <a:pt x="95795" y="2098766"/>
+                  </a:cubicBezTo>
+                  <a:cubicBezTo>
+                    <a:pt x="100232" y="2086565"/>
+                    <a:pt x="108098" y="2075864"/>
+                    <a:pt x="113212" y="2063931"/>
+                  </a:cubicBezTo>
+                  <a:cubicBezTo>
+                    <a:pt x="135820" y="2011179"/>
+                    <a:pt x="103258" y="2066419"/>
+                    <a:pt x="139337" y="1994263"/>
+                  </a:cubicBezTo>
+                  <a:cubicBezTo>
+                    <a:pt x="144018" y="1984901"/>
+                    <a:pt x="150949" y="1976846"/>
+                    <a:pt x="156755" y="1968137"/>
+                  </a:cubicBezTo>
+                  <a:cubicBezTo>
+                    <a:pt x="162561" y="1944914"/>
+                    <a:pt x="167132" y="1921347"/>
+                    <a:pt x="174172" y="1898468"/>
+                  </a:cubicBezTo>
+                  <a:cubicBezTo>
+                    <a:pt x="178769" y="1883527"/>
+                    <a:pt x="187476" y="1870007"/>
+                    <a:pt x="191589" y="1854926"/>
+                  </a:cubicBezTo>
+                  <a:cubicBezTo>
+                    <a:pt x="196235" y="1837891"/>
+                    <a:pt x="194713" y="1819425"/>
+                    <a:pt x="200297" y="1802674"/>
+                  </a:cubicBezTo>
+                  <a:cubicBezTo>
+                    <a:pt x="203016" y="1794518"/>
+                    <a:pt x="242983" y="1743256"/>
+                    <a:pt x="243840" y="1741714"/>
+                  </a:cubicBezTo>
+                  <a:cubicBezTo>
+                    <a:pt x="251432" y="1728049"/>
+                    <a:pt x="254266" y="1712153"/>
+                    <a:pt x="261257" y="1698171"/>
+                  </a:cubicBezTo>
+                  <a:cubicBezTo>
+                    <a:pt x="268827" y="1683031"/>
+                    <a:pt x="280290" y="1669997"/>
+                    <a:pt x="287383" y="1654628"/>
+                  </a:cubicBezTo>
+                  <a:cubicBezTo>
+                    <a:pt x="297777" y="1632109"/>
+                    <a:pt x="305033" y="1608269"/>
+                    <a:pt x="313509" y="1584960"/>
+                  </a:cubicBezTo>
+                  <a:cubicBezTo>
+                    <a:pt x="316646" y="1576333"/>
+                    <a:pt x="318418" y="1567191"/>
+                    <a:pt x="322217" y="1558834"/>
+                  </a:cubicBezTo>
+                  <a:cubicBezTo>
+                    <a:pt x="332961" y="1535197"/>
+                    <a:pt x="344619" y="1511960"/>
+                    <a:pt x="357052" y="1489166"/>
+                  </a:cubicBezTo>
+                  <a:cubicBezTo>
+                    <a:pt x="397905" y="1414269"/>
+                    <a:pt x="346281" y="1532995"/>
+                    <a:pt x="400595" y="1410788"/>
+                  </a:cubicBezTo>
+                  <a:cubicBezTo>
+                    <a:pt x="438663" y="1325135"/>
+                    <a:pt x="355977" y="1479965"/>
+                    <a:pt x="435429" y="1332411"/>
+                  </a:cubicBezTo>
+                  <a:cubicBezTo>
+                    <a:pt x="446525" y="1311805"/>
+                    <a:pt x="459797" y="1292384"/>
+                    <a:pt x="470263" y="1271451"/>
+                  </a:cubicBezTo>
+                  <a:cubicBezTo>
+                    <a:pt x="474368" y="1263241"/>
+                    <a:pt x="474867" y="1253536"/>
+                    <a:pt x="478972" y="1245326"/>
+                  </a:cubicBezTo>
+                  <a:cubicBezTo>
+                    <a:pt x="485341" y="1232588"/>
+                    <a:pt x="516594" y="1192260"/>
+                    <a:pt x="522515" y="1184366"/>
+                  </a:cubicBezTo>
+                  <a:cubicBezTo>
+                    <a:pt x="537358" y="1139833"/>
+                    <a:pt x="535341" y="1136705"/>
+                    <a:pt x="583475" y="1088571"/>
+                  </a:cubicBezTo>
+                  <a:cubicBezTo>
+                    <a:pt x="592183" y="1079863"/>
+                    <a:pt x="599353" y="1069277"/>
+                    <a:pt x="609600" y="1062446"/>
+                  </a:cubicBezTo>
+                  <a:cubicBezTo>
+                    <a:pt x="617238" y="1057354"/>
+                    <a:pt x="627017" y="1056640"/>
+                    <a:pt x="635726" y="1053737"/>
+                  </a:cubicBezTo>
+                  <a:cubicBezTo>
+                    <a:pt x="641532" y="1045028"/>
+                    <a:pt x="648462" y="1036972"/>
+                    <a:pt x="653143" y="1027611"/>
+                  </a:cubicBezTo>
+                  <a:cubicBezTo>
+                    <a:pt x="667017" y="999864"/>
+                    <a:pt x="660078" y="967538"/>
+                    <a:pt x="696686" y="949234"/>
+                  </a:cubicBezTo>
+                  <a:lnTo>
+                    <a:pt x="731520" y="931817"/>
+                  </a:lnTo>
+                  <a:cubicBezTo>
+                    <a:pt x="737326" y="923108"/>
+                    <a:pt x="740764" y="912229"/>
+                    <a:pt x="748937" y="905691"/>
+                  </a:cubicBezTo>
+                  <a:cubicBezTo>
+                    <a:pt x="765574" y="892381"/>
+                    <a:pt x="824469" y="856802"/>
+                    <a:pt x="853440" y="844731"/>
+                  </a:cubicBezTo>
+                  <a:cubicBezTo>
+                    <a:pt x="876334" y="835192"/>
+                    <a:pt x="900925" y="829698"/>
+                    <a:pt x="923109" y="818606"/>
+                  </a:cubicBezTo>
+                  <a:cubicBezTo>
+                    <a:pt x="941832" y="809245"/>
+                    <a:pt x="957279" y="794318"/>
+                    <a:pt x="975360" y="783771"/>
+                  </a:cubicBezTo>
+                  <a:cubicBezTo>
+                    <a:pt x="1010194" y="763451"/>
+                    <a:pt x="1046308" y="745181"/>
+                    <a:pt x="1079863" y="722811"/>
+                  </a:cubicBezTo>
+                  <a:cubicBezTo>
+                    <a:pt x="1116791" y="698193"/>
+                    <a:pt x="1096628" y="710075"/>
+                    <a:pt x="1140823" y="687977"/>
+                  </a:cubicBezTo>
+                  <a:cubicBezTo>
+                    <a:pt x="1146629" y="679268"/>
+                    <a:pt x="1150199" y="668551"/>
+                    <a:pt x="1158240" y="661851"/>
+                  </a:cubicBezTo>
+                  <a:cubicBezTo>
+                    <a:pt x="1170356" y="651754"/>
+                    <a:pt x="1202628" y="640461"/>
+                    <a:pt x="1219200" y="635726"/>
+                  </a:cubicBezTo>
+                  <a:cubicBezTo>
+                    <a:pt x="1230709" y="632438"/>
+                    <a:pt x="1242828" y="631220"/>
+                    <a:pt x="1254035" y="627017"/>
+                  </a:cubicBezTo>
+                  <a:cubicBezTo>
+                    <a:pt x="1266190" y="622459"/>
+                    <a:pt x="1276553" y="613705"/>
+                    <a:pt x="1288869" y="609600"/>
+                  </a:cubicBezTo>
+                  <a:cubicBezTo>
+                    <a:pt x="1311578" y="602030"/>
+                    <a:pt x="1358537" y="592183"/>
+                    <a:pt x="1358537" y="592183"/>
+                  </a:cubicBezTo>
+                  <a:cubicBezTo>
+                    <a:pt x="1367246" y="586377"/>
+                    <a:pt x="1375302" y="579447"/>
+                    <a:pt x="1384663" y="574766"/>
+                  </a:cubicBezTo>
+                  <a:cubicBezTo>
+                    <a:pt x="1392874" y="570661"/>
+                    <a:pt x="1402194" y="569280"/>
+                    <a:pt x="1410789" y="566057"/>
+                  </a:cubicBezTo>
+                  <a:cubicBezTo>
+                    <a:pt x="1425426" y="560568"/>
+                    <a:pt x="1440101" y="555109"/>
+                    <a:pt x="1454332" y="548640"/>
+                  </a:cubicBezTo>
+                  <a:cubicBezTo>
+                    <a:pt x="1472059" y="540582"/>
+                    <a:pt x="1488245" y="529063"/>
+                    <a:pt x="1506583" y="522514"/>
+                  </a:cubicBezTo>
+                  <a:cubicBezTo>
+                    <a:pt x="1529126" y="514463"/>
+                    <a:pt x="1553158" y="511396"/>
+                    <a:pt x="1576252" y="505097"/>
+                  </a:cubicBezTo>
+                  <a:cubicBezTo>
+                    <a:pt x="1585108" y="502682"/>
+                    <a:pt x="1593782" y="499611"/>
+                    <a:pt x="1602377" y="496388"/>
+                  </a:cubicBezTo>
+                  <a:cubicBezTo>
+                    <a:pt x="1667838" y="471840"/>
+                    <a:pt x="1635575" y="481790"/>
+                    <a:pt x="1715589" y="444137"/>
+                  </a:cubicBezTo>
+                  <a:cubicBezTo>
+                    <a:pt x="1741458" y="431964"/>
+                    <a:pt x="1767575" y="420299"/>
+                    <a:pt x="1793966" y="409303"/>
+                  </a:cubicBezTo>
+                  <a:cubicBezTo>
+                    <a:pt x="1818688" y="399002"/>
+                    <a:pt x="1835996" y="397413"/>
+                    <a:pt x="1863635" y="391886"/>
+                  </a:cubicBezTo>
+                  <a:cubicBezTo>
+                    <a:pt x="1872343" y="386080"/>
+                    <a:pt x="1880196" y="378719"/>
+                    <a:pt x="1889760" y="374468"/>
+                  </a:cubicBezTo>
+                  <a:cubicBezTo>
+                    <a:pt x="1921881" y="360192"/>
+                    <a:pt x="1980056" y="347540"/>
+                    <a:pt x="2011680" y="339634"/>
+                  </a:cubicBezTo>
+                  <a:cubicBezTo>
+                    <a:pt x="2023292" y="336731"/>
+                    <a:pt x="2035402" y="335371"/>
+                    <a:pt x="2046515" y="330926"/>
+                  </a:cubicBezTo>
+                  <a:cubicBezTo>
+                    <a:pt x="2061029" y="325120"/>
+                    <a:pt x="2075060" y="317919"/>
+                    <a:pt x="2090057" y="313508"/>
+                  </a:cubicBezTo>
+                  <a:cubicBezTo>
+                    <a:pt x="2124504" y="303376"/>
+                    <a:pt x="2160496" y="298738"/>
+                    <a:pt x="2194560" y="287383"/>
+                  </a:cubicBezTo>
+                  <a:cubicBezTo>
+                    <a:pt x="2203269" y="284480"/>
+                    <a:pt x="2212163" y="282083"/>
+                    <a:pt x="2220686" y="278674"/>
+                  </a:cubicBezTo>
+                  <a:cubicBezTo>
+                    <a:pt x="2241212" y="270463"/>
+                    <a:pt x="2260437" y="258786"/>
+                    <a:pt x="2281646" y="252548"/>
+                  </a:cubicBezTo>
+                  <a:cubicBezTo>
+                    <a:pt x="2310047" y="244195"/>
+                    <a:pt x="2339703" y="240937"/>
+                    <a:pt x="2368732" y="235131"/>
+                  </a:cubicBezTo>
+                  <a:cubicBezTo>
+                    <a:pt x="2401821" y="218587"/>
+                    <a:pt x="2451862" y="192907"/>
+                    <a:pt x="2481943" y="182880"/>
+                  </a:cubicBezTo>
+                  <a:cubicBezTo>
+                    <a:pt x="2507333" y="174417"/>
+                    <a:pt x="2534194" y="171269"/>
+                    <a:pt x="2560320" y="165463"/>
+                  </a:cubicBezTo>
+                  <a:cubicBezTo>
+                    <a:pt x="2594997" y="150051"/>
+                    <a:pt x="2674359" y="116198"/>
+                    <a:pt x="2708366" y="95794"/>
+                  </a:cubicBezTo>
+                  <a:cubicBezTo>
+                    <a:pt x="2729779" y="82946"/>
+                    <a:pt x="2746991" y="63419"/>
+                    <a:pt x="2769326" y="52251"/>
+                  </a:cubicBezTo>
+                  <a:cubicBezTo>
+                    <a:pt x="2788228" y="42800"/>
+                    <a:pt x="2810237" y="41517"/>
+                    <a:pt x="2830286" y="34834"/>
+                  </a:cubicBezTo>
+                  <a:cubicBezTo>
+                    <a:pt x="2940185" y="-1799"/>
+                    <a:pt x="2858061" y="13944"/>
+                    <a:pt x="2969623" y="0"/>
+                  </a:cubicBezTo>
+                  <a:cubicBezTo>
+                    <a:pt x="3085737" y="5806"/>
+                    <a:pt x="3202077" y="8146"/>
+                    <a:pt x="3317966" y="17417"/>
+                  </a:cubicBezTo>
+                  <a:cubicBezTo>
+                    <a:pt x="3347475" y="19778"/>
+                    <a:pt x="3375776" y="30443"/>
+                    <a:pt x="3405052" y="34834"/>
+                  </a:cubicBezTo>
+                  <a:cubicBezTo>
+                    <a:pt x="3433902" y="39162"/>
+                    <a:pt x="3463257" y="39417"/>
+                    <a:pt x="3492137" y="43543"/>
+                  </a:cubicBezTo>
+                  <a:cubicBezTo>
+                    <a:pt x="3640343" y="64715"/>
+                    <a:pt x="3537713" y="50430"/>
+                    <a:pt x="3640183" y="78377"/>
+                  </a:cubicBezTo>
+                  <a:cubicBezTo>
+                    <a:pt x="3654463" y="82272"/>
+                    <a:pt x="3669277" y="83875"/>
+                    <a:pt x="3683726" y="87086"/>
+                  </a:cubicBezTo>
+                  <a:cubicBezTo>
+                    <a:pt x="3723216" y="95861"/>
+                    <a:pt x="3727386" y="98736"/>
+                    <a:pt x="3770812" y="113211"/>
+                  </a:cubicBezTo>
+                  <a:cubicBezTo>
+                    <a:pt x="3785326" y="124823"/>
+                    <a:pt x="3799128" y="137387"/>
+                    <a:pt x="3814355" y="148046"/>
+                  </a:cubicBezTo>
+                  <a:cubicBezTo>
+                    <a:pt x="3828221" y="157753"/>
+                    <a:pt x="3844356" y="164015"/>
+                    <a:pt x="3857897" y="174171"/>
+                  </a:cubicBezTo>
+                  <a:cubicBezTo>
+                    <a:pt x="3867750" y="181561"/>
+                    <a:pt x="3874562" y="192413"/>
+                    <a:pt x="3884023" y="200297"/>
+                  </a:cubicBezTo>
+                  <a:cubicBezTo>
+                    <a:pt x="3892064" y="206997"/>
+                    <a:pt x="3901776" y="211434"/>
+                    <a:pt x="3910149" y="217714"/>
+                  </a:cubicBezTo>
+                  <a:cubicBezTo>
+                    <a:pt x="3952679" y="249611"/>
+                    <a:pt x="3947592" y="246448"/>
+                    <a:pt x="3979817" y="278674"/>
+                  </a:cubicBezTo>
+                  <a:cubicBezTo>
+                    <a:pt x="4018242" y="393944"/>
+                    <a:pt x="4014131" y="361225"/>
+                    <a:pt x="3988526" y="566057"/>
+                  </a:cubicBezTo>
+                  <a:cubicBezTo>
+                    <a:pt x="3986426" y="582853"/>
+                    <a:pt x="3973546" y="596861"/>
+                    <a:pt x="3962400" y="609600"/>
+                  </a:cubicBezTo>
+                  <a:cubicBezTo>
+                    <a:pt x="3952842" y="620523"/>
+                    <a:pt x="3939177" y="627017"/>
+                    <a:pt x="3927566" y="635726"/>
+                  </a:cubicBezTo>
+                  <a:cubicBezTo>
+                    <a:pt x="3920328" y="664675"/>
+                    <a:pt x="3913554" y="695554"/>
+                    <a:pt x="3901440" y="722811"/>
+                  </a:cubicBezTo>
+                  <a:cubicBezTo>
+                    <a:pt x="3897189" y="732375"/>
+                    <a:pt x="3891424" y="741536"/>
+                    <a:pt x="3884023" y="748937"/>
+                  </a:cubicBezTo>
+                  <a:cubicBezTo>
+                    <a:pt x="3876622" y="756338"/>
+                    <a:pt x="3866606" y="760548"/>
+                    <a:pt x="3857897" y="766354"/>
+                  </a:cubicBezTo>
+                  <a:cubicBezTo>
+                    <a:pt x="3821919" y="814325"/>
+                    <a:pt x="3842035" y="790925"/>
+                    <a:pt x="3796937" y="836023"/>
+                  </a:cubicBezTo>
+                  <a:cubicBezTo>
+                    <a:pt x="3755612" y="877348"/>
+                    <a:pt x="3777681" y="865664"/>
+                    <a:pt x="3735977" y="879566"/>
+                  </a:cubicBezTo>
+                  <a:cubicBezTo>
+                    <a:pt x="3687353" y="944399"/>
+                    <a:pt x="3736692" y="887739"/>
+                    <a:pt x="3666309" y="940526"/>
+                  </a:cubicBezTo>
+                  <a:cubicBezTo>
+                    <a:pt x="3614426" y="979438"/>
+                    <a:pt x="3668937" y="959462"/>
+                    <a:pt x="3605349" y="975360"/>
+                  </a:cubicBezTo>
+                  <a:cubicBezTo>
+                    <a:pt x="3599543" y="986971"/>
+                    <a:pt x="3596243" y="1000221"/>
+                    <a:pt x="3587932" y="1010194"/>
+                  </a:cubicBezTo>
+                  <a:cubicBezTo>
+                    <a:pt x="3581231" y="1018235"/>
+                    <a:pt x="3570323" y="1021527"/>
+                    <a:pt x="3561806" y="1027611"/>
+                  </a:cubicBezTo>
+                  <a:cubicBezTo>
+                    <a:pt x="3549995" y="1036047"/>
+                    <a:pt x="3539280" y="1046044"/>
+                    <a:pt x="3526972" y="1053737"/>
+                  </a:cubicBezTo>
+                  <a:cubicBezTo>
+                    <a:pt x="3500591" y="1070225"/>
+                    <a:pt x="3477175" y="1075869"/>
+                    <a:pt x="3448595" y="1088571"/>
+                  </a:cubicBezTo>
+                  <a:cubicBezTo>
+                    <a:pt x="3436732" y="1093844"/>
+                    <a:pt x="3425692" y="1100874"/>
+                    <a:pt x="3413760" y="1105988"/>
+                  </a:cubicBezTo>
+                  <a:cubicBezTo>
+                    <a:pt x="3405323" y="1109604"/>
+                    <a:pt x="3395845" y="1110592"/>
+                    <a:pt x="3387635" y="1114697"/>
+                  </a:cubicBezTo>
+                  <a:cubicBezTo>
+                    <a:pt x="3270992" y="1173020"/>
+                    <a:pt x="3435890" y="1106400"/>
+                    <a:pt x="3274423" y="1166948"/>
+                  </a:cubicBezTo>
+                  <a:cubicBezTo>
+                    <a:pt x="3268617" y="1172754"/>
+                    <a:pt x="3264553" y="1181132"/>
+                    <a:pt x="3257006" y="1184366"/>
+                  </a:cubicBezTo>
+                  <a:cubicBezTo>
+                    <a:pt x="3243401" y="1190197"/>
+                    <a:pt x="3227886" y="1189746"/>
+                    <a:pt x="3213463" y="1193074"/>
+                  </a:cubicBezTo>
+                  <a:cubicBezTo>
+                    <a:pt x="3190139" y="1198456"/>
+                    <a:pt x="3167018" y="1204685"/>
+                    <a:pt x="3143795" y="1210491"/>
+                  </a:cubicBezTo>
+                  <a:cubicBezTo>
+                    <a:pt x="3120572" y="1225005"/>
+                    <a:pt x="3096912" y="1238843"/>
+                    <a:pt x="3074126" y="1254034"/>
+                  </a:cubicBezTo>
+                  <a:cubicBezTo>
+                    <a:pt x="3065417" y="1259840"/>
+                    <a:pt x="3057087" y="1266258"/>
+                    <a:pt x="3048000" y="1271451"/>
+                  </a:cubicBezTo>
+                  <a:cubicBezTo>
+                    <a:pt x="2970670" y="1315639"/>
+                    <a:pt x="3050682" y="1263857"/>
+                    <a:pt x="2987040" y="1306286"/>
+                  </a:cubicBezTo>
+                  <a:cubicBezTo>
+                    <a:pt x="2956379" y="1352277"/>
+                    <a:pt x="2985197" y="1315330"/>
+                    <a:pt x="2934789" y="1358537"/>
+                  </a:cubicBezTo>
+                  <a:cubicBezTo>
+                    <a:pt x="2890726" y="1396306"/>
+                    <a:pt x="2925515" y="1379234"/>
+                    <a:pt x="2865120" y="1419497"/>
+                  </a:cubicBezTo>
+                  <a:cubicBezTo>
+                    <a:pt x="2854318" y="1426698"/>
+                    <a:pt x="2841897" y="1431108"/>
+                    <a:pt x="2830286" y="1436914"/>
+                  </a:cubicBezTo>
+                  <a:cubicBezTo>
+                    <a:pt x="2821577" y="1451428"/>
+                    <a:pt x="2815306" y="1467718"/>
+                    <a:pt x="2804160" y="1480457"/>
+                  </a:cubicBezTo>
+                  <a:cubicBezTo>
+                    <a:pt x="2794602" y="1491380"/>
+                    <a:pt x="2778034" y="1494972"/>
+                    <a:pt x="2769326" y="1506583"/>
+                  </a:cubicBezTo>
+                  <a:cubicBezTo>
+                    <a:pt x="2759947" y="1519089"/>
+                    <a:pt x="2757398" y="1535489"/>
+                    <a:pt x="2751909" y="1550126"/>
+                  </a:cubicBezTo>
+                  <a:cubicBezTo>
+                    <a:pt x="2748686" y="1558721"/>
+                    <a:pt x="2745722" y="1567425"/>
+                    <a:pt x="2743200" y="1576251"/>
+                  </a:cubicBezTo>
+                  <a:cubicBezTo>
+                    <a:pt x="2739912" y="1587759"/>
+                    <a:pt x="2738694" y="1599879"/>
+                    <a:pt x="2734492" y="1611086"/>
+                  </a:cubicBezTo>
+                  <a:cubicBezTo>
+                    <a:pt x="2701924" y="1697936"/>
+                    <a:pt x="2730995" y="1583265"/>
+                    <a:pt x="2699657" y="1698171"/>
+                  </a:cubicBezTo>
+                  <a:cubicBezTo>
+                    <a:pt x="2687016" y="1744521"/>
+                    <a:pt x="2676196" y="1863294"/>
+                    <a:pt x="2673532" y="1881051"/>
+                  </a:cubicBezTo>
+                  <a:cubicBezTo>
+                    <a:pt x="2671756" y="1892888"/>
+                    <a:pt x="2667726" y="1904274"/>
+                    <a:pt x="2664823" y="1915886"/>
+                  </a:cubicBezTo>
+                  <a:cubicBezTo>
+                    <a:pt x="2659017" y="2162629"/>
+                    <a:pt x="2658127" y="2409536"/>
+                    <a:pt x="2647406" y="2656114"/>
+                  </a:cubicBezTo>
+                  <a:cubicBezTo>
+                    <a:pt x="2646488" y="2677227"/>
+                    <a:pt x="2634417" y="2696410"/>
+                    <a:pt x="2629989" y="2717074"/>
+                  </a:cubicBezTo>
+                  <a:cubicBezTo>
+                    <a:pt x="2625688" y="2737145"/>
+                    <a:pt x="2624401" y="2757746"/>
+                    <a:pt x="2621280" y="2778034"/>
+                  </a:cubicBezTo>
+                  <a:cubicBezTo>
+                    <a:pt x="2602559" y="2899719"/>
+                    <a:pt x="2626711" y="2747612"/>
+                    <a:pt x="2586446" y="2908663"/>
+                  </a:cubicBezTo>
+                  <a:cubicBezTo>
+                    <a:pt x="2578131" y="2941923"/>
+                    <a:pt x="2576716" y="2954248"/>
+                    <a:pt x="2560320" y="2987040"/>
+                  </a:cubicBezTo>
+                  <a:cubicBezTo>
+                    <a:pt x="2555639" y="2996402"/>
+                    <a:pt x="2548450" y="3004290"/>
+                    <a:pt x="2542903" y="3013166"/>
+                  </a:cubicBezTo>
+                  <a:cubicBezTo>
+                    <a:pt x="2533932" y="3027519"/>
+                    <a:pt x="2524347" y="3041569"/>
+                    <a:pt x="2516777" y="3056708"/>
+                  </a:cubicBezTo>
+                  <a:cubicBezTo>
+                    <a:pt x="2436934" y="3216394"/>
+                    <a:pt x="2590494" y="2934235"/>
+                    <a:pt x="2490652" y="3108960"/>
+                  </a:cubicBezTo>
+                  <a:cubicBezTo>
+                    <a:pt x="2484211" y="3120231"/>
+                    <a:pt x="2478349" y="3131862"/>
+                    <a:pt x="2473235" y="3143794"/>
+                  </a:cubicBezTo>
+                  <a:cubicBezTo>
+                    <a:pt x="2465004" y="3162999"/>
+                    <a:pt x="2465299" y="3181494"/>
+                    <a:pt x="2447109" y="3196046"/>
+                  </a:cubicBezTo>
+                  <a:cubicBezTo>
+                    <a:pt x="2439941" y="3201780"/>
+                    <a:pt x="2429692" y="3201851"/>
+                    <a:pt x="2420983" y="3204754"/>
+                  </a:cubicBezTo>
+                  <a:cubicBezTo>
+                    <a:pt x="2418080" y="3213463"/>
+                    <a:pt x="2416380" y="3222669"/>
+                    <a:pt x="2412275" y="3230880"/>
+                  </a:cubicBezTo>
+                  <a:cubicBezTo>
+                    <a:pt x="2401496" y="3252438"/>
+                    <a:pt x="2377552" y="3278207"/>
+                    <a:pt x="2360023" y="3291840"/>
+                  </a:cubicBezTo>
+                  <a:cubicBezTo>
+                    <a:pt x="2346662" y="3302232"/>
+                    <a:pt x="2330994" y="3309257"/>
+                    <a:pt x="2316480" y="3317966"/>
+                  </a:cubicBezTo>
+                  <a:cubicBezTo>
+                    <a:pt x="2280922" y="3389081"/>
+                    <a:pt x="2325368" y="3322231"/>
+                    <a:pt x="2229395" y="3370217"/>
+                  </a:cubicBezTo>
+                  <a:cubicBezTo>
+                    <a:pt x="2209116" y="3380356"/>
+                    <a:pt x="2195039" y="3399841"/>
+                    <a:pt x="2177143" y="3413760"/>
+                  </a:cubicBezTo>
+                  <a:cubicBezTo>
+                    <a:pt x="2168881" y="3420186"/>
+                    <a:pt x="2158964" y="3424366"/>
+                    <a:pt x="2151017" y="3431177"/>
+                  </a:cubicBezTo>
+                  <a:cubicBezTo>
+                    <a:pt x="2138549" y="3441864"/>
+                    <a:pt x="2128541" y="3455198"/>
+                    <a:pt x="2116183" y="3466011"/>
+                  </a:cubicBezTo>
+                  <a:cubicBezTo>
+                    <a:pt x="2077004" y="3500293"/>
+                    <a:pt x="2088928" y="3485318"/>
+                    <a:pt x="2046515" y="3509554"/>
+                  </a:cubicBezTo>
+                  <a:cubicBezTo>
+                    <a:pt x="2021888" y="3523627"/>
+                    <a:pt x="1957616" y="3574626"/>
+                    <a:pt x="1950720" y="3579223"/>
+                  </a:cubicBezTo>
+                  <a:lnTo>
+                    <a:pt x="1924595" y="3596640"/>
+                  </a:lnTo>
+                  <a:cubicBezTo>
+                    <a:pt x="1918789" y="3605349"/>
+                    <a:pt x="1914578" y="3615365"/>
+                    <a:pt x="1907177" y="3622766"/>
+                  </a:cubicBezTo>
+                  <a:cubicBezTo>
+                    <a:pt x="1886256" y="3643687"/>
+                    <a:pt x="1879718" y="3638266"/>
+                    <a:pt x="1854926" y="3648891"/>
+                  </a:cubicBezTo>
+                  <a:cubicBezTo>
+                    <a:pt x="1842994" y="3654005"/>
+                    <a:pt x="1831703" y="3660502"/>
+                    <a:pt x="1820092" y="3666308"/>
+                  </a:cubicBezTo>
+                  <a:cubicBezTo>
+                    <a:pt x="1814286" y="3672114"/>
+                    <a:pt x="1809716" y="3679502"/>
+                    <a:pt x="1802675" y="3683726"/>
+                  </a:cubicBezTo>
+                  <a:cubicBezTo>
+                    <a:pt x="1794804" y="3688449"/>
+                    <a:pt x="1783795" y="3686798"/>
+                    <a:pt x="1776549" y="3692434"/>
+                  </a:cubicBezTo>
+                  <a:cubicBezTo>
+                    <a:pt x="1757106" y="3707556"/>
+                    <a:pt x="1741714" y="3727269"/>
+                    <a:pt x="1724297" y="3744686"/>
+                  </a:cubicBezTo>
+                  <a:cubicBezTo>
+                    <a:pt x="1715589" y="3753394"/>
+                    <a:pt x="1709855" y="3766917"/>
+                    <a:pt x="1698172" y="3770811"/>
+                  </a:cubicBezTo>
+                  <a:lnTo>
+                    <a:pt x="1645920" y="3788228"/>
+                  </a:lnTo>
+                  <a:lnTo>
+                    <a:pt x="1593669" y="3805646"/>
+                  </a:lnTo>
+                  <a:lnTo>
+                    <a:pt x="1567543" y="3814354"/>
+                  </a:lnTo>
+                  <a:cubicBezTo>
+                    <a:pt x="1558834" y="3820160"/>
+                    <a:pt x="1551755" y="3830139"/>
+                    <a:pt x="1541417" y="3831771"/>
+                  </a:cubicBezTo>
+                  <a:cubicBezTo>
+                    <a:pt x="1495450" y="3839029"/>
+                    <a:pt x="1448468" y="3836769"/>
+                    <a:pt x="1402080" y="3840480"/>
+                  </a:cubicBezTo>
+                  <a:cubicBezTo>
+                    <a:pt x="1323534" y="3846764"/>
+                    <a:pt x="1345663" y="3838207"/>
+                    <a:pt x="1288869" y="3866606"/>
+                  </a:cubicBezTo>
+                  <a:close/>
+                </a:path>
+              </a:pathLst>
+            </a:custGeom>
+            <a:solidFill>
+              <a:schemeClr val="accent1">
+                <a:lumMod val="20000"/>
+                <a:lumOff val="80000"/>
+              </a:schemeClr>
+            </a:solidFill>
+            <a:ln>
+              <a:solidFill>
+                <a:schemeClr val="accent1">
+                  <a:lumMod val="50000"/>
+                </a:schemeClr>
+              </a:solidFill>
+            </a:ln>
+          </p:spPr>
+          <p:style>
+            <a:lnRef idx="2">
+              <a:schemeClr val="accent1">
+                <a:shade val="50000"/>
+              </a:schemeClr>
+            </a:lnRef>
+            <a:fillRef idx="1">
+              <a:schemeClr val="accent1"/>
+            </a:fillRef>
+            <a:effectRef idx="0">
+              <a:schemeClr val="accent1"/>
+            </a:effectRef>
+            <a:fontRef idx="minor">
+              <a:schemeClr val="lt1"/>
+            </a:fontRef>
+          </p:style>
+          <p:txBody>
+            <a:bodyPr rtlCol="0" anchor="ctr"/>
+            <a:lstStyle/>
+            <a:p>
+              <a:pPr algn="ctr"/>
+              <a:endParaRPr lang="en-US"/>
+            </a:p>
+          </p:txBody>
+        </p:sp>
+        <p:sp>
+          <p:nvSpPr>
+            <p:cNvPr id="5" name="Rectangle 4"/>
+            <p:cNvSpPr/>
+            <p:nvPr/>
+          </p:nvSpPr>
+          <p:spPr>
+            <a:xfrm>
+              <a:off x="3439886" y="957943"/>
+              <a:ext cx="4023360" cy="3866606"/>
+            </a:xfrm>
+            <a:prstGeom prst="rect">
+              <a:avLst/>
+            </a:prstGeom>
+            <a:noFill/>
+            <a:ln w="38100">
+              <a:solidFill>
+                <a:srgbClr val="C00000"/>
+              </a:solidFill>
+            </a:ln>
+          </p:spPr>
+          <p:style>
+            <a:lnRef idx="2">
+              <a:schemeClr val="accent1">
+                <a:shade val="50000"/>
+              </a:schemeClr>
+            </a:lnRef>
+            <a:fillRef idx="1">
+              <a:schemeClr val="accent1"/>
+            </a:fillRef>
+            <a:effectRef idx="0">
+              <a:schemeClr val="accent1"/>
+            </a:effectRef>
+            <a:fontRef idx="minor">
+              <a:schemeClr val="lt1"/>
+            </a:fontRef>
+          </p:style>
+          <p:txBody>
+            <a:bodyPr rtlCol="0" anchor="ctr"/>
+            <a:lstStyle/>
+            <a:p>
+              <a:pPr algn="ctr"/>
+              <a:endParaRPr lang="en-US"/>
+            </a:p>
+          </p:txBody>
+        </p:sp>
+        <p:cxnSp>
+          <p:nvCxnSpPr>
+            <p:cNvPr id="7" name="Straight Connector 6"/>
+            <p:cNvCxnSpPr>
+              <a:stCxn id="5" idx="1"/>
+              <a:endCxn id="5" idx="3"/>
+            </p:cNvCxnSpPr>
+            <p:nvPr/>
+          </p:nvCxnSpPr>
+          <p:spPr>
+            <a:xfrm>
+              <a:off x="3439886" y="2891246"/>
+              <a:ext cx="4023360" cy="0"/>
+            </a:xfrm>
+            <a:prstGeom prst="line">
+              <a:avLst/>
+            </a:prstGeom>
+            <a:ln w="28575">
+              <a:solidFill>
+                <a:srgbClr val="C00000"/>
+              </a:solidFill>
+            </a:ln>
+          </p:spPr>
+          <p:style>
+            <a:lnRef idx="1">
+              <a:schemeClr val="accent1"/>
+            </a:lnRef>
+            <a:fillRef idx="0">
+              <a:schemeClr val="accent1"/>
+            </a:fillRef>
+            <a:effectRef idx="0">
+              <a:schemeClr val="accent1"/>
+            </a:effectRef>
+            <a:fontRef idx="minor">
+              <a:schemeClr val="tx1"/>
+            </a:fontRef>
+          </p:style>
+        </p:cxnSp>
+        <p:cxnSp>
+          <p:nvCxnSpPr>
+            <p:cNvPr id="11" name="Straight Connector 10"/>
+            <p:cNvCxnSpPr>
+              <a:stCxn id="5" idx="0"/>
+              <a:endCxn id="5" idx="2"/>
+            </p:cNvCxnSpPr>
+            <p:nvPr/>
+          </p:nvCxnSpPr>
+          <p:spPr>
+            <a:xfrm>
+              <a:off x="5451566" y="957943"/>
+              <a:ext cx="0" cy="3866606"/>
+            </a:xfrm>
+            <a:prstGeom prst="line">
+              <a:avLst/>
+            </a:prstGeom>
+            <a:ln w="28575">
+              <a:solidFill>
+                <a:srgbClr val="C00000"/>
+              </a:solidFill>
+            </a:ln>
+          </p:spPr>
+          <p:style>
+            <a:lnRef idx="1">
+              <a:schemeClr val="accent1"/>
+            </a:lnRef>
+            <a:fillRef idx="0">
+              <a:schemeClr val="accent1"/>
+            </a:fillRef>
+            <a:effectRef idx="0">
+              <a:schemeClr val="accent1"/>
+            </a:effectRef>
+            <a:fontRef idx="minor">
+              <a:schemeClr val="tx1"/>
+            </a:fontRef>
+          </p:style>
+        </p:cxnSp>
+      </p:grpSp>
+    </p:spTree>
+    <p:extLst>
+      <p:ext uri="{BB962C8B-B14F-4D97-AF65-F5344CB8AC3E}">
+        <p14:creationId xmlns:p14="http://schemas.microsoft.com/office/powerpoint/2010/main" val="2573926225"/>
+      </p:ext>
+    </p:extLst>
+  </p:cSld>
+  <p:clrMapOvr>
+    <a:masterClrMapping/>
+  </p:clrMapOvr>
+  <p:timing>
+    <p:tnLst>
+      <p:par>
+        <p:cTn xmlns:p14="http://schemas.microsoft.com/office/powerpoint/2010/main" id="1" dur="indefinite" restart="never" nodeType="tmRoot"/>
+      </p:par>
+    </p:tnLst>
+  </p:timing>
+</p:sld>
+</file>
+
+<file path=ppt/slides/slide3.xml><?xml version="1.0" encoding="utf-8"?>
 <p:sld xmlns:a="http://schemas.openxmlformats.org/drawingml/2006/main" xmlns:r="http://schemas.openxmlformats.org/officeDocument/2006/relationships" xmlns:p="http://schemas.openxmlformats.org/presentationml/2006/main">
   <p:cSld>
     <p:spTree>
@@ -5221,7 +7090,7 @@
     </p:spTree>
     <p:extLst>
       <p:ext uri="{BB962C8B-B14F-4D97-AF65-F5344CB8AC3E}">
-        <p14:creationId xmlns:p14="http://schemas.microsoft.com/office/powerpoint/2010/main" val="2573926225"/>
+        <p14:creationId xmlns:p14="http://schemas.microsoft.com/office/powerpoint/2010/main" val="1172821256"/>
       </p:ext>
     </p:extLst>
   </p:cSld>
@@ -5231,882 +7100,7 @@
   <p:timing>
     <p:tnLst>
       <p:par>
-        <p:cTn id="1" dur="indefinite" restart="never" nodeType="tmRoot"/>
-      </p:par>
-    </p:tnLst>
-  </p:timing>
-</p:sld>
-</file>
-
-<file path=ppt/slides/slide3.xml><?xml version="1.0" encoding="utf-8"?>
-<p:sld xmlns:a="http://schemas.openxmlformats.org/drawingml/2006/main" xmlns:r="http://schemas.openxmlformats.org/officeDocument/2006/relationships" xmlns:p="http://schemas.openxmlformats.org/presentationml/2006/main">
-  <p:cSld>
-    <p:spTree>
-      <p:nvGrpSpPr>
-        <p:cNvPr id="1" name=""/>
-        <p:cNvGrpSpPr/>
-        <p:nvPr/>
-      </p:nvGrpSpPr>
-      <p:grpSpPr>
-        <a:xfrm>
-          <a:off x="0" y="0"/>
-          <a:ext cx="0" cy="0"/>
-          <a:chOff x="0" y="0"/>
-          <a:chExt cx="0" cy="0"/>
-        </a:xfrm>
-      </p:grpSpPr>
-      <p:sp>
-        <p:nvSpPr>
-          <p:cNvPr id="2" name="Rectangle 1"/>
-          <p:cNvSpPr/>
-          <p:nvPr/>
-        </p:nvSpPr>
-        <p:spPr>
-          <a:xfrm>
-            <a:off x="2963333" y="1168400"/>
-            <a:ext cx="3591148" cy="2672080"/>
-          </a:xfrm>
-          <a:prstGeom prst="rect">
-            <a:avLst/>
-          </a:prstGeom>
-          <a:noFill/>
-          <a:ln w="19050">
-            <a:solidFill>
-              <a:srgbClr val="FF0000"/>
-            </a:solidFill>
-          </a:ln>
-        </p:spPr>
-        <p:style>
-          <a:lnRef idx="1">
-            <a:schemeClr val="accent1"/>
-          </a:lnRef>
-          <a:fillRef idx="3">
-            <a:schemeClr val="accent1"/>
-          </a:fillRef>
-          <a:effectRef idx="2">
-            <a:schemeClr val="accent1"/>
-          </a:effectRef>
-          <a:fontRef idx="minor">
-            <a:schemeClr val="lt1"/>
-          </a:fontRef>
-        </p:style>
-        <p:txBody>
-          <a:bodyPr rtlCol="0" anchor="ctr"/>
-          <a:lstStyle/>
-          <a:p>
-            <a:pPr algn="ctr"/>
-            <a:endParaRPr lang="en-US"/>
-          </a:p>
-        </p:txBody>
-      </p:sp>
-      <p:cxnSp>
-        <p:nvCxnSpPr>
-          <p:cNvPr id="4" name="Straight Connector 3"/>
-          <p:cNvCxnSpPr>
-            <a:stCxn id="2" idx="1"/>
-            <a:endCxn id="2" idx="3"/>
-          </p:cNvCxnSpPr>
-          <p:nvPr/>
-        </p:nvCxnSpPr>
-        <p:spPr>
-          <a:xfrm>
-            <a:off x="2963333" y="2504440"/>
-            <a:ext cx="3591148" cy="0"/>
-          </a:xfrm>
-          <a:prstGeom prst="line">
-            <a:avLst/>
-          </a:prstGeom>
-          <a:ln w="19050">
-            <a:solidFill>
-              <a:srgbClr val="008000"/>
-            </a:solidFill>
-            <a:prstDash val="dash"/>
-          </a:ln>
-        </p:spPr>
-        <p:style>
-          <a:lnRef idx="2">
-            <a:schemeClr val="accent1"/>
-          </a:lnRef>
-          <a:fillRef idx="0">
-            <a:schemeClr val="accent1"/>
-          </a:fillRef>
-          <a:effectRef idx="1">
-            <a:schemeClr val="accent1"/>
-          </a:effectRef>
-          <a:fontRef idx="minor">
-            <a:schemeClr val="tx1"/>
-          </a:fontRef>
-        </p:style>
-      </p:cxnSp>
-      <p:cxnSp>
-        <p:nvCxnSpPr>
-          <p:cNvPr id="6" name="Straight Connector 5"/>
-          <p:cNvCxnSpPr>
-            <a:stCxn id="2" idx="0"/>
-            <a:endCxn id="2" idx="2"/>
-          </p:cNvCxnSpPr>
-          <p:nvPr/>
-        </p:nvCxnSpPr>
-        <p:spPr>
-          <a:xfrm>
-            <a:off x="4758907" y="1168400"/>
-            <a:ext cx="0" cy="2672080"/>
-          </a:xfrm>
-          <a:prstGeom prst="line">
-            <a:avLst/>
-          </a:prstGeom>
-          <a:ln w="19050">
-            <a:solidFill>
-              <a:schemeClr val="accent5">
-                <a:lumMod val="75000"/>
-              </a:schemeClr>
-            </a:solidFill>
-            <a:prstDash val="dash"/>
-          </a:ln>
-        </p:spPr>
-        <p:style>
-          <a:lnRef idx="2">
-            <a:schemeClr val="accent1"/>
-          </a:lnRef>
-          <a:fillRef idx="0">
-            <a:schemeClr val="accent1"/>
-          </a:fillRef>
-          <a:effectRef idx="1">
-            <a:schemeClr val="accent1"/>
-          </a:effectRef>
-          <a:fontRef idx="minor">
-            <a:schemeClr val="tx1"/>
-          </a:fontRef>
-        </p:style>
-      </p:cxnSp>
-      <p:sp>
-        <p:nvSpPr>
-          <p:cNvPr id="8" name="TextBox 7"/>
-          <p:cNvSpPr txBox="1"/>
-          <p:nvPr/>
-        </p:nvSpPr>
-        <p:spPr>
-          <a:xfrm>
-            <a:off x="2661920" y="2956561"/>
-            <a:ext cx="301660" cy="369332"/>
-          </a:xfrm>
-          <a:prstGeom prst="rect">
-            <a:avLst/>
-          </a:prstGeom>
-          <a:noFill/>
-        </p:spPr>
-        <p:txBody>
-          <a:bodyPr wrap="none" rtlCol="0">
-            <a:spAutoFit/>
-          </a:bodyPr>
-          <a:lstStyle/>
-          <a:p>
-            <a:r>
-              <a:rPr lang="en-US" dirty="0" smtClean="0"/>
-              <a:t>1</a:t>
-            </a:r>
-            <a:endParaRPr lang="en-US" dirty="0"/>
-          </a:p>
-        </p:txBody>
-      </p:sp>
-      <p:sp>
-        <p:nvSpPr>
-          <p:cNvPr id="9" name="TextBox 8"/>
-          <p:cNvSpPr txBox="1"/>
-          <p:nvPr/>
-        </p:nvSpPr>
-        <p:spPr>
-          <a:xfrm>
-            <a:off x="2661920" y="1688984"/>
-            <a:ext cx="301660" cy="369332"/>
-          </a:xfrm>
-          <a:prstGeom prst="rect">
-            <a:avLst/>
-          </a:prstGeom>
-          <a:noFill/>
-        </p:spPr>
-        <p:txBody>
-          <a:bodyPr wrap="none" rtlCol="0">
-            <a:spAutoFit/>
-          </a:bodyPr>
-          <a:lstStyle/>
-          <a:p>
-            <a:r>
-              <a:rPr lang="en-US" dirty="0" smtClean="0"/>
-              <a:t>2</a:t>
-            </a:r>
-            <a:endParaRPr lang="en-US" dirty="0"/>
-          </a:p>
-        </p:txBody>
-      </p:sp>
-      <p:sp>
-        <p:nvSpPr>
-          <p:cNvPr id="10" name="TextBox 9"/>
-          <p:cNvSpPr txBox="1"/>
-          <p:nvPr/>
-        </p:nvSpPr>
-        <p:spPr>
-          <a:xfrm>
-            <a:off x="3691954" y="795872"/>
-            <a:ext cx="301660" cy="369332"/>
-          </a:xfrm>
-          <a:prstGeom prst="rect">
-            <a:avLst/>
-          </a:prstGeom>
-          <a:noFill/>
-        </p:spPr>
-        <p:txBody>
-          <a:bodyPr wrap="none" rtlCol="0">
-            <a:spAutoFit/>
-          </a:bodyPr>
-          <a:lstStyle/>
-          <a:p>
-            <a:r>
-              <a:rPr lang="en-US" dirty="0"/>
-              <a:t>3</a:t>
-            </a:r>
-          </a:p>
-        </p:txBody>
-      </p:sp>
-      <p:sp>
-        <p:nvSpPr>
-          <p:cNvPr id="11" name="TextBox 10"/>
-          <p:cNvSpPr txBox="1"/>
-          <p:nvPr/>
-        </p:nvSpPr>
-        <p:spPr>
-          <a:xfrm>
-            <a:off x="5488819" y="795872"/>
-            <a:ext cx="301660" cy="369332"/>
-          </a:xfrm>
-          <a:prstGeom prst="rect">
-            <a:avLst/>
-          </a:prstGeom>
-          <a:noFill/>
-        </p:spPr>
-        <p:txBody>
-          <a:bodyPr wrap="none" rtlCol="0">
-            <a:spAutoFit/>
-          </a:bodyPr>
-          <a:lstStyle/>
-          <a:p>
-            <a:r>
-              <a:rPr lang="en-US" dirty="0"/>
-              <a:t>4</a:t>
-            </a:r>
-          </a:p>
-        </p:txBody>
-      </p:sp>
-      <p:sp>
-        <p:nvSpPr>
-          <p:cNvPr id="12" name="TextBox 11"/>
-          <p:cNvSpPr txBox="1"/>
-          <p:nvPr/>
-        </p:nvSpPr>
-        <p:spPr>
-          <a:xfrm>
-            <a:off x="6575939" y="1688983"/>
-            <a:ext cx="301660" cy="369332"/>
-          </a:xfrm>
-          <a:prstGeom prst="rect">
-            <a:avLst/>
-          </a:prstGeom>
-          <a:noFill/>
-        </p:spPr>
-        <p:txBody>
-          <a:bodyPr wrap="none" rtlCol="0">
-            <a:spAutoFit/>
-          </a:bodyPr>
-          <a:lstStyle/>
-          <a:p>
-            <a:r>
-              <a:rPr lang="en-US" dirty="0"/>
-              <a:t>5</a:t>
-            </a:r>
-          </a:p>
-        </p:txBody>
-      </p:sp>
-      <p:sp>
-        <p:nvSpPr>
-          <p:cNvPr id="13" name="TextBox 12"/>
-          <p:cNvSpPr txBox="1"/>
-          <p:nvPr/>
-        </p:nvSpPr>
-        <p:spPr>
-          <a:xfrm>
-            <a:off x="6575939" y="2956566"/>
-            <a:ext cx="301660" cy="369332"/>
-          </a:xfrm>
-          <a:prstGeom prst="rect">
-            <a:avLst/>
-          </a:prstGeom>
-          <a:noFill/>
-        </p:spPr>
-        <p:txBody>
-          <a:bodyPr wrap="none" rtlCol="0">
-            <a:spAutoFit/>
-          </a:bodyPr>
-          <a:lstStyle/>
-          <a:p>
-            <a:r>
-              <a:rPr lang="en-US" dirty="0" smtClean="0"/>
-              <a:t>6</a:t>
-            </a:r>
-            <a:endParaRPr lang="en-US" dirty="0"/>
-          </a:p>
-        </p:txBody>
-      </p:sp>
-      <p:sp>
-        <p:nvSpPr>
-          <p:cNvPr id="14" name="TextBox 13"/>
-          <p:cNvSpPr txBox="1"/>
-          <p:nvPr/>
-        </p:nvSpPr>
-        <p:spPr>
-          <a:xfrm>
-            <a:off x="5498978" y="3858873"/>
-            <a:ext cx="301660" cy="369332"/>
-          </a:xfrm>
-          <a:prstGeom prst="rect">
-            <a:avLst/>
-          </a:prstGeom>
-          <a:noFill/>
-        </p:spPr>
-        <p:txBody>
-          <a:bodyPr wrap="none" rtlCol="0">
-            <a:spAutoFit/>
-          </a:bodyPr>
-          <a:lstStyle/>
-          <a:p>
-            <a:r>
-              <a:rPr lang="en-US" dirty="0"/>
-              <a:t>7</a:t>
-            </a:r>
-          </a:p>
-        </p:txBody>
-      </p:sp>
-      <p:sp>
-        <p:nvSpPr>
-          <p:cNvPr id="15" name="TextBox 14"/>
-          <p:cNvSpPr txBox="1"/>
-          <p:nvPr/>
-        </p:nvSpPr>
-        <p:spPr>
-          <a:xfrm>
-            <a:off x="3691955" y="3858872"/>
-            <a:ext cx="301660" cy="369332"/>
-          </a:xfrm>
-          <a:prstGeom prst="rect">
-            <a:avLst/>
-          </a:prstGeom>
-          <a:noFill/>
-        </p:spPr>
-        <p:txBody>
-          <a:bodyPr wrap="none" rtlCol="0">
-            <a:spAutoFit/>
-          </a:bodyPr>
-          <a:lstStyle/>
-          <a:p>
-            <a:r>
-              <a:rPr lang="en-US" dirty="0" smtClean="0"/>
-              <a:t>8</a:t>
-            </a:r>
-            <a:endParaRPr lang="en-US" dirty="0"/>
-          </a:p>
-        </p:txBody>
-      </p:sp>
-      <p:sp>
-        <p:nvSpPr>
-          <p:cNvPr id="3" name="TextBox 2"/>
-          <p:cNvSpPr txBox="1"/>
-          <p:nvPr/>
-        </p:nvSpPr>
-        <p:spPr>
-          <a:xfrm>
-            <a:off x="3569064" y="2949299"/>
-            <a:ext cx="530915" cy="369332"/>
-          </a:xfrm>
-          <a:prstGeom prst="rect">
-            <a:avLst/>
-          </a:prstGeom>
-          <a:noFill/>
-        </p:spPr>
-        <p:txBody>
-          <a:bodyPr wrap="none" rtlCol="0">
-            <a:spAutoFit/>
-          </a:bodyPr>
-          <a:lstStyle/>
-          <a:p>
-            <a:r>
-              <a:rPr lang="en-US" dirty="0" smtClean="0">
-                <a:solidFill>
-                  <a:srgbClr val="0000FF"/>
-                </a:solidFill>
-              </a:rPr>
-              <a:t>L_B</a:t>
-            </a:r>
-          </a:p>
-        </p:txBody>
-      </p:sp>
-      <p:sp>
-        <p:nvSpPr>
-          <p:cNvPr id="16" name="TextBox 15"/>
-          <p:cNvSpPr txBox="1"/>
-          <p:nvPr/>
-        </p:nvSpPr>
-        <p:spPr>
-          <a:xfrm>
-            <a:off x="5380445" y="2949299"/>
-            <a:ext cx="556563" cy="369332"/>
-          </a:xfrm>
-          <a:prstGeom prst="rect">
-            <a:avLst/>
-          </a:prstGeom>
-          <a:noFill/>
-        </p:spPr>
-        <p:txBody>
-          <a:bodyPr wrap="none" rtlCol="0">
-            <a:spAutoFit/>
-          </a:bodyPr>
-          <a:lstStyle/>
-          <a:p>
-            <a:r>
-              <a:rPr lang="en-US" dirty="0">
-                <a:solidFill>
-                  <a:srgbClr val="0000FF"/>
-                </a:solidFill>
-              </a:rPr>
-              <a:t>R</a:t>
-            </a:r>
-            <a:r>
-              <a:rPr lang="en-US" dirty="0" smtClean="0">
-                <a:solidFill>
-                  <a:srgbClr val="0000FF"/>
-                </a:solidFill>
-              </a:rPr>
-              <a:t>_B</a:t>
-            </a:r>
-          </a:p>
-        </p:txBody>
-      </p:sp>
-      <p:sp>
-        <p:nvSpPr>
-          <p:cNvPr id="17" name="TextBox 16"/>
-          <p:cNvSpPr txBox="1"/>
-          <p:nvPr/>
-        </p:nvSpPr>
-        <p:spPr>
-          <a:xfrm>
-            <a:off x="3569064" y="1673502"/>
-            <a:ext cx="518091" cy="369332"/>
-          </a:xfrm>
-          <a:prstGeom prst="rect">
-            <a:avLst/>
-          </a:prstGeom>
-          <a:noFill/>
-        </p:spPr>
-        <p:txBody>
-          <a:bodyPr wrap="none" rtlCol="0">
-            <a:spAutoFit/>
-          </a:bodyPr>
-          <a:lstStyle/>
-          <a:p>
-            <a:r>
-              <a:rPr lang="en-US" dirty="0" smtClean="0">
-                <a:solidFill>
-                  <a:srgbClr val="0000FF"/>
-                </a:solidFill>
-              </a:rPr>
-              <a:t>L_T</a:t>
-            </a:r>
-          </a:p>
-        </p:txBody>
-      </p:sp>
-      <p:sp>
-        <p:nvSpPr>
-          <p:cNvPr id="18" name="TextBox 17"/>
-          <p:cNvSpPr txBox="1"/>
-          <p:nvPr/>
-        </p:nvSpPr>
-        <p:spPr>
-          <a:xfrm>
-            <a:off x="5380445" y="1673502"/>
-            <a:ext cx="543739" cy="369332"/>
-          </a:xfrm>
-          <a:prstGeom prst="rect">
-            <a:avLst/>
-          </a:prstGeom>
-          <a:noFill/>
-        </p:spPr>
-        <p:txBody>
-          <a:bodyPr wrap="none" rtlCol="0">
-            <a:spAutoFit/>
-          </a:bodyPr>
-          <a:lstStyle/>
-          <a:p>
-            <a:r>
-              <a:rPr lang="en-US" dirty="0" smtClean="0">
-                <a:solidFill>
-                  <a:srgbClr val="0000FF"/>
-                </a:solidFill>
-              </a:rPr>
-              <a:t>R_T</a:t>
-            </a:r>
-          </a:p>
-        </p:txBody>
-      </p:sp>
-      <p:sp>
-        <p:nvSpPr>
-          <p:cNvPr id="19" name="Rectangle 18"/>
-          <p:cNvSpPr/>
-          <p:nvPr/>
-        </p:nvSpPr>
-        <p:spPr>
-          <a:xfrm>
-            <a:off x="7218922" y="1883172"/>
-            <a:ext cx="501227" cy="213360"/>
-          </a:xfrm>
-          <a:prstGeom prst="rect">
-            <a:avLst/>
-          </a:prstGeom>
-          <a:noFill/>
-          <a:ln w="19050">
-            <a:solidFill>
-              <a:srgbClr val="FF0000"/>
-            </a:solidFill>
-          </a:ln>
-        </p:spPr>
-        <p:style>
-          <a:lnRef idx="1">
-            <a:schemeClr val="accent1"/>
-          </a:lnRef>
-          <a:fillRef idx="3">
-            <a:schemeClr val="accent1"/>
-          </a:fillRef>
-          <a:effectRef idx="2">
-            <a:schemeClr val="accent1"/>
-          </a:effectRef>
-          <a:fontRef idx="minor">
-            <a:schemeClr val="lt1"/>
-          </a:fontRef>
-        </p:style>
-        <p:txBody>
-          <a:bodyPr rtlCol="0" anchor="ctr"/>
-          <a:lstStyle/>
-          <a:p>
-            <a:pPr algn="ctr"/>
-            <a:endParaRPr lang="en-US"/>
-          </a:p>
-        </p:txBody>
-      </p:sp>
-      <p:sp>
-        <p:nvSpPr>
-          <p:cNvPr id="20" name="TextBox 19"/>
-          <p:cNvSpPr txBox="1"/>
-          <p:nvPr/>
-        </p:nvSpPr>
-        <p:spPr>
-          <a:xfrm>
-            <a:off x="7757403" y="1788350"/>
-            <a:ext cx="1967644" cy="369332"/>
-          </a:xfrm>
-          <a:prstGeom prst="rect">
-            <a:avLst/>
-          </a:prstGeom>
-          <a:noFill/>
-        </p:spPr>
-        <p:txBody>
-          <a:bodyPr wrap="none" rtlCol="0">
-            <a:spAutoFit/>
-          </a:bodyPr>
-          <a:lstStyle/>
-          <a:p>
-            <a:r>
-              <a:rPr lang="en-US" dirty="0" smtClean="0"/>
-              <a:t>Cell boundary lines</a:t>
-            </a:r>
-            <a:endParaRPr lang="en-US" dirty="0"/>
-          </a:p>
-        </p:txBody>
-      </p:sp>
-      <p:sp>
-        <p:nvSpPr>
-          <p:cNvPr id="5" name="Rectangle 4"/>
-          <p:cNvSpPr/>
-          <p:nvPr/>
-        </p:nvSpPr>
-        <p:spPr>
-          <a:xfrm>
-            <a:off x="7757403" y="2208248"/>
-            <a:ext cx="1272779" cy="369332"/>
-          </a:xfrm>
-          <a:prstGeom prst="rect">
-            <a:avLst/>
-          </a:prstGeom>
-        </p:spPr>
-        <p:txBody>
-          <a:bodyPr wrap="none">
-            <a:spAutoFit/>
-          </a:bodyPr>
-          <a:lstStyle/>
-          <a:p>
-            <a:r>
-              <a:rPr lang="en-US" dirty="0" err="1"/>
-              <a:t>split_line_h</a:t>
-            </a:r>
-            <a:endParaRPr lang="en-US" dirty="0"/>
-          </a:p>
-        </p:txBody>
-      </p:sp>
-      <p:sp>
-        <p:nvSpPr>
-          <p:cNvPr id="21" name="Rectangle 20"/>
-          <p:cNvSpPr/>
-          <p:nvPr/>
-        </p:nvSpPr>
-        <p:spPr>
-          <a:xfrm>
-            <a:off x="7757403" y="2628146"/>
-            <a:ext cx="1255760" cy="369332"/>
-          </a:xfrm>
-          <a:prstGeom prst="rect">
-            <a:avLst/>
-          </a:prstGeom>
-        </p:spPr>
-        <p:txBody>
-          <a:bodyPr wrap="none">
-            <a:spAutoFit/>
-          </a:bodyPr>
-          <a:lstStyle/>
-          <a:p>
-            <a:r>
-              <a:rPr lang="en-US" dirty="0" err="1" smtClean="0"/>
-              <a:t>split_line_v</a:t>
-            </a:r>
-            <a:endParaRPr lang="en-US" dirty="0"/>
-          </a:p>
-        </p:txBody>
-      </p:sp>
-      <p:cxnSp>
-        <p:nvCxnSpPr>
-          <p:cNvPr id="22" name="Straight Connector 21"/>
-          <p:cNvCxnSpPr/>
-          <p:nvPr/>
-        </p:nvCxnSpPr>
-        <p:spPr>
-          <a:xfrm>
-            <a:off x="7229082" y="2431812"/>
-            <a:ext cx="541867" cy="0"/>
-          </a:xfrm>
-          <a:prstGeom prst="line">
-            <a:avLst/>
-          </a:prstGeom>
-          <a:ln w="19050">
-            <a:solidFill>
-              <a:srgbClr val="008000"/>
-            </a:solidFill>
-            <a:prstDash val="dash"/>
-          </a:ln>
-        </p:spPr>
-        <p:style>
-          <a:lnRef idx="2">
-            <a:schemeClr val="accent1"/>
-          </a:lnRef>
-          <a:fillRef idx="0">
-            <a:schemeClr val="accent1"/>
-          </a:fillRef>
-          <a:effectRef idx="1">
-            <a:schemeClr val="accent1"/>
-          </a:effectRef>
-          <a:fontRef idx="minor">
-            <a:schemeClr val="tx1"/>
-          </a:fontRef>
-        </p:style>
-      </p:cxnSp>
-      <p:cxnSp>
-        <p:nvCxnSpPr>
-          <p:cNvPr id="24" name="Straight Connector 23"/>
-          <p:cNvCxnSpPr/>
-          <p:nvPr/>
-        </p:nvCxnSpPr>
-        <p:spPr>
-          <a:xfrm>
-            <a:off x="7464456" y="2635012"/>
-            <a:ext cx="0" cy="345440"/>
-          </a:xfrm>
-          <a:prstGeom prst="line">
-            <a:avLst/>
-          </a:prstGeom>
-          <a:ln w="19050">
-            <a:solidFill>
-              <a:schemeClr val="accent5">
-                <a:lumMod val="75000"/>
-              </a:schemeClr>
-            </a:solidFill>
-            <a:prstDash val="dash"/>
-          </a:ln>
-        </p:spPr>
-        <p:style>
-          <a:lnRef idx="2">
-            <a:schemeClr val="accent1"/>
-          </a:lnRef>
-          <a:fillRef idx="0">
-            <a:schemeClr val="accent1"/>
-          </a:fillRef>
-          <a:effectRef idx="1">
-            <a:schemeClr val="accent1"/>
-          </a:effectRef>
-          <a:fontRef idx="minor">
-            <a:schemeClr val="tx1"/>
-          </a:fontRef>
-        </p:style>
-      </p:cxnSp>
-      <p:sp>
-        <p:nvSpPr>
-          <p:cNvPr id="25" name="TextBox 24"/>
-          <p:cNvSpPr txBox="1"/>
-          <p:nvPr/>
-        </p:nvSpPr>
-        <p:spPr>
-          <a:xfrm>
-            <a:off x="3709983" y="2208248"/>
-            <a:ext cx="295274" cy="369332"/>
-          </a:xfrm>
-          <a:prstGeom prst="rect">
-            <a:avLst/>
-          </a:prstGeom>
-          <a:noFill/>
-        </p:spPr>
-        <p:txBody>
-          <a:bodyPr wrap="none" rtlCol="0">
-            <a:spAutoFit/>
-          </a:bodyPr>
-          <a:lstStyle/>
-          <a:p>
-            <a:r>
-              <a:rPr lang="en-US" dirty="0">
-                <a:solidFill>
-                  <a:srgbClr val="0070C0"/>
-                </a:solidFill>
-              </a:rPr>
-              <a:t>a</a:t>
-            </a:r>
-          </a:p>
-        </p:txBody>
-      </p:sp>
-      <p:sp>
-        <p:nvSpPr>
-          <p:cNvPr id="27" name="TextBox 26"/>
-          <p:cNvSpPr txBox="1"/>
-          <p:nvPr/>
-        </p:nvSpPr>
-        <p:spPr>
-          <a:xfrm>
-            <a:off x="5552312" y="2208248"/>
-            <a:ext cx="306494" cy="369332"/>
-          </a:xfrm>
-          <a:prstGeom prst="rect">
-            <a:avLst/>
-          </a:prstGeom>
-          <a:noFill/>
-        </p:spPr>
-        <p:txBody>
-          <a:bodyPr wrap="none" rtlCol="0">
-            <a:spAutoFit/>
-          </a:bodyPr>
-          <a:lstStyle/>
-          <a:p>
-            <a:r>
-              <a:rPr lang="en-US" dirty="0">
-                <a:solidFill>
-                  <a:srgbClr val="0070C0"/>
-                </a:solidFill>
-              </a:rPr>
-              <a:t>b</a:t>
-            </a:r>
-          </a:p>
-        </p:txBody>
-      </p:sp>
-      <p:sp>
-        <p:nvSpPr>
-          <p:cNvPr id="28" name="TextBox 27"/>
-          <p:cNvSpPr txBox="1"/>
-          <p:nvPr/>
-        </p:nvSpPr>
-        <p:spPr>
-          <a:xfrm>
-            <a:off x="4739999" y="1673502"/>
-            <a:ext cx="282450" cy="369332"/>
-          </a:xfrm>
-          <a:prstGeom prst="rect">
-            <a:avLst/>
-          </a:prstGeom>
-          <a:noFill/>
-        </p:spPr>
-        <p:txBody>
-          <a:bodyPr wrap="none" rtlCol="0">
-            <a:spAutoFit/>
-          </a:bodyPr>
-          <a:lstStyle/>
-          <a:p>
-            <a:r>
-              <a:rPr lang="en-US" dirty="0">
-                <a:solidFill>
-                  <a:srgbClr val="0070C0"/>
-                </a:solidFill>
-              </a:rPr>
-              <a:t>c</a:t>
-            </a:r>
-          </a:p>
-        </p:txBody>
-      </p:sp>
-      <p:sp>
-        <p:nvSpPr>
-          <p:cNvPr id="29" name="TextBox 28"/>
-          <p:cNvSpPr txBox="1"/>
-          <p:nvPr/>
-        </p:nvSpPr>
-        <p:spPr>
-          <a:xfrm>
-            <a:off x="4743836" y="2924200"/>
-            <a:ext cx="306494" cy="369332"/>
-          </a:xfrm>
-          <a:prstGeom prst="rect">
-            <a:avLst/>
-          </a:prstGeom>
-          <a:noFill/>
-        </p:spPr>
-        <p:txBody>
-          <a:bodyPr wrap="none" rtlCol="0">
-            <a:spAutoFit/>
-          </a:bodyPr>
-          <a:lstStyle/>
-          <a:p>
-            <a:r>
-              <a:rPr lang="en-US" dirty="0">
-                <a:solidFill>
-                  <a:srgbClr val="0070C0"/>
-                </a:solidFill>
-              </a:rPr>
-              <a:t>d</a:t>
-            </a:r>
-          </a:p>
-        </p:txBody>
-      </p:sp>
-    </p:spTree>
-    <p:extLst>
-      <p:ext uri="{BB962C8B-B14F-4D97-AF65-F5344CB8AC3E}">
-        <p14:creationId xmlns:p14="http://schemas.microsoft.com/office/powerpoint/2010/main" val="2002516722"/>
-      </p:ext>
-    </p:extLst>
-  </p:cSld>
-  <p:clrMapOvr>
-    <a:masterClrMapping/>
-  </p:clrMapOvr>
-  <p:timing>
-    <p:tnLst>
-      <p:par>
-        <p:cTn id="1" dur="indefinite" restart="never" nodeType="tmRoot"/>
+        <p:cTn xmlns:p14="http://schemas.microsoft.com/office/powerpoint/2010/main" id="1" dur="indefinite" restart="never" nodeType="tmRoot"/>
       </p:par>
     </p:tnLst>
   </p:timing>
@@ -6138,31 +7132,27 @@
         </p:nvSpPr>
         <p:spPr>
           <a:xfrm>
-            <a:off x="259806" y="3222534"/>
-            <a:ext cx="3587931" cy="2603863"/>
+            <a:off x="2963333" y="1168400"/>
+            <a:ext cx="3591148" cy="2672080"/>
           </a:xfrm>
           <a:prstGeom prst="rect">
             <a:avLst/>
           </a:prstGeom>
           <a:noFill/>
-          <a:ln>
+          <a:ln w="19050">
             <a:solidFill>
-              <a:schemeClr val="bg1">
-                <a:lumMod val="50000"/>
-              </a:schemeClr>
+              <a:srgbClr val="FF0000"/>
             </a:solidFill>
           </a:ln>
         </p:spPr>
         <p:style>
-          <a:lnRef idx="2">
-            <a:schemeClr val="accent1">
-              <a:shade val="50000"/>
-            </a:schemeClr>
+          <a:lnRef idx="1">
+            <a:schemeClr val="accent1"/>
           </a:lnRef>
-          <a:fillRef idx="1">
+          <a:fillRef idx="3">
             <a:schemeClr val="accent1"/>
           </a:fillRef>
-          <a:effectRef idx="0">
+          <a:effectRef idx="2">
             <a:schemeClr val="accent1"/>
           </a:effectRef>
           <a:fontRef idx="minor">
@@ -6178,83 +7168,38 @@
           </a:p>
         </p:txBody>
       </p:sp>
-      <p:sp>
-        <p:nvSpPr>
-          <p:cNvPr id="3" name="Rectangle 2"/>
-          <p:cNvSpPr/>
+      <p:cxnSp>
+        <p:nvCxnSpPr>
+          <p:cNvPr id="4" name="Straight Connector 3"/>
+          <p:cNvCxnSpPr>
+            <a:stCxn id="2" idx="1"/>
+            <a:endCxn id="2" idx="3"/>
+          </p:cNvCxnSpPr>
           <p:nvPr/>
-        </p:nvSpPr>
+        </p:nvCxnSpPr>
         <p:spPr>
           <a:xfrm>
-            <a:off x="4185195" y="3222534"/>
-            <a:ext cx="3587931" cy="2603863"/>
-          </a:xfrm>
-          <a:prstGeom prst="rect">
+            <a:off x="2963333" y="2504440"/>
+            <a:ext cx="3591148" cy="0"/>
+          </a:xfrm>
+          <a:prstGeom prst="line">
             <a:avLst/>
           </a:prstGeom>
-          <a:noFill/>
-          <a:ln>
+          <a:ln w="19050">
             <a:solidFill>
-              <a:schemeClr val="bg1">
-                <a:lumMod val="50000"/>
-              </a:schemeClr>
+              <a:srgbClr val="008000"/>
             </a:solidFill>
+            <a:prstDash val="dash"/>
           </a:ln>
         </p:spPr>
         <p:style>
           <a:lnRef idx="2">
-            <a:schemeClr val="accent1">
-              <a:shade val="50000"/>
-            </a:schemeClr>
-          </a:lnRef>
-          <a:fillRef idx="1">
-            <a:schemeClr val="accent1"/>
-          </a:fillRef>
-          <a:effectRef idx="0">
-            <a:schemeClr val="accent1"/>
-          </a:effectRef>
-          <a:fontRef idx="minor">
-            <a:schemeClr val="lt1"/>
-          </a:fontRef>
-        </p:style>
-        <p:txBody>
-          <a:bodyPr rtlCol="0" anchor="ctr"/>
-          <a:lstStyle/>
-          <a:p>
-            <a:pPr algn="ctr"/>
-            <a:endParaRPr lang="en-US"/>
-          </a:p>
-        </p:txBody>
-      </p:sp>
-      <p:cxnSp>
-        <p:nvCxnSpPr>
-          <p:cNvPr id="5" name="Straight Arrow Connector 4"/>
-          <p:cNvCxnSpPr/>
-          <p:nvPr/>
-        </p:nvCxnSpPr>
-        <p:spPr>
-          <a:xfrm flipV="1">
-            <a:off x="259806" y="3173548"/>
-            <a:ext cx="1274513" cy="1607822"/>
-          </a:xfrm>
-          <a:prstGeom prst="straightConnector1">
-            <a:avLst/>
-          </a:prstGeom>
-          <a:ln w="28575">
-            <a:solidFill>
-              <a:srgbClr val="FF0000"/>
-            </a:solidFill>
-            <a:tailEnd type="triangle"/>
-          </a:ln>
-        </p:spPr>
-        <p:style>
-          <a:lnRef idx="1">
             <a:schemeClr val="accent1"/>
           </a:lnRef>
           <a:fillRef idx="0">
             <a:schemeClr val="accent1"/>
           </a:fillRef>
-          <a:effectRef idx="0">
+          <a:effectRef idx="1">
             <a:schemeClr val="accent1"/>
           </a:effectRef>
           <a:fontRef idx="minor">
@@ -6264,33 +7209,38 @@
       </p:cxnSp>
       <p:cxnSp>
         <p:nvCxnSpPr>
-          <p:cNvPr id="6" name="Straight Arrow Connector 5"/>
-          <p:cNvCxnSpPr/>
+          <p:cNvPr id="6" name="Straight Connector 5"/>
+          <p:cNvCxnSpPr>
+            <a:stCxn id="2" idx="0"/>
+            <a:endCxn id="2" idx="2"/>
+          </p:cNvCxnSpPr>
           <p:nvPr/>
         </p:nvCxnSpPr>
         <p:spPr>
           <a:xfrm>
-            <a:off x="1505131" y="3222534"/>
-            <a:ext cx="2342606" cy="714104"/>
-          </a:xfrm>
-          <a:prstGeom prst="straightConnector1">
+            <a:off x="4758907" y="1168400"/>
+            <a:ext cx="0" cy="2672080"/>
+          </a:xfrm>
+          <a:prstGeom prst="line">
             <a:avLst/>
           </a:prstGeom>
-          <a:ln w="28575">
+          <a:ln w="19050">
             <a:solidFill>
-              <a:srgbClr val="FF0000"/>
+              <a:schemeClr val="accent5">
+                <a:lumMod val="75000"/>
+              </a:schemeClr>
             </a:solidFill>
-            <a:tailEnd type="triangle"/>
+            <a:prstDash val="dash"/>
           </a:ln>
         </p:spPr>
         <p:style>
-          <a:lnRef idx="1">
+          <a:lnRef idx="2">
             <a:schemeClr val="accent1"/>
           </a:lnRef>
           <a:fillRef idx="0">
             <a:schemeClr val="accent1"/>
           </a:fillRef>
-          <a:effectRef idx="0">
+          <a:effectRef idx="1">
             <a:schemeClr val="accent1"/>
           </a:effectRef>
           <a:fontRef idx="minor">
@@ -6298,109 +7248,411 @@
           </a:fontRef>
         </p:style>
       </p:cxnSp>
-      <p:cxnSp>
-        <p:nvCxnSpPr>
-          <p:cNvPr id="9" name="Straight Arrow Connector 8"/>
-          <p:cNvCxnSpPr/>
+      <p:sp>
+        <p:nvSpPr>
+          <p:cNvPr id="8" name="TextBox 7"/>
+          <p:cNvSpPr txBox="1"/>
           <p:nvPr/>
-        </p:nvCxnSpPr>
-        <p:spPr>
-          <a:xfrm flipH="1">
-            <a:off x="1801223" y="4781369"/>
-            <a:ext cx="2046514" cy="1045028"/>
-          </a:xfrm>
-          <a:prstGeom prst="straightConnector1">
+        </p:nvSpPr>
+        <p:spPr>
+          <a:xfrm>
+            <a:off x="2661920" y="2956561"/>
+            <a:ext cx="301660" cy="369332"/>
+          </a:xfrm>
+          <a:prstGeom prst="rect">
             <a:avLst/>
           </a:prstGeom>
-          <a:ln w="28575">
+          <a:noFill/>
+        </p:spPr>
+        <p:txBody>
+          <a:bodyPr wrap="none" rtlCol="0">
+            <a:spAutoFit/>
+          </a:bodyPr>
+          <a:lstStyle/>
+          <a:p>
+            <a:r>
+              <a:rPr lang="en-US" dirty="0" smtClean="0"/>
+              <a:t>1</a:t>
+            </a:r>
+            <a:endParaRPr lang="en-US" dirty="0"/>
+          </a:p>
+        </p:txBody>
+      </p:sp>
+      <p:sp>
+        <p:nvSpPr>
+          <p:cNvPr id="9" name="TextBox 8"/>
+          <p:cNvSpPr txBox="1"/>
+          <p:nvPr/>
+        </p:nvSpPr>
+        <p:spPr>
+          <a:xfrm>
+            <a:off x="2661920" y="1688984"/>
+            <a:ext cx="301660" cy="369332"/>
+          </a:xfrm>
+          <a:prstGeom prst="rect">
+            <a:avLst/>
+          </a:prstGeom>
+          <a:noFill/>
+        </p:spPr>
+        <p:txBody>
+          <a:bodyPr wrap="none" rtlCol="0">
+            <a:spAutoFit/>
+          </a:bodyPr>
+          <a:lstStyle/>
+          <a:p>
+            <a:r>
+              <a:rPr lang="en-US" dirty="0" smtClean="0"/>
+              <a:t>2</a:t>
+            </a:r>
+            <a:endParaRPr lang="en-US" dirty="0"/>
+          </a:p>
+        </p:txBody>
+      </p:sp>
+      <p:sp>
+        <p:nvSpPr>
+          <p:cNvPr id="10" name="TextBox 9"/>
+          <p:cNvSpPr txBox="1"/>
+          <p:nvPr/>
+        </p:nvSpPr>
+        <p:spPr>
+          <a:xfrm>
+            <a:off x="3691954" y="795872"/>
+            <a:ext cx="301660" cy="369332"/>
+          </a:xfrm>
+          <a:prstGeom prst="rect">
+            <a:avLst/>
+          </a:prstGeom>
+          <a:noFill/>
+        </p:spPr>
+        <p:txBody>
+          <a:bodyPr wrap="none" rtlCol="0">
+            <a:spAutoFit/>
+          </a:bodyPr>
+          <a:lstStyle/>
+          <a:p>
+            <a:r>
+              <a:rPr lang="en-US" dirty="0"/>
+              <a:t>3</a:t>
+            </a:r>
+          </a:p>
+        </p:txBody>
+      </p:sp>
+      <p:sp>
+        <p:nvSpPr>
+          <p:cNvPr id="11" name="TextBox 10"/>
+          <p:cNvSpPr txBox="1"/>
+          <p:nvPr/>
+        </p:nvSpPr>
+        <p:spPr>
+          <a:xfrm>
+            <a:off x="5488819" y="795872"/>
+            <a:ext cx="301660" cy="369332"/>
+          </a:xfrm>
+          <a:prstGeom prst="rect">
+            <a:avLst/>
+          </a:prstGeom>
+          <a:noFill/>
+        </p:spPr>
+        <p:txBody>
+          <a:bodyPr wrap="none" rtlCol="0">
+            <a:spAutoFit/>
+          </a:bodyPr>
+          <a:lstStyle/>
+          <a:p>
+            <a:r>
+              <a:rPr lang="en-US" dirty="0"/>
+              <a:t>4</a:t>
+            </a:r>
+          </a:p>
+        </p:txBody>
+      </p:sp>
+      <p:sp>
+        <p:nvSpPr>
+          <p:cNvPr id="12" name="TextBox 11"/>
+          <p:cNvSpPr txBox="1"/>
+          <p:nvPr/>
+        </p:nvSpPr>
+        <p:spPr>
+          <a:xfrm>
+            <a:off x="6575939" y="1688983"/>
+            <a:ext cx="301660" cy="369332"/>
+          </a:xfrm>
+          <a:prstGeom prst="rect">
+            <a:avLst/>
+          </a:prstGeom>
+          <a:noFill/>
+        </p:spPr>
+        <p:txBody>
+          <a:bodyPr wrap="none" rtlCol="0">
+            <a:spAutoFit/>
+          </a:bodyPr>
+          <a:lstStyle/>
+          <a:p>
+            <a:r>
+              <a:rPr lang="en-US" dirty="0"/>
+              <a:t>5</a:t>
+            </a:r>
+          </a:p>
+        </p:txBody>
+      </p:sp>
+      <p:sp>
+        <p:nvSpPr>
+          <p:cNvPr id="13" name="TextBox 12"/>
+          <p:cNvSpPr txBox="1"/>
+          <p:nvPr/>
+        </p:nvSpPr>
+        <p:spPr>
+          <a:xfrm>
+            <a:off x="6575939" y="2956566"/>
+            <a:ext cx="301660" cy="369332"/>
+          </a:xfrm>
+          <a:prstGeom prst="rect">
+            <a:avLst/>
+          </a:prstGeom>
+          <a:noFill/>
+        </p:spPr>
+        <p:txBody>
+          <a:bodyPr wrap="none" rtlCol="0">
+            <a:spAutoFit/>
+          </a:bodyPr>
+          <a:lstStyle/>
+          <a:p>
+            <a:r>
+              <a:rPr lang="en-US" dirty="0" smtClean="0"/>
+              <a:t>6</a:t>
+            </a:r>
+            <a:endParaRPr lang="en-US" dirty="0"/>
+          </a:p>
+        </p:txBody>
+      </p:sp>
+      <p:sp>
+        <p:nvSpPr>
+          <p:cNvPr id="14" name="TextBox 13"/>
+          <p:cNvSpPr txBox="1"/>
+          <p:nvPr/>
+        </p:nvSpPr>
+        <p:spPr>
+          <a:xfrm>
+            <a:off x="5498978" y="3858873"/>
+            <a:ext cx="301660" cy="369332"/>
+          </a:xfrm>
+          <a:prstGeom prst="rect">
+            <a:avLst/>
+          </a:prstGeom>
+          <a:noFill/>
+        </p:spPr>
+        <p:txBody>
+          <a:bodyPr wrap="none" rtlCol="0">
+            <a:spAutoFit/>
+          </a:bodyPr>
+          <a:lstStyle/>
+          <a:p>
+            <a:r>
+              <a:rPr lang="en-US" dirty="0"/>
+              <a:t>7</a:t>
+            </a:r>
+          </a:p>
+        </p:txBody>
+      </p:sp>
+      <p:sp>
+        <p:nvSpPr>
+          <p:cNvPr id="15" name="TextBox 14"/>
+          <p:cNvSpPr txBox="1"/>
+          <p:nvPr/>
+        </p:nvSpPr>
+        <p:spPr>
+          <a:xfrm>
+            <a:off x="3691955" y="3858872"/>
+            <a:ext cx="301660" cy="369332"/>
+          </a:xfrm>
+          <a:prstGeom prst="rect">
+            <a:avLst/>
+          </a:prstGeom>
+          <a:noFill/>
+        </p:spPr>
+        <p:txBody>
+          <a:bodyPr wrap="none" rtlCol="0">
+            <a:spAutoFit/>
+          </a:bodyPr>
+          <a:lstStyle/>
+          <a:p>
+            <a:r>
+              <a:rPr lang="en-US" dirty="0" smtClean="0"/>
+              <a:t>8</a:t>
+            </a:r>
+            <a:endParaRPr lang="en-US" dirty="0"/>
+          </a:p>
+        </p:txBody>
+      </p:sp>
+      <p:sp>
+        <p:nvSpPr>
+          <p:cNvPr id="3" name="TextBox 2"/>
+          <p:cNvSpPr txBox="1"/>
+          <p:nvPr/>
+        </p:nvSpPr>
+        <p:spPr>
+          <a:xfrm>
+            <a:off x="3569064" y="2949299"/>
+            <a:ext cx="530915" cy="369332"/>
+          </a:xfrm>
+          <a:prstGeom prst="rect">
+            <a:avLst/>
+          </a:prstGeom>
+          <a:noFill/>
+        </p:spPr>
+        <p:txBody>
+          <a:bodyPr wrap="none" rtlCol="0">
+            <a:spAutoFit/>
+          </a:bodyPr>
+          <a:lstStyle/>
+          <a:p>
+            <a:r>
+              <a:rPr lang="en-US" dirty="0" smtClean="0">
+                <a:solidFill>
+                  <a:srgbClr val="0000FF"/>
+                </a:solidFill>
+              </a:rPr>
+              <a:t>L_B</a:t>
+            </a:r>
+          </a:p>
+        </p:txBody>
+      </p:sp>
+      <p:sp>
+        <p:nvSpPr>
+          <p:cNvPr id="16" name="TextBox 15"/>
+          <p:cNvSpPr txBox="1"/>
+          <p:nvPr/>
+        </p:nvSpPr>
+        <p:spPr>
+          <a:xfrm>
+            <a:off x="5380445" y="2949299"/>
+            <a:ext cx="556563" cy="369332"/>
+          </a:xfrm>
+          <a:prstGeom prst="rect">
+            <a:avLst/>
+          </a:prstGeom>
+          <a:noFill/>
+        </p:spPr>
+        <p:txBody>
+          <a:bodyPr wrap="none" rtlCol="0">
+            <a:spAutoFit/>
+          </a:bodyPr>
+          <a:lstStyle/>
+          <a:p>
+            <a:r>
+              <a:rPr lang="en-US" dirty="0">
+                <a:solidFill>
+                  <a:srgbClr val="0000FF"/>
+                </a:solidFill>
+              </a:rPr>
+              <a:t>R</a:t>
+            </a:r>
+            <a:r>
+              <a:rPr lang="en-US" dirty="0" smtClean="0">
+                <a:solidFill>
+                  <a:srgbClr val="0000FF"/>
+                </a:solidFill>
+              </a:rPr>
+              <a:t>_B</a:t>
+            </a:r>
+          </a:p>
+        </p:txBody>
+      </p:sp>
+      <p:sp>
+        <p:nvSpPr>
+          <p:cNvPr id="17" name="TextBox 16"/>
+          <p:cNvSpPr txBox="1"/>
+          <p:nvPr/>
+        </p:nvSpPr>
+        <p:spPr>
+          <a:xfrm>
+            <a:off x="3569064" y="1673502"/>
+            <a:ext cx="518091" cy="369332"/>
+          </a:xfrm>
+          <a:prstGeom prst="rect">
+            <a:avLst/>
+          </a:prstGeom>
+          <a:noFill/>
+        </p:spPr>
+        <p:txBody>
+          <a:bodyPr wrap="none" rtlCol="0">
+            <a:spAutoFit/>
+          </a:bodyPr>
+          <a:lstStyle/>
+          <a:p>
+            <a:r>
+              <a:rPr lang="en-US" dirty="0" smtClean="0">
+                <a:solidFill>
+                  <a:srgbClr val="0000FF"/>
+                </a:solidFill>
+              </a:rPr>
+              <a:t>L_T</a:t>
+            </a:r>
+          </a:p>
+        </p:txBody>
+      </p:sp>
+      <p:sp>
+        <p:nvSpPr>
+          <p:cNvPr id="18" name="TextBox 17"/>
+          <p:cNvSpPr txBox="1"/>
+          <p:nvPr/>
+        </p:nvSpPr>
+        <p:spPr>
+          <a:xfrm>
+            <a:off x="5380445" y="1673502"/>
+            <a:ext cx="543739" cy="369332"/>
+          </a:xfrm>
+          <a:prstGeom prst="rect">
+            <a:avLst/>
+          </a:prstGeom>
+          <a:noFill/>
+        </p:spPr>
+        <p:txBody>
+          <a:bodyPr wrap="none" rtlCol="0">
+            <a:spAutoFit/>
+          </a:bodyPr>
+          <a:lstStyle/>
+          <a:p>
+            <a:r>
+              <a:rPr lang="en-US" dirty="0" smtClean="0">
+                <a:solidFill>
+                  <a:srgbClr val="0000FF"/>
+                </a:solidFill>
+              </a:rPr>
+              <a:t>R_T</a:t>
+            </a:r>
+          </a:p>
+        </p:txBody>
+      </p:sp>
+      <p:sp>
+        <p:nvSpPr>
+          <p:cNvPr id="19" name="Rectangle 18"/>
+          <p:cNvSpPr/>
+          <p:nvPr/>
+        </p:nvSpPr>
+        <p:spPr>
+          <a:xfrm>
+            <a:off x="7218922" y="1883172"/>
+            <a:ext cx="501227" cy="213360"/>
+          </a:xfrm>
+          <a:prstGeom prst="rect">
+            <a:avLst/>
+          </a:prstGeom>
+          <a:noFill/>
+          <a:ln w="19050">
             <a:solidFill>
               <a:srgbClr val="FF0000"/>
             </a:solidFill>
-            <a:tailEnd type="triangle"/>
           </a:ln>
         </p:spPr>
         <p:style>
           <a:lnRef idx="1">
             <a:schemeClr val="accent1"/>
           </a:lnRef>
-          <a:fillRef idx="0">
+          <a:fillRef idx="3">
             <a:schemeClr val="accent1"/>
           </a:fillRef>
-          <a:effectRef idx="0">
-            <a:schemeClr val="accent1"/>
-          </a:effectRef>
-          <a:fontRef idx="minor">
-            <a:schemeClr val="tx1"/>
-          </a:fontRef>
-        </p:style>
-      </p:cxnSp>
-      <p:cxnSp>
-        <p:nvCxnSpPr>
-          <p:cNvPr id="12" name="Straight Arrow Connector 11"/>
-          <p:cNvCxnSpPr/>
-          <p:nvPr/>
-        </p:nvCxnSpPr>
-        <p:spPr>
-          <a:xfrm flipH="1" flipV="1">
-            <a:off x="4185195" y="4877163"/>
-            <a:ext cx="1319348" cy="949234"/>
-          </a:xfrm>
-          <a:prstGeom prst="straightConnector1">
-            <a:avLst/>
-          </a:prstGeom>
-          <a:ln w="28575">
-            <a:solidFill>
-              <a:srgbClr val="FF0000"/>
-            </a:solidFill>
-            <a:tailEnd type="triangle"/>
-          </a:ln>
-        </p:spPr>
-        <p:style>
-          <a:lnRef idx="1">
-            <a:schemeClr val="accent1"/>
-          </a:lnRef>
-          <a:fillRef idx="0">
-            <a:schemeClr val="accent1"/>
-          </a:fillRef>
-          <a:effectRef idx="0">
-            <a:schemeClr val="accent1"/>
-          </a:effectRef>
-          <a:fontRef idx="minor">
-            <a:schemeClr val="tx1"/>
-          </a:fontRef>
-        </p:style>
-      </p:cxnSp>
-      <p:sp>
-        <p:nvSpPr>
-          <p:cNvPr id="15" name="Oval 14"/>
-          <p:cNvSpPr/>
-          <p:nvPr/>
-        </p:nvSpPr>
-        <p:spPr>
-          <a:xfrm>
-            <a:off x="185783" y="4694286"/>
-            <a:ext cx="148046" cy="148046"/>
-          </a:xfrm>
-          <a:prstGeom prst="ellipse">
-            <a:avLst/>
-          </a:prstGeom>
-          <a:noFill/>
-          <a:ln w="38100">
-            <a:solidFill>
-              <a:srgbClr val="00B050"/>
-            </a:solidFill>
-          </a:ln>
-        </p:spPr>
-        <p:style>
-          <a:lnRef idx="2">
-            <a:schemeClr val="accent1">
-              <a:shade val="50000"/>
-            </a:schemeClr>
-          </a:lnRef>
-          <a:fillRef idx="1">
-            <a:schemeClr val="accent1"/>
-          </a:fillRef>
-          <a:effectRef idx="0">
+          <a:effectRef idx="2">
             <a:schemeClr val="accent1"/>
           </a:effectRef>
           <a:fontRef idx="minor">
@@ -6412,235 +7664,127 @@
           <a:lstStyle/>
           <a:p>
             <a:pPr algn="ctr"/>
-            <a:endParaRPr lang="en-US">
-              <a:solidFill>
-                <a:srgbClr val="00B050"/>
-              </a:solidFill>
-            </a:endParaRPr>
-          </a:p>
-        </p:txBody>
-      </p:sp>
-      <p:sp>
-        <p:nvSpPr>
-          <p:cNvPr id="16" name="Oval 15"/>
-          <p:cNvSpPr/>
+            <a:endParaRPr lang="en-US"/>
+          </a:p>
+        </p:txBody>
+      </p:sp>
+      <p:sp>
+        <p:nvSpPr>
+          <p:cNvPr id="20" name="TextBox 19"/>
+          <p:cNvSpPr txBox="1"/>
           <p:nvPr/>
         </p:nvSpPr>
         <p:spPr>
           <a:xfrm>
-            <a:off x="5421811" y="5748018"/>
-            <a:ext cx="148046" cy="148046"/>
-          </a:xfrm>
-          <a:prstGeom prst="ellipse">
+            <a:off x="7757403" y="1788350"/>
+            <a:ext cx="1967644" cy="369332"/>
+          </a:xfrm>
+          <a:prstGeom prst="rect">
             <a:avLst/>
           </a:prstGeom>
           <a:noFill/>
-          <a:ln w="38100">
-            <a:solidFill>
-              <a:srgbClr val="00B050"/>
-            </a:solidFill>
-          </a:ln>
-        </p:spPr>
-        <p:style>
-          <a:lnRef idx="2">
-            <a:schemeClr val="accent1">
-              <a:shade val="50000"/>
-            </a:schemeClr>
-          </a:lnRef>
-          <a:fillRef idx="1">
-            <a:schemeClr val="accent1"/>
-          </a:fillRef>
-          <a:effectRef idx="0">
-            <a:schemeClr val="accent1"/>
-          </a:effectRef>
-          <a:fontRef idx="minor">
-            <a:schemeClr val="lt1"/>
-          </a:fontRef>
-        </p:style>
-        <p:txBody>
-          <a:bodyPr rtlCol="0" anchor="ctr"/>
+        </p:spPr>
+        <p:txBody>
+          <a:bodyPr wrap="none" rtlCol="0">
+            <a:spAutoFit/>
+          </a:bodyPr>
           <a:lstStyle/>
           <a:p>
-            <a:pPr algn="ctr"/>
-            <a:endParaRPr lang="en-US">
-              <a:solidFill>
-                <a:srgbClr val="00B050"/>
-              </a:solidFill>
-            </a:endParaRPr>
-          </a:p>
-        </p:txBody>
-      </p:sp>
-      <p:sp>
-        <p:nvSpPr>
-          <p:cNvPr id="17" name="Oval 16"/>
+            <a:r>
+              <a:rPr lang="en-US" dirty="0" smtClean="0"/>
+              <a:t>Cell boundary lines</a:t>
+            </a:r>
+            <a:endParaRPr lang="en-US" dirty="0"/>
+          </a:p>
+        </p:txBody>
+      </p:sp>
+      <p:sp>
+        <p:nvSpPr>
+          <p:cNvPr id="5" name="Rectangle 4"/>
           <p:cNvSpPr/>
           <p:nvPr/>
         </p:nvSpPr>
         <p:spPr>
           <a:xfrm>
-            <a:off x="190136" y="5743669"/>
-            <a:ext cx="148046" cy="148046"/>
-          </a:xfrm>
-          <a:prstGeom prst="ellipse">
+            <a:off x="7757403" y="2208248"/>
+            <a:ext cx="1272779" cy="369332"/>
+          </a:xfrm>
+          <a:prstGeom prst="rect">
             <a:avLst/>
           </a:prstGeom>
-          <a:noFill/>
-          <a:ln w="28575">
-            <a:solidFill>
-              <a:schemeClr val="bg1">
-                <a:lumMod val="65000"/>
-              </a:schemeClr>
-            </a:solidFill>
-          </a:ln>
-        </p:spPr>
-        <p:style>
-          <a:lnRef idx="2">
-            <a:schemeClr val="accent1">
-              <a:shade val="50000"/>
-            </a:schemeClr>
-          </a:lnRef>
-          <a:fillRef idx="1">
-            <a:schemeClr val="accent1"/>
-          </a:fillRef>
-          <a:effectRef idx="0">
-            <a:schemeClr val="accent1"/>
-          </a:effectRef>
-          <a:fontRef idx="minor">
-            <a:schemeClr val="lt1"/>
-          </a:fontRef>
-        </p:style>
-        <p:txBody>
-          <a:bodyPr rtlCol="0" anchor="ctr"/>
+        </p:spPr>
+        <p:txBody>
+          <a:bodyPr wrap="none">
+            <a:spAutoFit/>
+          </a:bodyPr>
           <a:lstStyle/>
           <a:p>
-            <a:pPr algn="ctr"/>
-            <a:endParaRPr lang="en-US">
-              <a:solidFill>
-                <a:schemeClr val="bg1">
-                  <a:lumMod val="65000"/>
-                </a:schemeClr>
-              </a:solidFill>
-            </a:endParaRPr>
-          </a:p>
-        </p:txBody>
-      </p:sp>
-      <p:sp>
-        <p:nvSpPr>
-          <p:cNvPr id="18" name="Oval 17"/>
+            <a:r>
+              <a:rPr lang="en-US" dirty="0" err="1"/>
+              <a:t>split_line_h</a:t>
+            </a:r>
+            <a:endParaRPr lang="en-US" dirty="0"/>
+          </a:p>
+        </p:txBody>
+      </p:sp>
+      <p:sp>
+        <p:nvSpPr>
+          <p:cNvPr id="21" name="Rectangle 20"/>
           <p:cNvSpPr/>
           <p:nvPr/>
         </p:nvSpPr>
         <p:spPr>
           <a:xfrm>
-            <a:off x="4111172" y="5748023"/>
-            <a:ext cx="148046" cy="148046"/>
-          </a:xfrm>
-          <a:prstGeom prst="ellipse">
+            <a:off x="7757403" y="2628146"/>
+            <a:ext cx="1255760" cy="369332"/>
+          </a:xfrm>
+          <a:prstGeom prst="rect">
             <a:avLst/>
           </a:prstGeom>
-          <a:noFill/>
-          <a:ln w="28575">
-            <a:solidFill>
-              <a:schemeClr val="bg1">
-                <a:lumMod val="65000"/>
-              </a:schemeClr>
-            </a:solidFill>
-          </a:ln>
-        </p:spPr>
-        <p:style>
-          <a:lnRef idx="2">
-            <a:schemeClr val="accent1">
-              <a:shade val="50000"/>
-            </a:schemeClr>
-          </a:lnRef>
-          <a:fillRef idx="1">
-            <a:schemeClr val="accent1"/>
-          </a:fillRef>
-          <a:effectRef idx="0">
-            <a:schemeClr val="accent1"/>
-          </a:effectRef>
-          <a:fontRef idx="minor">
-            <a:schemeClr val="lt1"/>
-          </a:fontRef>
-        </p:style>
-        <p:txBody>
-          <a:bodyPr rtlCol="0" anchor="ctr"/>
+        </p:spPr>
+        <p:txBody>
+          <a:bodyPr wrap="none">
+            <a:spAutoFit/>
+          </a:bodyPr>
           <a:lstStyle/>
           <a:p>
-            <a:pPr algn="ctr"/>
-            <a:endParaRPr lang="en-US">
-              <a:solidFill>
-                <a:schemeClr val="bg1">
-                  <a:lumMod val="65000"/>
-                </a:schemeClr>
-              </a:solidFill>
-            </a:endParaRPr>
+            <a:r>
+              <a:rPr lang="en-US" dirty="0" err="1" smtClean="0"/>
+              <a:t>split_line_v</a:t>
+            </a:r>
+            <a:endParaRPr lang="en-US" dirty="0"/>
           </a:p>
         </p:txBody>
       </p:sp>
       <p:cxnSp>
         <p:nvCxnSpPr>
-          <p:cNvPr id="20" name="Straight Connector 19"/>
+          <p:cNvPr id="22" name="Straight Connector 21"/>
           <p:cNvCxnSpPr/>
           <p:nvPr/>
         </p:nvCxnSpPr>
         <p:spPr>
           <a:xfrm>
-            <a:off x="4185195" y="3222534"/>
-            <a:ext cx="0" cy="1654629"/>
+            <a:off x="7229082" y="2431812"/>
+            <a:ext cx="541867" cy="0"/>
           </a:xfrm>
           <a:prstGeom prst="line">
             <a:avLst/>
           </a:prstGeom>
-          <a:ln w="28575">
+          <a:ln w="19050">
             <a:solidFill>
-              <a:srgbClr val="FF0000"/>
+              <a:srgbClr val="008000"/>
             </a:solidFill>
+            <a:prstDash val="dash"/>
           </a:ln>
         </p:spPr>
         <p:style>
-          <a:lnRef idx="1">
+          <a:lnRef idx="2">
             <a:schemeClr val="accent1"/>
           </a:lnRef>
           <a:fillRef idx="0">
             <a:schemeClr val="accent1"/>
           </a:fillRef>
-          <a:effectRef idx="0">
-            <a:schemeClr val="accent1"/>
-          </a:effectRef>
-          <a:fontRef idx="minor">
-            <a:schemeClr val="tx1"/>
-          </a:fontRef>
-        </p:style>
-      </p:cxnSp>
-      <p:cxnSp>
-        <p:nvCxnSpPr>
-          <p:cNvPr id="21" name="Straight Connector 20"/>
-          <p:cNvCxnSpPr/>
-          <p:nvPr/>
-        </p:nvCxnSpPr>
-        <p:spPr>
-          <a:xfrm>
-            <a:off x="259806" y="5826397"/>
-            <a:ext cx="1560263" cy="0"/>
-          </a:xfrm>
-          <a:prstGeom prst="line">
-            <a:avLst/>
-          </a:prstGeom>
-          <a:ln w="28575">
-            <a:solidFill>
-              <a:srgbClr val="FF0000"/>
-            </a:solidFill>
-          </a:ln>
-        </p:spPr>
-        <p:style>
-          <a:lnRef idx="1">
-            <a:schemeClr val="accent1"/>
-          </a:lnRef>
-          <a:fillRef idx="0">
-            <a:schemeClr val="accent1"/>
-          </a:fillRef>
-          <a:effectRef idx="0">
+          <a:effectRef idx="1">
             <a:schemeClr val="accent1"/>
           </a:effectRef>
           <a:fontRef idx="minor">
@@ -6656,26 +7800,29 @@
         </p:nvCxnSpPr>
         <p:spPr>
           <a:xfrm>
-            <a:off x="3847737" y="3936638"/>
-            <a:ext cx="0" cy="844731"/>
+            <a:off x="7464456" y="2635012"/>
+            <a:ext cx="0" cy="345440"/>
           </a:xfrm>
           <a:prstGeom prst="line">
             <a:avLst/>
           </a:prstGeom>
-          <a:ln w="28575">
+          <a:ln w="19050">
             <a:solidFill>
-              <a:srgbClr val="FF0000"/>
+              <a:schemeClr val="accent5">
+                <a:lumMod val="75000"/>
+              </a:schemeClr>
             </a:solidFill>
+            <a:prstDash val="dash"/>
           </a:ln>
         </p:spPr>
         <p:style>
-          <a:lnRef idx="1">
+          <a:lnRef idx="2">
             <a:schemeClr val="accent1"/>
           </a:lnRef>
           <a:fillRef idx="0">
             <a:schemeClr val="accent1"/>
           </a:fillRef>
-          <a:effectRef idx="0">
+          <a:effectRef idx="1">
             <a:schemeClr val="accent1"/>
           </a:effectRef>
           <a:fontRef idx="minor">
@@ -6683,156 +7830,16 @@
           </a:fontRef>
         </p:style>
       </p:cxnSp>
-      <p:cxnSp>
-        <p:nvCxnSpPr>
-          <p:cNvPr id="29" name="Straight Connector 28"/>
-          <p:cNvCxnSpPr/>
-          <p:nvPr/>
-        </p:nvCxnSpPr>
-        <p:spPr>
-          <a:xfrm>
-            <a:off x="259806" y="4771163"/>
-            <a:ext cx="0" cy="1055234"/>
-          </a:xfrm>
-          <a:prstGeom prst="line">
-            <a:avLst/>
-          </a:prstGeom>
-          <a:ln w="28575">
-            <a:solidFill>
-              <a:srgbClr val="FF0000"/>
-            </a:solidFill>
-          </a:ln>
-        </p:spPr>
-        <p:style>
-          <a:lnRef idx="1">
-            <a:schemeClr val="accent1"/>
-          </a:lnRef>
-          <a:fillRef idx="0">
-            <a:schemeClr val="accent1"/>
-          </a:fillRef>
-          <a:effectRef idx="0">
-            <a:schemeClr val="accent1"/>
-          </a:effectRef>
-          <a:fontRef idx="minor">
-            <a:schemeClr val="tx1"/>
-          </a:fontRef>
-        </p:style>
-      </p:cxnSp>
-      <p:cxnSp>
-        <p:nvCxnSpPr>
-          <p:cNvPr id="32" name="Straight Connector 31"/>
-          <p:cNvCxnSpPr/>
-          <p:nvPr/>
-        </p:nvCxnSpPr>
-        <p:spPr>
-          <a:xfrm>
-            <a:off x="5504543" y="5826397"/>
-            <a:ext cx="2268583" cy="0"/>
-          </a:xfrm>
-          <a:prstGeom prst="line">
-            <a:avLst/>
-          </a:prstGeom>
-          <a:ln w="28575">
-            <a:solidFill>
-              <a:srgbClr val="FF0000"/>
-            </a:solidFill>
-          </a:ln>
-        </p:spPr>
-        <p:style>
-          <a:lnRef idx="1">
-            <a:schemeClr val="accent1"/>
-          </a:lnRef>
-          <a:fillRef idx="0">
-            <a:schemeClr val="accent1"/>
-          </a:fillRef>
-          <a:effectRef idx="0">
-            <a:schemeClr val="accent1"/>
-          </a:effectRef>
-          <a:fontRef idx="minor">
-            <a:schemeClr val="tx1"/>
-          </a:fontRef>
-        </p:style>
-      </p:cxnSp>
-      <p:cxnSp>
-        <p:nvCxnSpPr>
-          <p:cNvPr id="34" name="Straight Connector 33"/>
-          <p:cNvCxnSpPr/>
-          <p:nvPr/>
-        </p:nvCxnSpPr>
-        <p:spPr>
-          <a:xfrm>
-            <a:off x="4185195" y="3222534"/>
-            <a:ext cx="3587931" cy="0"/>
-          </a:xfrm>
-          <a:prstGeom prst="line">
-            <a:avLst/>
-          </a:prstGeom>
-          <a:ln w="28575">
-            <a:solidFill>
-              <a:srgbClr val="FF0000"/>
-            </a:solidFill>
-          </a:ln>
-        </p:spPr>
-        <p:style>
-          <a:lnRef idx="1">
-            <a:schemeClr val="accent1"/>
-          </a:lnRef>
-          <a:fillRef idx="0">
-            <a:schemeClr val="accent1"/>
-          </a:fillRef>
-          <a:effectRef idx="0">
-            <a:schemeClr val="accent1"/>
-          </a:effectRef>
-          <a:fontRef idx="minor">
-            <a:schemeClr val="tx1"/>
-          </a:fontRef>
-        </p:style>
-      </p:cxnSp>
-      <p:cxnSp>
-        <p:nvCxnSpPr>
-          <p:cNvPr id="37" name="Straight Connector 36"/>
-          <p:cNvCxnSpPr/>
-          <p:nvPr/>
-        </p:nvCxnSpPr>
-        <p:spPr>
-          <a:xfrm>
-            <a:off x="7773126" y="3222534"/>
-            <a:ext cx="0" cy="2603863"/>
-          </a:xfrm>
-          <a:prstGeom prst="line">
-            <a:avLst/>
-          </a:prstGeom>
-          <a:ln w="28575">
-            <a:solidFill>
-              <a:srgbClr val="FF0000"/>
-            </a:solidFill>
-          </a:ln>
-        </p:spPr>
-        <p:style>
-          <a:lnRef idx="1">
-            <a:schemeClr val="accent1"/>
-          </a:lnRef>
-          <a:fillRef idx="0">
-            <a:schemeClr val="accent1"/>
-          </a:fillRef>
-          <a:effectRef idx="0">
-            <a:schemeClr val="accent1"/>
-          </a:effectRef>
-          <a:fontRef idx="minor">
-            <a:schemeClr val="tx1"/>
-          </a:fontRef>
-        </p:style>
-      </p:cxnSp>
-      <p:sp>
-        <p:nvSpPr>
-          <p:cNvPr id="39" name="TextBox 38"/>
+      <p:sp>
+        <p:nvSpPr>
+          <p:cNvPr id="25" name="TextBox 24"/>
           <p:cNvSpPr txBox="1"/>
           <p:nvPr/>
         </p:nvSpPr>
         <p:spPr>
           <a:xfrm>
-            <a:off x="822419" y="3906973"/>
-            <a:ext cx="301686" cy="369332"/>
+            <a:off x="3709983" y="2208248"/>
+            <a:ext cx="295274" cy="369332"/>
           </a:xfrm>
           <a:prstGeom prst="rect">
             <a:avLst/>
@@ -6846,23 +7853,26 @@
           <a:lstStyle/>
           <a:p>
             <a:r>
-              <a:rPr lang="en-US" dirty="0" smtClean="0"/>
-              <a:t>1</a:t>
+              <a:rPr lang="en-US" dirty="0">
+                <a:solidFill>
+                  <a:srgbClr val="0070C0"/>
+                </a:solidFill>
+              </a:rPr>
+              <a:t>a</a:t>
             </a:r>
-            <a:endParaRPr lang="en-US" dirty="0"/>
-          </a:p>
-        </p:txBody>
-      </p:sp>
-      <p:sp>
-        <p:nvSpPr>
-          <p:cNvPr id="40" name="TextBox 39"/>
+          </a:p>
+        </p:txBody>
+      </p:sp>
+      <p:sp>
+        <p:nvSpPr>
+          <p:cNvPr id="27" name="TextBox 26"/>
           <p:cNvSpPr txBox="1"/>
           <p:nvPr/>
         </p:nvSpPr>
         <p:spPr>
           <a:xfrm>
-            <a:off x="2527394" y="3516448"/>
-            <a:ext cx="301686" cy="369332"/>
+            <a:off x="5552312" y="2208248"/>
+            <a:ext cx="306494" cy="369332"/>
           </a:xfrm>
           <a:prstGeom prst="rect">
             <a:avLst/>
@@ -6876,22 +7886,26 @@
           <a:lstStyle/>
           <a:p>
             <a:r>
-              <a:rPr lang="en-US" dirty="0"/>
-              <a:t>2</a:t>
+              <a:rPr lang="en-US" dirty="0">
+                <a:solidFill>
+                  <a:srgbClr val="0070C0"/>
+                </a:solidFill>
+              </a:rPr>
+              <a:t>b</a:t>
             </a:r>
           </a:p>
         </p:txBody>
       </p:sp>
       <p:sp>
         <p:nvSpPr>
-          <p:cNvPr id="41" name="TextBox 40"/>
+          <p:cNvPr id="28" name="TextBox 27"/>
           <p:cNvSpPr txBox="1"/>
           <p:nvPr/>
         </p:nvSpPr>
         <p:spPr>
           <a:xfrm>
-            <a:off x="3622769" y="4145098"/>
-            <a:ext cx="301686" cy="369332"/>
+            <a:off x="4739999" y="1673502"/>
+            <a:ext cx="282450" cy="369332"/>
           </a:xfrm>
           <a:prstGeom prst="rect">
             <a:avLst/>
@@ -6905,22 +7919,26 @@
           <a:lstStyle/>
           <a:p>
             <a:r>
-              <a:rPr lang="en-US" dirty="0"/>
-              <a:t>3</a:t>
+              <a:rPr lang="en-US" dirty="0">
+                <a:solidFill>
+                  <a:srgbClr val="0070C0"/>
+                </a:solidFill>
+              </a:rPr>
+              <a:t>c</a:t>
             </a:r>
           </a:p>
         </p:txBody>
       </p:sp>
       <p:sp>
         <p:nvSpPr>
-          <p:cNvPr id="42" name="TextBox 41"/>
+          <p:cNvPr id="29" name="TextBox 28"/>
           <p:cNvSpPr txBox="1"/>
           <p:nvPr/>
         </p:nvSpPr>
         <p:spPr>
           <a:xfrm>
-            <a:off x="2632169" y="5030923"/>
-            <a:ext cx="301686" cy="369332"/>
+            <a:off x="4743836" y="2924200"/>
+            <a:ext cx="306494" cy="369332"/>
           </a:xfrm>
           <a:prstGeom prst="rect">
             <a:avLst/>
@@ -6934,1571 +7952,33 @@
           <a:lstStyle/>
           <a:p>
             <a:r>
-              <a:rPr lang="en-US" dirty="0"/>
-              <a:t>4</a:t>
+              <a:rPr lang="en-US" dirty="0">
+                <a:solidFill>
+                  <a:srgbClr val="0070C0"/>
+                </a:solidFill>
+              </a:rPr>
+              <a:t>d</a:t>
             </a:r>
           </a:p>
         </p:txBody>
       </p:sp>
-      <p:sp>
-        <p:nvSpPr>
-          <p:cNvPr id="43" name="TextBox 42"/>
-          <p:cNvSpPr txBox="1"/>
-          <p:nvPr/>
-        </p:nvSpPr>
-        <p:spPr>
-          <a:xfrm>
-            <a:off x="917669" y="5554798"/>
-            <a:ext cx="301686" cy="369332"/>
-          </a:xfrm>
-          <a:prstGeom prst="rect">
-            <a:avLst/>
-          </a:prstGeom>
-          <a:noFill/>
-        </p:spPr>
-        <p:txBody>
-          <a:bodyPr wrap="none" rtlCol="0">
-            <a:spAutoFit/>
-          </a:bodyPr>
-          <a:lstStyle/>
-          <a:p>
-            <a:r>
-              <a:rPr lang="en-US" dirty="0"/>
-              <a:t>5</a:t>
-            </a:r>
-          </a:p>
-        </p:txBody>
-      </p:sp>
-      <p:sp>
-        <p:nvSpPr>
-          <p:cNvPr id="44" name="TextBox 43"/>
-          <p:cNvSpPr txBox="1"/>
-          <p:nvPr/>
-        </p:nvSpPr>
-        <p:spPr>
-          <a:xfrm>
-            <a:off x="193769" y="5126173"/>
-            <a:ext cx="301686" cy="369332"/>
-          </a:xfrm>
-          <a:prstGeom prst="rect">
-            <a:avLst/>
-          </a:prstGeom>
-          <a:noFill/>
-        </p:spPr>
-        <p:txBody>
-          <a:bodyPr wrap="none" rtlCol="0">
-            <a:spAutoFit/>
-          </a:bodyPr>
-          <a:lstStyle/>
-          <a:p>
-            <a:r>
-              <a:rPr lang="en-US" dirty="0"/>
-              <a:t>6</a:t>
-            </a:r>
-          </a:p>
-        </p:txBody>
-      </p:sp>
-      <p:sp>
-        <p:nvSpPr>
-          <p:cNvPr id="45" name="TextBox 44"/>
-          <p:cNvSpPr txBox="1"/>
-          <p:nvPr/>
-        </p:nvSpPr>
-        <p:spPr>
-          <a:xfrm>
-            <a:off x="4795434" y="5116648"/>
-            <a:ext cx="301686" cy="369332"/>
-          </a:xfrm>
-          <a:prstGeom prst="rect">
-            <a:avLst/>
-          </a:prstGeom>
-          <a:noFill/>
-        </p:spPr>
-        <p:txBody>
-          <a:bodyPr wrap="none" rtlCol="0">
-            <a:spAutoFit/>
-          </a:bodyPr>
-          <a:lstStyle/>
-          <a:p>
-            <a:r>
-              <a:rPr lang="en-US" dirty="0"/>
-              <a:t>1</a:t>
-            </a:r>
-          </a:p>
-        </p:txBody>
-      </p:sp>
-      <p:sp>
-        <p:nvSpPr>
-          <p:cNvPr id="46" name="TextBox 45"/>
-          <p:cNvSpPr txBox="1"/>
-          <p:nvPr/>
-        </p:nvSpPr>
-        <p:spPr>
-          <a:xfrm>
-            <a:off x="4128684" y="3992698"/>
-            <a:ext cx="301686" cy="369332"/>
-          </a:xfrm>
-          <a:prstGeom prst="rect">
-            <a:avLst/>
-          </a:prstGeom>
-          <a:noFill/>
-        </p:spPr>
-        <p:txBody>
-          <a:bodyPr wrap="none" rtlCol="0">
-            <a:spAutoFit/>
-          </a:bodyPr>
-          <a:lstStyle/>
-          <a:p>
-            <a:r>
-              <a:rPr lang="en-US" dirty="0"/>
-              <a:t>2</a:t>
-            </a:r>
-          </a:p>
-        </p:txBody>
-      </p:sp>
-      <p:sp>
-        <p:nvSpPr>
-          <p:cNvPr id="47" name="TextBox 46"/>
-          <p:cNvSpPr txBox="1"/>
-          <p:nvPr/>
-        </p:nvSpPr>
-        <p:spPr>
-          <a:xfrm>
-            <a:off x="5852709" y="3173548"/>
-            <a:ext cx="301686" cy="369332"/>
-          </a:xfrm>
-          <a:prstGeom prst="rect">
-            <a:avLst/>
-          </a:prstGeom>
-          <a:noFill/>
-        </p:spPr>
-        <p:txBody>
-          <a:bodyPr wrap="none" rtlCol="0">
-            <a:spAutoFit/>
-          </a:bodyPr>
-          <a:lstStyle/>
-          <a:p>
-            <a:r>
-              <a:rPr lang="en-US" dirty="0"/>
-              <a:t>3</a:t>
-            </a:r>
-          </a:p>
-        </p:txBody>
-      </p:sp>
-      <p:sp>
-        <p:nvSpPr>
-          <p:cNvPr id="48" name="TextBox 47"/>
-          <p:cNvSpPr txBox="1"/>
-          <p:nvPr/>
-        </p:nvSpPr>
-        <p:spPr>
-          <a:xfrm>
-            <a:off x="7538634" y="4307023"/>
-            <a:ext cx="301686" cy="369332"/>
-          </a:xfrm>
-          <a:prstGeom prst="rect">
-            <a:avLst/>
-          </a:prstGeom>
-          <a:noFill/>
-        </p:spPr>
-        <p:txBody>
-          <a:bodyPr wrap="none" rtlCol="0">
-            <a:spAutoFit/>
-          </a:bodyPr>
-          <a:lstStyle/>
-          <a:p>
-            <a:r>
-              <a:rPr lang="en-US" dirty="0"/>
-              <a:t>4</a:t>
-            </a:r>
-          </a:p>
-        </p:txBody>
-      </p:sp>
-      <p:sp>
-        <p:nvSpPr>
-          <p:cNvPr id="49" name="TextBox 48"/>
-          <p:cNvSpPr txBox="1"/>
-          <p:nvPr/>
-        </p:nvSpPr>
-        <p:spPr>
-          <a:xfrm>
-            <a:off x="6481359" y="5554798"/>
-            <a:ext cx="301686" cy="369332"/>
-          </a:xfrm>
-          <a:prstGeom prst="rect">
-            <a:avLst/>
-          </a:prstGeom>
-          <a:noFill/>
-        </p:spPr>
-        <p:txBody>
-          <a:bodyPr wrap="none" rtlCol="0">
-            <a:spAutoFit/>
-          </a:bodyPr>
-          <a:lstStyle/>
-          <a:p>
-            <a:r>
-              <a:rPr lang="en-US" dirty="0"/>
-              <a:t>5</a:t>
-            </a:r>
-          </a:p>
-        </p:txBody>
-      </p:sp>
-      <p:sp>
-        <p:nvSpPr>
-          <p:cNvPr id="50" name="Oval 49"/>
-          <p:cNvSpPr/>
-          <p:nvPr/>
-        </p:nvSpPr>
-        <p:spPr>
-          <a:xfrm>
-            <a:off x="276314" y="6124669"/>
-            <a:ext cx="148046" cy="148046"/>
-          </a:xfrm>
-          <a:prstGeom prst="ellipse">
-            <a:avLst/>
-          </a:prstGeom>
-          <a:noFill/>
-          <a:ln w="28575">
-            <a:solidFill>
-              <a:schemeClr val="bg1">
-                <a:lumMod val="65000"/>
-              </a:schemeClr>
-            </a:solidFill>
-          </a:ln>
-        </p:spPr>
-        <p:style>
-          <a:lnRef idx="2">
-            <a:schemeClr val="accent1">
-              <a:shade val="50000"/>
-            </a:schemeClr>
-          </a:lnRef>
-          <a:fillRef idx="1">
-            <a:schemeClr val="accent1"/>
-          </a:fillRef>
-          <a:effectRef idx="0">
-            <a:schemeClr val="accent1"/>
-          </a:effectRef>
-          <a:fontRef idx="minor">
-            <a:schemeClr val="lt1"/>
-          </a:fontRef>
-        </p:style>
-        <p:txBody>
-          <a:bodyPr rtlCol="0" anchor="ctr"/>
-          <a:lstStyle/>
-          <a:p>
-            <a:pPr algn="ctr"/>
-            <a:endParaRPr lang="en-US">
-              <a:solidFill>
-                <a:schemeClr val="bg1">
-                  <a:lumMod val="65000"/>
-                </a:schemeClr>
-              </a:solidFill>
-            </a:endParaRPr>
-          </a:p>
-        </p:txBody>
-      </p:sp>
-      <p:sp>
-        <p:nvSpPr>
-          <p:cNvPr id="51" name="TextBox 50"/>
-          <p:cNvSpPr txBox="1"/>
-          <p:nvPr/>
-        </p:nvSpPr>
-        <p:spPr>
-          <a:xfrm>
-            <a:off x="374744" y="6005621"/>
-            <a:ext cx="4669805" cy="369332"/>
-          </a:xfrm>
-          <a:prstGeom prst="rect">
-            <a:avLst/>
-          </a:prstGeom>
-          <a:noFill/>
-        </p:spPr>
-        <p:txBody>
-          <a:bodyPr wrap="none" rtlCol="0">
-            <a:spAutoFit/>
-          </a:bodyPr>
-          <a:lstStyle/>
-          <a:p>
-            <a:r>
-              <a:rPr lang="en-US" dirty="0" smtClean="0"/>
-              <a:t>Bottom-left point of the cell, search begins here</a:t>
-            </a:r>
-            <a:endParaRPr lang="en-US" dirty="0"/>
-          </a:p>
-        </p:txBody>
-      </p:sp>
-      <p:sp>
-        <p:nvSpPr>
-          <p:cNvPr id="52" name="Oval 51"/>
-          <p:cNvSpPr/>
-          <p:nvPr/>
-        </p:nvSpPr>
-        <p:spPr>
-          <a:xfrm>
-            <a:off x="259791" y="6477913"/>
-            <a:ext cx="148046" cy="148046"/>
-          </a:xfrm>
-          <a:prstGeom prst="ellipse">
-            <a:avLst/>
-          </a:prstGeom>
-          <a:noFill/>
-          <a:ln w="38100">
-            <a:solidFill>
-              <a:srgbClr val="00B050"/>
-            </a:solidFill>
-          </a:ln>
-        </p:spPr>
-        <p:style>
-          <a:lnRef idx="2">
-            <a:schemeClr val="accent1">
-              <a:shade val="50000"/>
-            </a:schemeClr>
-          </a:lnRef>
-          <a:fillRef idx="1">
-            <a:schemeClr val="accent1"/>
-          </a:fillRef>
-          <a:effectRef idx="0">
-            <a:schemeClr val="accent1"/>
-          </a:effectRef>
-          <a:fontRef idx="minor">
-            <a:schemeClr val="lt1"/>
-          </a:fontRef>
-        </p:style>
-        <p:txBody>
-          <a:bodyPr rtlCol="0" anchor="ctr"/>
-          <a:lstStyle/>
-          <a:p>
-            <a:pPr algn="ctr"/>
-            <a:endParaRPr lang="en-US">
-              <a:solidFill>
-                <a:srgbClr val="00B050"/>
-              </a:solidFill>
-            </a:endParaRPr>
-          </a:p>
-        </p:txBody>
-      </p:sp>
-      <p:sp>
-        <p:nvSpPr>
-          <p:cNvPr id="53" name="TextBox 52"/>
-          <p:cNvSpPr txBox="1"/>
-          <p:nvPr/>
-        </p:nvSpPr>
-        <p:spPr>
-          <a:xfrm>
-            <a:off x="374744" y="6372560"/>
-            <a:ext cx="8423524" cy="369332"/>
-          </a:xfrm>
-          <a:prstGeom prst="rect">
-            <a:avLst/>
-          </a:prstGeom>
-          <a:noFill/>
-        </p:spPr>
-        <p:txBody>
-          <a:bodyPr wrap="none" rtlCol="0">
-            <a:spAutoFit/>
-          </a:bodyPr>
-          <a:lstStyle/>
-          <a:p>
-            <a:r>
-              <a:rPr lang="en-US" dirty="0" smtClean="0"/>
-              <a:t>The first begin point of an arc on the border, actual segment sequence begins from here</a:t>
-            </a:r>
-            <a:endParaRPr lang="en-US" dirty="0"/>
-          </a:p>
-        </p:txBody>
-      </p:sp>
-      <p:sp>
-        <p:nvSpPr>
-          <p:cNvPr id="35" name="Rectangle 34"/>
-          <p:cNvSpPr/>
-          <p:nvPr/>
-        </p:nvSpPr>
-        <p:spPr>
-          <a:xfrm>
-            <a:off x="259791" y="150194"/>
-            <a:ext cx="3587931" cy="2603863"/>
-          </a:xfrm>
-          <a:prstGeom prst="rect">
-            <a:avLst/>
-          </a:prstGeom>
-          <a:noFill/>
-          <a:ln>
-            <a:solidFill>
-              <a:schemeClr val="bg1">
-                <a:lumMod val="50000"/>
-              </a:schemeClr>
-            </a:solidFill>
-          </a:ln>
-        </p:spPr>
-        <p:style>
-          <a:lnRef idx="2">
-            <a:schemeClr val="accent1">
-              <a:shade val="50000"/>
-            </a:schemeClr>
-          </a:lnRef>
-          <a:fillRef idx="1">
-            <a:schemeClr val="accent1"/>
-          </a:fillRef>
-          <a:effectRef idx="0">
-            <a:schemeClr val="accent1"/>
-          </a:effectRef>
-          <a:fontRef idx="minor">
-            <a:schemeClr val="lt1"/>
-          </a:fontRef>
-        </p:style>
-        <p:txBody>
-          <a:bodyPr rtlCol="0" anchor="ctr"/>
-          <a:lstStyle/>
-          <a:p>
-            <a:pPr algn="ctr"/>
-            <a:endParaRPr lang="en-US"/>
-          </a:p>
-        </p:txBody>
-      </p:sp>
-      <p:sp>
-        <p:nvSpPr>
-          <p:cNvPr id="36" name="Rectangle 35"/>
-          <p:cNvSpPr/>
-          <p:nvPr/>
-        </p:nvSpPr>
-        <p:spPr>
-          <a:xfrm>
-            <a:off x="4200420" y="150194"/>
-            <a:ext cx="3587931" cy="2603863"/>
-          </a:xfrm>
-          <a:prstGeom prst="rect">
-            <a:avLst/>
-          </a:prstGeom>
-          <a:noFill/>
-          <a:ln>
-            <a:solidFill>
-              <a:schemeClr val="bg1">
-                <a:lumMod val="50000"/>
-              </a:schemeClr>
-            </a:solidFill>
-          </a:ln>
-        </p:spPr>
-        <p:style>
-          <a:lnRef idx="2">
-            <a:schemeClr val="accent1">
-              <a:shade val="50000"/>
-            </a:schemeClr>
-          </a:lnRef>
-          <a:fillRef idx="1">
-            <a:schemeClr val="accent1"/>
-          </a:fillRef>
-          <a:effectRef idx="0">
-            <a:schemeClr val="accent1"/>
-          </a:effectRef>
-          <a:fontRef idx="minor">
-            <a:schemeClr val="lt1"/>
-          </a:fontRef>
-        </p:style>
-        <p:txBody>
-          <a:bodyPr rtlCol="0" anchor="ctr"/>
-          <a:lstStyle/>
-          <a:p>
-            <a:pPr algn="ctr"/>
-            <a:endParaRPr lang="en-US"/>
-          </a:p>
-        </p:txBody>
-      </p:sp>
-      <p:cxnSp>
-        <p:nvCxnSpPr>
-          <p:cNvPr id="38" name="Straight Arrow Connector 37"/>
-          <p:cNvCxnSpPr/>
-          <p:nvPr/>
-        </p:nvCxnSpPr>
-        <p:spPr>
-          <a:xfrm flipV="1">
-            <a:off x="259791" y="117475"/>
-            <a:ext cx="1283440" cy="1591555"/>
-          </a:xfrm>
-          <a:prstGeom prst="straightConnector1">
-            <a:avLst/>
-          </a:prstGeom>
-          <a:ln w="9525">
-            <a:solidFill>
-              <a:srgbClr val="00B0F0"/>
-            </a:solidFill>
-            <a:tailEnd type="triangle"/>
-          </a:ln>
-        </p:spPr>
-        <p:style>
-          <a:lnRef idx="1">
-            <a:schemeClr val="accent1"/>
-          </a:lnRef>
-          <a:fillRef idx="0">
-            <a:schemeClr val="accent1"/>
-          </a:fillRef>
-          <a:effectRef idx="0">
-            <a:schemeClr val="accent1"/>
-          </a:effectRef>
-          <a:fontRef idx="minor">
-            <a:schemeClr val="tx1"/>
-          </a:fontRef>
-        </p:style>
-      </p:cxnSp>
-      <p:cxnSp>
-        <p:nvCxnSpPr>
-          <p:cNvPr id="54" name="Straight Arrow Connector 53"/>
-          <p:cNvCxnSpPr/>
-          <p:nvPr/>
-        </p:nvCxnSpPr>
-        <p:spPr>
-          <a:xfrm>
-            <a:off x="1505116" y="150194"/>
-            <a:ext cx="2342606" cy="714104"/>
-          </a:xfrm>
-          <a:prstGeom prst="straightConnector1">
-            <a:avLst/>
-          </a:prstGeom>
-          <a:ln w="9525">
-            <a:solidFill>
-              <a:srgbClr val="00B0F0"/>
-            </a:solidFill>
-            <a:tailEnd type="triangle"/>
-          </a:ln>
-        </p:spPr>
-        <p:style>
-          <a:lnRef idx="1">
-            <a:schemeClr val="accent1"/>
-          </a:lnRef>
-          <a:fillRef idx="0">
-            <a:schemeClr val="accent1"/>
-          </a:fillRef>
-          <a:effectRef idx="0">
-            <a:schemeClr val="accent1"/>
-          </a:effectRef>
-          <a:fontRef idx="minor">
-            <a:schemeClr val="tx1"/>
-          </a:fontRef>
-        </p:style>
-      </p:cxnSp>
-      <p:cxnSp>
-        <p:nvCxnSpPr>
-          <p:cNvPr id="55" name="Straight Arrow Connector 54"/>
-          <p:cNvCxnSpPr/>
-          <p:nvPr/>
-        </p:nvCxnSpPr>
-        <p:spPr>
-          <a:xfrm flipH="1">
-            <a:off x="1801208" y="1709029"/>
-            <a:ext cx="2046514" cy="1045028"/>
-          </a:xfrm>
-          <a:prstGeom prst="straightConnector1">
-            <a:avLst/>
-          </a:prstGeom>
-          <a:ln w="9525">
-            <a:solidFill>
-              <a:srgbClr val="00B0F0"/>
-            </a:solidFill>
-            <a:tailEnd type="triangle"/>
-          </a:ln>
-        </p:spPr>
-        <p:style>
-          <a:lnRef idx="1">
-            <a:schemeClr val="accent1"/>
-          </a:lnRef>
-          <a:fillRef idx="0">
-            <a:schemeClr val="accent1"/>
-          </a:fillRef>
-          <a:effectRef idx="0">
-            <a:schemeClr val="accent1"/>
-          </a:effectRef>
-          <a:fontRef idx="minor">
-            <a:schemeClr val="tx1"/>
-          </a:fontRef>
-        </p:style>
-      </p:cxnSp>
-      <p:cxnSp>
-        <p:nvCxnSpPr>
-          <p:cNvPr id="56" name="Straight Arrow Connector 55"/>
-          <p:cNvCxnSpPr/>
-          <p:nvPr/>
-        </p:nvCxnSpPr>
-        <p:spPr>
-          <a:xfrm flipH="1" flipV="1">
-            <a:off x="4200420" y="1804823"/>
-            <a:ext cx="1319348" cy="949234"/>
-          </a:xfrm>
-          <a:prstGeom prst="straightConnector1">
-            <a:avLst/>
-          </a:prstGeom>
-          <a:ln w="9525">
-            <a:solidFill>
-              <a:srgbClr val="00B0F0"/>
-            </a:solidFill>
-            <a:tailEnd type="triangle"/>
-          </a:ln>
-        </p:spPr>
-        <p:style>
-          <a:lnRef idx="1">
-            <a:schemeClr val="accent1"/>
-          </a:lnRef>
-          <a:fillRef idx="0">
-            <a:schemeClr val="accent1"/>
-          </a:fillRef>
-          <a:effectRef idx="0">
-            <a:schemeClr val="accent1"/>
-          </a:effectRef>
-          <a:fontRef idx="minor">
-            <a:schemeClr val="tx1"/>
-          </a:fontRef>
-        </p:style>
-      </p:cxnSp>
-      <p:sp>
-        <p:nvSpPr>
-          <p:cNvPr id="57" name="Rectangle 56"/>
-          <p:cNvSpPr/>
-          <p:nvPr/>
-        </p:nvSpPr>
-        <p:spPr>
-          <a:xfrm>
-            <a:off x="8133788" y="150194"/>
-            <a:ext cx="3587931" cy="2603863"/>
-          </a:xfrm>
-          <a:prstGeom prst="rect">
-            <a:avLst/>
-          </a:prstGeom>
-          <a:noFill/>
-          <a:ln>
-            <a:solidFill>
-              <a:schemeClr val="bg1">
-                <a:lumMod val="50000"/>
-              </a:schemeClr>
-            </a:solidFill>
-          </a:ln>
-        </p:spPr>
-        <p:style>
-          <a:lnRef idx="2">
-            <a:schemeClr val="accent1">
-              <a:shade val="50000"/>
-            </a:schemeClr>
-          </a:lnRef>
-          <a:fillRef idx="1">
-            <a:schemeClr val="accent1"/>
-          </a:fillRef>
-          <a:effectRef idx="0">
-            <a:schemeClr val="accent1"/>
-          </a:effectRef>
-          <a:fontRef idx="minor">
-            <a:schemeClr val="lt1"/>
-          </a:fontRef>
-        </p:style>
-        <p:txBody>
-          <a:bodyPr rtlCol="0" anchor="ctr"/>
-          <a:lstStyle/>
-          <a:p>
-            <a:pPr algn="ctr"/>
-            <a:endParaRPr lang="en-US"/>
-          </a:p>
-        </p:txBody>
-      </p:sp>
-      <p:cxnSp>
-        <p:nvCxnSpPr>
-          <p:cNvPr id="58" name="Straight Arrow Connector 57"/>
-          <p:cNvCxnSpPr/>
-          <p:nvPr/>
-        </p:nvCxnSpPr>
-        <p:spPr>
-          <a:xfrm flipH="1">
-            <a:off x="8141049" y="150194"/>
-            <a:ext cx="1253776" cy="1116631"/>
-          </a:xfrm>
-          <a:prstGeom prst="straightConnector1">
-            <a:avLst/>
-          </a:prstGeom>
-          <a:ln w="9525">
-            <a:solidFill>
-              <a:srgbClr val="00B0F0"/>
-            </a:solidFill>
-            <a:tailEnd type="triangle"/>
-          </a:ln>
-        </p:spPr>
-        <p:style>
-          <a:lnRef idx="1">
-            <a:schemeClr val="accent1"/>
-          </a:lnRef>
-          <a:fillRef idx="0">
-            <a:schemeClr val="accent1"/>
-          </a:fillRef>
-          <a:effectRef idx="0">
-            <a:schemeClr val="accent1"/>
-          </a:effectRef>
-          <a:fontRef idx="minor">
-            <a:schemeClr val="tx1"/>
-          </a:fontRef>
-        </p:style>
-      </p:cxnSp>
-      <p:cxnSp>
-        <p:nvCxnSpPr>
-          <p:cNvPr id="59" name="Straight Arrow Connector 58"/>
-          <p:cNvCxnSpPr/>
-          <p:nvPr/>
-        </p:nvCxnSpPr>
-        <p:spPr>
-          <a:xfrm flipV="1">
-            <a:off x="8141049" y="150194"/>
-            <a:ext cx="2557413" cy="2288207"/>
-          </a:xfrm>
-          <a:prstGeom prst="straightConnector1">
-            <a:avLst/>
-          </a:prstGeom>
-          <a:ln w="9525">
-            <a:solidFill>
-              <a:srgbClr val="00B0F0"/>
-            </a:solidFill>
-            <a:tailEnd type="triangle"/>
-          </a:ln>
-        </p:spPr>
-        <p:style>
-          <a:lnRef idx="1">
-            <a:schemeClr val="accent1"/>
-          </a:lnRef>
-          <a:fillRef idx="0">
-            <a:schemeClr val="accent1"/>
-          </a:fillRef>
-          <a:effectRef idx="0">
-            <a:schemeClr val="accent1"/>
-          </a:effectRef>
-          <a:fontRef idx="minor">
-            <a:schemeClr val="tx1"/>
-          </a:fontRef>
-        </p:style>
-      </p:cxnSp>
-      <p:cxnSp>
-        <p:nvCxnSpPr>
-          <p:cNvPr id="60" name="Straight Arrow Connector 59"/>
-          <p:cNvCxnSpPr/>
-          <p:nvPr/>
-        </p:nvCxnSpPr>
-        <p:spPr>
-          <a:xfrm flipH="1">
-            <a:off x="9675205" y="1709029"/>
-            <a:ext cx="2046514" cy="1045028"/>
-          </a:xfrm>
-          <a:prstGeom prst="straightConnector1">
-            <a:avLst/>
-          </a:prstGeom>
-          <a:ln w="9525">
-            <a:solidFill>
-              <a:srgbClr val="00B0F0"/>
-            </a:solidFill>
-            <a:tailEnd type="triangle"/>
-          </a:ln>
-        </p:spPr>
-        <p:style>
-          <a:lnRef idx="1">
-            <a:schemeClr val="accent1"/>
-          </a:lnRef>
-          <a:fillRef idx="0">
-            <a:schemeClr val="accent1"/>
-          </a:fillRef>
-          <a:effectRef idx="0">
-            <a:schemeClr val="accent1"/>
-          </a:effectRef>
-          <a:fontRef idx="minor">
-            <a:schemeClr val="tx1"/>
-          </a:fontRef>
-        </p:style>
-      </p:cxnSp>
-      <p:sp>
-        <p:nvSpPr>
-          <p:cNvPr id="61" name="Rectangle 60"/>
-          <p:cNvSpPr/>
-          <p:nvPr/>
-        </p:nvSpPr>
-        <p:spPr>
-          <a:xfrm>
-            <a:off x="8133788" y="3222534"/>
-            <a:ext cx="3587931" cy="2603863"/>
-          </a:xfrm>
-          <a:prstGeom prst="rect">
-            <a:avLst/>
-          </a:prstGeom>
-          <a:noFill/>
-          <a:ln>
-            <a:solidFill>
-              <a:schemeClr val="bg1">
-                <a:lumMod val="50000"/>
-              </a:schemeClr>
-            </a:solidFill>
-          </a:ln>
-        </p:spPr>
-        <p:style>
-          <a:lnRef idx="2">
-            <a:schemeClr val="accent1">
-              <a:shade val="50000"/>
-            </a:schemeClr>
-          </a:lnRef>
-          <a:fillRef idx="1">
-            <a:schemeClr val="accent1"/>
-          </a:fillRef>
-          <a:effectRef idx="0">
-            <a:schemeClr val="accent1"/>
-          </a:effectRef>
-          <a:fontRef idx="minor">
-            <a:schemeClr val="lt1"/>
-          </a:fontRef>
-        </p:style>
-        <p:txBody>
-          <a:bodyPr rtlCol="0" anchor="ctr"/>
-          <a:lstStyle/>
-          <a:p>
-            <a:pPr algn="ctr"/>
-            <a:endParaRPr lang="en-US"/>
-          </a:p>
-        </p:txBody>
-      </p:sp>
-      <p:cxnSp>
-        <p:nvCxnSpPr>
-          <p:cNvPr id="62" name="Straight Arrow Connector 61"/>
-          <p:cNvCxnSpPr/>
-          <p:nvPr/>
-        </p:nvCxnSpPr>
-        <p:spPr>
-          <a:xfrm flipH="1">
-            <a:off x="8141049" y="3222534"/>
-            <a:ext cx="1253776" cy="1116631"/>
-          </a:xfrm>
-          <a:prstGeom prst="straightConnector1">
-            <a:avLst/>
-          </a:prstGeom>
-          <a:ln w="28575">
-            <a:solidFill>
-              <a:srgbClr val="FF0000"/>
-            </a:solidFill>
-            <a:tailEnd type="triangle"/>
-          </a:ln>
-        </p:spPr>
-        <p:style>
-          <a:lnRef idx="1">
-            <a:schemeClr val="accent1"/>
-          </a:lnRef>
-          <a:fillRef idx="0">
-            <a:schemeClr val="accent1"/>
-          </a:fillRef>
-          <a:effectRef idx="0">
-            <a:schemeClr val="accent1"/>
-          </a:effectRef>
-          <a:fontRef idx="minor">
-            <a:schemeClr val="tx1"/>
-          </a:fontRef>
-        </p:style>
-      </p:cxnSp>
-      <p:cxnSp>
-        <p:nvCxnSpPr>
-          <p:cNvPr id="63" name="Straight Arrow Connector 62"/>
-          <p:cNvCxnSpPr/>
-          <p:nvPr/>
-        </p:nvCxnSpPr>
-        <p:spPr>
-          <a:xfrm flipV="1">
-            <a:off x="8141049" y="3222534"/>
-            <a:ext cx="2557413" cy="2288207"/>
-          </a:xfrm>
-          <a:prstGeom prst="straightConnector1">
-            <a:avLst/>
-          </a:prstGeom>
-          <a:ln w="28575">
-            <a:solidFill>
-              <a:srgbClr val="FF0000"/>
-            </a:solidFill>
-            <a:tailEnd type="triangle"/>
-          </a:ln>
-        </p:spPr>
-        <p:style>
-          <a:lnRef idx="1">
-            <a:schemeClr val="accent1"/>
-          </a:lnRef>
-          <a:fillRef idx="0">
-            <a:schemeClr val="accent1"/>
-          </a:fillRef>
-          <a:effectRef idx="0">
-            <a:schemeClr val="accent1"/>
-          </a:effectRef>
-          <a:fontRef idx="minor">
-            <a:schemeClr val="tx1"/>
-          </a:fontRef>
-        </p:style>
-      </p:cxnSp>
-      <p:cxnSp>
-        <p:nvCxnSpPr>
-          <p:cNvPr id="64" name="Straight Arrow Connector 63"/>
-          <p:cNvCxnSpPr/>
-          <p:nvPr/>
-        </p:nvCxnSpPr>
-        <p:spPr>
-          <a:xfrm flipH="1">
-            <a:off x="9675205" y="4781369"/>
-            <a:ext cx="2046514" cy="1045028"/>
-          </a:xfrm>
-          <a:prstGeom prst="straightConnector1">
-            <a:avLst/>
-          </a:prstGeom>
-          <a:ln w="28575">
-            <a:solidFill>
-              <a:srgbClr val="FF0000"/>
-            </a:solidFill>
-            <a:tailEnd type="triangle"/>
-          </a:ln>
-        </p:spPr>
-        <p:style>
-          <a:lnRef idx="1">
-            <a:schemeClr val="accent1"/>
-          </a:lnRef>
-          <a:fillRef idx="0">
-            <a:schemeClr val="accent1"/>
-          </a:fillRef>
-          <a:effectRef idx="0">
-            <a:schemeClr val="accent1"/>
-          </a:effectRef>
-          <a:fontRef idx="minor">
-            <a:schemeClr val="tx1"/>
-          </a:fontRef>
-        </p:style>
-      </p:cxnSp>
-      <p:cxnSp>
-        <p:nvCxnSpPr>
-          <p:cNvPr id="65" name="Straight Connector 64"/>
-          <p:cNvCxnSpPr/>
-          <p:nvPr/>
-        </p:nvCxnSpPr>
-        <p:spPr>
-          <a:xfrm>
-            <a:off x="10690842" y="3222534"/>
-            <a:ext cx="1030877" cy="0"/>
-          </a:xfrm>
-          <a:prstGeom prst="line">
-            <a:avLst/>
-          </a:prstGeom>
-          <a:ln w="28575">
-            <a:solidFill>
-              <a:srgbClr val="FF0000"/>
-            </a:solidFill>
-          </a:ln>
-        </p:spPr>
-        <p:style>
-          <a:lnRef idx="1">
-            <a:schemeClr val="accent1"/>
-          </a:lnRef>
-          <a:fillRef idx="0">
-            <a:schemeClr val="accent1"/>
-          </a:fillRef>
-          <a:effectRef idx="0">
-            <a:schemeClr val="accent1"/>
-          </a:effectRef>
-          <a:fontRef idx="minor">
-            <a:schemeClr val="tx1"/>
-          </a:fontRef>
-        </p:style>
-      </p:cxnSp>
-      <p:cxnSp>
-        <p:nvCxnSpPr>
-          <p:cNvPr id="66" name="Straight Connector 65"/>
-          <p:cNvCxnSpPr/>
-          <p:nvPr/>
-        </p:nvCxnSpPr>
-        <p:spPr>
-          <a:xfrm>
-            <a:off x="11721719" y="3222534"/>
-            <a:ext cx="0" cy="1558835"/>
-          </a:xfrm>
-          <a:prstGeom prst="line">
-            <a:avLst/>
-          </a:prstGeom>
-          <a:ln w="28575">
-            <a:solidFill>
-              <a:srgbClr val="FF0000"/>
-            </a:solidFill>
-          </a:ln>
-        </p:spPr>
-        <p:style>
-          <a:lnRef idx="1">
-            <a:schemeClr val="accent1"/>
-          </a:lnRef>
-          <a:fillRef idx="0">
-            <a:schemeClr val="accent1"/>
-          </a:fillRef>
-          <a:effectRef idx="0">
-            <a:schemeClr val="accent1"/>
-          </a:effectRef>
-          <a:fontRef idx="minor">
-            <a:schemeClr val="tx1"/>
-          </a:fontRef>
-        </p:style>
-      </p:cxnSp>
-      <p:cxnSp>
-        <p:nvCxnSpPr>
-          <p:cNvPr id="67" name="Straight Connector 66"/>
-          <p:cNvCxnSpPr/>
-          <p:nvPr/>
-        </p:nvCxnSpPr>
-        <p:spPr>
-          <a:xfrm>
-            <a:off x="8133788" y="5826397"/>
-            <a:ext cx="1549037" cy="0"/>
-          </a:xfrm>
-          <a:prstGeom prst="line">
-            <a:avLst/>
-          </a:prstGeom>
-          <a:ln w="28575">
-            <a:solidFill>
-              <a:srgbClr val="FF0000"/>
-            </a:solidFill>
-          </a:ln>
-        </p:spPr>
-        <p:style>
-          <a:lnRef idx="1">
-            <a:schemeClr val="accent1"/>
-          </a:lnRef>
-          <a:fillRef idx="0">
-            <a:schemeClr val="accent1"/>
-          </a:fillRef>
-          <a:effectRef idx="0">
-            <a:schemeClr val="accent1"/>
-          </a:effectRef>
-          <a:fontRef idx="minor">
-            <a:schemeClr val="tx1"/>
-          </a:fontRef>
-        </p:style>
-      </p:cxnSp>
-      <p:cxnSp>
-        <p:nvCxnSpPr>
-          <p:cNvPr id="70" name="Straight Connector 69"/>
-          <p:cNvCxnSpPr/>
-          <p:nvPr/>
-        </p:nvCxnSpPr>
-        <p:spPr>
-          <a:xfrm>
-            <a:off x="8133788" y="3222534"/>
-            <a:ext cx="0" cy="1116631"/>
-          </a:xfrm>
-          <a:prstGeom prst="line">
-            <a:avLst/>
-          </a:prstGeom>
-          <a:ln w="28575">
-            <a:solidFill>
-              <a:srgbClr val="FF0000"/>
-            </a:solidFill>
-          </a:ln>
-        </p:spPr>
-        <p:style>
-          <a:lnRef idx="1">
-            <a:schemeClr val="accent1"/>
-          </a:lnRef>
-          <a:fillRef idx="0">
-            <a:schemeClr val="accent1"/>
-          </a:fillRef>
-          <a:effectRef idx="0">
-            <a:schemeClr val="accent1"/>
-          </a:effectRef>
-          <a:fontRef idx="minor">
-            <a:schemeClr val="tx1"/>
-          </a:fontRef>
-        </p:style>
-      </p:cxnSp>
-      <p:sp>
-        <p:nvSpPr>
-          <p:cNvPr id="71" name="Oval 70"/>
-          <p:cNvSpPr/>
-          <p:nvPr/>
-        </p:nvSpPr>
-        <p:spPr>
-          <a:xfrm>
-            <a:off x="8067026" y="5754536"/>
-            <a:ext cx="148046" cy="148046"/>
-          </a:xfrm>
-          <a:prstGeom prst="ellipse">
-            <a:avLst/>
-          </a:prstGeom>
-          <a:noFill/>
-          <a:ln w="28575">
-            <a:solidFill>
-              <a:schemeClr val="bg1">
-                <a:lumMod val="65000"/>
-              </a:schemeClr>
-            </a:solidFill>
-          </a:ln>
-        </p:spPr>
-        <p:style>
-          <a:lnRef idx="2">
-            <a:schemeClr val="accent1">
-              <a:shade val="50000"/>
-            </a:schemeClr>
-          </a:lnRef>
-          <a:fillRef idx="1">
-            <a:schemeClr val="accent1"/>
-          </a:fillRef>
-          <a:effectRef idx="0">
-            <a:schemeClr val="accent1"/>
-          </a:effectRef>
-          <a:fontRef idx="minor">
-            <a:schemeClr val="lt1"/>
-          </a:fontRef>
-        </p:style>
-        <p:txBody>
-          <a:bodyPr rtlCol="0" anchor="ctr"/>
-          <a:lstStyle/>
-          <a:p>
-            <a:pPr algn="ctr"/>
-            <a:endParaRPr lang="en-US">
-              <a:solidFill>
-                <a:schemeClr val="bg1">
-                  <a:lumMod val="65000"/>
-                </a:schemeClr>
-              </a:solidFill>
-            </a:endParaRPr>
-          </a:p>
-        </p:txBody>
-      </p:sp>
-      <p:sp>
-        <p:nvSpPr>
-          <p:cNvPr id="72" name="Oval 71"/>
-          <p:cNvSpPr/>
-          <p:nvPr/>
-        </p:nvSpPr>
-        <p:spPr>
-          <a:xfrm>
-            <a:off x="8064652" y="5422823"/>
-            <a:ext cx="148046" cy="148046"/>
-          </a:xfrm>
-          <a:prstGeom prst="ellipse">
-            <a:avLst/>
-          </a:prstGeom>
-          <a:noFill/>
-          <a:ln w="38100">
-            <a:solidFill>
-              <a:srgbClr val="00B050"/>
-            </a:solidFill>
-          </a:ln>
-        </p:spPr>
-        <p:style>
-          <a:lnRef idx="2">
-            <a:schemeClr val="accent1">
-              <a:shade val="50000"/>
-            </a:schemeClr>
-          </a:lnRef>
-          <a:fillRef idx="1">
-            <a:schemeClr val="accent1"/>
-          </a:fillRef>
-          <a:effectRef idx="0">
-            <a:schemeClr val="accent1"/>
-          </a:effectRef>
-          <a:fontRef idx="minor">
-            <a:schemeClr val="lt1"/>
-          </a:fontRef>
-        </p:style>
-        <p:txBody>
-          <a:bodyPr rtlCol="0" anchor="ctr"/>
-          <a:lstStyle/>
-          <a:p>
-            <a:pPr algn="ctr"/>
-            <a:endParaRPr lang="en-US">
-              <a:solidFill>
-                <a:srgbClr val="00B050"/>
-              </a:solidFill>
-            </a:endParaRPr>
-          </a:p>
-        </p:txBody>
-      </p:sp>
-      <p:cxnSp>
-        <p:nvCxnSpPr>
-          <p:cNvPr id="68" name="Straight Connector 67"/>
-          <p:cNvCxnSpPr/>
-          <p:nvPr/>
-        </p:nvCxnSpPr>
-        <p:spPr>
-          <a:xfrm>
-            <a:off x="8141049" y="5485980"/>
-            <a:ext cx="0" cy="324360"/>
-          </a:xfrm>
-          <a:prstGeom prst="line">
-            <a:avLst/>
-          </a:prstGeom>
-          <a:ln w="28575">
-            <a:solidFill>
-              <a:srgbClr val="FF0000"/>
-            </a:solidFill>
-          </a:ln>
-        </p:spPr>
-        <p:style>
-          <a:lnRef idx="1">
-            <a:schemeClr val="accent1"/>
-          </a:lnRef>
-          <a:fillRef idx="0">
-            <a:schemeClr val="accent1"/>
-          </a:fillRef>
-          <a:effectRef idx="0">
-            <a:schemeClr val="accent1"/>
-          </a:effectRef>
-          <a:fontRef idx="minor">
-            <a:schemeClr val="tx1"/>
-          </a:fontRef>
-        </p:style>
-      </p:cxnSp>
-      <p:sp>
-        <p:nvSpPr>
-          <p:cNvPr id="73" name="TextBox 72"/>
-          <p:cNvSpPr txBox="1"/>
-          <p:nvPr/>
-        </p:nvSpPr>
-        <p:spPr>
-          <a:xfrm>
-            <a:off x="9298070" y="4287925"/>
-            <a:ext cx="301686" cy="369332"/>
-          </a:xfrm>
-          <a:prstGeom prst="rect">
-            <a:avLst/>
-          </a:prstGeom>
-          <a:noFill/>
-        </p:spPr>
-        <p:txBody>
-          <a:bodyPr wrap="none" rtlCol="0">
-            <a:spAutoFit/>
-          </a:bodyPr>
-          <a:lstStyle/>
-          <a:p>
-            <a:r>
-              <a:rPr lang="en-US" dirty="0"/>
-              <a:t>1</a:t>
-            </a:r>
-          </a:p>
-        </p:txBody>
-      </p:sp>
-      <p:sp>
-        <p:nvSpPr>
-          <p:cNvPr id="74" name="TextBox 73"/>
-          <p:cNvSpPr txBox="1"/>
-          <p:nvPr/>
-        </p:nvSpPr>
-        <p:spPr>
-          <a:xfrm>
-            <a:off x="11055437" y="3156914"/>
-            <a:ext cx="301686" cy="369332"/>
-          </a:xfrm>
-          <a:prstGeom prst="rect">
-            <a:avLst/>
-          </a:prstGeom>
-          <a:noFill/>
-        </p:spPr>
-        <p:txBody>
-          <a:bodyPr wrap="none" rtlCol="0">
-            <a:spAutoFit/>
-          </a:bodyPr>
-          <a:lstStyle/>
-          <a:p>
-            <a:r>
-              <a:rPr lang="en-US" dirty="0"/>
-              <a:t>2</a:t>
-            </a:r>
-          </a:p>
-        </p:txBody>
-      </p:sp>
-      <p:sp>
-        <p:nvSpPr>
-          <p:cNvPr id="75" name="TextBox 74"/>
-          <p:cNvSpPr txBox="1"/>
-          <p:nvPr/>
-        </p:nvSpPr>
-        <p:spPr>
-          <a:xfrm>
-            <a:off x="11486795" y="3865182"/>
-            <a:ext cx="301686" cy="369332"/>
-          </a:xfrm>
-          <a:prstGeom prst="rect">
-            <a:avLst/>
-          </a:prstGeom>
-          <a:noFill/>
-        </p:spPr>
-        <p:txBody>
-          <a:bodyPr wrap="none" rtlCol="0">
-            <a:spAutoFit/>
-          </a:bodyPr>
-          <a:lstStyle/>
-          <a:p>
-            <a:r>
-              <a:rPr lang="en-US" dirty="0"/>
-              <a:t>3</a:t>
-            </a:r>
-          </a:p>
-        </p:txBody>
-      </p:sp>
-      <p:sp>
-        <p:nvSpPr>
-          <p:cNvPr id="76" name="TextBox 75"/>
-          <p:cNvSpPr txBox="1"/>
-          <p:nvPr/>
-        </p:nvSpPr>
-        <p:spPr>
-          <a:xfrm>
-            <a:off x="10614381" y="4951968"/>
-            <a:ext cx="301686" cy="369332"/>
-          </a:xfrm>
-          <a:prstGeom prst="rect">
-            <a:avLst/>
-          </a:prstGeom>
-          <a:noFill/>
-        </p:spPr>
-        <p:txBody>
-          <a:bodyPr wrap="none" rtlCol="0">
-            <a:spAutoFit/>
-          </a:bodyPr>
-          <a:lstStyle/>
-          <a:p>
-            <a:r>
-              <a:rPr lang="en-US" dirty="0" smtClean="0"/>
-              <a:t>4</a:t>
-            </a:r>
-            <a:endParaRPr lang="en-US" dirty="0"/>
-          </a:p>
-        </p:txBody>
-      </p:sp>
-      <p:sp>
-        <p:nvSpPr>
-          <p:cNvPr id="77" name="TextBox 76"/>
-          <p:cNvSpPr txBox="1"/>
-          <p:nvPr/>
-        </p:nvSpPr>
-        <p:spPr>
-          <a:xfrm>
-            <a:off x="8809962" y="5544498"/>
-            <a:ext cx="301686" cy="369332"/>
-          </a:xfrm>
-          <a:prstGeom prst="rect">
-            <a:avLst/>
-          </a:prstGeom>
-          <a:noFill/>
-        </p:spPr>
-        <p:txBody>
-          <a:bodyPr wrap="none" rtlCol="0">
-            <a:spAutoFit/>
-          </a:bodyPr>
-          <a:lstStyle/>
-          <a:p>
-            <a:r>
-              <a:rPr lang="en-US" dirty="0"/>
-              <a:t>5</a:t>
-            </a:r>
-          </a:p>
-        </p:txBody>
-      </p:sp>
-      <p:sp>
-        <p:nvSpPr>
-          <p:cNvPr id="78" name="TextBox 77"/>
-          <p:cNvSpPr txBox="1"/>
-          <p:nvPr/>
-        </p:nvSpPr>
-        <p:spPr>
-          <a:xfrm>
-            <a:off x="8072588" y="5475160"/>
-            <a:ext cx="301686" cy="369332"/>
-          </a:xfrm>
-          <a:prstGeom prst="rect">
-            <a:avLst/>
-          </a:prstGeom>
-          <a:noFill/>
-        </p:spPr>
-        <p:txBody>
-          <a:bodyPr wrap="none" rtlCol="0">
-            <a:spAutoFit/>
-          </a:bodyPr>
-          <a:lstStyle/>
-          <a:p>
-            <a:r>
-              <a:rPr lang="en-US" dirty="0" smtClean="0"/>
-              <a:t>6</a:t>
-            </a:r>
-          </a:p>
-        </p:txBody>
-      </p:sp>
-      <p:sp>
-        <p:nvSpPr>
-          <p:cNvPr id="79" name="TextBox 78"/>
-          <p:cNvSpPr txBox="1"/>
-          <p:nvPr/>
-        </p:nvSpPr>
-        <p:spPr>
-          <a:xfrm>
-            <a:off x="8665917" y="3650685"/>
-            <a:ext cx="612668" cy="369332"/>
-          </a:xfrm>
-          <a:prstGeom prst="rect">
-            <a:avLst/>
-          </a:prstGeom>
-          <a:noFill/>
-        </p:spPr>
-        <p:txBody>
-          <a:bodyPr wrap="none" rtlCol="0">
-            <a:spAutoFit/>
-          </a:bodyPr>
-          <a:lstStyle/>
-          <a:p>
-            <a:r>
-              <a:rPr lang="en-US" dirty="0" smtClean="0"/>
-              <a:t>1 (7)</a:t>
-            </a:r>
-          </a:p>
-        </p:txBody>
-      </p:sp>
-      <p:sp>
-        <p:nvSpPr>
-          <p:cNvPr id="80" name="TextBox 79"/>
-          <p:cNvSpPr txBox="1"/>
-          <p:nvPr/>
-        </p:nvSpPr>
-        <p:spPr>
-          <a:xfrm>
-            <a:off x="8072588" y="3495824"/>
-            <a:ext cx="612668" cy="369332"/>
-          </a:xfrm>
-          <a:prstGeom prst="rect">
-            <a:avLst/>
-          </a:prstGeom>
-          <a:noFill/>
-        </p:spPr>
-        <p:txBody>
-          <a:bodyPr wrap="none" rtlCol="0">
-            <a:spAutoFit/>
-          </a:bodyPr>
-          <a:lstStyle/>
-          <a:p>
-            <a:r>
-              <a:rPr lang="en-US" dirty="0"/>
-              <a:t>2</a:t>
-            </a:r>
-            <a:r>
-              <a:rPr lang="en-US" dirty="0" smtClean="0"/>
-              <a:t> (8)</a:t>
-            </a:r>
-          </a:p>
-        </p:txBody>
-      </p:sp>
-      <p:sp>
-        <p:nvSpPr>
-          <p:cNvPr id="81" name="TextBox 80"/>
-          <p:cNvSpPr txBox="1"/>
-          <p:nvPr/>
-        </p:nvSpPr>
-        <p:spPr>
-          <a:xfrm>
-            <a:off x="8346908" y="2924324"/>
-            <a:ext cx="612668" cy="369332"/>
-          </a:xfrm>
-          <a:prstGeom prst="rect">
-            <a:avLst/>
-          </a:prstGeom>
-          <a:noFill/>
-        </p:spPr>
-        <p:txBody>
-          <a:bodyPr wrap="none" rtlCol="0">
-            <a:spAutoFit/>
-          </a:bodyPr>
-          <a:lstStyle/>
-          <a:p>
-            <a:r>
-              <a:rPr lang="en-US" dirty="0" smtClean="0"/>
-              <a:t>3 (9)</a:t>
-            </a:r>
-          </a:p>
-        </p:txBody>
-      </p:sp>
-      <p:sp>
-        <p:nvSpPr>
-          <p:cNvPr id="82" name="Oval 81"/>
-          <p:cNvSpPr/>
-          <p:nvPr/>
-        </p:nvSpPr>
-        <p:spPr>
-          <a:xfrm>
-            <a:off x="9304418" y="3144310"/>
-            <a:ext cx="148046" cy="148046"/>
-          </a:xfrm>
-          <a:prstGeom prst="ellipse">
-            <a:avLst/>
-          </a:prstGeom>
-          <a:noFill/>
-          <a:ln w="38100">
-            <a:solidFill>
-              <a:srgbClr val="00B050"/>
-            </a:solidFill>
-          </a:ln>
-        </p:spPr>
-        <p:style>
-          <a:lnRef idx="2">
-            <a:schemeClr val="accent1">
-              <a:shade val="50000"/>
-            </a:schemeClr>
-          </a:lnRef>
-          <a:fillRef idx="1">
-            <a:schemeClr val="accent1"/>
-          </a:fillRef>
-          <a:effectRef idx="0">
-            <a:schemeClr val="accent1"/>
-          </a:effectRef>
-          <a:fontRef idx="minor">
-            <a:schemeClr val="lt1"/>
-          </a:fontRef>
-        </p:style>
-        <p:txBody>
-          <a:bodyPr rtlCol="0" anchor="ctr"/>
-          <a:lstStyle/>
-          <a:p>
-            <a:pPr algn="ctr"/>
-            <a:endParaRPr lang="en-US">
-              <a:solidFill>
-                <a:srgbClr val="00B050"/>
-              </a:solidFill>
-            </a:endParaRPr>
-          </a:p>
-        </p:txBody>
-      </p:sp>
-      <p:cxnSp>
-        <p:nvCxnSpPr>
-          <p:cNvPr id="69" name="Straight Connector 68"/>
-          <p:cNvCxnSpPr/>
-          <p:nvPr/>
-        </p:nvCxnSpPr>
-        <p:spPr>
-          <a:xfrm>
-            <a:off x="8125809" y="3222534"/>
-            <a:ext cx="1269016" cy="0"/>
-          </a:xfrm>
-          <a:prstGeom prst="line">
-            <a:avLst/>
-          </a:prstGeom>
-          <a:ln w="28575">
-            <a:solidFill>
-              <a:srgbClr val="FF0000"/>
-            </a:solidFill>
-          </a:ln>
-        </p:spPr>
-        <p:style>
-          <a:lnRef idx="1">
-            <a:schemeClr val="accent1"/>
-          </a:lnRef>
-          <a:fillRef idx="0">
-            <a:schemeClr val="accent1"/>
-          </a:fillRef>
-          <a:effectRef idx="0">
-            <a:schemeClr val="accent1"/>
-          </a:effectRef>
-          <a:fontRef idx="minor">
-            <a:schemeClr val="tx1"/>
-          </a:fontRef>
-        </p:style>
-      </p:cxnSp>
     </p:spTree>
     <p:extLst>
       <p:ext uri="{BB962C8B-B14F-4D97-AF65-F5344CB8AC3E}">
-        <p14:creationId xmlns:p14="http://schemas.microsoft.com/office/powerpoint/2010/main" val="2023136603"/>
+        <p14:creationId xmlns:p14="http://schemas.microsoft.com/office/powerpoint/2010/main" val="2002516722"/>
       </p:ext>
     </p:extLst>
   </p:cSld>
   <p:clrMapOvr>
     <a:masterClrMapping/>
   </p:clrMapOvr>
+  <p:timing>
+    <p:tnLst>
+      <p:par>
+        <p:cTn xmlns:p14="http://schemas.microsoft.com/office/powerpoint/2010/main" id="1" dur="indefinite" restart="never" nodeType="tmRoot"/>
+      </p:par>
+    </p:tnLst>
+  </p:timing>
 </p:sld>
 </file>
 
@@ -8521,19 +8001,26 @@
       </p:grpSpPr>
       <p:sp>
         <p:nvSpPr>
-          <p:cNvPr id="7" name="Rectangle 6"/>
+          <p:cNvPr id="2" name="Rectangle 1"/>
           <p:cNvSpPr/>
           <p:nvPr/>
         </p:nvSpPr>
         <p:spPr>
           <a:xfrm>
-            <a:off x="4431791" y="2318326"/>
-            <a:ext cx="1911928" cy="1394691"/>
+            <a:off x="259806" y="3222534"/>
+            <a:ext cx="3587931" cy="2603863"/>
           </a:xfrm>
           <a:prstGeom prst="rect">
             <a:avLst/>
           </a:prstGeom>
           <a:noFill/>
+          <a:ln>
+            <a:solidFill>
+              <a:schemeClr val="bg1">
+                <a:lumMod val="50000"/>
+              </a:schemeClr>
+            </a:solidFill>
+          </a:ln>
         </p:spPr>
         <p:style>
           <a:lnRef idx="2">
@@ -8562,19 +8049,26 @@
       </p:sp>
       <p:sp>
         <p:nvSpPr>
-          <p:cNvPr id="2" name="Rectangle 1"/>
+          <p:cNvPr id="3" name="Rectangle 2"/>
           <p:cNvSpPr/>
           <p:nvPr/>
         </p:nvSpPr>
         <p:spPr>
           <a:xfrm>
-            <a:off x="1690254" y="2318327"/>
-            <a:ext cx="1911928" cy="1394691"/>
+            <a:off x="4185195" y="3222534"/>
+            <a:ext cx="3587931" cy="2603863"/>
           </a:xfrm>
           <a:prstGeom prst="rect">
             <a:avLst/>
           </a:prstGeom>
           <a:noFill/>
+          <a:ln>
+            <a:solidFill>
+              <a:schemeClr val="bg1">
+                <a:lumMod val="50000"/>
+              </a:schemeClr>
+            </a:solidFill>
+          </a:ln>
         </p:spPr>
         <p:style>
           <a:lnRef idx="2">
@@ -8601,115 +8095,23 @@
           </a:p>
         </p:txBody>
       </p:sp>
-      <p:sp>
-        <p:nvSpPr>
-          <p:cNvPr id="3" name="Oval 2"/>
-          <p:cNvSpPr/>
-          <p:nvPr/>
-        </p:nvSpPr>
-        <p:spPr>
-          <a:xfrm>
-            <a:off x="1639453" y="2877126"/>
-            <a:ext cx="120073" cy="120073"/>
-          </a:xfrm>
-          <a:prstGeom prst="ellipse">
-            <a:avLst/>
-          </a:prstGeom>
-          <a:solidFill>
-            <a:srgbClr val="FF0000"/>
-          </a:solidFill>
-          <a:ln>
-            <a:noFill/>
-          </a:ln>
-        </p:spPr>
-        <p:style>
-          <a:lnRef idx="2">
-            <a:schemeClr val="accent1">
-              <a:shade val="50000"/>
-            </a:schemeClr>
-          </a:lnRef>
-          <a:fillRef idx="1">
-            <a:schemeClr val="accent1"/>
-          </a:fillRef>
-          <a:effectRef idx="0">
-            <a:schemeClr val="accent1"/>
-          </a:effectRef>
-          <a:fontRef idx="minor">
-            <a:schemeClr val="lt1"/>
-          </a:fontRef>
-        </p:style>
-        <p:txBody>
-          <a:bodyPr rtlCol="0" anchor="ctr"/>
-          <a:lstStyle/>
-          <a:p>
-            <a:pPr algn="ctr"/>
-            <a:endParaRPr lang="en-US"/>
-          </a:p>
-        </p:txBody>
-      </p:sp>
-      <p:sp>
-        <p:nvSpPr>
-          <p:cNvPr id="5" name="Oval 4"/>
-          <p:cNvSpPr/>
-          <p:nvPr/>
-        </p:nvSpPr>
-        <p:spPr>
-          <a:xfrm>
-            <a:off x="2419234" y="3652980"/>
-            <a:ext cx="120073" cy="120073"/>
-          </a:xfrm>
-          <a:prstGeom prst="ellipse">
-            <a:avLst/>
-          </a:prstGeom>
-          <a:solidFill>
-            <a:srgbClr val="00B050"/>
-          </a:solidFill>
-          <a:ln>
-            <a:noFill/>
-          </a:ln>
-        </p:spPr>
-        <p:style>
-          <a:lnRef idx="2">
-            <a:schemeClr val="accent1">
-              <a:shade val="50000"/>
-            </a:schemeClr>
-          </a:lnRef>
-          <a:fillRef idx="1">
-            <a:schemeClr val="accent1"/>
-          </a:fillRef>
-          <a:effectRef idx="0">
-            <a:schemeClr val="accent1"/>
-          </a:effectRef>
-          <a:fontRef idx="minor">
-            <a:schemeClr val="lt1"/>
-          </a:fontRef>
-        </p:style>
-        <p:txBody>
-          <a:bodyPr rtlCol="0" anchor="ctr"/>
-          <a:lstStyle/>
-          <a:p>
-            <a:pPr algn="ctr"/>
-            <a:endParaRPr lang="en-US"/>
-          </a:p>
-        </p:txBody>
-      </p:sp>
       <p:cxnSp>
         <p:nvCxnSpPr>
-          <p:cNvPr id="11" name="Straight Arrow Connector 10"/>
+          <p:cNvPr id="5" name="Straight Arrow Connector 4"/>
           <p:cNvCxnSpPr/>
           <p:nvPr/>
         </p:nvCxnSpPr>
         <p:spPr>
           <a:xfrm flipV="1">
-            <a:off x="1690254" y="2265680"/>
-            <a:ext cx="0" cy="611446"/>
+            <a:off x="259806" y="3173548"/>
+            <a:ext cx="1274513" cy="1607822"/>
           </a:xfrm>
           <a:prstGeom prst="straightConnector1">
             <a:avLst/>
           </a:prstGeom>
           <a:ln w="28575">
             <a:solidFill>
-              <a:srgbClr val="00B0F0"/>
+              <a:srgbClr val="FF0000"/>
             </a:solidFill>
             <a:tailEnd type="triangle"/>
           </a:ln>
@@ -8731,21 +8133,21 @@
       </p:cxnSp>
       <p:cxnSp>
         <p:nvCxnSpPr>
-          <p:cNvPr id="14" name="Straight Arrow Connector 13"/>
+          <p:cNvPr id="6" name="Straight Arrow Connector 5"/>
           <p:cNvCxnSpPr/>
           <p:nvPr/>
         </p:nvCxnSpPr>
         <p:spPr>
           <a:xfrm>
-            <a:off x="1690254" y="2321560"/>
-            <a:ext cx="1952106" cy="0"/>
+            <a:off x="1505131" y="3222534"/>
+            <a:ext cx="2342606" cy="714104"/>
           </a:xfrm>
           <a:prstGeom prst="straightConnector1">
             <a:avLst/>
           </a:prstGeom>
           <a:ln w="28575">
             <a:solidFill>
-              <a:srgbClr val="00B0F0"/>
+              <a:srgbClr val="FF0000"/>
             </a:solidFill>
             <a:tailEnd type="triangle"/>
           </a:ln>
@@ -8767,21 +8169,21 @@
       </p:cxnSp>
       <p:cxnSp>
         <p:nvCxnSpPr>
-          <p:cNvPr id="18" name="Straight Arrow Connector 17"/>
+          <p:cNvPr id="9" name="Straight Arrow Connector 8"/>
           <p:cNvCxnSpPr/>
           <p:nvPr/>
         </p:nvCxnSpPr>
         <p:spPr>
-          <a:xfrm>
-            <a:off x="3602182" y="2318326"/>
-            <a:ext cx="0" cy="1463963"/>
+          <a:xfrm flipH="1">
+            <a:off x="1801223" y="4781369"/>
+            <a:ext cx="2046514" cy="1045028"/>
           </a:xfrm>
           <a:prstGeom prst="straightConnector1">
             <a:avLst/>
           </a:prstGeom>
           <a:ln w="28575">
             <a:solidFill>
-              <a:srgbClr val="00B0F0"/>
+              <a:srgbClr val="FF0000"/>
             </a:solidFill>
             <a:tailEnd type="triangle"/>
           </a:ln>
@@ -8803,23 +8205,266 @@
       </p:cxnSp>
       <p:cxnSp>
         <p:nvCxnSpPr>
-          <p:cNvPr id="22" name="Straight Arrow Connector 21"/>
+          <p:cNvPr id="12" name="Straight Arrow Connector 11"/>
           <p:cNvCxnSpPr/>
           <p:nvPr/>
         </p:nvCxnSpPr>
         <p:spPr>
-          <a:xfrm flipH="1">
-            <a:off x="2506980" y="3713017"/>
-            <a:ext cx="1095202" cy="0"/>
+          <a:xfrm flipH="1" flipV="1">
+            <a:off x="4185195" y="4877163"/>
+            <a:ext cx="1319348" cy="949234"/>
           </a:xfrm>
           <a:prstGeom prst="straightConnector1">
             <a:avLst/>
           </a:prstGeom>
           <a:ln w="28575">
             <a:solidFill>
-              <a:srgbClr val="00B0F0"/>
+              <a:srgbClr val="FF0000"/>
             </a:solidFill>
             <a:tailEnd type="triangle"/>
+          </a:ln>
+        </p:spPr>
+        <p:style>
+          <a:lnRef idx="1">
+            <a:schemeClr val="accent1"/>
+          </a:lnRef>
+          <a:fillRef idx="0">
+            <a:schemeClr val="accent1"/>
+          </a:fillRef>
+          <a:effectRef idx="0">
+            <a:schemeClr val="accent1"/>
+          </a:effectRef>
+          <a:fontRef idx="minor">
+            <a:schemeClr val="tx1"/>
+          </a:fontRef>
+        </p:style>
+      </p:cxnSp>
+      <p:sp>
+        <p:nvSpPr>
+          <p:cNvPr id="15" name="Oval 14"/>
+          <p:cNvSpPr/>
+          <p:nvPr/>
+        </p:nvSpPr>
+        <p:spPr>
+          <a:xfrm>
+            <a:off x="185783" y="4694286"/>
+            <a:ext cx="148046" cy="148046"/>
+          </a:xfrm>
+          <a:prstGeom prst="ellipse">
+            <a:avLst/>
+          </a:prstGeom>
+          <a:noFill/>
+          <a:ln w="38100">
+            <a:solidFill>
+              <a:srgbClr val="00B050"/>
+            </a:solidFill>
+          </a:ln>
+        </p:spPr>
+        <p:style>
+          <a:lnRef idx="2">
+            <a:schemeClr val="accent1">
+              <a:shade val="50000"/>
+            </a:schemeClr>
+          </a:lnRef>
+          <a:fillRef idx="1">
+            <a:schemeClr val="accent1"/>
+          </a:fillRef>
+          <a:effectRef idx="0">
+            <a:schemeClr val="accent1"/>
+          </a:effectRef>
+          <a:fontRef idx="minor">
+            <a:schemeClr val="lt1"/>
+          </a:fontRef>
+        </p:style>
+        <p:txBody>
+          <a:bodyPr rtlCol="0" anchor="ctr"/>
+          <a:lstStyle/>
+          <a:p>
+            <a:pPr algn="ctr"/>
+            <a:endParaRPr lang="en-US">
+              <a:solidFill>
+                <a:srgbClr val="00B050"/>
+              </a:solidFill>
+            </a:endParaRPr>
+          </a:p>
+        </p:txBody>
+      </p:sp>
+      <p:sp>
+        <p:nvSpPr>
+          <p:cNvPr id="16" name="Oval 15"/>
+          <p:cNvSpPr/>
+          <p:nvPr/>
+        </p:nvSpPr>
+        <p:spPr>
+          <a:xfrm>
+            <a:off x="5421811" y="5748018"/>
+            <a:ext cx="148046" cy="148046"/>
+          </a:xfrm>
+          <a:prstGeom prst="ellipse">
+            <a:avLst/>
+          </a:prstGeom>
+          <a:noFill/>
+          <a:ln w="38100">
+            <a:solidFill>
+              <a:srgbClr val="00B050"/>
+            </a:solidFill>
+          </a:ln>
+        </p:spPr>
+        <p:style>
+          <a:lnRef idx="2">
+            <a:schemeClr val="accent1">
+              <a:shade val="50000"/>
+            </a:schemeClr>
+          </a:lnRef>
+          <a:fillRef idx="1">
+            <a:schemeClr val="accent1"/>
+          </a:fillRef>
+          <a:effectRef idx="0">
+            <a:schemeClr val="accent1"/>
+          </a:effectRef>
+          <a:fontRef idx="minor">
+            <a:schemeClr val="lt1"/>
+          </a:fontRef>
+        </p:style>
+        <p:txBody>
+          <a:bodyPr rtlCol="0" anchor="ctr"/>
+          <a:lstStyle/>
+          <a:p>
+            <a:pPr algn="ctr"/>
+            <a:endParaRPr lang="en-US">
+              <a:solidFill>
+                <a:srgbClr val="00B050"/>
+              </a:solidFill>
+            </a:endParaRPr>
+          </a:p>
+        </p:txBody>
+      </p:sp>
+      <p:sp>
+        <p:nvSpPr>
+          <p:cNvPr id="17" name="Oval 16"/>
+          <p:cNvSpPr/>
+          <p:nvPr/>
+        </p:nvSpPr>
+        <p:spPr>
+          <a:xfrm>
+            <a:off x="190136" y="5743669"/>
+            <a:ext cx="148046" cy="148046"/>
+          </a:xfrm>
+          <a:prstGeom prst="ellipse">
+            <a:avLst/>
+          </a:prstGeom>
+          <a:noFill/>
+          <a:ln w="28575">
+            <a:solidFill>
+              <a:schemeClr val="bg1">
+                <a:lumMod val="65000"/>
+              </a:schemeClr>
+            </a:solidFill>
+          </a:ln>
+        </p:spPr>
+        <p:style>
+          <a:lnRef idx="2">
+            <a:schemeClr val="accent1">
+              <a:shade val="50000"/>
+            </a:schemeClr>
+          </a:lnRef>
+          <a:fillRef idx="1">
+            <a:schemeClr val="accent1"/>
+          </a:fillRef>
+          <a:effectRef idx="0">
+            <a:schemeClr val="accent1"/>
+          </a:effectRef>
+          <a:fontRef idx="minor">
+            <a:schemeClr val="lt1"/>
+          </a:fontRef>
+        </p:style>
+        <p:txBody>
+          <a:bodyPr rtlCol="0" anchor="ctr"/>
+          <a:lstStyle/>
+          <a:p>
+            <a:pPr algn="ctr"/>
+            <a:endParaRPr lang="en-US">
+              <a:solidFill>
+                <a:schemeClr val="bg1">
+                  <a:lumMod val="65000"/>
+                </a:schemeClr>
+              </a:solidFill>
+            </a:endParaRPr>
+          </a:p>
+        </p:txBody>
+      </p:sp>
+      <p:sp>
+        <p:nvSpPr>
+          <p:cNvPr id="18" name="Oval 17"/>
+          <p:cNvSpPr/>
+          <p:nvPr/>
+        </p:nvSpPr>
+        <p:spPr>
+          <a:xfrm>
+            <a:off x="4111172" y="5748023"/>
+            <a:ext cx="148046" cy="148046"/>
+          </a:xfrm>
+          <a:prstGeom prst="ellipse">
+            <a:avLst/>
+          </a:prstGeom>
+          <a:noFill/>
+          <a:ln w="28575">
+            <a:solidFill>
+              <a:schemeClr val="bg1">
+                <a:lumMod val="65000"/>
+              </a:schemeClr>
+            </a:solidFill>
+          </a:ln>
+        </p:spPr>
+        <p:style>
+          <a:lnRef idx="2">
+            <a:schemeClr val="accent1">
+              <a:shade val="50000"/>
+            </a:schemeClr>
+          </a:lnRef>
+          <a:fillRef idx="1">
+            <a:schemeClr val="accent1"/>
+          </a:fillRef>
+          <a:effectRef idx="0">
+            <a:schemeClr val="accent1"/>
+          </a:effectRef>
+          <a:fontRef idx="minor">
+            <a:schemeClr val="lt1"/>
+          </a:fontRef>
+        </p:style>
+        <p:txBody>
+          <a:bodyPr rtlCol="0" anchor="ctr"/>
+          <a:lstStyle/>
+          <a:p>
+            <a:pPr algn="ctr"/>
+            <a:endParaRPr lang="en-US">
+              <a:solidFill>
+                <a:schemeClr val="bg1">
+                  <a:lumMod val="65000"/>
+                </a:schemeClr>
+              </a:solidFill>
+            </a:endParaRPr>
+          </a:p>
+        </p:txBody>
+      </p:sp>
+      <p:cxnSp>
+        <p:nvCxnSpPr>
+          <p:cNvPr id="20" name="Straight Connector 19"/>
+          <p:cNvCxnSpPr/>
+          <p:nvPr/>
+        </p:nvCxnSpPr>
+        <p:spPr>
+          <a:xfrm>
+            <a:off x="4185195" y="3222534"/>
+            <a:ext cx="0" cy="1654629"/>
+          </a:xfrm>
+          <a:prstGeom prst="line">
+            <a:avLst/>
+          </a:prstGeom>
+          <a:ln w="28575">
+            <a:solidFill>
+              <a:srgbClr val="FF0000"/>
+            </a:solidFill>
           </a:ln>
         </p:spPr>
         <p:style>
@@ -8839,105 +8484,22 @@
       </p:cxnSp>
       <p:cxnSp>
         <p:nvCxnSpPr>
-          <p:cNvPr id="30" name="Straight Arrow Connector 29"/>
+          <p:cNvPr id="21" name="Straight Connector 20"/>
           <p:cNvCxnSpPr/>
           <p:nvPr/>
         </p:nvCxnSpPr>
         <p:spPr>
           <a:xfrm>
-            <a:off x="6352492" y="2955634"/>
-            <a:ext cx="0" cy="817419"/>
-          </a:xfrm>
-          <a:prstGeom prst="straightConnector1">
+            <a:off x="259806" y="5826397"/>
+            <a:ext cx="1560263" cy="0"/>
+          </a:xfrm>
+          <a:prstGeom prst="line">
             <a:avLst/>
           </a:prstGeom>
           <a:ln w="28575">
             <a:solidFill>
-              <a:srgbClr val="00B0F0"/>
+              <a:srgbClr val="FF0000"/>
             </a:solidFill>
-            <a:tailEnd type="triangle"/>
-          </a:ln>
-        </p:spPr>
-        <p:style>
-          <a:lnRef idx="1">
-            <a:schemeClr val="accent1"/>
-          </a:lnRef>
-          <a:fillRef idx="0">
-            <a:schemeClr val="accent1"/>
-          </a:fillRef>
-          <a:effectRef idx="0">
-            <a:schemeClr val="accent1"/>
-          </a:effectRef>
-          <a:fontRef idx="minor">
-            <a:schemeClr val="tx1"/>
-          </a:fontRef>
-        </p:style>
-      </p:cxnSp>
-      <p:sp>
-        <p:nvSpPr>
-          <p:cNvPr id="4" name="Oval 3"/>
-          <p:cNvSpPr/>
-          <p:nvPr/>
-        </p:nvSpPr>
-        <p:spPr>
-          <a:xfrm>
-            <a:off x="6283682" y="2877125"/>
-            <a:ext cx="120073" cy="120073"/>
-          </a:xfrm>
-          <a:prstGeom prst="ellipse">
-            <a:avLst/>
-          </a:prstGeom>
-          <a:solidFill>
-            <a:srgbClr val="FF0000"/>
-          </a:solidFill>
-          <a:ln>
-            <a:noFill/>
-          </a:ln>
-        </p:spPr>
-        <p:style>
-          <a:lnRef idx="2">
-            <a:schemeClr val="accent1">
-              <a:shade val="50000"/>
-            </a:schemeClr>
-          </a:lnRef>
-          <a:fillRef idx="1">
-            <a:schemeClr val="accent1"/>
-          </a:fillRef>
-          <a:effectRef idx="0">
-            <a:schemeClr val="accent1"/>
-          </a:effectRef>
-          <a:fontRef idx="minor">
-            <a:schemeClr val="lt1"/>
-          </a:fontRef>
-        </p:style>
-        <p:txBody>
-          <a:bodyPr rtlCol="0" anchor="ctr"/>
-          <a:lstStyle/>
-          <a:p>
-            <a:pPr algn="ctr"/>
-            <a:endParaRPr lang="en-US"/>
-          </a:p>
-        </p:txBody>
-      </p:sp>
-      <p:cxnSp>
-        <p:nvCxnSpPr>
-          <p:cNvPr id="40" name="Straight Arrow Connector 39"/>
-          <p:cNvCxnSpPr/>
-          <p:nvPr/>
-        </p:nvCxnSpPr>
-        <p:spPr>
-          <a:xfrm flipH="1">
-            <a:off x="4376371" y="3713016"/>
-            <a:ext cx="1976121" cy="0"/>
-          </a:xfrm>
-          <a:prstGeom prst="straightConnector1">
-            <a:avLst/>
-          </a:prstGeom>
-          <a:ln w="28575">
-            <a:solidFill>
-              <a:srgbClr val="00B0F0"/>
-            </a:solidFill>
-            <a:tailEnd type="triangle"/>
           </a:ln>
         </p:spPr>
         <p:style>
@@ -8957,23 +8519,22 @@
       </p:cxnSp>
       <p:cxnSp>
         <p:nvCxnSpPr>
-          <p:cNvPr id="43" name="Straight Arrow Connector 42"/>
+          <p:cNvPr id="24" name="Straight Connector 23"/>
           <p:cNvCxnSpPr/>
           <p:nvPr/>
         </p:nvCxnSpPr>
         <p:spPr>
-          <a:xfrm flipV="1">
-            <a:off x="4440564" y="2877125"/>
-            <a:ext cx="0" cy="835891"/>
-          </a:xfrm>
-          <a:prstGeom prst="straightConnector1">
+          <a:xfrm>
+            <a:off x="3847737" y="3936638"/>
+            <a:ext cx="0" cy="844731"/>
+          </a:xfrm>
+          <a:prstGeom prst="line">
             <a:avLst/>
           </a:prstGeom>
           <a:ln w="28575">
             <a:solidFill>
-              <a:srgbClr val="00B0F0"/>
+              <a:srgbClr val="FF0000"/>
             </a:solidFill>
-            <a:tailEnd type="triangle"/>
           </a:ln>
         </p:spPr>
         <p:style>
@@ -8991,25 +8552,487 @@
           </a:fontRef>
         </p:style>
       </p:cxnSp>
-      <p:sp>
-        <p:nvSpPr>
-          <p:cNvPr id="6" name="Oval 5"/>
+      <p:cxnSp>
+        <p:nvCxnSpPr>
+          <p:cNvPr id="29" name="Straight Connector 28"/>
+          <p:cNvCxnSpPr/>
+          <p:nvPr/>
+        </p:nvCxnSpPr>
+        <p:spPr>
+          <a:xfrm>
+            <a:off x="259806" y="4771163"/>
+            <a:ext cx="0" cy="1055234"/>
+          </a:xfrm>
+          <a:prstGeom prst="line">
+            <a:avLst/>
+          </a:prstGeom>
+          <a:ln w="28575">
+            <a:solidFill>
+              <a:srgbClr val="FF0000"/>
+            </a:solidFill>
+          </a:ln>
+        </p:spPr>
+        <p:style>
+          <a:lnRef idx="1">
+            <a:schemeClr val="accent1"/>
+          </a:lnRef>
+          <a:fillRef idx="0">
+            <a:schemeClr val="accent1"/>
+          </a:fillRef>
+          <a:effectRef idx="0">
+            <a:schemeClr val="accent1"/>
+          </a:effectRef>
+          <a:fontRef idx="minor">
+            <a:schemeClr val="tx1"/>
+          </a:fontRef>
+        </p:style>
+      </p:cxnSp>
+      <p:cxnSp>
+        <p:nvCxnSpPr>
+          <p:cNvPr id="32" name="Straight Connector 31"/>
+          <p:cNvCxnSpPr/>
+          <p:nvPr/>
+        </p:nvCxnSpPr>
+        <p:spPr>
+          <a:xfrm>
+            <a:off x="5504543" y="5826397"/>
+            <a:ext cx="2268583" cy="0"/>
+          </a:xfrm>
+          <a:prstGeom prst="line">
+            <a:avLst/>
+          </a:prstGeom>
+          <a:ln w="28575">
+            <a:solidFill>
+              <a:srgbClr val="FF0000"/>
+            </a:solidFill>
+          </a:ln>
+        </p:spPr>
+        <p:style>
+          <a:lnRef idx="1">
+            <a:schemeClr val="accent1"/>
+          </a:lnRef>
+          <a:fillRef idx="0">
+            <a:schemeClr val="accent1"/>
+          </a:fillRef>
+          <a:effectRef idx="0">
+            <a:schemeClr val="accent1"/>
+          </a:effectRef>
+          <a:fontRef idx="minor">
+            <a:schemeClr val="tx1"/>
+          </a:fontRef>
+        </p:style>
+      </p:cxnSp>
+      <p:cxnSp>
+        <p:nvCxnSpPr>
+          <p:cNvPr id="34" name="Straight Connector 33"/>
+          <p:cNvCxnSpPr/>
+          <p:nvPr/>
+        </p:nvCxnSpPr>
+        <p:spPr>
+          <a:xfrm>
+            <a:off x="4185195" y="3222534"/>
+            <a:ext cx="3587931" cy="0"/>
+          </a:xfrm>
+          <a:prstGeom prst="line">
+            <a:avLst/>
+          </a:prstGeom>
+          <a:ln w="28575">
+            <a:solidFill>
+              <a:srgbClr val="FF0000"/>
+            </a:solidFill>
+          </a:ln>
+        </p:spPr>
+        <p:style>
+          <a:lnRef idx="1">
+            <a:schemeClr val="accent1"/>
+          </a:lnRef>
+          <a:fillRef idx="0">
+            <a:schemeClr val="accent1"/>
+          </a:fillRef>
+          <a:effectRef idx="0">
+            <a:schemeClr val="accent1"/>
+          </a:effectRef>
+          <a:fontRef idx="minor">
+            <a:schemeClr val="tx1"/>
+          </a:fontRef>
+        </p:style>
+      </p:cxnSp>
+      <p:cxnSp>
+        <p:nvCxnSpPr>
+          <p:cNvPr id="37" name="Straight Connector 36"/>
+          <p:cNvCxnSpPr/>
+          <p:nvPr/>
+        </p:nvCxnSpPr>
+        <p:spPr>
+          <a:xfrm>
+            <a:off x="7773126" y="3222534"/>
+            <a:ext cx="0" cy="2603863"/>
+          </a:xfrm>
+          <a:prstGeom prst="line">
+            <a:avLst/>
+          </a:prstGeom>
+          <a:ln w="28575">
+            <a:solidFill>
+              <a:srgbClr val="FF0000"/>
+            </a:solidFill>
+          </a:ln>
+        </p:spPr>
+        <p:style>
+          <a:lnRef idx="1">
+            <a:schemeClr val="accent1"/>
+          </a:lnRef>
+          <a:fillRef idx="0">
+            <a:schemeClr val="accent1"/>
+          </a:fillRef>
+          <a:effectRef idx="0">
+            <a:schemeClr val="accent1"/>
+          </a:effectRef>
+          <a:fontRef idx="minor">
+            <a:schemeClr val="tx1"/>
+          </a:fontRef>
+        </p:style>
+      </p:cxnSp>
+      <p:sp>
+        <p:nvSpPr>
+          <p:cNvPr id="39" name="TextBox 38"/>
+          <p:cNvSpPr txBox="1"/>
+          <p:nvPr/>
+        </p:nvSpPr>
+        <p:spPr>
+          <a:xfrm>
+            <a:off x="822419" y="3906973"/>
+            <a:ext cx="301686" cy="369332"/>
+          </a:xfrm>
+          <a:prstGeom prst="rect">
+            <a:avLst/>
+          </a:prstGeom>
+          <a:noFill/>
+        </p:spPr>
+        <p:txBody>
+          <a:bodyPr wrap="none" rtlCol="0">
+            <a:spAutoFit/>
+          </a:bodyPr>
+          <a:lstStyle/>
+          <a:p>
+            <a:r>
+              <a:rPr lang="en-US" dirty="0" smtClean="0"/>
+              <a:t>1</a:t>
+            </a:r>
+            <a:endParaRPr lang="en-US" dirty="0"/>
+          </a:p>
+        </p:txBody>
+      </p:sp>
+      <p:sp>
+        <p:nvSpPr>
+          <p:cNvPr id="40" name="TextBox 39"/>
+          <p:cNvSpPr txBox="1"/>
+          <p:nvPr/>
+        </p:nvSpPr>
+        <p:spPr>
+          <a:xfrm>
+            <a:off x="2527394" y="3516448"/>
+            <a:ext cx="301686" cy="369332"/>
+          </a:xfrm>
+          <a:prstGeom prst="rect">
+            <a:avLst/>
+          </a:prstGeom>
+          <a:noFill/>
+        </p:spPr>
+        <p:txBody>
+          <a:bodyPr wrap="none" rtlCol="0">
+            <a:spAutoFit/>
+          </a:bodyPr>
+          <a:lstStyle/>
+          <a:p>
+            <a:r>
+              <a:rPr lang="en-US" dirty="0"/>
+              <a:t>2</a:t>
+            </a:r>
+          </a:p>
+        </p:txBody>
+      </p:sp>
+      <p:sp>
+        <p:nvSpPr>
+          <p:cNvPr id="41" name="TextBox 40"/>
+          <p:cNvSpPr txBox="1"/>
+          <p:nvPr/>
+        </p:nvSpPr>
+        <p:spPr>
+          <a:xfrm>
+            <a:off x="3622769" y="4145098"/>
+            <a:ext cx="301686" cy="369332"/>
+          </a:xfrm>
+          <a:prstGeom prst="rect">
+            <a:avLst/>
+          </a:prstGeom>
+          <a:noFill/>
+        </p:spPr>
+        <p:txBody>
+          <a:bodyPr wrap="none" rtlCol="0">
+            <a:spAutoFit/>
+          </a:bodyPr>
+          <a:lstStyle/>
+          <a:p>
+            <a:r>
+              <a:rPr lang="en-US" dirty="0"/>
+              <a:t>3</a:t>
+            </a:r>
+          </a:p>
+        </p:txBody>
+      </p:sp>
+      <p:sp>
+        <p:nvSpPr>
+          <p:cNvPr id="42" name="TextBox 41"/>
+          <p:cNvSpPr txBox="1"/>
+          <p:nvPr/>
+        </p:nvSpPr>
+        <p:spPr>
+          <a:xfrm>
+            <a:off x="2632169" y="5030923"/>
+            <a:ext cx="301686" cy="369332"/>
+          </a:xfrm>
+          <a:prstGeom prst="rect">
+            <a:avLst/>
+          </a:prstGeom>
+          <a:noFill/>
+        </p:spPr>
+        <p:txBody>
+          <a:bodyPr wrap="none" rtlCol="0">
+            <a:spAutoFit/>
+          </a:bodyPr>
+          <a:lstStyle/>
+          <a:p>
+            <a:r>
+              <a:rPr lang="en-US" dirty="0"/>
+              <a:t>4</a:t>
+            </a:r>
+          </a:p>
+        </p:txBody>
+      </p:sp>
+      <p:sp>
+        <p:nvSpPr>
+          <p:cNvPr id="43" name="TextBox 42"/>
+          <p:cNvSpPr txBox="1"/>
+          <p:nvPr/>
+        </p:nvSpPr>
+        <p:spPr>
+          <a:xfrm>
+            <a:off x="917669" y="5554798"/>
+            <a:ext cx="301686" cy="369332"/>
+          </a:xfrm>
+          <a:prstGeom prst="rect">
+            <a:avLst/>
+          </a:prstGeom>
+          <a:noFill/>
+        </p:spPr>
+        <p:txBody>
+          <a:bodyPr wrap="none" rtlCol="0">
+            <a:spAutoFit/>
+          </a:bodyPr>
+          <a:lstStyle/>
+          <a:p>
+            <a:r>
+              <a:rPr lang="en-US" dirty="0"/>
+              <a:t>5</a:t>
+            </a:r>
+          </a:p>
+        </p:txBody>
+      </p:sp>
+      <p:sp>
+        <p:nvSpPr>
+          <p:cNvPr id="44" name="TextBox 43"/>
+          <p:cNvSpPr txBox="1"/>
+          <p:nvPr/>
+        </p:nvSpPr>
+        <p:spPr>
+          <a:xfrm>
+            <a:off x="193769" y="5126173"/>
+            <a:ext cx="301686" cy="369332"/>
+          </a:xfrm>
+          <a:prstGeom prst="rect">
+            <a:avLst/>
+          </a:prstGeom>
+          <a:noFill/>
+        </p:spPr>
+        <p:txBody>
+          <a:bodyPr wrap="none" rtlCol="0">
+            <a:spAutoFit/>
+          </a:bodyPr>
+          <a:lstStyle/>
+          <a:p>
+            <a:r>
+              <a:rPr lang="en-US" dirty="0"/>
+              <a:t>6</a:t>
+            </a:r>
+          </a:p>
+        </p:txBody>
+      </p:sp>
+      <p:sp>
+        <p:nvSpPr>
+          <p:cNvPr id="45" name="TextBox 44"/>
+          <p:cNvSpPr txBox="1"/>
+          <p:nvPr/>
+        </p:nvSpPr>
+        <p:spPr>
+          <a:xfrm>
+            <a:off x="4795434" y="5116648"/>
+            <a:ext cx="301686" cy="369332"/>
+          </a:xfrm>
+          <a:prstGeom prst="rect">
+            <a:avLst/>
+          </a:prstGeom>
+          <a:noFill/>
+        </p:spPr>
+        <p:txBody>
+          <a:bodyPr wrap="none" rtlCol="0">
+            <a:spAutoFit/>
+          </a:bodyPr>
+          <a:lstStyle/>
+          <a:p>
+            <a:r>
+              <a:rPr lang="en-US" dirty="0"/>
+              <a:t>1</a:t>
+            </a:r>
+          </a:p>
+        </p:txBody>
+      </p:sp>
+      <p:sp>
+        <p:nvSpPr>
+          <p:cNvPr id="46" name="TextBox 45"/>
+          <p:cNvSpPr txBox="1"/>
+          <p:nvPr/>
+        </p:nvSpPr>
+        <p:spPr>
+          <a:xfrm>
+            <a:off x="4128684" y="3992698"/>
+            <a:ext cx="301686" cy="369332"/>
+          </a:xfrm>
+          <a:prstGeom prst="rect">
+            <a:avLst/>
+          </a:prstGeom>
+          <a:noFill/>
+        </p:spPr>
+        <p:txBody>
+          <a:bodyPr wrap="none" rtlCol="0">
+            <a:spAutoFit/>
+          </a:bodyPr>
+          <a:lstStyle/>
+          <a:p>
+            <a:r>
+              <a:rPr lang="en-US" dirty="0"/>
+              <a:t>2</a:t>
+            </a:r>
+          </a:p>
+        </p:txBody>
+      </p:sp>
+      <p:sp>
+        <p:nvSpPr>
+          <p:cNvPr id="47" name="TextBox 46"/>
+          <p:cNvSpPr txBox="1"/>
+          <p:nvPr/>
+        </p:nvSpPr>
+        <p:spPr>
+          <a:xfrm>
+            <a:off x="5852709" y="3173548"/>
+            <a:ext cx="301686" cy="369332"/>
+          </a:xfrm>
+          <a:prstGeom prst="rect">
+            <a:avLst/>
+          </a:prstGeom>
+          <a:noFill/>
+        </p:spPr>
+        <p:txBody>
+          <a:bodyPr wrap="none" rtlCol="0">
+            <a:spAutoFit/>
+          </a:bodyPr>
+          <a:lstStyle/>
+          <a:p>
+            <a:r>
+              <a:rPr lang="en-US" dirty="0"/>
+              <a:t>3</a:t>
+            </a:r>
+          </a:p>
+        </p:txBody>
+      </p:sp>
+      <p:sp>
+        <p:nvSpPr>
+          <p:cNvPr id="48" name="TextBox 47"/>
+          <p:cNvSpPr txBox="1"/>
+          <p:nvPr/>
+        </p:nvSpPr>
+        <p:spPr>
+          <a:xfrm>
+            <a:off x="7538634" y="4307023"/>
+            <a:ext cx="301686" cy="369332"/>
+          </a:xfrm>
+          <a:prstGeom prst="rect">
+            <a:avLst/>
+          </a:prstGeom>
+          <a:noFill/>
+        </p:spPr>
+        <p:txBody>
+          <a:bodyPr wrap="none" rtlCol="0">
+            <a:spAutoFit/>
+          </a:bodyPr>
+          <a:lstStyle/>
+          <a:p>
+            <a:r>
+              <a:rPr lang="en-US" dirty="0"/>
+              <a:t>4</a:t>
+            </a:r>
+          </a:p>
+        </p:txBody>
+      </p:sp>
+      <p:sp>
+        <p:nvSpPr>
+          <p:cNvPr id="49" name="TextBox 48"/>
+          <p:cNvSpPr txBox="1"/>
+          <p:nvPr/>
+        </p:nvSpPr>
+        <p:spPr>
+          <a:xfrm>
+            <a:off x="6481359" y="5554798"/>
+            <a:ext cx="301686" cy="369332"/>
+          </a:xfrm>
+          <a:prstGeom prst="rect">
+            <a:avLst/>
+          </a:prstGeom>
+          <a:noFill/>
+        </p:spPr>
+        <p:txBody>
+          <a:bodyPr wrap="none" rtlCol="0">
+            <a:spAutoFit/>
+          </a:bodyPr>
+          <a:lstStyle/>
+          <a:p>
+            <a:r>
+              <a:rPr lang="en-US" dirty="0"/>
+              <a:t>5</a:t>
+            </a:r>
+          </a:p>
+        </p:txBody>
+      </p:sp>
+      <p:sp>
+        <p:nvSpPr>
+          <p:cNvPr id="50" name="Oval 49"/>
           <p:cNvSpPr/>
           <p:nvPr/>
         </p:nvSpPr>
         <p:spPr>
           <a:xfrm>
-            <a:off x="4376371" y="2789010"/>
-            <a:ext cx="120073" cy="120073"/>
+            <a:off x="276314" y="6124669"/>
+            <a:ext cx="148046" cy="148046"/>
           </a:xfrm>
           <a:prstGeom prst="ellipse">
             <a:avLst/>
           </a:prstGeom>
-          <a:solidFill>
-            <a:srgbClr val="00B050"/>
-          </a:solidFill>
-          <a:ln>
-            <a:noFill/>
+          <a:noFill/>
+          <a:ln w="28575">
+            <a:solidFill>
+              <a:schemeClr val="bg1">
+                <a:lumMod val="65000"/>
+              </a:schemeClr>
+            </a:solidFill>
           </a:ln>
         </p:spPr>
         <p:style>
@@ -9033,20 +9056,26 @@
           <a:lstStyle/>
           <a:p>
             <a:pPr algn="ctr"/>
-            <a:endParaRPr lang="en-US"/>
-          </a:p>
-        </p:txBody>
-      </p:sp>
-      <p:sp>
-        <p:nvSpPr>
-          <p:cNvPr id="47" name="TextBox 46"/>
+            <a:endParaRPr lang="en-US">
+              <a:solidFill>
+                <a:schemeClr val="bg1">
+                  <a:lumMod val="65000"/>
+                </a:schemeClr>
+              </a:solidFill>
+            </a:endParaRPr>
+          </a:p>
+        </p:txBody>
+      </p:sp>
+      <p:sp>
+        <p:nvSpPr>
+          <p:cNvPr id="51" name="TextBox 50"/>
           <p:cNvSpPr txBox="1"/>
           <p:nvPr/>
         </p:nvSpPr>
         <p:spPr>
           <a:xfrm>
-            <a:off x="1335705" y="2801745"/>
-            <a:ext cx="275661" cy="307777"/>
+            <a:off x="374744" y="6005621"/>
+            <a:ext cx="4669805" cy="369332"/>
           </a:xfrm>
           <a:prstGeom prst="rect">
             <a:avLst/>
@@ -9060,234 +9089,32 @@
           <a:lstStyle/>
           <a:p>
             <a:r>
-              <a:rPr lang="en-US" sz="1400" dirty="0"/>
-              <a:t>0</a:t>
+              <a:rPr lang="en-US" dirty="0" smtClean="0"/>
+              <a:t>Bottom-left point of the cell, search begins here</a:t>
             </a:r>
-          </a:p>
-        </p:txBody>
-      </p:sp>
-      <p:sp>
-        <p:nvSpPr>
-          <p:cNvPr id="48" name="TextBox 47"/>
-          <p:cNvSpPr txBox="1"/>
+            <a:endParaRPr lang="en-US" dirty="0"/>
+          </a:p>
+        </p:txBody>
+      </p:sp>
+      <p:sp>
+        <p:nvSpPr>
+          <p:cNvPr id="52" name="Oval 51"/>
+          <p:cNvSpPr/>
           <p:nvPr/>
         </p:nvSpPr>
         <p:spPr>
           <a:xfrm>
-            <a:off x="3609940" y="2800818"/>
-            <a:ext cx="276038" cy="307777"/>
-          </a:xfrm>
-          <a:prstGeom prst="rect">
+            <a:off x="259791" y="6477913"/>
+            <a:ext cx="148046" cy="148046"/>
+          </a:xfrm>
+          <a:prstGeom prst="ellipse">
             <a:avLst/>
           </a:prstGeom>
           <a:noFill/>
-        </p:spPr>
-        <p:txBody>
-          <a:bodyPr wrap="none" rtlCol="0">
-            <a:spAutoFit/>
-          </a:bodyPr>
-          <a:lstStyle/>
-          <a:p>
-            <a:r>
-              <a:rPr lang="en-US" sz="1400" dirty="0"/>
-              <a:t>2</a:t>
-            </a:r>
-          </a:p>
-        </p:txBody>
-      </p:sp>
-      <p:sp>
-        <p:nvSpPr>
-          <p:cNvPr id="49" name="TextBox 48"/>
-          <p:cNvSpPr txBox="1"/>
-          <p:nvPr/>
-        </p:nvSpPr>
-        <p:spPr>
-          <a:xfrm>
-            <a:off x="2529949" y="2014796"/>
-            <a:ext cx="275661" cy="307777"/>
-          </a:xfrm>
-          <a:prstGeom prst="rect">
-            <a:avLst/>
-          </a:prstGeom>
-          <a:noFill/>
-        </p:spPr>
-        <p:txBody>
-          <a:bodyPr wrap="none" rtlCol="0">
-            <a:spAutoFit/>
-          </a:bodyPr>
-          <a:lstStyle/>
-          <a:p>
-            <a:r>
-              <a:rPr lang="en-US" sz="1400" dirty="0"/>
-              <a:t>1</a:t>
-            </a:r>
-          </a:p>
-        </p:txBody>
-      </p:sp>
-      <p:sp>
-        <p:nvSpPr>
-          <p:cNvPr id="50" name="TextBox 49"/>
-          <p:cNvSpPr txBox="1"/>
-          <p:nvPr/>
-        </p:nvSpPr>
-        <p:spPr>
-          <a:xfrm>
-            <a:off x="2529949" y="3718459"/>
-            <a:ext cx="275661" cy="307777"/>
-          </a:xfrm>
-          <a:prstGeom prst="rect">
-            <a:avLst/>
-          </a:prstGeom>
-          <a:noFill/>
-        </p:spPr>
-        <p:txBody>
-          <a:bodyPr wrap="none" rtlCol="0">
-            <a:spAutoFit/>
-          </a:bodyPr>
-          <a:lstStyle/>
-          <a:p>
-            <a:r>
-              <a:rPr lang="en-US" sz="1400" dirty="0"/>
-              <a:t>3</a:t>
-            </a:r>
-          </a:p>
-        </p:txBody>
-      </p:sp>
-      <p:sp>
-        <p:nvSpPr>
-          <p:cNvPr id="51" name="TextBox 50"/>
-          <p:cNvSpPr txBox="1"/>
-          <p:nvPr/>
-        </p:nvSpPr>
-        <p:spPr>
-          <a:xfrm>
-            <a:off x="4093942" y="2802672"/>
-            <a:ext cx="275661" cy="307777"/>
-          </a:xfrm>
-          <a:prstGeom prst="rect">
-            <a:avLst/>
-          </a:prstGeom>
-          <a:noFill/>
-        </p:spPr>
-        <p:txBody>
-          <a:bodyPr wrap="none" rtlCol="0">
-            <a:spAutoFit/>
-          </a:bodyPr>
-          <a:lstStyle/>
-          <a:p>
-            <a:r>
-              <a:rPr lang="en-US" sz="1400" dirty="0"/>
-              <a:t>0</a:t>
-            </a:r>
-          </a:p>
-        </p:txBody>
-      </p:sp>
-      <p:sp>
-        <p:nvSpPr>
-          <p:cNvPr id="52" name="TextBox 51"/>
-          <p:cNvSpPr txBox="1"/>
-          <p:nvPr/>
-        </p:nvSpPr>
-        <p:spPr>
-          <a:xfrm>
-            <a:off x="6368177" y="2801745"/>
-            <a:ext cx="276038" cy="307777"/>
-          </a:xfrm>
-          <a:prstGeom prst="rect">
-            <a:avLst/>
-          </a:prstGeom>
-          <a:noFill/>
-        </p:spPr>
-        <p:txBody>
-          <a:bodyPr wrap="none" rtlCol="0">
-            <a:spAutoFit/>
-          </a:bodyPr>
-          <a:lstStyle/>
-          <a:p>
-            <a:r>
-              <a:rPr lang="en-US" sz="1400" dirty="0"/>
-              <a:t>2</a:t>
-            </a:r>
-          </a:p>
-        </p:txBody>
-      </p:sp>
-      <p:sp>
-        <p:nvSpPr>
-          <p:cNvPr id="53" name="TextBox 52"/>
-          <p:cNvSpPr txBox="1"/>
-          <p:nvPr/>
-        </p:nvSpPr>
-        <p:spPr>
-          <a:xfrm>
-            <a:off x="5288186" y="2015723"/>
-            <a:ext cx="275661" cy="307777"/>
-          </a:xfrm>
-          <a:prstGeom prst="rect">
-            <a:avLst/>
-          </a:prstGeom>
-          <a:noFill/>
-        </p:spPr>
-        <p:txBody>
-          <a:bodyPr wrap="none" rtlCol="0">
-            <a:spAutoFit/>
-          </a:bodyPr>
-          <a:lstStyle/>
-          <a:p>
-            <a:r>
-              <a:rPr lang="en-US" sz="1400" dirty="0"/>
-              <a:t>1</a:t>
-            </a:r>
-          </a:p>
-        </p:txBody>
-      </p:sp>
-      <p:sp>
-        <p:nvSpPr>
-          <p:cNvPr id="54" name="TextBox 53"/>
-          <p:cNvSpPr txBox="1"/>
-          <p:nvPr/>
-        </p:nvSpPr>
-        <p:spPr>
-          <a:xfrm>
-            <a:off x="5288186" y="3719386"/>
-            <a:ext cx="275661" cy="307777"/>
-          </a:xfrm>
-          <a:prstGeom prst="rect">
-            <a:avLst/>
-          </a:prstGeom>
-          <a:noFill/>
-        </p:spPr>
-        <p:txBody>
-          <a:bodyPr wrap="none" rtlCol="0">
-            <a:spAutoFit/>
-          </a:bodyPr>
-          <a:lstStyle/>
-          <a:p>
-            <a:r>
-              <a:rPr lang="en-US" sz="1400" dirty="0"/>
-              <a:t>3</a:t>
-            </a:r>
-          </a:p>
-        </p:txBody>
-      </p:sp>
-      <p:sp>
-        <p:nvSpPr>
-          <p:cNvPr id="55" name="Oval 54"/>
-          <p:cNvSpPr/>
-          <p:nvPr/>
-        </p:nvSpPr>
-        <p:spPr>
-          <a:xfrm>
-            <a:off x="1639453" y="4096326"/>
-            <a:ext cx="120073" cy="120073"/>
-          </a:xfrm>
-          <a:prstGeom prst="ellipse">
-            <a:avLst/>
-          </a:prstGeom>
-          <a:solidFill>
-            <a:srgbClr val="FF0000"/>
-          </a:solidFill>
-          <a:ln>
-            <a:noFill/>
+          <a:ln w="38100">
+            <a:solidFill>
+              <a:srgbClr val="00B050"/>
+            </a:solidFill>
           </a:ln>
         </p:spPr>
         <p:style>
@@ -9311,29 +9138,65 @@
           <a:lstStyle/>
           <a:p>
             <a:pPr algn="ctr"/>
-            <a:endParaRPr lang="en-US"/>
-          </a:p>
-        </p:txBody>
-      </p:sp>
-      <p:sp>
-        <p:nvSpPr>
-          <p:cNvPr id="56" name="Oval 55"/>
+            <a:endParaRPr lang="en-US">
+              <a:solidFill>
+                <a:srgbClr val="00B050"/>
+              </a:solidFill>
+            </a:endParaRPr>
+          </a:p>
+        </p:txBody>
+      </p:sp>
+      <p:sp>
+        <p:nvSpPr>
+          <p:cNvPr id="53" name="TextBox 52"/>
+          <p:cNvSpPr txBox="1"/>
+          <p:nvPr/>
+        </p:nvSpPr>
+        <p:spPr>
+          <a:xfrm>
+            <a:off x="374744" y="6372560"/>
+            <a:ext cx="8423524" cy="369332"/>
+          </a:xfrm>
+          <a:prstGeom prst="rect">
+            <a:avLst/>
+          </a:prstGeom>
+          <a:noFill/>
+        </p:spPr>
+        <p:txBody>
+          <a:bodyPr wrap="none" rtlCol="0">
+            <a:spAutoFit/>
+          </a:bodyPr>
+          <a:lstStyle/>
+          <a:p>
+            <a:r>
+              <a:rPr lang="en-US" dirty="0" smtClean="0"/>
+              <a:t>The first begin point of an arc on the border, actual segment sequence begins from here</a:t>
+            </a:r>
+            <a:endParaRPr lang="en-US" dirty="0"/>
+          </a:p>
+        </p:txBody>
+      </p:sp>
+      <p:sp>
+        <p:nvSpPr>
+          <p:cNvPr id="35" name="Rectangle 34"/>
           <p:cNvSpPr/>
           <p:nvPr/>
         </p:nvSpPr>
         <p:spPr>
           <a:xfrm>
-            <a:off x="4008579" y="4100573"/>
-            <a:ext cx="120073" cy="120073"/>
-          </a:xfrm>
-          <a:prstGeom prst="ellipse">
+            <a:off x="259791" y="150194"/>
+            <a:ext cx="3587931" cy="2603863"/>
+          </a:xfrm>
+          <a:prstGeom prst="rect">
             <a:avLst/>
           </a:prstGeom>
-          <a:solidFill>
-            <a:srgbClr val="00B050"/>
-          </a:solidFill>
+          <a:noFill/>
           <a:ln>
-            <a:noFill/>
+            <a:solidFill>
+              <a:schemeClr val="bg1">
+                <a:lumMod val="50000"/>
+              </a:schemeClr>
+            </a:solidFill>
           </a:ln>
         </p:spPr>
         <p:style>
@@ -9363,19 +9226,802 @@
       </p:sp>
       <p:sp>
         <p:nvSpPr>
-          <p:cNvPr id="57" name="TextBox 56"/>
-          <p:cNvSpPr txBox="1"/>
+          <p:cNvPr id="36" name="Rectangle 35"/>
+          <p:cNvSpPr/>
           <p:nvPr/>
         </p:nvSpPr>
         <p:spPr>
           <a:xfrm>
-            <a:off x="1705167" y="4002473"/>
-            <a:ext cx="959878" cy="307777"/>
+            <a:off x="4200420" y="150194"/>
+            <a:ext cx="3587931" cy="2603863"/>
           </a:xfrm>
           <a:prstGeom prst="rect">
             <a:avLst/>
           </a:prstGeom>
           <a:noFill/>
+          <a:ln>
+            <a:solidFill>
+              <a:schemeClr val="bg1">
+                <a:lumMod val="50000"/>
+              </a:schemeClr>
+            </a:solidFill>
+          </a:ln>
+        </p:spPr>
+        <p:style>
+          <a:lnRef idx="2">
+            <a:schemeClr val="accent1">
+              <a:shade val="50000"/>
+            </a:schemeClr>
+          </a:lnRef>
+          <a:fillRef idx="1">
+            <a:schemeClr val="accent1"/>
+          </a:fillRef>
+          <a:effectRef idx="0">
+            <a:schemeClr val="accent1"/>
+          </a:effectRef>
+          <a:fontRef idx="minor">
+            <a:schemeClr val="lt1"/>
+          </a:fontRef>
+        </p:style>
+        <p:txBody>
+          <a:bodyPr rtlCol="0" anchor="ctr"/>
+          <a:lstStyle/>
+          <a:p>
+            <a:pPr algn="ctr"/>
+            <a:endParaRPr lang="en-US"/>
+          </a:p>
+        </p:txBody>
+      </p:sp>
+      <p:cxnSp>
+        <p:nvCxnSpPr>
+          <p:cNvPr id="38" name="Straight Arrow Connector 37"/>
+          <p:cNvCxnSpPr/>
+          <p:nvPr/>
+        </p:nvCxnSpPr>
+        <p:spPr>
+          <a:xfrm flipV="1">
+            <a:off x="259791" y="117475"/>
+            <a:ext cx="1283440" cy="1591555"/>
+          </a:xfrm>
+          <a:prstGeom prst="straightConnector1">
+            <a:avLst/>
+          </a:prstGeom>
+          <a:ln w="9525">
+            <a:solidFill>
+              <a:srgbClr val="00B0F0"/>
+            </a:solidFill>
+            <a:tailEnd type="triangle"/>
+          </a:ln>
+        </p:spPr>
+        <p:style>
+          <a:lnRef idx="1">
+            <a:schemeClr val="accent1"/>
+          </a:lnRef>
+          <a:fillRef idx="0">
+            <a:schemeClr val="accent1"/>
+          </a:fillRef>
+          <a:effectRef idx="0">
+            <a:schemeClr val="accent1"/>
+          </a:effectRef>
+          <a:fontRef idx="minor">
+            <a:schemeClr val="tx1"/>
+          </a:fontRef>
+        </p:style>
+      </p:cxnSp>
+      <p:cxnSp>
+        <p:nvCxnSpPr>
+          <p:cNvPr id="54" name="Straight Arrow Connector 53"/>
+          <p:cNvCxnSpPr/>
+          <p:nvPr/>
+        </p:nvCxnSpPr>
+        <p:spPr>
+          <a:xfrm>
+            <a:off x="1505116" y="150194"/>
+            <a:ext cx="2342606" cy="714104"/>
+          </a:xfrm>
+          <a:prstGeom prst="straightConnector1">
+            <a:avLst/>
+          </a:prstGeom>
+          <a:ln w="9525">
+            <a:solidFill>
+              <a:srgbClr val="00B0F0"/>
+            </a:solidFill>
+            <a:tailEnd type="triangle"/>
+          </a:ln>
+        </p:spPr>
+        <p:style>
+          <a:lnRef idx="1">
+            <a:schemeClr val="accent1"/>
+          </a:lnRef>
+          <a:fillRef idx="0">
+            <a:schemeClr val="accent1"/>
+          </a:fillRef>
+          <a:effectRef idx="0">
+            <a:schemeClr val="accent1"/>
+          </a:effectRef>
+          <a:fontRef idx="minor">
+            <a:schemeClr val="tx1"/>
+          </a:fontRef>
+        </p:style>
+      </p:cxnSp>
+      <p:cxnSp>
+        <p:nvCxnSpPr>
+          <p:cNvPr id="55" name="Straight Arrow Connector 54"/>
+          <p:cNvCxnSpPr/>
+          <p:nvPr/>
+        </p:nvCxnSpPr>
+        <p:spPr>
+          <a:xfrm flipH="1">
+            <a:off x="1801208" y="1709029"/>
+            <a:ext cx="2046514" cy="1045028"/>
+          </a:xfrm>
+          <a:prstGeom prst="straightConnector1">
+            <a:avLst/>
+          </a:prstGeom>
+          <a:ln w="9525">
+            <a:solidFill>
+              <a:srgbClr val="00B0F0"/>
+            </a:solidFill>
+            <a:tailEnd type="triangle"/>
+          </a:ln>
+        </p:spPr>
+        <p:style>
+          <a:lnRef idx="1">
+            <a:schemeClr val="accent1"/>
+          </a:lnRef>
+          <a:fillRef idx="0">
+            <a:schemeClr val="accent1"/>
+          </a:fillRef>
+          <a:effectRef idx="0">
+            <a:schemeClr val="accent1"/>
+          </a:effectRef>
+          <a:fontRef idx="minor">
+            <a:schemeClr val="tx1"/>
+          </a:fontRef>
+        </p:style>
+      </p:cxnSp>
+      <p:cxnSp>
+        <p:nvCxnSpPr>
+          <p:cNvPr id="56" name="Straight Arrow Connector 55"/>
+          <p:cNvCxnSpPr/>
+          <p:nvPr/>
+        </p:nvCxnSpPr>
+        <p:spPr>
+          <a:xfrm flipH="1" flipV="1">
+            <a:off x="4200420" y="1804823"/>
+            <a:ext cx="1319348" cy="949234"/>
+          </a:xfrm>
+          <a:prstGeom prst="straightConnector1">
+            <a:avLst/>
+          </a:prstGeom>
+          <a:ln w="9525">
+            <a:solidFill>
+              <a:srgbClr val="00B0F0"/>
+            </a:solidFill>
+            <a:tailEnd type="triangle"/>
+          </a:ln>
+        </p:spPr>
+        <p:style>
+          <a:lnRef idx="1">
+            <a:schemeClr val="accent1"/>
+          </a:lnRef>
+          <a:fillRef idx="0">
+            <a:schemeClr val="accent1"/>
+          </a:fillRef>
+          <a:effectRef idx="0">
+            <a:schemeClr val="accent1"/>
+          </a:effectRef>
+          <a:fontRef idx="minor">
+            <a:schemeClr val="tx1"/>
+          </a:fontRef>
+        </p:style>
+      </p:cxnSp>
+      <p:sp>
+        <p:nvSpPr>
+          <p:cNvPr id="57" name="Rectangle 56"/>
+          <p:cNvSpPr/>
+          <p:nvPr/>
+        </p:nvSpPr>
+        <p:spPr>
+          <a:xfrm>
+            <a:off x="8133788" y="150194"/>
+            <a:ext cx="3587931" cy="2603863"/>
+          </a:xfrm>
+          <a:prstGeom prst="rect">
+            <a:avLst/>
+          </a:prstGeom>
+          <a:noFill/>
+          <a:ln>
+            <a:solidFill>
+              <a:schemeClr val="bg1">
+                <a:lumMod val="50000"/>
+              </a:schemeClr>
+            </a:solidFill>
+          </a:ln>
+        </p:spPr>
+        <p:style>
+          <a:lnRef idx="2">
+            <a:schemeClr val="accent1">
+              <a:shade val="50000"/>
+            </a:schemeClr>
+          </a:lnRef>
+          <a:fillRef idx="1">
+            <a:schemeClr val="accent1"/>
+          </a:fillRef>
+          <a:effectRef idx="0">
+            <a:schemeClr val="accent1"/>
+          </a:effectRef>
+          <a:fontRef idx="minor">
+            <a:schemeClr val="lt1"/>
+          </a:fontRef>
+        </p:style>
+        <p:txBody>
+          <a:bodyPr rtlCol="0" anchor="ctr"/>
+          <a:lstStyle/>
+          <a:p>
+            <a:pPr algn="ctr"/>
+            <a:endParaRPr lang="en-US"/>
+          </a:p>
+        </p:txBody>
+      </p:sp>
+      <p:cxnSp>
+        <p:nvCxnSpPr>
+          <p:cNvPr id="58" name="Straight Arrow Connector 57"/>
+          <p:cNvCxnSpPr/>
+          <p:nvPr/>
+        </p:nvCxnSpPr>
+        <p:spPr>
+          <a:xfrm flipH="1">
+            <a:off x="8141049" y="150194"/>
+            <a:ext cx="1253776" cy="1116631"/>
+          </a:xfrm>
+          <a:prstGeom prst="straightConnector1">
+            <a:avLst/>
+          </a:prstGeom>
+          <a:ln w="9525">
+            <a:solidFill>
+              <a:srgbClr val="00B0F0"/>
+            </a:solidFill>
+            <a:tailEnd type="triangle"/>
+          </a:ln>
+        </p:spPr>
+        <p:style>
+          <a:lnRef idx="1">
+            <a:schemeClr val="accent1"/>
+          </a:lnRef>
+          <a:fillRef idx="0">
+            <a:schemeClr val="accent1"/>
+          </a:fillRef>
+          <a:effectRef idx="0">
+            <a:schemeClr val="accent1"/>
+          </a:effectRef>
+          <a:fontRef idx="minor">
+            <a:schemeClr val="tx1"/>
+          </a:fontRef>
+        </p:style>
+      </p:cxnSp>
+      <p:cxnSp>
+        <p:nvCxnSpPr>
+          <p:cNvPr id="59" name="Straight Arrow Connector 58"/>
+          <p:cNvCxnSpPr/>
+          <p:nvPr/>
+        </p:nvCxnSpPr>
+        <p:spPr>
+          <a:xfrm flipV="1">
+            <a:off x="8141049" y="150194"/>
+            <a:ext cx="2557413" cy="2288207"/>
+          </a:xfrm>
+          <a:prstGeom prst="straightConnector1">
+            <a:avLst/>
+          </a:prstGeom>
+          <a:ln w="9525">
+            <a:solidFill>
+              <a:srgbClr val="00B0F0"/>
+            </a:solidFill>
+            <a:tailEnd type="triangle"/>
+          </a:ln>
+        </p:spPr>
+        <p:style>
+          <a:lnRef idx="1">
+            <a:schemeClr val="accent1"/>
+          </a:lnRef>
+          <a:fillRef idx="0">
+            <a:schemeClr val="accent1"/>
+          </a:fillRef>
+          <a:effectRef idx="0">
+            <a:schemeClr val="accent1"/>
+          </a:effectRef>
+          <a:fontRef idx="minor">
+            <a:schemeClr val="tx1"/>
+          </a:fontRef>
+        </p:style>
+      </p:cxnSp>
+      <p:cxnSp>
+        <p:nvCxnSpPr>
+          <p:cNvPr id="60" name="Straight Arrow Connector 59"/>
+          <p:cNvCxnSpPr/>
+          <p:nvPr/>
+        </p:nvCxnSpPr>
+        <p:spPr>
+          <a:xfrm flipH="1">
+            <a:off x="9675205" y="1709029"/>
+            <a:ext cx="2046514" cy="1045028"/>
+          </a:xfrm>
+          <a:prstGeom prst="straightConnector1">
+            <a:avLst/>
+          </a:prstGeom>
+          <a:ln w="9525">
+            <a:solidFill>
+              <a:srgbClr val="00B0F0"/>
+            </a:solidFill>
+            <a:tailEnd type="triangle"/>
+          </a:ln>
+        </p:spPr>
+        <p:style>
+          <a:lnRef idx="1">
+            <a:schemeClr val="accent1"/>
+          </a:lnRef>
+          <a:fillRef idx="0">
+            <a:schemeClr val="accent1"/>
+          </a:fillRef>
+          <a:effectRef idx="0">
+            <a:schemeClr val="accent1"/>
+          </a:effectRef>
+          <a:fontRef idx="minor">
+            <a:schemeClr val="tx1"/>
+          </a:fontRef>
+        </p:style>
+      </p:cxnSp>
+      <p:sp>
+        <p:nvSpPr>
+          <p:cNvPr id="61" name="Rectangle 60"/>
+          <p:cNvSpPr/>
+          <p:nvPr/>
+        </p:nvSpPr>
+        <p:spPr>
+          <a:xfrm>
+            <a:off x="8133788" y="3222534"/>
+            <a:ext cx="3587931" cy="2603863"/>
+          </a:xfrm>
+          <a:prstGeom prst="rect">
+            <a:avLst/>
+          </a:prstGeom>
+          <a:noFill/>
+          <a:ln>
+            <a:solidFill>
+              <a:schemeClr val="bg1">
+                <a:lumMod val="50000"/>
+              </a:schemeClr>
+            </a:solidFill>
+          </a:ln>
+        </p:spPr>
+        <p:style>
+          <a:lnRef idx="2">
+            <a:schemeClr val="accent1">
+              <a:shade val="50000"/>
+            </a:schemeClr>
+          </a:lnRef>
+          <a:fillRef idx="1">
+            <a:schemeClr val="accent1"/>
+          </a:fillRef>
+          <a:effectRef idx="0">
+            <a:schemeClr val="accent1"/>
+          </a:effectRef>
+          <a:fontRef idx="minor">
+            <a:schemeClr val="lt1"/>
+          </a:fontRef>
+        </p:style>
+        <p:txBody>
+          <a:bodyPr rtlCol="0" anchor="ctr"/>
+          <a:lstStyle/>
+          <a:p>
+            <a:pPr algn="ctr"/>
+            <a:endParaRPr lang="en-US"/>
+          </a:p>
+        </p:txBody>
+      </p:sp>
+      <p:cxnSp>
+        <p:nvCxnSpPr>
+          <p:cNvPr id="62" name="Straight Arrow Connector 61"/>
+          <p:cNvCxnSpPr/>
+          <p:nvPr/>
+        </p:nvCxnSpPr>
+        <p:spPr>
+          <a:xfrm flipH="1">
+            <a:off x="8141049" y="3222534"/>
+            <a:ext cx="1253776" cy="1116631"/>
+          </a:xfrm>
+          <a:prstGeom prst="straightConnector1">
+            <a:avLst/>
+          </a:prstGeom>
+          <a:ln w="28575">
+            <a:solidFill>
+              <a:srgbClr val="FF0000"/>
+            </a:solidFill>
+            <a:tailEnd type="triangle"/>
+          </a:ln>
+        </p:spPr>
+        <p:style>
+          <a:lnRef idx="1">
+            <a:schemeClr val="accent1"/>
+          </a:lnRef>
+          <a:fillRef idx="0">
+            <a:schemeClr val="accent1"/>
+          </a:fillRef>
+          <a:effectRef idx="0">
+            <a:schemeClr val="accent1"/>
+          </a:effectRef>
+          <a:fontRef idx="minor">
+            <a:schemeClr val="tx1"/>
+          </a:fontRef>
+        </p:style>
+      </p:cxnSp>
+      <p:cxnSp>
+        <p:nvCxnSpPr>
+          <p:cNvPr id="63" name="Straight Arrow Connector 62"/>
+          <p:cNvCxnSpPr/>
+          <p:nvPr/>
+        </p:nvCxnSpPr>
+        <p:spPr>
+          <a:xfrm flipV="1">
+            <a:off x="8141049" y="3222534"/>
+            <a:ext cx="2557413" cy="2288207"/>
+          </a:xfrm>
+          <a:prstGeom prst="straightConnector1">
+            <a:avLst/>
+          </a:prstGeom>
+          <a:ln w="28575">
+            <a:solidFill>
+              <a:srgbClr val="FF0000"/>
+            </a:solidFill>
+            <a:tailEnd type="triangle"/>
+          </a:ln>
+        </p:spPr>
+        <p:style>
+          <a:lnRef idx="1">
+            <a:schemeClr val="accent1"/>
+          </a:lnRef>
+          <a:fillRef idx="0">
+            <a:schemeClr val="accent1"/>
+          </a:fillRef>
+          <a:effectRef idx="0">
+            <a:schemeClr val="accent1"/>
+          </a:effectRef>
+          <a:fontRef idx="minor">
+            <a:schemeClr val="tx1"/>
+          </a:fontRef>
+        </p:style>
+      </p:cxnSp>
+      <p:cxnSp>
+        <p:nvCxnSpPr>
+          <p:cNvPr id="64" name="Straight Arrow Connector 63"/>
+          <p:cNvCxnSpPr/>
+          <p:nvPr/>
+        </p:nvCxnSpPr>
+        <p:spPr>
+          <a:xfrm flipH="1">
+            <a:off x="9675205" y="4781369"/>
+            <a:ext cx="2046514" cy="1045028"/>
+          </a:xfrm>
+          <a:prstGeom prst="straightConnector1">
+            <a:avLst/>
+          </a:prstGeom>
+          <a:ln w="28575">
+            <a:solidFill>
+              <a:srgbClr val="FF0000"/>
+            </a:solidFill>
+            <a:tailEnd type="triangle"/>
+          </a:ln>
+        </p:spPr>
+        <p:style>
+          <a:lnRef idx="1">
+            <a:schemeClr val="accent1"/>
+          </a:lnRef>
+          <a:fillRef idx="0">
+            <a:schemeClr val="accent1"/>
+          </a:fillRef>
+          <a:effectRef idx="0">
+            <a:schemeClr val="accent1"/>
+          </a:effectRef>
+          <a:fontRef idx="minor">
+            <a:schemeClr val="tx1"/>
+          </a:fontRef>
+        </p:style>
+      </p:cxnSp>
+      <p:cxnSp>
+        <p:nvCxnSpPr>
+          <p:cNvPr id="65" name="Straight Connector 64"/>
+          <p:cNvCxnSpPr/>
+          <p:nvPr/>
+        </p:nvCxnSpPr>
+        <p:spPr>
+          <a:xfrm>
+            <a:off x="10690842" y="3222534"/>
+            <a:ext cx="1030877" cy="0"/>
+          </a:xfrm>
+          <a:prstGeom prst="line">
+            <a:avLst/>
+          </a:prstGeom>
+          <a:ln w="28575">
+            <a:solidFill>
+              <a:srgbClr val="FF0000"/>
+            </a:solidFill>
+          </a:ln>
+        </p:spPr>
+        <p:style>
+          <a:lnRef idx="1">
+            <a:schemeClr val="accent1"/>
+          </a:lnRef>
+          <a:fillRef idx="0">
+            <a:schemeClr val="accent1"/>
+          </a:fillRef>
+          <a:effectRef idx="0">
+            <a:schemeClr val="accent1"/>
+          </a:effectRef>
+          <a:fontRef idx="minor">
+            <a:schemeClr val="tx1"/>
+          </a:fontRef>
+        </p:style>
+      </p:cxnSp>
+      <p:cxnSp>
+        <p:nvCxnSpPr>
+          <p:cNvPr id="66" name="Straight Connector 65"/>
+          <p:cNvCxnSpPr/>
+          <p:nvPr/>
+        </p:nvCxnSpPr>
+        <p:spPr>
+          <a:xfrm>
+            <a:off x="11721719" y="3222534"/>
+            <a:ext cx="0" cy="1558835"/>
+          </a:xfrm>
+          <a:prstGeom prst="line">
+            <a:avLst/>
+          </a:prstGeom>
+          <a:ln w="28575">
+            <a:solidFill>
+              <a:srgbClr val="FF0000"/>
+            </a:solidFill>
+          </a:ln>
+        </p:spPr>
+        <p:style>
+          <a:lnRef idx="1">
+            <a:schemeClr val="accent1"/>
+          </a:lnRef>
+          <a:fillRef idx="0">
+            <a:schemeClr val="accent1"/>
+          </a:fillRef>
+          <a:effectRef idx="0">
+            <a:schemeClr val="accent1"/>
+          </a:effectRef>
+          <a:fontRef idx="minor">
+            <a:schemeClr val="tx1"/>
+          </a:fontRef>
+        </p:style>
+      </p:cxnSp>
+      <p:cxnSp>
+        <p:nvCxnSpPr>
+          <p:cNvPr id="67" name="Straight Connector 66"/>
+          <p:cNvCxnSpPr/>
+          <p:nvPr/>
+        </p:nvCxnSpPr>
+        <p:spPr>
+          <a:xfrm>
+            <a:off x="8133788" y="5826397"/>
+            <a:ext cx="1549037" cy="0"/>
+          </a:xfrm>
+          <a:prstGeom prst="line">
+            <a:avLst/>
+          </a:prstGeom>
+          <a:ln w="28575">
+            <a:solidFill>
+              <a:srgbClr val="FF0000"/>
+            </a:solidFill>
+          </a:ln>
+        </p:spPr>
+        <p:style>
+          <a:lnRef idx="1">
+            <a:schemeClr val="accent1"/>
+          </a:lnRef>
+          <a:fillRef idx="0">
+            <a:schemeClr val="accent1"/>
+          </a:fillRef>
+          <a:effectRef idx="0">
+            <a:schemeClr val="accent1"/>
+          </a:effectRef>
+          <a:fontRef idx="minor">
+            <a:schemeClr val="tx1"/>
+          </a:fontRef>
+        </p:style>
+      </p:cxnSp>
+      <p:cxnSp>
+        <p:nvCxnSpPr>
+          <p:cNvPr id="70" name="Straight Connector 69"/>
+          <p:cNvCxnSpPr/>
+          <p:nvPr/>
+        </p:nvCxnSpPr>
+        <p:spPr>
+          <a:xfrm>
+            <a:off x="8133788" y="3222534"/>
+            <a:ext cx="0" cy="1116631"/>
+          </a:xfrm>
+          <a:prstGeom prst="line">
+            <a:avLst/>
+          </a:prstGeom>
+          <a:ln w="28575">
+            <a:solidFill>
+              <a:srgbClr val="FF0000"/>
+            </a:solidFill>
+          </a:ln>
+        </p:spPr>
+        <p:style>
+          <a:lnRef idx="1">
+            <a:schemeClr val="accent1"/>
+          </a:lnRef>
+          <a:fillRef idx="0">
+            <a:schemeClr val="accent1"/>
+          </a:fillRef>
+          <a:effectRef idx="0">
+            <a:schemeClr val="accent1"/>
+          </a:effectRef>
+          <a:fontRef idx="minor">
+            <a:schemeClr val="tx1"/>
+          </a:fontRef>
+        </p:style>
+      </p:cxnSp>
+      <p:sp>
+        <p:nvSpPr>
+          <p:cNvPr id="71" name="Oval 70"/>
+          <p:cNvSpPr/>
+          <p:nvPr/>
+        </p:nvSpPr>
+        <p:spPr>
+          <a:xfrm>
+            <a:off x="8067026" y="5754536"/>
+            <a:ext cx="148046" cy="148046"/>
+          </a:xfrm>
+          <a:prstGeom prst="ellipse">
+            <a:avLst/>
+          </a:prstGeom>
+          <a:noFill/>
+          <a:ln w="28575">
+            <a:solidFill>
+              <a:schemeClr val="bg1">
+                <a:lumMod val="65000"/>
+              </a:schemeClr>
+            </a:solidFill>
+          </a:ln>
+        </p:spPr>
+        <p:style>
+          <a:lnRef idx="2">
+            <a:schemeClr val="accent1">
+              <a:shade val="50000"/>
+            </a:schemeClr>
+          </a:lnRef>
+          <a:fillRef idx="1">
+            <a:schemeClr val="accent1"/>
+          </a:fillRef>
+          <a:effectRef idx="0">
+            <a:schemeClr val="accent1"/>
+          </a:effectRef>
+          <a:fontRef idx="minor">
+            <a:schemeClr val="lt1"/>
+          </a:fontRef>
+        </p:style>
+        <p:txBody>
+          <a:bodyPr rtlCol="0" anchor="ctr"/>
+          <a:lstStyle/>
+          <a:p>
+            <a:pPr algn="ctr"/>
+            <a:endParaRPr lang="en-US">
+              <a:solidFill>
+                <a:schemeClr val="bg1">
+                  <a:lumMod val="65000"/>
+                </a:schemeClr>
+              </a:solidFill>
+            </a:endParaRPr>
+          </a:p>
+        </p:txBody>
+      </p:sp>
+      <p:sp>
+        <p:nvSpPr>
+          <p:cNvPr id="72" name="Oval 71"/>
+          <p:cNvSpPr/>
+          <p:nvPr/>
+        </p:nvSpPr>
+        <p:spPr>
+          <a:xfrm>
+            <a:off x="8064652" y="5422823"/>
+            <a:ext cx="148046" cy="148046"/>
+          </a:xfrm>
+          <a:prstGeom prst="ellipse">
+            <a:avLst/>
+          </a:prstGeom>
+          <a:noFill/>
+          <a:ln w="38100">
+            <a:solidFill>
+              <a:srgbClr val="00B050"/>
+            </a:solidFill>
+          </a:ln>
+        </p:spPr>
+        <p:style>
+          <a:lnRef idx="2">
+            <a:schemeClr val="accent1">
+              <a:shade val="50000"/>
+            </a:schemeClr>
+          </a:lnRef>
+          <a:fillRef idx="1">
+            <a:schemeClr val="accent1"/>
+          </a:fillRef>
+          <a:effectRef idx="0">
+            <a:schemeClr val="accent1"/>
+          </a:effectRef>
+          <a:fontRef idx="minor">
+            <a:schemeClr val="lt1"/>
+          </a:fontRef>
+        </p:style>
+        <p:txBody>
+          <a:bodyPr rtlCol="0" anchor="ctr"/>
+          <a:lstStyle/>
+          <a:p>
+            <a:pPr algn="ctr"/>
+            <a:endParaRPr lang="en-US">
+              <a:solidFill>
+                <a:srgbClr val="00B050"/>
+              </a:solidFill>
+            </a:endParaRPr>
+          </a:p>
+        </p:txBody>
+      </p:sp>
+      <p:cxnSp>
+        <p:nvCxnSpPr>
+          <p:cNvPr id="68" name="Straight Connector 67"/>
+          <p:cNvCxnSpPr/>
+          <p:nvPr/>
+        </p:nvCxnSpPr>
+        <p:spPr>
+          <a:xfrm>
+            <a:off x="8141049" y="5485980"/>
+            <a:ext cx="0" cy="324360"/>
+          </a:xfrm>
+          <a:prstGeom prst="line">
+            <a:avLst/>
+          </a:prstGeom>
+          <a:ln w="28575">
+            <a:solidFill>
+              <a:srgbClr val="FF0000"/>
+            </a:solidFill>
+          </a:ln>
+        </p:spPr>
+        <p:style>
+          <a:lnRef idx="1">
+            <a:schemeClr val="accent1"/>
+          </a:lnRef>
+          <a:fillRef idx="0">
+            <a:schemeClr val="accent1"/>
+          </a:fillRef>
+          <a:effectRef idx="0">
+            <a:schemeClr val="accent1"/>
+          </a:effectRef>
+          <a:fontRef idx="minor">
+            <a:schemeClr val="tx1"/>
+          </a:fontRef>
+        </p:style>
+      </p:cxnSp>
+      <p:sp>
+        <p:nvSpPr>
+          <p:cNvPr id="73" name="TextBox 72"/>
+          <p:cNvSpPr txBox="1"/>
+          <p:nvPr/>
+        </p:nvSpPr>
+        <p:spPr>
+          <a:xfrm>
+            <a:off x="9298070" y="4287925"/>
+            <a:ext cx="301686" cy="369332"/>
+          </a:xfrm>
+          <a:prstGeom prst="rect">
+            <a:avLst/>
+          </a:prstGeom>
+          <a:noFill/>
         </p:spPr>
         <p:txBody>
           <a:bodyPr wrap="none" rtlCol="0">
@@ -9384,23 +10030,22 @@
           <a:lstStyle/>
           <a:p>
             <a:r>
-              <a:rPr lang="en-US" sz="1400" dirty="0" smtClean="0"/>
-              <a:t>Start point</a:t>
+              <a:rPr lang="en-US" dirty="0"/>
+              <a:t>1</a:t>
             </a:r>
-            <a:endParaRPr lang="en-US" sz="1400" dirty="0"/>
-          </a:p>
-        </p:txBody>
-      </p:sp>
-      <p:sp>
-        <p:nvSpPr>
-          <p:cNvPr id="58" name="TextBox 57"/>
+          </a:p>
+        </p:txBody>
+      </p:sp>
+      <p:sp>
+        <p:nvSpPr>
+          <p:cNvPr id="74" name="TextBox 73"/>
           <p:cNvSpPr txBox="1"/>
           <p:nvPr/>
         </p:nvSpPr>
         <p:spPr>
           <a:xfrm>
-            <a:off x="4063612" y="4002473"/>
-            <a:ext cx="886718" cy="307777"/>
+            <a:off x="11055437" y="3156914"/>
+            <a:ext cx="301686" cy="369332"/>
           </a:xfrm>
           <a:prstGeom prst="rect">
             <a:avLst/>
@@ -9414,17 +10059,309 @@
           <a:lstStyle/>
           <a:p>
             <a:r>
-              <a:rPr lang="en-US" sz="1400" dirty="0" smtClean="0"/>
-              <a:t>End point</a:t>
+              <a:rPr lang="en-US" dirty="0"/>
+              <a:t>2</a:t>
             </a:r>
-            <a:endParaRPr lang="en-US" sz="1400" dirty="0"/>
-          </a:p>
-        </p:txBody>
-      </p:sp>
+          </a:p>
+        </p:txBody>
+      </p:sp>
+      <p:sp>
+        <p:nvSpPr>
+          <p:cNvPr id="75" name="TextBox 74"/>
+          <p:cNvSpPr txBox="1"/>
+          <p:nvPr/>
+        </p:nvSpPr>
+        <p:spPr>
+          <a:xfrm>
+            <a:off x="11486795" y="3865182"/>
+            <a:ext cx="301686" cy="369332"/>
+          </a:xfrm>
+          <a:prstGeom prst="rect">
+            <a:avLst/>
+          </a:prstGeom>
+          <a:noFill/>
+        </p:spPr>
+        <p:txBody>
+          <a:bodyPr wrap="none" rtlCol="0">
+            <a:spAutoFit/>
+          </a:bodyPr>
+          <a:lstStyle/>
+          <a:p>
+            <a:r>
+              <a:rPr lang="en-US" dirty="0"/>
+              <a:t>3</a:t>
+            </a:r>
+          </a:p>
+        </p:txBody>
+      </p:sp>
+      <p:sp>
+        <p:nvSpPr>
+          <p:cNvPr id="76" name="TextBox 75"/>
+          <p:cNvSpPr txBox="1"/>
+          <p:nvPr/>
+        </p:nvSpPr>
+        <p:spPr>
+          <a:xfrm>
+            <a:off x="10614381" y="4951968"/>
+            <a:ext cx="301686" cy="369332"/>
+          </a:xfrm>
+          <a:prstGeom prst="rect">
+            <a:avLst/>
+          </a:prstGeom>
+          <a:noFill/>
+        </p:spPr>
+        <p:txBody>
+          <a:bodyPr wrap="none" rtlCol="0">
+            <a:spAutoFit/>
+          </a:bodyPr>
+          <a:lstStyle/>
+          <a:p>
+            <a:r>
+              <a:rPr lang="en-US" dirty="0" smtClean="0"/>
+              <a:t>4</a:t>
+            </a:r>
+            <a:endParaRPr lang="en-US" dirty="0"/>
+          </a:p>
+        </p:txBody>
+      </p:sp>
+      <p:sp>
+        <p:nvSpPr>
+          <p:cNvPr id="77" name="TextBox 76"/>
+          <p:cNvSpPr txBox="1"/>
+          <p:nvPr/>
+        </p:nvSpPr>
+        <p:spPr>
+          <a:xfrm>
+            <a:off x="8809962" y="5544498"/>
+            <a:ext cx="301686" cy="369332"/>
+          </a:xfrm>
+          <a:prstGeom prst="rect">
+            <a:avLst/>
+          </a:prstGeom>
+          <a:noFill/>
+        </p:spPr>
+        <p:txBody>
+          <a:bodyPr wrap="none" rtlCol="0">
+            <a:spAutoFit/>
+          </a:bodyPr>
+          <a:lstStyle/>
+          <a:p>
+            <a:r>
+              <a:rPr lang="en-US" dirty="0"/>
+              <a:t>5</a:t>
+            </a:r>
+          </a:p>
+        </p:txBody>
+      </p:sp>
+      <p:sp>
+        <p:nvSpPr>
+          <p:cNvPr id="78" name="TextBox 77"/>
+          <p:cNvSpPr txBox="1"/>
+          <p:nvPr/>
+        </p:nvSpPr>
+        <p:spPr>
+          <a:xfrm>
+            <a:off x="8072588" y="5475160"/>
+            <a:ext cx="301686" cy="369332"/>
+          </a:xfrm>
+          <a:prstGeom prst="rect">
+            <a:avLst/>
+          </a:prstGeom>
+          <a:noFill/>
+        </p:spPr>
+        <p:txBody>
+          <a:bodyPr wrap="none" rtlCol="0">
+            <a:spAutoFit/>
+          </a:bodyPr>
+          <a:lstStyle/>
+          <a:p>
+            <a:r>
+              <a:rPr lang="en-US" dirty="0" smtClean="0"/>
+              <a:t>6</a:t>
+            </a:r>
+          </a:p>
+        </p:txBody>
+      </p:sp>
+      <p:sp>
+        <p:nvSpPr>
+          <p:cNvPr id="79" name="TextBox 78"/>
+          <p:cNvSpPr txBox="1"/>
+          <p:nvPr/>
+        </p:nvSpPr>
+        <p:spPr>
+          <a:xfrm>
+            <a:off x="8665917" y="3650685"/>
+            <a:ext cx="612668" cy="369332"/>
+          </a:xfrm>
+          <a:prstGeom prst="rect">
+            <a:avLst/>
+          </a:prstGeom>
+          <a:noFill/>
+        </p:spPr>
+        <p:txBody>
+          <a:bodyPr wrap="none" rtlCol="0">
+            <a:spAutoFit/>
+          </a:bodyPr>
+          <a:lstStyle/>
+          <a:p>
+            <a:r>
+              <a:rPr lang="en-US" dirty="0" smtClean="0"/>
+              <a:t>1 (7)</a:t>
+            </a:r>
+          </a:p>
+        </p:txBody>
+      </p:sp>
+      <p:sp>
+        <p:nvSpPr>
+          <p:cNvPr id="80" name="TextBox 79"/>
+          <p:cNvSpPr txBox="1"/>
+          <p:nvPr/>
+        </p:nvSpPr>
+        <p:spPr>
+          <a:xfrm>
+            <a:off x="8072588" y="3495824"/>
+            <a:ext cx="612668" cy="369332"/>
+          </a:xfrm>
+          <a:prstGeom prst="rect">
+            <a:avLst/>
+          </a:prstGeom>
+          <a:noFill/>
+        </p:spPr>
+        <p:txBody>
+          <a:bodyPr wrap="none" rtlCol="0">
+            <a:spAutoFit/>
+          </a:bodyPr>
+          <a:lstStyle/>
+          <a:p>
+            <a:r>
+              <a:rPr lang="en-US" dirty="0"/>
+              <a:t>2</a:t>
+            </a:r>
+            <a:r>
+              <a:rPr lang="en-US" dirty="0" smtClean="0"/>
+              <a:t> (8)</a:t>
+            </a:r>
+          </a:p>
+        </p:txBody>
+      </p:sp>
+      <p:sp>
+        <p:nvSpPr>
+          <p:cNvPr id="81" name="TextBox 80"/>
+          <p:cNvSpPr txBox="1"/>
+          <p:nvPr/>
+        </p:nvSpPr>
+        <p:spPr>
+          <a:xfrm>
+            <a:off x="8346908" y="2924324"/>
+            <a:ext cx="612668" cy="369332"/>
+          </a:xfrm>
+          <a:prstGeom prst="rect">
+            <a:avLst/>
+          </a:prstGeom>
+          <a:noFill/>
+        </p:spPr>
+        <p:txBody>
+          <a:bodyPr wrap="none" rtlCol="0">
+            <a:spAutoFit/>
+          </a:bodyPr>
+          <a:lstStyle/>
+          <a:p>
+            <a:r>
+              <a:rPr lang="en-US" dirty="0" smtClean="0"/>
+              <a:t>3 (9)</a:t>
+            </a:r>
+          </a:p>
+        </p:txBody>
+      </p:sp>
+      <p:sp>
+        <p:nvSpPr>
+          <p:cNvPr id="82" name="Oval 81"/>
+          <p:cNvSpPr/>
+          <p:nvPr/>
+        </p:nvSpPr>
+        <p:spPr>
+          <a:xfrm>
+            <a:off x="9304418" y="3144310"/>
+            <a:ext cx="148046" cy="148046"/>
+          </a:xfrm>
+          <a:prstGeom prst="ellipse">
+            <a:avLst/>
+          </a:prstGeom>
+          <a:noFill/>
+          <a:ln w="38100">
+            <a:solidFill>
+              <a:srgbClr val="00B050"/>
+            </a:solidFill>
+          </a:ln>
+        </p:spPr>
+        <p:style>
+          <a:lnRef idx="2">
+            <a:schemeClr val="accent1">
+              <a:shade val="50000"/>
+            </a:schemeClr>
+          </a:lnRef>
+          <a:fillRef idx="1">
+            <a:schemeClr val="accent1"/>
+          </a:fillRef>
+          <a:effectRef idx="0">
+            <a:schemeClr val="accent1"/>
+          </a:effectRef>
+          <a:fontRef idx="minor">
+            <a:schemeClr val="lt1"/>
+          </a:fontRef>
+        </p:style>
+        <p:txBody>
+          <a:bodyPr rtlCol="0" anchor="ctr"/>
+          <a:lstStyle/>
+          <a:p>
+            <a:pPr algn="ctr"/>
+            <a:endParaRPr lang="en-US">
+              <a:solidFill>
+                <a:srgbClr val="00B050"/>
+              </a:solidFill>
+            </a:endParaRPr>
+          </a:p>
+        </p:txBody>
+      </p:sp>
+      <p:cxnSp>
+        <p:nvCxnSpPr>
+          <p:cNvPr id="69" name="Straight Connector 68"/>
+          <p:cNvCxnSpPr/>
+          <p:nvPr/>
+        </p:nvCxnSpPr>
+        <p:spPr>
+          <a:xfrm>
+            <a:off x="8125809" y="3222534"/>
+            <a:ext cx="1269016" cy="0"/>
+          </a:xfrm>
+          <a:prstGeom prst="line">
+            <a:avLst/>
+          </a:prstGeom>
+          <a:ln w="28575">
+            <a:solidFill>
+              <a:srgbClr val="FF0000"/>
+            </a:solidFill>
+          </a:ln>
+        </p:spPr>
+        <p:style>
+          <a:lnRef idx="1">
+            <a:schemeClr val="accent1"/>
+          </a:lnRef>
+          <a:fillRef idx="0">
+            <a:schemeClr val="accent1"/>
+          </a:fillRef>
+          <a:effectRef idx="0">
+            <a:schemeClr val="accent1"/>
+          </a:effectRef>
+          <a:fontRef idx="minor">
+            <a:schemeClr val="tx1"/>
+          </a:fontRef>
+        </p:style>
+      </p:cxnSp>
     </p:spTree>
     <p:extLst>
       <p:ext uri="{BB962C8B-B14F-4D97-AF65-F5344CB8AC3E}">
-        <p14:creationId xmlns:p14="http://schemas.microsoft.com/office/powerpoint/2010/main" val="1934828745"/>
+        <p14:creationId xmlns:p14="http://schemas.microsoft.com/office/powerpoint/2010/main" val="2023136603"/>
       </p:ext>
     </p:extLst>
   </p:cSld>
@@ -9453,6 +10390,938 @@
       </p:grpSpPr>
       <p:sp>
         <p:nvSpPr>
+          <p:cNvPr id="7" name="Rectangle 6"/>
+          <p:cNvSpPr/>
+          <p:nvPr/>
+        </p:nvSpPr>
+        <p:spPr>
+          <a:xfrm>
+            <a:off x="4431791" y="2318326"/>
+            <a:ext cx="1911928" cy="1394691"/>
+          </a:xfrm>
+          <a:prstGeom prst="rect">
+            <a:avLst/>
+          </a:prstGeom>
+          <a:noFill/>
+        </p:spPr>
+        <p:style>
+          <a:lnRef idx="2">
+            <a:schemeClr val="accent1">
+              <a:shade val="50000"/>
+            </a:schemeClr>
+          </a:lnRef>
+          <a:fillRef idx="1">
+            <a:schemeClr val="accent1"/>
+          </a:fillRef>
+          <a:effectRef idx="0">
+            <a:schemeClr val="accent1"/>
+          </a:effectRef>
+          <a:fontRef idx="minor">
+            <a:schemeClr val="lt1"/>
+          </a:fontRef>
+        </p:style>
+        <p:txBody>
+          <a:bodyPr rtlCol="0" anchor="ctr"/>
+          <a:lstStyle/>
+          <a:p>
+            <a:pPr algn="ctr"/>
+            <a:endParaRPr lang="en-US"/>
+          </a:p>
+        </p:txBody>
+      </p:sp>
+      <p:sp>
+        <p:nvSpPr>
+          <p:cNvPr id="2" name="Rectangle 1"/>
+          <p:cNvSpPr/>
+          <p:nvPr/>
+        </p:nvSpPr>
+        <p:spPr>
+          <a:xfrm>
+            <a:off x="1690254" y="2318327"/>
+            <a:ext cx="1911928" cy="1394691"/>
+          </a:xfrm>
+          <a:prstGeom prst="rect">
+            <a:avLst/>
+          </a:prstGeom>
+          <a:noFill/>
+        </p:spPr>
+        <p:style>
+          <a:lnRef idx="2">
+            <a:schemeClr val="accent1">
+              <a:shade val="50000"/>
+            </a:schemeClr>
+          </a:lnRef>
+          <a:fillRef idx="1">
+            <a:schemeClr val="accent1"/>
+          </a:fillRef>
+          <a:effectRef idx="0">
+            <a:schemeClr val="accent1"/>
+          </a:effectRef>
+          <a:fontRef idx="minor">
+            <a:schemeClr val="lt1"/>
+          </a:fontRef>
+        </p:style>
+        <p:txBody>
+          <a:bodyPr rtlCol="0" anchor="ctr"/>
+          <a:lstStyle/>
+          <a:p>
+            <a:pPr algn="ctr"/>
+            <a:endParaRPr lang="en-US"/>
+          </a:p>
+        </p:txBody>
+      </p:sp>
+      <p:sp>
+        <p:nvSpPr>
+          <p:cNvPr id="3" name="Oval 2"/>
+          <p:cNvSpPr/>
+          <p:nvPr/>
+        </p:nvSpPr>
+        <p:spPr>
+          <a:xfrm>
+            <a:off x="1639453" y="2877126"/>
+            <a:ext cx="120073" cy="120073"/>
+          </a:xfrm>
+          <a:prstGeom prst="ellipse">
+            <a:avLst/>
+          </a:prstGeom>
+          <a:solidFill>
+            <a:srgbClr val="FF0000"/>
+          </a:solidFill>
+          <a:ln>
+            <a:noFill/>
+          </a:ln>
+        </p:spPr>
+        <p:style>
+          <a:lnRef idx="2">
+            <a:schemeClr val="accent1">
+              <a:shade val="50000"/>
+            </a:schemeClr>
+          </a:lnRef>
+          <a:fillRef idx="1">
+            <a:schemeClr val="accent1"/>
+          </a:fillRef>
+          <a:effectRef idx="0">
+            <a:schemeClr val="accent1"/>
+          </a:effectRef>
+          <a:fontRef idx="minor">
+            <a:schemeClr val="lt1"/>
+          </a:fontRef>
+        </p:style>
+        <p:txBody>
+          <a:bodyPr rtlCol="0" anchor="ctr"/>
+          <a:lstStyle/>
+          <a:p>
+            <a:pPr algn="ctr"/>
+            <a:endParaRPr lang="en-US"/>
+          </a:p>
+        </p:txBody>
+      </p:sp>
+      <p:sp>
+        <p:nvSpPr>
+          <p:cNvPr id="5" name="Oval 4"/>
+          <p:cNvSpPr/>
+          <p:nvPr/>
+        </p:nvSpPr>
+        <p:spPr>
+          <a:xfrm>
+            <a:off x="2419234" y="3652980"/>
+            <a:ext cx="120073" cy="120073"/>
+          </a:xfrm>
+          <a:prstGeom prst="ellipse">
+            <a:avLst/>
+          </a:prstGeom>
+          <a:solidFill>
+            <a:srgbClr val="00B050"/>
+          </a:solidFill>
+          <a:ln>
+            <a:noFill/>
+          </a:ln>
+        </p:spPr>
+        <p:style>
+          <a:lnRef idx="2">
+            <a:schemeClr val="accent1">
+              <a:shade val="50000"/>
+            </a:schemeClr>
+          </a:lnRef>
+          <a:fillRef idx="1">
+            <a:schemeClr val="accent1"/>
+          </a:fillRef>
+          <a:effectRef idx="0">
+            <a:schemeClr val="accent1"/>
+          </a:effectRef>
+          <a:fontRef idx="minor">
+            <a:schemeClr val="lt1"/>
+          </a:fontRef>
+        </p:style>
+        <p:txBody>
+          <a:bodyPr rtlCol="0" anchor="ctr"/>
+          <a:lstStyle/>
+          <a:p>
+            <a:pPr algn="ctr"/>
+            <a:endParaRPr lang="en-US"/>
+          </a:p>
+        </p:txBody>
+      </p:sp>
+      <p:cxnSp>
+        <p:nvCxnSpPr>
+          <p:cNvPr id="11" name="Straight Arrow Connector 10"/>
+          <p:cNvCxnSpPr/>
+          <p:nvPr/>
+        </p:nvCxnSpPr>
+        <p:spPr>
+          <a:xfrm flipV="1">
+            <a:off x="1690254" y="2265680"/>
+            <a:ext cx="0" cy="611446"/>
+          </a:xfrm>
+          <a:prstGeom prst="straightConnector1">
+            <a:avLst/>
+          </a:prstGeom>
+          <a:ln w="28575">
+            <a:solidFill>
+              <a:srgbClr val="00B0F0"/>
+            </a:solidFill>
+            <a:tailEnd type="triangle"/>
+          </a:ln>
+        </p:spPr>
+        <p:style>
+          <a:lnRef idx="1">
+            <a:schemeClr val="accent1"/>
+          </a:lnRef>
+          <a:fillRef idx="0">
+            <a:schemeClr val="accent1"/>
+          </a:fillRef>
+          <a:effectRef idx="0">
+            <a:schemeClr val="accent1"/>
+          </a:effectRef>
+          <a:fontRef idx="minor">
+            <a:schemeClr val="tx1"/>
+          </a:fontRef>
+        </p:style>
+      </p:cxnSp>
+      <p:cxnSp>
+        <p:nvCxnSpPr>
+          <p:cNvPr id="14" name="Straight Arrow Connector 13"/>
+          <p:cNvCxnSpPr/>
+          <p:nvPr/>
+        </p:nvCxnSpPr>
+        <p:spPr>
+          <a:xfrm>
+            <a:off x="1690254" y="2321560"/>
+            <a:ext cx="1952106" cy="0"/>
+          </a:xfrm>
+          <a:prstGeom prst="straightConnector1">
+            <a:avLst/>
+          </a:prstGeom>
+          <a:ln w="28575">
+            <a:solidFill>
+              <a:srgbClr val="00B0F0"/>
+            </a:solidFill>
+            <a:tailEnd type="triangle"/>
+          </a:ln>
+        </p:spPr>
+        <p:style>
+          <a:lnRef idx="1">
+            <a:schemeClr val="accent1"/>
+          </a:lnRef>
+          <a:fillRef idx="0">
+            <a:schemeClr val="accent1"/>
+          </a:fillRef>
+          <a:effectRef idx="0">
+            <a:schemeClr val="accent1"/>
+          </a:effectRef>
+          <a:fontRef idx="minor">
+            <a:schemeClr val="tx1"/>
+          </a:fontRef>
+        </p:style>
+      </p:cxnSp>
+      <p:cxnSp>
+        <p:nvCxnSpPr>
+          <p:cNvPr id="18" name="Straight Arrow Connector 17"/>
+          <p:cNvCxnSpPr/>
+          <p:nvPr/>
+        </p:nvCxnSpPr>
+        <p:spPr>
+          <a:xfrm>
+            <a:off x="3602182" y="2318326"/>
+            <a:ext cx="0" cy="1463963"/>
+          </a:xfrm>
+          <a:prstGeom prst="straightConnector1">
+            <a:avLst/>
+          </a:prstGeom>
+          <a:ln w="28575">
+            <a:solidFill>
+              <a:srgbClr val="00B0F0"/>
+            </a:solidFill>
+            <a:tailEnd type="triangle"/>
+          </a:ln>
+        </p:spPr>
+        <p:style>
+          <a:lnRef idx="1">
+            <a:schemeClr val="accent1"/>
+          </a:lnRef>
+          <a:fillRef idx="0">
+            <a:schemeClr val="accent1"/>
+          </a:fillRef>
+          <a:effectRef idx="0">
+            <a:schemeClr val="accent1"/>
+          </a:effectRef>
+          <a:fontRef idx="minor">
+            <a:schemeClr val="tx1"/>
+          </a:fontRef>
+        </p:style>
+      </p:cxnSp>
+      <p:cxnSp>
+        <p:nvCxnSpPr>
+          <p:cNvPr id="22" name="Straight Arrow Connector 21"/>
+          <p:cNvCxnSpPr/>
+          <p:nvPr/>
+        </p:nvCxnSpPr>
+        <p:spPr>
+          <a:xfrm flipH="1">
+            <a:off x="2506980" y="3713017"/>
+            <a:ext cx="1095202" cy="0"/>
+          </a:xfrm>
+          <a:prstGeom prst="straightConnector1">
+            <a:avLst/>
+          </a:prstGeom>
+          <a:ln w="28575">
+            <a:solidFill>
+              <a:srgbClr val="00B0F0"/>
+            </a:solidFill>
+            <a:tailEnd type="triangle"/>
+          </a:ln>
+        </p:spPr>
+        <p:style>
+          <a:lnRef idx="1">
+            <a:schemeClr val="accent1"/>
+          </a:lnRef>
+          <a:fillRef idx="0">
+            <a:schemeClr val="accent1"/>
+          </a:fillRef>
+          <a:effectRef idx="0">
+            <a:schemeClr val="accent1"/>
+          </a:effectRef>
+          <a:fontRef idx="minor">
+            <a:schemeClr val="tx1"/>
+          </a:fontRef>
+        </p:style>
+      </p:cxnSp>
+      <p:cxnSp>
+        <p:nvCxnSpPr>
+          <p:cNvPr id="30" name="Straight Arrow Connector 29"/>
+          <p:cNvCxnSpPr/>
+          <p:nvPr/>
+        </p:nvCxnSpPr>
+        <p:spPr>
+          <a:xfrm>
+            <a:off x="6352492" y="2955634"/>
+            <a:ext cx="0" cy="817419"/>
+          </a:xfrm>
+          <a:prstGeom prst="straightConnector1">
+            <a:avLst/>
+          </a:prstGeom>
+          <a:ln w="28575">
+            <a:solidFill>
+              <a:srgbClr val="00B0F0"/>
+            </a:solidFill>
+            <a:tailEnd type="triangle"/>
+          </a:ln>
+        </p:spPr>
+        <p:style>
+          <a:lnRef idx="1">
+            <a:schemeClr val="accent1"/>
+          </a:lnRef>
+          <a:fillRef idx="0">
+            <a:schemeClr val="accent1"/>
+          </a:fillRef>
+          <a:effectRef idx="0">
+            <a:schemeClr val="accent1"/>
+          </a:effectRef>
+          <a:fontRef idx="minor">
+            <a:schemeClr val="tx1"/>
+          </a:fontRef>
+        </p:style>
+      </p:cxnSp>
+      <p:sp>
+        <p:nvSpPr>
+          <p:cNvPr id="4" name="Oval 3"/>
+          <p:cNvSpPr/>
+          <p:nvPr/>
+        </p:nvSpPr>
+        <p:spPr>
+          <a:xfrm>
+            <a:off x="6283682" y="2877125"/>
+            <a:ext cx="120073" cy="120073"/>
+          </a:xfrm>
+          <a:prstGeom prst="ellipse">
+            <a:avLst/>
+          </a:prstGeom>
+          <a:solidFill>
+            <a:srgbClr val="FF0000"/>
+          </a:solidFill>
+          <a:ln>
+            <a:noFill/>
+          </a:ln>
+        </p:spPr>
+        <p:style>
+          <a:lnRef idx="2">
+            <a:schemeClr val="accent1">
+              <a:shade val="50000"/>
+            </a:schemeClr>
+          </a:lnRef>
+          <a:fillRef idx="1">
+            <a:schemeClr val="accent1"/>
+          </a:fillRef>
+          <a:effectRef idx="0">
+            <a:schemeClr val="accent1"/>
+          </a:effectRef>
+          <a:fontRef idx="minor">
+            <a:schemeClr val="lt1"/>
+          </a:fontRef>
+        </p:style>
+        <p:txBody>
+          <a:bodyPr rtlCol="0" anchor="ctr"/>
+          <a:lstStyle/>
+          <a:p>
+            <a:pPr algn="ctr"/>
+            <a:endParaRPr lang="en-US"/>
+          </a:p>
+        </p:txBody>
+      </p:sp>
+      <p:cxnSp>
+        <p:nvCxnSpPr>
+          <p:cNvPr id="40" name="Straight Arrow Connector 39"/>
+          <p:cNvCxnSpPr/>
+          <p:nvPr/>
+        </p:nvCxnSpPr>
+        <p:spPr>
+          <a:xfrm flipH="1">
+            <a:off x="4376371" y="3713016"/>
+            <a:ext cx="1976121" cy="0"/>
+          </a:xfrm>
+          <a:prstGeom prst="straightConnector1">
+            <a:avLst/>
+          </a:prstGeom>
+          <a:ln w="28575">
+            <a:solidFill>
+              <a:srgbClr val="00B0F0"/>
+            </a:solidFill>
+            <a:tailEnd type="triangle"/>
+          </a:ln>
+        </p:spPr>
+        <p:style>
+          <a:lnRef idx="1">
+            <a:schemeClr val="accent1"/>
+          </a:lnRef>
+          <a:fillRef idx="0">
+            <a:schemeClr val="accent1"/>
+          </a:fillRef>
+          <a:effectRef idx="0">
+            <a:schemeClr val="accent1"/>
+          </a:effectRef>
+          <a:fontRef idx="minor">
+            <a:schemeClr val="tx1"/>
+          </a:fontRef>
+        </p:style>
+      </p:cxnSp>
+      <p:cxnSp>
+        <p:nvCxnSpPr>
+          <p:cNvPr id="43" name="Straight Arrow Connector 42"/>
+          <p:cNvCxnSpPr/>
+          <p:nvPr/>
+        </p:nvCxnSpPr>
+        <p:spPr>
+          <a:xfrm flipV="1">
+            <a:off x="4440564" y="2877125"/>
+            <a:ext cx="0" cy="835891"/>
+          </a:xfrm>
+          <a:prstGeom prst="straightConnector1">
+            <a:avLst/>
+          </a:prstGeom>
+          <a:ln w="28575">
+            <a:solidFill>
+              <a:srgbClr val="00B0F0"/>
+            </a:solidFill>
+            <a:tailEnd type="triangle"/>
+          </a:ln>
+        </p:spPr>
+        <p:style>
+          <a:lnRef idx="1">
+            <a:schemeClr val="accent1"/>
+          </a:lnRef>
+          <a:fillRef idx="0">
+            <a:schemeClr val="accent1"/>
+          </a:fillRef>
+          <a:effectRef idx="0">
+            <a:schemeClr val="accent1"/>
+          </a:effectRef>
+          <a:fontRef idx="minor">
+            <a:schemeClr val="tx1"/>
+          </a:fontRef>
+        </p:style>
+      </p:cxnSp>
+      <p:sp>
+        <p:nvSpPr>
+          <p:cNvPr id="6" name="Oval 5"/>
+          <p:cNvSpPr/>
+          <p:nvPr/>
+        </p:nvSpPr>
+        <p:spPr>
+          <a:xfrm>
+            <a:off x="4376371" y="2789010"/>
+            <a:ext cx="120073" cy="120073"/>
+          </a:xfrm>
+          <a:prstGeom prst="ellipse">
+            <a:avLst/>
+          </a:prstGeom>
+          <a:solidFill>
+            <a:srgbClr val="00B050"/>
+          </a:solidFill>
+          <a:ln>
+            <a:noFill/>
+          </a:ln>
+        </p:spPr>
+        <p:style>
+          <a:lnRef idx="2">
+            <a:schemeClr val="accent1">
+              <a:shade val="50000"/>
+            </a:schemeClr>
+          </a:lnRef>
+          <a:fillRef idx="1">
+            <a:schemeClr val="accent1"/>
+          </a:fillRef>
+          <a:effectRef idx="0">
+            <a:schemeClr val="accent1"/>
+          </a:effectRef>
+          <a:fontRef idx="minor">
+            <a:schemeClr val="lt1"/>
+          </a:fontRef>
+        </p:style>
+        <p:txBody>
+          <a:bodyPr rtlCol="0" anchor="ctr"/>
+          <a:lstStyle/>
+          <a:p>
+            <a:pPr algn="ctr"/>
+            <a:endParaRPr lang="en-US"/>
+          </a:p>
+        </p:txBody>
+      </p:sp>
+      <p:sp>
+        <p:nvSpPr>
+          <p:cNvPr id="47" name="TextBox 46"/>
+          <p:cNvSpPr txBox="1"/>
+          <p:nvPr/>
+        </p:nvSpPr>
+        <p:spPr>
+          <a:xfrm>
+            <a:off x="1335705" y="2801745"/>
+            <a:ext cx="275661" cy="307777"/>
+          </a:xfrm>
+          <a:prstGeom prst="rect">
+            <a:avLst/>
+          </a:prstGeom>
+          <a:noFill/>
+        </p:spPr>
+        <p:txBody>
+          <a:bodyPr wrap="none" rtlCol="0">
+            <a:spAutoFit/>
+          </a:bodyPr>
+          <a:lstStyle/>
+          <a:p>
+            <a:r>
+              <a:rPr lang="en-US" sz="1400" dirty="0"/>
+              <a:t>0</a:t>
+            </a:r>
+          </a:p>
+        </p:txBody>
+      </p:sp>
+      <p:sp>
+        <p:nvSpPr>
+          <p:cNvPr id="48" name="TextBox 47"/>
+          <p:cNvSpPr txBox="1"/>
+          <p:nvPr/>
+        </p:nvSpPr>
+        <p:spPr>
+          <a:xfrm>
+            <a:off x="3609940" y="2800818"/>
+            <a:ext cx="276038" cy="307777"/>
+          </a:xfrm>
+          <a:prstGeom prst="rect">
+            <a:avLst/>
+          </a:prstGeom>
+          <a:noFill/>
+        </p:spPr>
+        <p:txBody>
+          <a:bodyPr wrap="none" rtlCol="0">
+            <a:spAutoFit/>
+          </a:bodyPr>
+          <a:lstStyle/>
+          <a:p>
+            <a:r>
+              <a:rPr lang="en-US" sz="1400" dirty="0"/>
+              <a:t>2</a:t>
+            </a:r>
+          </a:p>
+        </p:txBody>
+      </p:sp>
+      <p:sp>
+        <p:nvSpPr>
+          <p:cNvPr id="49" name="TextBox 48"/>
+          <p:cNvSpPr txBox="1"/>
+          <p:nvPr/>
+        </p:nvSpPr>
+        <p:spPr>
+          <a:xfrm>
+            <a:off x="2529949" y="2014796"/>
+            <a:ext cx="275661" cy="307777"/>
+          </a:xfrm>
+          <a:prstGeom prst="rect">
+            <a:avLst/>
+          </a:prstGeom>
+          <a:noFill/>
+        </p:spPr>
+        <p:txBody>
+          <a:bodyPr wrap="none" rtlCol="0">
+            <a:spAutoFit/>
+          </a:bodyPr>
+          <a:lstStyle/>
+          <a:p>
+            <a:r>
+              <a:rPr lang="en-US" sz="1400" dirty="0"/>
+              <a:t>1</a:t>
+            </a:r>
+          </a:p>
+        </p:txBody>
+      </p:sp>
+      <p:sp>
+        <p:nvSpPr>
+          <p:cNvPr id="50" name="TextBox 49"/>
+          <p:cNvSpPr txBox="1"/>
+          <p:nvPr/>
+        </p:nvSpPr>
+        <p:spPr>
+          <a:xfrm>
+            <a:off x="2529949" y="3718459"/>
+            <a:ext cx="275661" cy="307777"/>
+          </a:xfrm>
+          <a:prstGeom prst="rect">
+            <a:avLst/>
+          </a:prstGeom>
+          <a:noFill/>
+        </p:spPr>
+        <p:txBody>
+          <a:bodyPr wrap="none" rtlCol="0">
+            <a:spAutoFit/>
+          </a:bodyPr>
+          <a:lstStyle/>
+          <a:p>
+            <a:r>
+              <a:rPr lang="en-US" sz="1400" dirty="0"/>
+              <a:t>3</a:t>
+            </a:r>
+          </a:p>
+        </p:txBody>
+      </p:sp>
+      <p:sp>
+        <p:nvSpPr>
+          <p:cNvPr id="51" name="TextBox 50"/>
+          <p:cNvSpPr txBox="1"/>
+          <p:nvPr/>
+        </p:nvSpPr>
+        <p:spPr>
+          <a:xfrm>
+            <a:off x="4093942" y="2802672"/>
+            <a:ext cx="275661" cy="307777"/>
+          </a:xfrm>
+          <a:prstGeom prst="rect">
+            <a:avLst/>
+          </a:prstGeom>
+          <a:noFill/>
+        </p:spPr>
+        <p:txBody>
+          <a:bodyPr wrap="none" rtlCol="0">
+            <a:spAutoFit/>
+          </a:bodyPr>
+          <a:lstStyle/>
+          <a:p>
+            <a:r>
+              <a:rPr lang="en-US" sz="1400" dirty="0"/>
+              <a:t>0</a:t>
+            </a:r>
+          </a:p>
+        </p:txBody>
+      </p:sp>
+      <p:sp>
+        <p:nvSpPr>
+          <p:cNvPr id="52" name="TextBox 51"/>
+          <p:cNvSpPr txBox="1"/>
+          <p:nvPr/>
+        </p:nvSpPr>
+        <p:spPr>
+          <a:xfrm>
+            <a:off x="6368177" y="2801745"/>
+            <a:ext cx="276038" cy="307777"/>
+          </a:xfrm>
+          <a:prstGeom prst="rect">
+            <a:avLst/>
+          </a:prstGeom>
+          <a:noFill/>
+        </p:spPr>
+        <p:txBody>
+          <a:bodyPr wrap="none" rtlCol="0">
+            <a:spAutoFit/>
+          </a:bodyPr>
+          <a:lstStyle/>
+          <a:p>
+            <a:r>
+              <a:rPr lang="en-US" sz="1400" dirty="0"/>
+              <a:t>2</a:t>
+            </a:r>
+          </a:p>
+        </p:txBody>
+      </p:sp>
+      <p:sp>
+        <p:nvSpPr>
+          <p:cNvPr id="53" name="TextBox 52"/>
+          <p:cNvSpPr txBox="1"/>
+          <p:nvPr/>
+        </p:nvSpPr>
+        <p:spPr>
+          <a:xfrm>
+            <a:off x="5288186" y="2015723"/>
+            <a:ext cx="275661" cy="307777"/>
+          </a:xfrm>
+          <a:prstGeom prst="rect">
+            <a:avLst/>
+          </a:prstGeom>
+          <a:noFill/>
+        </p:spPr>
+        <p:txBody>
+          <a:bodyPr wrap="none" rtlCol="0">
+            <a:spAutoFit/>
+          </a:bodyPr>
+          <a:lstStyle/>
+          <a:p>
+            <a:r>
+              <a:rPr lang="en-US" sz="1400" dirty="0"/>
+              <a:t>1</a:t>
+            </a:r>
+          </a:p>
+        </p:txBody>
+      </p:sp>
+      <p:sp>
+        <p:nvSpPr>
+          <p:cNvPr id="54" name="TextBox 53"/>
+          <p:cNvSpPr txBox="1"/>
+          <p:nvPr/>
+        </p:nvSpPr>
+        <p:spPr>
+          <a:xfrm>
+            <a:off x="5288186" y="3719386"/>
+            <a:ext cx="275661" cy="307777"/>
+          </a:xfrm>
+          <a:prstGeom prst="rect">
+            <a:avLst/>
+          </a:prstGeom>
+          <a:noFill/>
+        </p:spPr>
+        <p:txBody>
+          <a:bodyPr wrap="none" rtlCol="0">
+            <a:spAutoFit/>
+          </a:bodyPr>
+          <a:lstStyle/>
+          <a:p>
+            <a:r>
+              <a:rPr lang="en-US" sz="1400" dirty="0"/>
+              <a:t>3</a:t>
+            </a:r>
+          </a:p>
+        </p:txBody>
+      </p:sp>
+      <p:sp>
+        <p:nvSpPr>
+          <p:cNvPr id="55" name="Oval 54"/>
+          <p:cNvSpPr/>
+          <p:nvPr/>
+        </p:nvSpPr>
+        <p:spPr>
+          <a:xfrm>
+            <a:off x="1639453" y="4096326"/>
+            <a:ext cx="120073" cy="120073"/>
+          </a:xfrm>
+          <a:prstGeom prst="ellipse">
+            <a:avLst/>
+          </a:prstGeom>
+          <a:solidFill>
+            <a:srgbClr val="FF0000"/>
+          </a:solidFill>
+          <a:ln>
+            <a:noFill/>
+          </a:ln>
+        </p:spPr>
+        <p:style>
+          <a:lnRef idx="2">
+            <a:schemeClr val="accent1">
+              <a:shade val="50000"/>
+            </a:schemeClr>
+          </a:lnRef>
+          <a:fillRef idx="1">
+            <a:schemeClr val="accent1"/>
+          </a:fillRef>
+          <a:effectRef idx="0">
+            <a:schemeClr val="accent1"/>
+          </a:effectRef>
+          <a:fontRef idx="minor">
+            <a:schemeClr val="lt1"/>
+          </a:fontRef>
+        </p:style>
+        <p:txBody>
+          <a:bodyPr rtlCol="0" anchor="ctr"/>
+          <a:lstStyle/>
+          <a:p>
+            <a:pPr algn="ctr"/>
+            <a:endParaRPr lang="en-US"/>
+          </a:p>
+        </p:txBody>
+      </p:sp>
+      <p:sp>
+        <p:nvSpPr>
+          <p:cNvPr id="56" name="Oval 55"/>
+          <p:cNvSpPr/>
+          <p:nvPr/>
+        </p:nvSpPr>
+        <p:spPr>
+          <a:xfrm>
+            <a:off x="4008579" y="4100573"/>
+            <a:ext cx="120073" cy="120073"/>
+          </a:xfrm>
+          <a:prstGeom prst="ellipse">
+            <a:avLst/>
+          </a:prstGeom>
+          <a:solidFill>
+            <a:srgbClr val="00B050"/>
+          </a:solidFill>
+          <a:ln>
+            <a:noFill/>
+          </a:ln>
+        </p:spPr>
+        <p:style>
+          <a:lnRef idx="2">
+            <a:schemeClr val="accent1">
+              <a:shade val="50000"/>
+            </a:schemeClr>
+          </a:lnRef>
+          <a:fillRef idx="1">
+            <a:schemeClr val="accent1"/>
+          </a:fillRef>
+          <a:effectRef idx="0">
+            <a:schemeClr val="accent1"/>
+          </a:effectRef>
+          <a:fontRef idx="minor">
+            <a:schemeClr val="lt1"/>
+          </a:fontRef>
+        </p:style>
+        <p:txBody>
+          <a:bodyPr rtlCol="0" anchor="ctr"/>
+          <a:lstStyle/>
+          <a:p>
+            <a:pPr algn="ctr"/>
+            <a:endParaRPr lang="en-US"/>
+          </a:p>
+        </p:txBody>
+      </p:sp>
+      <p:sp>
+        <p:nvSpPr>
+          <p:cNvPr id="57" name="TextBox 56"/>
+          <p:cNvSpPr txBox="1"/>
+          <p:nvPr/>
+        </p:nvSpPr>
+        <p:spPr>
+          <a:xfrm>
+            <a:off x="1705167" y="4002473"/>
+            <a:ext cx="959878" cy="307777"/>
+          </a:xfrm>
+          <a:prstGeom prst="rect">
+            <a:avLst/>
+          </a:prstGeom>
+          <a:noFill/>
+        </p:spPr>
+        <p:txBody>
+          <a:bodyPr wrap="none" rtlCol="0">
+            <a:spAutoFit/>
+          </a:bodyPr>
+          <a:lstStyle/>
+          <a:p>
+            <a:r>
+              <a:rPr lang="en-US" sz="1400" dirty="0" smtClean="0"/>
+              <a:t>Start point</a:t>
+            </a:r>
+            <a:endParaRPr lang="en-US" sz="1400" dirty="0"/>
+          </a:p>
+        </p:txBody>
+      </p:sp>
+      <p:sp>
+        <p:nvSpPr>
+          <p:cNvPr id="58" name="TextBox 57"/>
+          <p:cNvSpPr txBox="1"/>
+          <p:nvPr/>
+        </p:nvSpPr>
+        <p:spPr>
+          <a:xfrm>
+            <a:off x="4063612" y="4002473"/>
+            <a:ext cx="886718" cy="307777"/>
+          </a:xfrm>
+          <a:prstGeom prst="rect">
+            <a:avLst/>
+          </a:prstGeom>
+          <a:noFill/>
+        </p:spPr>
+        <p:txBody>
+          <a:bodyPr wrap="none" rtlCol="0">
+            <a:spAutoFit/>
+          </a:bodyPr>
+          <a:lstStyle/>
+          <a:p>
+            <a:r>
+              <a:rPr lang="en-US" sz="1400" dirty="0" smtClean="0"/>
+              <a:t>End point</a:t>
+            </a:r>
+            <a:endParaRPr lang="en-US" sz="1400" dirty="0"/>
+          </a:p>
+        </p:txBody>
+      </p:sp>
+    </p:spTree>
+    <p:extLst>
+      <p:ext uri="{BB962C8B-B14F-4D97-AF65-F5344CB8AC3E}">
+        <p14:creationId xmlns:p14="http://schemas.microsoft.com/office/powerpoint/2010/main" val="1934828745"/>
+      </p:ext>
+    </p:extLst>
+  </p:cSld>
+  <p:clrMapOvr>
+    <a:masterClrMapping/>
+  </p:clrMapOvr>
+</p:sld>
+</file>
+
+<file path=ppt/slides/slide7.xml><?xml version="1.0" encoding="utf-8"?>
+<p:sld xmlns:a="http://schemas.openxmlformats.org/drawingml/2006/main" xmlns:r="http://schemas.openxmlformats.org/officeDocument/2006/relationships" xmlns:p="http://schemas.openxmlformats.org/presentationml/2006/main">
+  <p:cSld>
+    <p:spTree>
+      <p:nvGrpSpPr>
+        <p:cNvPr id="1" name=""/>
+        <p:cNvGrpSpPr/>
+        <p:nvPr/>
+      </p:nvGrpSpPr>
+      <p:grpSpPr>
+        <a:xfrm>
+          <a:off x="0" y="0"/>
+          <a:ext cx="0" cy="0"/>
+          <a:chOff x="0" y="0"/>
+          <a:chExt cx="0" cy="0"/>
+        </a:xfrm>
+      </p:grpSpPr>
+      <p:sp>
+        <p:nvSpPr>
           <p:cNvPr id="2" name="Rectangle 1"/>
           <p:cNvSpPr/>
           <p:nvPr/>
@@ -9936,7 +11805,7 @@
 </p:sld>
 </file>
 
-<file path=ppt/slides/slide7.xml><?xml version="1.0" encoding="utf-8"?>
+<file path=ppt/slides/slide8.xml><?xml version="1.0" encoding="utf-8"?>
 <p:sld xmlns:a="http://schemas.openxmlformats.org/drawingml/2006/main" xmlns:r="http://schemas.openxmlformats.org/officeDocument/2006/relationships" xmlns:p="http://schemas.openxmlformats.org/presentationml/2006/main">
   <p:cSld>
     <p:spTree>
@@ -9966,7 +11835,7 @@
 </p:sld>
 </file>
 
-<file path=ppt/slides/slide8.xml><?xml version="1.0" encoding="utf-8"?>
+<file path=ppt/slides/slide9.xml><?xml version="1.0" encoding="utf-8"?>
 <p:sld xmlns:a="http://schemas.openxmlformats.org/drawingml/2006/main" xmlns:r="http://schemas.openxmlformats.org/officeDocument/2006/relationships" xmlns:p="http://schemas.openxmlformats.org/presentationml/2006/main">
   <p:cSld>
     <p:spTree>
@@ -12155,7 +14024,7 @@
   <p:timing>
     <p:tnLst>
       <p:par>
-        <p:cTn id="1" dur="indefinite" restart="never" nodeType="tmRoot"/>
+        <p:cTn xmlns:p14="http://schemas.microsoft.com/office/powerpoint/2010/main" id="1" dur="indefinite" restart="never" nodeType="tmRoot"/>
       </p:par>
     </p:tnLst>
   </p:timing>
@@ -12417,7 +14286,7 @@
   <a:extraClrSchemeLst/>
   <a:extLst>
     <a:ext uri="{05A4C25C-085E-4340-85A3-A5531E510DB2}">
-      <thm15:themeFamily xmlns:thm15="http://schemas.microsoft.com/office/thememl/2012/main" name="Office Theme" id="{62F939B6-93AF-4DB8-9C6B-D6C7DFDC589F}" vid="{4A3C46E8-61CC-4603-A589-7422A47A8E4A}"/>
+      <thm15:themeFamily xmlns:thm15="http://schemas.microsoft.com/office/thememl/2012/main" xmlns="" name="Office Theme" id="{62F939B6-93AF-4DB8-9C6B-D6C7DFDC589F}" vid="{4A3C46E8-61CC-4603-A589-7422A47A8E4A}"/>
     </a:ext>
   </a:extLst>
 </a:theme>
